--- a/IOT Sharing Session 2023 - Hudzaifah.pptx
+++ b/IOT Sharing Session 2023 - Hudzaifah.pptx
@@ -8,12 +8,21 @@
     <p:sldId id="256" r:id="rId2"/>
     <p:sldId id="257" r:id="rId3"/>
     <p:sldId id="258" r:id="rId4"/>
-    <p:sldId id="259" r:id="rId5"/>
-    <p:sldId id="260" r:id="rId6"/>
-    <p:sldId id="263" r:id="rId7"/>
-    <p:sldId id="264" r:id="rId8"/>
+    <p:sldId id="265" r:id="rId5"/>
+    <p:sldId id="259" r:id="rId6"/>
+    <p:sldId id="260" r:id="rId7"/>
+    <p:sldId id="263" r:id="rId8"/>
     <p:sldId id="262" r:id="rId9"/>
-    <p:sldId id="261" r:id="rId10"/>
+    <p:sldId id="266" r:id="rId10"/>
+    <p:sldId id="267" r:id="rId11"/>
+    <p:sldId id="268" r:id="rId12"/>
+    <p:sldId id="269" r:id="rId13"/>
+    <p:sldId id="261" r:id="rId14"/>
+    <p:sldId id="270" r:id="rId15"/>
+    <p:sldId id="272" r:id="rId16"/>
+    <p:sldId id="271" r:id="rId17"/>
+    <p:sldId id="273" r:id="rId18"/>
+    <p:sldId id="274" r:id="rId19"/>
   </p:sldIdLst>
   <p:sldSz cx="9144000" cy="6858000" type="screen4x3"/>
   <p:notesSz cx="6858000" cy="9144000"/>
@@ -296,7 +305,8 @@
           <a:p>
             <a:fld id="{790AB7AF-4FBC-41DF-8BCC-55C648879930}" type="datetimeFigureOut">
               <a:rPr lang="en-US" smtClean="0"/>
-              <a:t>1/2/2023</a:t>
+              <a:pPr/>
+              <a:t>1/3/2023</a:t>
             </a:fld>
             <a:endParaRPr lang="en-US"/>
           </a:p>
@@ -338,6 +348,7 @@
           <a:p>
             <a:fld id="{D367646F-7C36-4A57-92C4-55B0E9277D6C}" type="slidenum">
               <a:rPr lang="en-US" smtClean="0"/>
+              <a:pPr/>
               <a:t>‹#›</a:t>
             </a:fld>
             <a:endParaRPr lang="en-US"/>
@@ -347,7 +358,7 @@
     </p:spTree>
     <p:extLst>
       <p:ext uri="{BB962C8B-B14F-4D97-AF65-F5344CB8AC3E}">
-        <p14:creationId xmlns:p14="http://schemas.microsoft.com/office/powerpoint/2010/main" val="4148865430"/>
+        <p14:creationId xmlns:p14="http://schemas.microsoft.com/office/powerpoint/2010/main" xmlns="" val="4148865430"/>
       </p:ext>
     </p:extLst>
   </p:cSld>
@@ -466,7 +477,8 @@
           <a:p>
             <a:fld id="{790AB7AF-4FBC-41DF-8BCC-55C648879930}" type="datetimeFigureOut">
               <a:rPr lang="en-US" smtClean="0"/>
-              <a:t>1/2/2023</a:t>
+              <a:pPr/>
+              <a:t>1/3/2023</a:t>
             </a:fld>
             <a:endParaRPr lang="en-US"/>
           </a:p>
@@ -508,6 +520,7 @@
           <a:p>
             <a:fld id="{D367646F-7C36-4A57-92C4-55B0E9277D6C}" type="slidenum">
               <a:rPr lang="en-US" smtClean="0"/>
+              <a:pPr/>
               <a:t>‹#›</a:t>
             </a:fld>
             <a:endParaRPr lang="en-US"/>
@@ -517,7 +530,7 @@
     </p:spTree>
     <p:extLst>
       <p:ext uri="{BB962C8B-B14F-4D97-AF65-F5344CB8AC3E}">
-        <p14:creationId xmlns:p14="http://schemas.microsoft.com/office/powerpoint/2010/main" val="4237987104"/>
+        <p14:creationId xmlns:p14="http://schemas.microsoft.com/office/powerpoint/2010/main" xmlns="" val="4237987104"/>
       </p:ext>
     </p:extLst>
   </p:cSld>
@@ -646,7 +659,8 @@
           <a:p>
             <a:fld id="{790AB7AF-4FBC-41DF-8BCC-55C648879930}" type="datetimeFigureOut">
               <a:rPr lang="en-US" smtClean="0"/>
-              <a:t>1/2/2023</a:t>
+              <a:pPr/>
+              <a:t>1/3/2023</a:t>
             </a:fld>
             <a:endParaRPr lang="en-US"/>
           </a:p>
@@ -688,6 +702,7 @@
           <a:p>
             <a:fld id="{D367646F-7C36-4A57-92C4-55B0E9277D6C}" type="slidenum">
               <a:rPr lang="en-US" smtClean="0"/>
+              <a:pPr/>
               <a:t>‹#›</a:t>
             </a:fld>
             <a:endParaRPr lang="en-US"/>
@@ -697,7 +712,7 @@
     </p:spTree>
     <p:extLst>
       <p:ext uri="{BB962C8B-B14F-4D97-AF65-F5344CB8AC3E}">
-        <p14:creationId xmlns:p14="http://schemas.microsoft.com/office/powerpoint/2010/main" val="2031435251"/>
+        <p14:creationId xmlns:p14="http://schemas.microsoft.com/office/powerpoint/2010/main" xmlns="" val="2031435251"/>
       </p:ext>
     </p:extLst>
   </p:cSld>
@@ -816,7 +831,8 @@
           <a:p>
             <a:fld id="{790AB7AF-4FBC-41DF-8BCC-55C648879930}" type="datetimeFigureOut">
               <a:rPr lang="en-US" smtClean="0"/>
-              <a:t>1/2/2023</a:t>
+              <a:pPr/>
+              <a:t>1/3/2023</a:t>
             </a:fld>
             <a:endParaRPr lang="en-US"/>
           </a:p>
@@ -858,6 +874,7 @@
           <a:p>
             <a:fld id="{D367646F-7C36-4A57-92C4-55B0E9277D6C}" type="slidenum">
               <a:rPr lang="en-US" smtClean="0"/>
+              <a:pPr/>
               <a:t>‹#›</a:t>
             </a:fld>
             <a:endParaRPr lang="en-US"/>
@@ -867,7 +884,7 @@
     </p:spTree>
     <p:extLst>
       <p:ext uri="{BB962C8B-B14F-4D97-AF65-F5344CB8AC3E}">
-        <p14:creationId xmlns:p14="http://schemas.microsoft.com/office/powerpoint/2010/main" val="2207579303"/>
+        <p14:creationId xmlns:p14="http://schemas.microsoft.com/office/powerpoint/2010/main" xmlns="" val="2207579303"/>
       </p:ext>
     </p:extLst>
   </p:cSld>
@@ -1062,7 +1079,8 @@
           <a:p>
             <a:fld id="{790AB7AF-4FBC-41DF-8BCC-55C648879930}" type="datetimeFigureOut">
               <a:rPr lang="en-US" smtClean="0"/>
-              <a:t>1/2/2023</a:t>
+              <a:pPr/>
+              <a:t>1/3/2023</a:t>
             </a:fld>
             <a:endParaRPr lang="en-US"/>
           </a:p>
@@ -1104,6 +1122,7 @@
           <a:p>
             <a:fld id="{D367646F-7C36-4A57-92C4-55B0E9277D6C}" type="slidenum">
               <a:rPr lang="en-US" smtClean="0"/>
+              <a:pPr/>
               <a:t>‹#›</a:t>
             </a:fld>
             <a:endParaRPr lang="en-US"/>
@@ -1113,7 +1132,7 @@
     </p:spTree>
     <p:extLst>
       <p:ext uri="{BB962C8B-B14F-4D97-AF65-F5344CB8AC3E}">
-        <p14:creationId xmlns:p14="http://schemas.microsoft.com/office/powerpoint/2010/main" val="343768883"/>
+        <p14:creationId xmlns:p14="http://schemas.microsoft.com/office/powerpoint/2010/main" xmlns="" val="343768883"/>
       </p:ext>
     </p:extLst>
   </p:cSld>
@@ -1350,7 +1369,8 @@
           <a:p>
             <a:fld id="{790AB7AF-4FBC-41DF-8BCC-55C648879930}" type="datetimeFigureOut">
               <a:rPr lang="en-US" smtClean="0"/>
-              <a:t>1/2/2023</a:t>
+              <a:pPr/>
+              <a:t>1/3/2023</a:t>
             </a:fld>
             <a:endParaRPr lang="en-US"/>
           </a:p>
@@ -1392,6 +1412,7 @@
           <a:p>
             <a:fld id="{D367646F-7C36-4A57-92C4-55B0E9277D6C}" type="slidenum">
               <a:rPr lang="en-US" smtClean="0"/>
+              <a:pPr/>
               <a:t>‹#›</a:t>
             </a:fld>
             <a:endParaRPr lang="en-US"/>
@@ -1401,7 +1422,7 @@
     </p:spTree>
     <p:extLst>
       <p:ext uri="{BB962C8B-B14F-4D97-AF65-F5344CB8AC3E}">
-        <p14:creationId xmlns:p14="http://schemas.microsoft.com/office/powerpoint/2010/main" val="258284544"/>
+        <p14:creationId xmlns:p14="http://schemas.microsoft.com/office/powerpoint/2010/main" xmlns="" val="258284544"/>
       </p:ext>
     </p:extLst>
   </p:cSld>
@@ -1772,7 +1793,8 @@
           <a:p>
             <a:fld id="{790AB7AF-4FBC-41DF-8BCC-55C648879930}" type="datetimeFigureOut">
               <a:rPr lang="en-US" smtClean="0"/>
-              <a:t>1/2/2023</a:t>
+              <a:pPr/>
+              <a:t>1/3/2023</a:t>
             </a:fld>
             <a:endParaRPr lang="en-US"/>
           </a:p>
@@ -1814,6 +1836,7 @@
           <a:p>
             <a:fld id="{D367646F-7C36-4A57-92C4-55B0E9277D6C}" type="slidenum">
               <a:rPr lang="en-US" smtClean="0"/>
+              <a:pPr/>
               <a:t>‹#›</a:t>
             </a:fld>
             <a:endParaRPr lang="en-US"/>
@@ -1823,7 +1846,7 @@
     </p:spTree>
     <p:extLst>
       <p:ext uri="{BB962C8B-B14F-4D97-AF65-F5344CB8AC3E}">
-        <p14:creationId xmlns:p14="http://schemas.microsoft.com/office/powerpoint/2010/main" val="2095218334"/>
+        <p14:creationId xmlns:p14="http://schemas.microsoft.com/office/powerpoint/2010/main" xmlns="" val="2095218334"/>
       </p:ext>
     </p:extLst>
   </p:cSld>
@@ -1890,7 +1913,8 @@
           <a:p>
             <a:fld id="{790AB7AF-4FBC-41DF-8BCC-55C648879930}" type="datetimeFigureOut">
               <a:rPr lang="en-US" smtClean="0"/>
-              <a:t>1/2/2023</a:t>
+              <a:pPr/>
+              <a:t>1/3/2023</a:t>
             </a:fld>
             <a:endParaRPr lang="en-US"/>
           </a:p>
@@ -1932,6 +1956,7 @@
           <a:p>
             <a:fld id="{D367646F-7C36-4A57-92C4-55B0E9277D6C}" type="slidenum">
               <a:rPr lang="en-US" smtClean="0"/>
+              <a:pPr/>
               <a:t>‹#›</a:t>
             </a:fld>
             <a:endParaRPr lang="en-US"/>
@@ -1941,7 +1966,7 @@
     </p:spTree>
     <p:extLst>
       <p:ext uri="{BB962C8B-B14F-4D97-AF65-F5344CB8AC3E}">
-        <p14:creationId xmlns:p14="http://schemas.microsoft.com/office/powerpoint/2010/main" val="2381025228"/>
+        <p14:creationId xmlns:p14="http://schemas.microsoft.com/office/powerpoint/2010/main" xmlns="" val="2381025228"/>
       </p:ext>
     </p:extLst>
   </p:cSld>
@@ -1985,7 +2010,8 @@
           <a:p>
             <a:fld id="{790AB7AF-4FBC-41DF-8BCC-55C648879930}" type="datetimeFigureOut">
               <a:rPr lang="en-US" smtClean="0"/>
-              <a:t>1/2/2023</a:t>
+              <a:pPr/>
+              <a:t>1/3/2023</a:t>
             </a:fld>
             <a:endParaRPr lang="en-US"/>
           </a:p>
@@ -2027,6 +2053,7 @@
           <a:p>
             <a:fld id="{D367646F-7C36-4A57-92C4-55B0E9277D6C}" type="slidenum">
               <a:rPr lang="en-US" smtClean="0"/>
+              <a:pPr/>
               <a:t>‹#›</a:t>
             </a:fld>
             <a:endParaRPr lang="en-US"/>
@@ -2036,7 +2063,7 @@
     </p:spTree>
     <p:extLst>
       <p:ext uri="{BB962C8B-B14F-4D97-AF65-F5344CB8AC3E}">
-        <p14:creationId xmlns:p14="http://schemas.microsoft.com/office/powerpoint/2010/main" val="1486586950"/>
+        <p14:creationId xmlns:p14="http://schemas.microsoft.com/office/powerpoint/2010/main" xmlns="" val="1486586950"/>
       </p:ext>
     </p:extLst>
   </p:cSld>
@@ -2262,7 +2289,8 @@
           <a:p>
             <a:fld id="{790AB7AF-4FBC-41DF-8BCC-55C648879930}" type="datetimeFigureOut">
               <a:rPr lang="en-US" smtClean="0"/>
-              <a:t>1/2/2023</a:t>
+              <a:pPr/>
+              <a:t>1/3/2023</a:t>
             </a:fld>
             <a:endParaRPr lang="en-US"/>
           </a:p>
@@ -2304,6 +2332,7 @@
           <a:p>
             <a:fld id="{D367646F-7C36-4A57-92C4-55B0E9277D6C}" type="slidenum">
               <a:rPr lang="en-US" smtClean="0"/>
+              <a:pPr/>
               <a:t>‹#›</a:t>
             </a:fld>
             <a:endParaRPr lang="en-US"/>
@@ -2313,7 +2342,7 @@
     </p:spTree>
     <p:extLst>
       <p:ext uri="{BB962C8B-B14F-4D97-AF65-F5344CB8AC3E}">
-        <p14:creationId xmlns:p14="http://schemas.microsoft.com/office/powerpoint/2010/main" val="3482400898"/>
+        <p14:creationId xmlns:p14="http://schemas.microsoft.com/office/powerpoint/2010/main" xmlns="" val="3482400898"/>
       </p:ext>
     </p:extLst>
   </p:cSld>
@@ -2515,7 +2544,8 @@
           <a:p>
             <a:fld id="{790AB7AF-4FBC-41DF-8BCC-55C648879930}" type="datetimeFigureOut">
               <a:rPr lang="en-US" smtClean="0"/>
-              <a:t>1/2/2023</a:t>
+              <a:pPr/>
+              <a:t>1/3/2023</a:t>
             </a:fld>
             <a:endParaRPr lang="en-US"/>
           </a:p>
@@ -2557,6 +2587,7 @@
           <a:p>
             <a:fld id="{D367646F-7C36-4A57-92C4-55B0E9277D6C}" type="slidenum">
               <a:rPr lang="en-US" smtClean="0"/>
+              <a:pPr/>
               <a:t>‹#›</a:t>
             </a:fld>
             <a:endParaRPr lang="en-US"/>
@@ -2566,7 +2597,7 @@
     </p:spTree>
     <p:extLst>
       <p:ext uri="{BB962C8B-B14F-4D97-AF65-F5344CB8AC3E}">
-        <p14:creationId xmlns:p14="http://schemas.microsoft.com/office/powerpoint/2010/main" val="2271725246"/>
+        <p14:creationId xmlns:p14="http://schemas.microsoft.com/office/powerpoint/2010/main" xmlns="" val="2271725246"/>
       </p:ext>
     </p:extLst>
   </p:cSld>
@@ -2728,7 +2759,8 @@
           <a:p>
             <a:fld id="{790AB7AF-4FBC-41DF-8BCC-55C648879930}" type="datetimeFigureOut">
               <a:rPr lang="en-US" smtClean="0"/>
-              <a:t>1/2/2023</a:t>
+              <a:pPr/>
+              <a:t>1/3/2023</a:t>
             </a:fld>
             <a:endParaRPr lang="en-US"/>
           </a:p>
@@ -2806,6 +2838,7 @@
           <a:p>
             <a:fld id="{D367646F-7C36-4A57-92C4-55B0E9277D6C}" type="slidenum">
               <a:rPr lang="en-US" smtClean="0"/>
+              <a:pPr/>
               <a:t>‹#›</a:t>
             </a:fld>
             <a:endParaRPr lang="en-US"/>
@@ -2815,7 +2848,7 @@
     </p:spTree>
     <p:extLst>
       <p:ext uri="{BB962C8B-B14F-4D97-AF65-F5344CB8AC3E}">
-        <p14:creationId xmlns:p14="http://schemas.microsoft.com/office/powerpoint/2010/main" val="2786197707"/>
+        <p14:creationId xmlns:p14="http://schemas.microsoft.com/office/powerpoint/2010/main" xmlns="" val="2786197707"/>
       </p:ext>
     </p:extLst>
   </p:cSld>
@@ -3115,7 +3148,7 @@
           <a:blip r:embed="rId2" cstate="print">
             <a:extLst>
               <a:ext uri="{28A0092B-C50C-407E-A947-70E740481C1C}">
-                <a14:useLocalDpi xmlns:a14="http://schemas.microsoft.com/office/drawing/2010/main" val="0"/>
+                <a14:useLocalDpi xmlns:a14="http://schemas.microsoft.com/office/drawing/2010/main" xmlns="" val="0"/>
               </a:ext>
             </a:extLst>
           </a:blip>
@@ -3133,7 +3166,7 @@
           <a:noFill/>
           <a:extLst>
             <a:ext uri="{909E8E84-426E-40DD-AFC4-6F175D3DCCD1}">
-              <a14:hiddenFill xmlns:a14="http://schemas.microsoft.com/office/drawing/2010/main">
+              <a14:hiddenFill xmlns:a14="http://schemas.microsoft.com/office/drawing/2010/main" xmlns="">
                 <a:solidFill>
                   <a:srgbClr val="FFFFFF"/>
                 </a:solidFill>
@@ -3154,7 +3187,7 @@
           <a:blip r:embed="rId3" cstate="print">
             <a:extLst>
               <a:ext uri="{28A0092B-C50C-407E-A947-70E740481C1C}">
-                <a14:useLocalDpi xmlns:a14="http://schemas.microsoft.com/office/drawing/2010/main" val="0"/>
+                <a14:useLocalDpi xmlns:a14="http://schemas.microsoft.com/office/drawing/2010/main" xmlns="" val="0"/>
               </a:ext>
             </a:extLst>
           </a:blip>
@@ -3174,7 +3207,7 @@
           <a:noFill/>
           <a:extLst>
             <a:ext uri="{909E8E84-426E-40DD-AFC4-6F175D3DCCD1}">
-              <a14:hiddenFill xmlns:a14="http://schemas.microsoft.com/office/drawing/2010/main">
+              <a14:hiddenFill xmlns:a14="http://schemas.microsoft.com/office/drawing/2010/main" xmlns="">
                 <a:solidFill>
                   <a:srgbClr val="FFFFFF"/>
                 </a:solidFill>
@@ -3209,7 +3242,7 @@
             <a:blip r:embed="rId4">
               <a:extLst>
                 <a:ext uri="{28A0092B-C50C-407E-A947-70E740481C1C}">
-                  <a14:useLocalDpi xmlns:a14="http://schemas.microsoft.com/office/drawing/2010/main" val="0"/>
+                  <a14:useLocalDpi xmlns:a14="http://schemas.microsoft.com/office/drawing/2010/main" xmlns="" val="0"/>
                 </a:ext>
               </a:extLst>
             </a:blip>
@@ -3239,7 +3272,7 @@
             <a:blip r:embed="rId5" cstate="print">
               <a:extLst>
                 <a:ext uri="{28A0092B-C50C-407E-A947-70E740481C1C}">
-                  <a14:useLocalDpi xmlns:a14="http://schemas.microsoft.com/office/drawing/2010/main" val="0"/>
+                  <a14:useLocalDpi xmlns:a14="http://schemas.microsoft.com/office/drawing/2010/main" xmlns="" val="0"/>
                 </a:ext>
               </a:extLst>
             </a:blip>
@@ -3259,7 +3292,7 @@
             <a:noFill/>
             <a:extLst>
               <a:ext uri="{909E8E84-426E-40DD-AFC4-6F175D3DCCD1}">
-                <a14:hiddenFill xmlns:a14="http://schemas.microsoft.com/office/drawing/2010/main">
+                <a14:hiddenFill xmlns:a14="http://schemas.microsoft.com/office/drawing/2010/main" xmlns="">
                   <a:solidFill>
                     <a:srgbClr val="FFFFFF"/>
                   </a:solidFill>
@@ -3341,7 +3374,7 @@
             <a:blip r:embed="rId6" cstate="print">
               <a:extLst>
                 <a:ext uri="{28A0092B-C50C-407E-A947-70E740481C1C}">
-                  <a14:useLocalDpi xmlns:a14="http://schemas.microsoft.com/office/drawing/2010/main" val="0"/>
+                  <a14:useLocalDpi xmlns:a14="http://schemas.microsoft.com/office/drawing/2010/main" xmlns="" val="0"/>
                 </a:ext>
               </a:extLst>
             </a:blip>
@@ -3431,7 +3464,7 @@
             <a:blip r:embed="rId7" cstate="print">
               <a:extLst>
                 <a:ext uri="{28A0092B-C50C-407E-A947-70E740481C1C}">
-                  <a14:useLocalDpi xmlns:a14="http://schemas.microsoft.com/office/drawing/2010/main" val="0"/>
+                  <a14:useLocalDpi xmlns:a14="http://schemas.microsoft.com/office/drawing/2010/main" xmlns="" val="0"/>
                 </a:ext>
               </a:extLst>
             </a:blip>
@@ -3521,7 +3554,7 @@
             <a:blip r:embed="rId8">
               <a:extLst>
                 <a:ext uri="{28A0092B-C50C-407E-A947-70E740481C1C}">
-                  <a14:useLocalDpi xmlns:a14="http://schemas.microsoft.com/office/drawing/2010/main" val="0"/>
+                  <a14:useLocalDpi xmlns:a14="http://schemas.microsoft.com/office/drawing/2010/main" xmlns="" val="0"/>
                 </a:ext>
               </a:extLst>
             </a:blip>
@@ -3611,7 +3644,7 @@
             <a:blip r:embed="rId9" cstate="print">
               <a:extLst>
                 <a:ext uri="{28A0092B-C50C-407E-A947-70E740481C1C}">
-                  <a14:useLocalDpi xmlns:a14="http://schemas.microsoft.com/office/drawing/2010/main" val="0"/>
+                  <a14:useLocalDpi xmlns:a14="http://schemas.microsoft.com/office/drawing/2010/main" xmlns="" val="0"/>
                 </a:ext>
               </a:extLst>
             </a:blip>
@@ -4039,7 +4072,7 @@
             <a:blip r:embed="rId4">
               <a:extLst>
                 <a:ext uri="{28A0092B-C50C-407E-A947-70E740481C1C}">
-                  <a14:useLocalDpi xmlns:a14="http://schemas.microsoft.com/office/drawing/2010/main" val="0"/>
+                  <a14:useLocalDpi xmlns:a14="http://schemas.microsoft.com/office/drawing/2010/main" xmlns="" val="0"/>
                 </a:ext>
               </a:extLst>
             </a:blip>
@@ -4069,7 +4102,7 @@
             <a:blip r:embed="rId5" cstate="print">
               <a:extLst>
                 <a:ext uri="{28A0092B-C50C-407E-A947-70E740481C1C}">
-                  <a14:useLocalDpi xmlns:a14="http://schemas.microsoft.com/office/drawing/2010/main" val="0"/>
+                  <a14:useLocalDpi xmlns:a14="http://schemas.microsoft.com/office/drawing/2010/main" xmlns="" val="0"/>
                 </a:ext>
               </a:extLst>
             </a:blip>
@@ -4089,7 +4122,7 @@
             <a:noFill/>
             <a:extLst>
               <a:ext uri="{909E8E84-426E-40DD-AFC4-6F175D3DCCD1}">
-                <a14:hiddenFill xmlns:a14="http://schemas.microsoft.com/office/drawing/2010/main">
+                <a14:hiddenFill xmlns:a14="http://schemas.microsoft.com/office/drawing/2010/main" xmlns="">
                   <a:solidFill>
                     <a:srgbClr val="FFFFFF"/>
                   </a:solidFill>
@@ -4102,7 +4135,7 @@
     </p:spTree>
     <p:extLst>
       <p:ext uri="{BB962C8B-B14F-4D97-AF65-F5344CB8AC3E}">
-        <p14:creationId xmlns:p14="http://schemas.microsoft.com/office/powerpoint/2010/main" val="2058552679"/>
+        <p14:creationId xmlns:p14="http://schemas.microsoft.com/office/powerpoint/2010/main" xmlns="" val="2058552679"/>
       </p:ext>
     </p:extLst>
   </p:cSld>
@@ -4116,6 +4149,4681 @@
       </p:par>
     </p:tnLst>
   </p:timing>
+</p:sld>
+</file>
+
+<file path=ppt/slides/slide10.xml><?xml version="1.0" encoding="utf-8"?>
+<p:sld xmlns:a="http://schemas.openxmlformats.org/drawingml/2006/main" xmlns:r="http://schemas.openxmlformats.org/officeDocument/2006/relationships" xmlns:p="http://schemas.openxmlformats.org/presentationml/2006/main">
+  <p:cSld>
+    <p:spTree>
+      <p:nvGrpSpPr>
+        <p:cNvPr id="1" name=""/>
+        <p:cNvGrpSpPr/>
+        <p:nvPr/>
+      </p:nvGrpSpPr>
+      <p:grpSpPr>
+        <a:xfrm>
+          <a:off x="0" y="0"/>
+          <a:ext cx="0" cy="0"/>
+          <a:chOff x="0" y="0"/>
+          <a:chExt cx="0" cy="0"/>
+        </a:xfrm>
+      </p:grpSpPr>
+      <p:sp>
+        <p:nvSpPr>
+          <p:cNvPr id="1031" name="Rectangle 1030"/>
+          <p:cNvSpPr/>
+          <p:nvPr/>
+        </p:nvSpPr>
+        <p:spPr>
+          <a:xfrm>
+            <a:off x="65131" y="6477000"/>
+            <a:ext cx="3628365" cy="276999"/>
+          </a:xfrm>
+          <a:prstGeom prst="rect">
+            <a:avLst/>
+          </a:prstGeom>
+          <a:noFill/>
+        </p:spPr>
+        <p:txBody>
+          <a:bodyPr wrap="none" lIns="91440" tIns="45720" rIns="91440" bIns="45720">
+            <a:spAutoFit/>
+          </a:bodyPr>
+          <a:lstStyle/>
+          <a:p>
+            <a:pPr algn="ctr"/>
+            <a:r>
+              <a:rPr lang="en-US" sz="1200" cap="none" spc="0" dirty="0" smtClean="0">
+                <a:ln w="12700">
+                  <a:solidFill>
+                    <a:sysClr val="windowText" lastClr="000000"/>
+                  </a:solidFill>
+                  <a:prstDash val="solid"/>
+                </a:ln>
+                <a:solidFill>
+                  <a:sysClr val="windowText" lastClr="000000"/>
+                </a:solidFill>
+                <a:latin typeface="Arial" panose="020B0604020202020204" pitchFamily="34" charset="0"/>
+                <a:cs typeface="Arial" panose="020B0604020202020204" pitchFamily="34" charset="0"/>
+              </a:rPr>
+              <a:t>IOT Sharing Session 2023 </a:t>
+            </a:r>
+            <a:r>
+              <a:rPr lang="en-US" sz="1200" dirty="0" smtClean="0">
+                <a:ln w="12700">
+                  <a:solidFill>
+                    <a:sysClr val="windowText" lastClr="000000"/>
+                  </a:solidFill>
+                  <a:prstDash val="solid"/>
+                </a:ln>
+                <a:solidFill>
+                  <a:sysClr val="windowText" lastClr="000000"/>
+                </a:solidFill>
+                <a:latin typeface="Arial" panose="020B0604020202020204" pitchFamily="34" charset="0"/>
+                <a:cs typeface="Arial" panose="020B0604020202020204" pitchFamily="34" charset="0"/>
+              </a:rPr>
+              <a:t>a</a:t>
+            </a:r>
+            <a:r>
+              <a:rPr lang="en-US" sz="1200" cap="none" spc="0" dirty="0" smtClean="0">
+                <a:ln w="12700">
+                  <a:solidFill>
+                    <a:sysClr val="windowText" lastClr="000000"/>
+                  </a:solidFill>
+                  <a:prstDash val="solid"/>
+                </a:ln>
+                <a:solidFill>
+                  <a:sysClr val="windowText" lastClr="000000"/>
+                </a:solidFill>
+                <a:latin typeface="Arial" panose="020B0604020202020204" pitchFamily="34" charset="0"/>
+                <a:cs typeface="Arial" panose="020B0604020202020204" pitchFamily="34" charset="0"/>
+              </a:rPr>
+              <a:t>l.ghifari22@gmail.com</a:t>
+            </a:r>
+            <a:endParaRPr lang="en-US" sz="1200" cap="none" spc="0" dirty="0">
+              <a:ln w="12700">
+                <a:solidFill>
+                  <a:sysClr val="windowText" lastClr="000000"/>
+                </a:solidFill>
+                <a:prstDash val="solid"/>
+              </a:ln>
+              <a:solidFill>
+                <a:sysClr val="windowText" lastClr="000000"/>
+              </a:solidFill>
+              <a:latin typeface="Arial" panose="020B0604020202020204" pitchFamily="34" charset="0"/>
+              <a:cs typeface="Arial" panose="020B0604020202020204" pitchFamily="34" charset="0"/>
+            </a:endParaRPr>
+          </a:p>
+        </p:txBody>
+      </p:sp>
+      <p:sp>
+        <p:nvSpPr>
+          <p:cNvPr id="40" name="Rectangle 39"/>
+          <p:cNvSpPr/>
+          <p:nvPr/>
+        </p:nvSpPr>
+        <p:spPr>
+          <a:xfrm>
+            <a:off x="381000" y="370582"/>
+            <a:ext cx="5056192" cy="584775"/>
+          </a:xfrm>
+          <a:prstGeom prst="rect">
+            <a:avLst/>
+          </a:prstGeom>
+          <a:noFill/>
+        </p:spPr>
+        <p:txBody>
+          <a:bodyPr wrap="none" lIns="91440" tIns="45720" rIns="91440" bIns="45720">
+            <a:spAutoFit/>
+          </a:bodyPr>
+          <a:lstStyle/>
+          <a:p>
+            <a:r>
+              <a:rPr lang="en-US" sz="3200" dirty="0" err="1" smtClean="0">
+                <a:ln w="12700">
+                  <a:solidFill>
+                    <a:sysClr val="windowText" lastClr="000000"/>
+                  </a:solidFill>
+                  <a:prstDash val="solid"/>
+                </a:ln>
+                <a:solidFill>
+                  <a:sysClr val="windowText" lastClr="000000"/>
+                </a:solidFill>
+                <a:latin typeface="Arial" panose="020B0604020202020204" pitchFamily="34" charset="0"/>
+                <a:cs typeface="Arial" panose="020B0604020202020204" pitchFamily="34" charset="0"/>
+              </a:rPr>
+              <a:t>Membuat</a:t>
+            </a:r>
+            <a:r>
+              <a:rPr lang="en-US" sz="3200" dirty="0" smtClean="0">
+                <a:ln w="12700">
+                  <a:solidFill>
+                    <a:sysClr val="windowText" lastClr="000000"/>
+                  </a:solidFill>
+                  <a:prstDash val="solid"/>
+                </a:ln>
+                <a:solidFill>
+                  <a:sysClr val="windowText" lastClr="000000"/>
+                </a:solidFill>
+                <a:latin typeface="Arial" panose="020B0604020202020204" pitchFamily="34" charset="0"/>
+                <a:cs typeface="Arial" panose="020B0604020202020204" pitchFamily="34" charset="0"/>
+              </a:rPr>
+              <a:t> </a:t>
+            </a:r>
+            <a:r>
+              <a:rPr lang="en-US" sz="3200" dirty="0" err="1" smtClean="0">
+                <a:ln w="12700">
+                  <a:solidFill>
+                    <a:sysClr val="windowText" lastClr="000000"/>
+                  </a:solidFill>
+                  <a:prstDash val="solid"/>
+                </a:ln>
+                <a:solidFill>
+                  <a:sysClr val="windowText" lastClr="000000"/>
+                </a:solidFill>
+                <a:latin typeface="Arial" panose="020B0604020202020204" pitchFamily="34" charset="0"/>
+                <a:cs typeface="Arial" panose="020B0604020202020204" pitchFamily="34" charset="0"/>
+              </a:rPr>
+              <a:t>chatbot</a:t>
+            </a:r>
+            <a:r>
+              <a:rPr lang="en-US" sz="3200" dirty="0" smtClean="0">
+                <a:ln w="12700">
+                  <a:solidFill>
+                    <a:sysClr val="windowText" lastClr="000000"/>
+                  </a:solidFill>
+                  <a:prstDash val="solid"/>
+                </a:ln>
+                <a:solidFill>
+                  <a:sysClr val="windowText" lastClr="000000"/>
+                </a:solidFill>
+                <a:latin typeface="Arial" panose="020B0604020202020204" pitchFamily="34" charset="0"/>
+                <a:cs typeface="Arial" panose="020B0604020202020204" pitchFamily="34" charset="0"/>
+              </a:rPr>
+              <a:t> telegram</a:t>
+            </a:r>
+            <a:endParaRPr lang="en-US" sz="3200" cap="none" spc="0" dirty="0">
+              <a:ln w="12700">
+                <a:solidFill>
+                  <a:srgbClr val="00B050"/>
+                </a:solidFill>
+                <a:prstDash val="solid"/>
+              </a:ln>
+              <a:solidFill>
+                <a:srgbClr val="00B050"/>
+              </a:solidFill>
+              <a:latin typeface="Arial" panose="020B0604020202020204" pitchFamily="34" charset="0"/>
+              <a:cs typeface="Arial" panose="020B0604020202020204" pitchFamily="34" charset="0"/>
+            </a:endParaRPr>
+          </a:p>
+        </p:txBody>
+      </p:sp>
+      <p:pic>
+        <p:nvPicPr>
+          <p:cNvPr id="5" name="Picture 4" descr="Berkas:Telegram logo.svg - Wikipedia bahasa Indonesia, ensiklopedia bebas"/>
+          <p:cNvPicPr>
+            <a:picLocks noChangeAspect="1" noChangeArrowheads="1"/>
+          </p:cNvPicPr>
+          <p:nvPr/>
+        </p:nvPicPr>
+        <p:blipFill>
+          <a:blip r:embed="rId2" cstate="print">
+            <a:extLst>
+              <a:ext uri="{28A0092B-C50C-407E-A947-70E740481C1C}">
+                <a14:useLocalDpi xmlns:a14="http://schemas.microsoft.com/office/drawing/2010/main" xmlns="" val="0"/>
+              </a:ext>
+            </a:extLst>
+          </a:blip>
+          <a:srcRect/>
+          <a:stretch>
+            <a:fillRect/>
+          </a:stretch>
+        </p:blipFill>
+        <p:spPr bwMode="auto">
+          <a:xfrm>
+            <a:off x="8358116" y="5867400"/>
+            <a:ext cx="504967" cy="521252"/>
+          </a:xfrm>
+          <a:prstGeom prst="rect">
+            <a:avLst/>
+          </a:prstGeom>
+          <a:noFill/>
+          <a:extLst>
+            <a:ext uri="{909E8E84-426E-40DD-AFC4-6F175D3DCCD1}">
+              <a14:hiddenFill xmlns:a14="http://schemas.microsoft.com/office/drawing/2010/main" xmlns="">
+                <a:solidFill>
+                  <a:srgbClr val="FFFFFF"/>
+                </a:solidFill>
+              </a14:hiddenFill>
+            </a:ext>
+          </a:extLst>
+        </p:spPr>
+      </p:pic>
+      <p:pic>
+        <p:nvPicPr>
+          <p:cNvPr id="24578" name="Picture 2" descr="botfather"/>
+          <p:cNvPicPr>
+            <a:picLocks noChangeAspect="1" noChangeArrowheads="1"/>
+          </p:cNvPicPr>
+          <p:nvPr/>
+        </p:nvPicPr>
+        <p:blipFill>
+          <a:blip r:embed="rId3"/>
+          <a:srcRect/>
+          <a:stretch>
+            <a:fillRect/>
+          </a:stretch>
+        </p:blipFill>
+        <p:spPr bwMode="auto">
+          <a:xfrm>
+            <a:off x="666750" y="2228850"/>
+            <a:ext cx="3448050" cy="1885950"/>
+          </a:xfrm>
+          <a:prstGeom prst="rect">
+            <a:avLst/>
+          </a:prstGeom>
+          <a:noFill/>
+        </p:spPr>
+      </p:pic>
+      <p:pic>
+        <p:nvPicPr>
+          <p:cNvPr id="24580" name="Picture 4" descr="Telegram Start BotFather to Create a new Bot"/>
+          <p:cNvPicPr>
+            <a:picLocks noChangeAspect="1" noChangeArrowheads="1"/>
+          </p:cNvPicPr>
+          <p:nvPr/>
+        </p:nvPicPr>
+        <p:blipFill>
+          <a:blip r:embed="rId4"/>
+          <a:srcRect/>
+          <a:stretch>
+            <a:fillRect/>
+          </a:stretch>
+        </p:blipFill>
+        <p:spPr bwMode="auto">
+          <a:xfrm>
+            <a:off x="5029200" y="1143000"/>
+            <a:ext cx="2689817" cy="5410200"/>
+          </a:xfrm>
+          <a:prstGeom prst="rect">
+            <a:avLst/>
+          </a:prstGeom>
+          <a:noFill/>
+        </p:spPr>
+      </p:pic>
+      <p:sp>
+        <p:nvSpPr>
+          <p:cNvPr id="17" name="Rectangle 16"/>
+          <p:cNvSpPr/>
+          <p:nvPr/>
+        </p:nvSpPr>
+        <p:spPr>
+          <a:xfrm>
+            <a:off x="424468" y="1676400"/>
+            <a:ext cx="3995132" cy="461665"/>
+          </a:xfrm>
+          <a:prstGeom prst="rect">
+            <a:avLst/>
+          </a:prstGeom>
+          <a:noFill/>
+        </p:spPr>
+        <p:txBody>
+          <a:bodyPr wrap="square" lIns="91440" tIns="45720" rIns="91440" bIns="45720">
+            <a:spAutoFit/>
+          </a:bodyPr>
+          <a:lstStyle/>
+          <a:p>
+            <a:pPr algn="just"/>
+            <a:r>
+              <a:rPr lang="en-US" sz="2400" dirty="0" smtClean="0"/>
+              <a:t>Search “</a:t>
+            </a:r>
+            <a:r>
+              <a:rPr lang="en-US" sz="2400" dirty="0" err="1" smtClean="0"/>
+              <a:t>botfather</a:t>
+            </a:r>
+            <a:r>
+              <a:rPr lang="en-US" sz="2400" dirty="0" smtClean="0"/>
+              <a:t>”</a:t>
+            </a:r>
+            <a:endParaRPr lang="en-US" sz="2400" dirty="0" smtClean="0"/>
+          </a:p>
+        </p:txBody>
+      </p:sp>
+      <p:sp>
+        <p:nvSpPr>
+          <p:cNvPr id="18" name="Rectangle 17"/>
+          <p:cNvSpPr/>
+          <p:nvPr/>
+        </p:nvSpPr>
+        <p:spPr>
+          <a:xfrm>
+            <a:off x="3124200" y="5410200"/>
+            <a:ext cx="2133600" cy="461665"/>
+          </a:xfrm>
+          <a:prstGeom prst="rect">
+            <a:avLst/>
+          </a:prstGeom>
+          <a:noFill/>
+        </p:spPr>
+        <p:txBody>
+          <a:bodyPr wrap="square" lIns="91440" tIns="45720" rIns="91440" bIns="45720">
+            <a:spAutoFit/>
+          </a:bodyPr>
+          <a:lstStyle/>
+          <a:p>
+            <a:r>
+              <a:rPr lang="en-US" sz="2400" dirty="0" err="1" smtClean="0"/>
+              <a:t>Lalu</a:t>
+            </a:r>
+            <a:r>
+              <a:rPr lang="en-US" sz="2400" dirty="0" smtClean="0"/>
+              <a:t> </a:t>
+            </a:r>
+            <a:r>
+              <a:rPr lang="en-US" sz="2400" dirty="0" err="1" smtClean="0"/>
+              <a:t>klik</a:t>
+            </a:r>
+            <a:r>
+              <a:rPr lang="en-US" sz="2400" dirty="0" smtClean="0"/>
+              <a:t> Start</a:t>
+            </a:r>
+            <a:endParaRPr lang="en-US" sz="2400" dirty="0" smtClean="0"/>
+          </a:p>
+        </p:txBody>
+      </p:sp>
+    </p:spTree>
+    <p:extLst>
+      <p:ext uri="{BB962C8B-B14F-4D97-AF65-F5344CB8AC3E}">
+        <p14:creationId xmlns:p14="http://schemas.microsoft.com/office/powerpoint/2010/main" xmlns="" val="3275252478"/>
+      </p:ext>
+    </p:extLst>
+  </p:cSld>
+  <p:clrMapOvr>
+    <a:masterClrMapping/>
+  </p:clrMapOvr>
+</p:sld>
+</file>
+
+<file path=ppt/slides/slide11.xml><?xml version="1.0" encoding="utf-8"?>
+<p:sld xmlns:a="http://schemas.openxmlformats.org/drawingml/2006/main" xmlns:r="http://schemas.openxmlformats.org/officeDocument/2006/relationships" xmlns:p="http://schemas.openxmlformats.org/presentationml/2006/main">
+  <p:cSld>
+    <p:spTree>
+      <p:nvGrpSpPr>
+        <p:cNvPr id="1" name=""/>
+        <p:cNvGrpSpPr/>
+        <p:nvPr/>
+      </p:nvGrpSpPr>
+      <p:grpSpPr>
+        <a:xfrm>
+          <a:off x="0" y="0"/>
+          <a:ext cx="0" cy="0"/>
+          <a:chOff x="0" y="0"/>
+          <a:chExt cx="0" cy="0"/>
+        </a:xfrm>
+      </p:grpSpPr>
+      <p:sp>
+        <p:nvSpPr>
+          <p:cNvPr id="1031" name="Rectangle 1030"/>
+          <p:cNvSpPr/>
+          <p:nvPr/>
+        </p:nvSpPr>
+        <p:spPr>
+          <a:xfrm>
+            <a:off x="65131" y="6477000"/>
+            <a:ext cx="3628365" cy="276999"/>
+          </a:xfrm>
+          <a:prstGeom prst="rect">
+            <a:avLst/>
+          </a:prstGeom>
+          <a:noFill/>
+        </p:spPr>
+        <p:txBody>
+          <a:bodyPr wrap="none" lIns="91440" tIns="45720" rIns="91440" bIns="45720">
+            <a:spAutoFit/>
+          </a:bodyPr>
+          <a:lstStyle/>
+          <a:p>
+            <a:pPr algn="ctr"/>
+            <a:r>
+              <a:rPr lang="en-US" sz="1200" cap="none" spc="0" dirty="0" smtClean="0">
+                <a:ln w="12700">
+                  <a:solidFill>
+                    <a:sysClr val="windowText" lastClr="000000"/>
+                  </a:solidFill>
+                  <a:prstDash val="solid"/>
+                </a:ln>
+                <a:solidFill>
+                  <a:sysClr val="windowText" lastClr="000000"/>
+                </a:solidFill>
+                <a:latin typeface="Arial" panose="020B0604020202020204" pitchFamily="34" charset="0"/>
+                <a:cs typeface="Arial" panose="020B0604020202020204" pitchFamily="34" charset="0"/>
+              </a:rPr>
+              <a:t>IOT Sharing Session 2023 </a:t>
+            </a:r>
+            <a:r>
+              <a:rPr lang="en-US" sz="1200" dirty="0" smtClean="0">
+                <a:ln w="12700">
+                  <a:solidFill>
+                    <a:sysClr val="windowText" lastClr="000000"/>
+                  </a:solidFill>
+                  <a:prstDash val="solid"/>
+                </a:ln>
+                <a:solidFill>
+                  <a:sysClr val="windowText" lastClr="000000"/>
+                </a:solidFill>
+                <a:latin typeface="Arial" panose="020B0604020202020204" pitchFamily="34" charset="0"/>
+                <a:cs typeface="Arial" panose="020B0604020202020204" pitchFamily="34" charset="0"/>
+              </a:rPr>
+              <a:t>a</a:t>
+            </a:r>
+            <a:r>
+              <a:rPr lang="en-US" sz="1200" cap="none" spc="0" dirty="0" smtClean="0">
+                <a:ln w="12700">
+                  <a:solidFill>
+                    <a:sysClr val="windowText" lastClr="000000"/>
+                  </a:solidFill>
+                  <a:prstDash val="solid"/>
+                </a:ln>
+                <a:solidFill>
+                  <a:sysClr val="windowText" lastClr="000000"/>
+                </a:solidFill>
+                <a:latin typeface="Arial" panose="020B0604020202020204" pitchFamily="34" charset="0"/>
+                <a:cs typeface="Arial" panose="020B0604020202020204" pitchFamily="34" charset="0"/>
+              </a:rPr>
+              <a:t>l.ghifari22@gmail.com</a:t>
+            </a:r>
+            <a:endParaRPr lang="en-US" sz="1200" cap="none" spc="0" dirty="0">
+              <a:ln w="12700">
+                <a:solidFill>
+                  <a:sysClr val="windowText" lastClr="000000"/>
+                </a:solidFill>
+                <a:prstDash val="solid"/>
+              </a:ln>
+              <a:solidFill>
+                <a:sysClr val="windowText" lastClr="000000"/>
+              </a:solidFill>
+              <a:latin typeface="Arial" panose="020B0604020202020204" pitchFamily="34" charset="0"/>
+              <a:cs typeface="Arial" panose="020B0604020202020204" pitchFamily="34" charset="0"/>
+            </a:endParaRPr>
+          </a:p>
+        </p:txBody>
+      </p:sp>
+      <p:sp>
+        <p:nvSpPr>
+          <p:cNvPr id="40" name="Rectangle 39"/>
+          <p:cNvSpPr/>
+          <p:nvPr/>
+        </p:nvSpPr>
+        <p:spPr>
+          <a:xfrm>
+            <a:off x="381000" y="370582"/>
+            <a:ext cx="5056192" cy="584775"/>
+          </a:xfrm>
+          <a:prstGeom prst="rect">
+            <a:avLst/>
+          </a:prstGeom>
+          <a:noFill/>
+        </p:spPr>
+        <p:txBody>
+          <a:bodyPr wrap="none" lIns="91440" tIns="45720" rIns="91440" bIns="45720">
+            <a:spAutoFit/>
+          </a:bodyPr>
+          <a:lstStyle/>
+          <a:p>
+            <a:r>
+              <a:rPr lang="en-US" sz="3200" dirty="0" err="1" smtClean="0">
+                <a:ln w="12700">
+                  <a:solidFill>
+                    <a:sysClr val="windowText" lastClr="000000"/>
+                  </a:solidFill>
+                  <a:prstDash val="solid"/>
+                </a:ln>
+                <a:solidFill>
+                  <a:sysClr val="windowText" lastClr="000000"/>
+                </a:solidFill>
+                <a:latin typeface="Arial" panose="020B0604020202020204" pitchFamily="34" charset="0"/>
+                <a:cs typeface="Arial" panose="020B0604020202020204" pitchFamily="34" charset="0"/>
+              </a:rPr>
+              <a:t>Membuat</a:t>
+            </a:r>
+            <a:r>
+              <a:rPr lang="en-US" sz="3200" dirty="0" smtClean="0">
+                <a:ln w="12700">
+                  <a:solidFill>
+                    <a:sysClr val="windowText" lastClr="000000"/>
+                  </a:solidFill>
+                  <a:prstDash val="solid"/>
+                </a:ln>
+                <a:solidFill>
+                  <a:sysClr val="windowText" lastClr="000000"/>
+                </a:solidFill>
+                <a:latin typeface="Arial" panose="020B0604020202020204" pitchFamily="34" charset="0"/>
+                <a:cs typeface="Arial" panose="020B0604020202020204" pitchFamily="34" charset="0"/>
+              </a:rPr>
+              <a:t> </a:t>
+            </a:r>
+            <a:r>
+              <a:rPr lang="en-US" sz="3200" dirty="0" err="1" smtClean="0">
+                <a:ln w="12700">
+                  <a:solidFill>
+                    <a:sysClr val="windowText" lastClr="000000"/>
+                  </a:solidFill>
+                  <a:prstDash val="solid"/>
+                </a:ln>
+                <a:solidFill>
+                  <a:sysClr val="windowText" lastClr="000000"/>
+                </a:solidFill>
+                <a:latin typeface="Arial" panose="020B0604020202020204" pitchFamily="34" charset="0"/>
+                <a:cs typeface="Arial" panose="020B0604020202020204" pitchFamily="34" charset="0"/>
+              </a:rPr>
+              <a:t>chatbot</a:t>
+            </a:r>
+            <a:r>
+              <a:rPr lang="en-US" sz="3200" dirty="0" smtClean="0">
+                <a:ln w="12700">
+                  <a:solidFill>
+                    <a:sysClr val="windowText" lastClr="000000"/>
+                  </a:solidFill>
+                  <a:prstDash val="solid"/>
+                </a:ln>
+                <a:solidFill>
+                  <a:sysClr val="windowText" lastClr="000000"/>
+                </a:solidFill>
+                <a:latin typeface="Arial" panose="020B0604020202020204" pitchFamily="34" charset="0"/>
+                <a:cs typeface="Arial" panose="020B0604020202020204" pitchFamily="34" charset="0"/>
+              </a:rPr>
+              <a:t> telegram</a:t>
+            </a:r>
+            <a:endParaRPr lang="en-US" sz="3200" cap="none" spc="0" dirty="0">
+              <a:ln w="12700">
+                <a:solidFill>
+                  <a:srgbClr val="00B050"/>
+                </a:solidFill>
+                <a:prstDash val="solid"/>
+              </a:ln>
+              <a:solidFill>
+                <a:srgbClr val="00B050"/>
+              </a:solidFill>
+              <a:latin typeface="Arial" panose="020B0604020202020204" pitchFamily="34" charset="0"/>
+              <a:cs typeface="Arial" panose="020B0604020202020204" pitchFamily="34" charset="0"/>
+            </a:endParaRPr>
+          </a:p>
+        </p:txBody>
+      </p:sp>
+      <p:pic>
+        <p:nvPicPr>
+          <p:cNvPr id="5" name="Picture 4" descr="Berkas:Telegram logo.svg - Wikipedia bahasa Indonesia, ensiklopedia bebas"/>
+          <p:cNvPicPr>
+            <a:picLocks noChangeAspect="1" noChangeArrowheads="1"/>
+          </p:cNvPicPr>
+          <p:nvPr/>
+        </p:nvPicPr>
+        <p:blipFill>
+          <a:blip r:embed="rId2" cstate="print">
+            <a:extLst>
+              <a:ext uri="{28A0092B-C50C-407E-A947-70E740481C1C}">
+                <a14:useLocalDpi xmlns:a14="http://schemas.microsoft.com/office/drawing/2010/main" xmlns="" val="0"/>
+              </a:ext>
+            </a:extLst>
+          </a:blip>
+          <a:srcRect/>
+          <a:stretch>
+            <a:fillRect/>
+          </a:stretch>
+        </p:blipFill>
+        <p:spPr bwMode="auto">
+          <a:xfrm>
+            <a:off x="8358116" y="5867400"/>
+            <a:ext cx="504967" cy="521252"/>
+          </a:xfrm>
+          <a:prstGeom prst="rect">
+            <a:avLst/>
+          </a:prstGeom>
+          <a:noFill/>
+          <a:extLst>
+            <a:ext uri="{909E8E84-426E-40DD-AFC4-6F175D3DCCD1}">
+              <a14:hiddenFill xmlns:a14="http://schemas.microsoft.com/office/drawing/2010/main" xmlns="">
+                <a:solidFill>
+                  <a:srgbClr val="FFFFFF"/>
+                </a:solidFill>
+              </a14:hiddenFill>
+            </a:ext>
+          </a:extLst>
+        </p:spPr>
+      </p:pic>
+      <p:sp>
+        <p:nvSpPr>
+          <p:cNvPr id="17" name="Rectangle 16"/>
+          <p:cNvSpPr/>
+          <p:nvPr/>
+        </p:nvSpPr>
+        <p:spPr>
+          <a:xfrm>
+            <a:off x="424468" y="1676400"/>
+            <a:ext cx="3995132" cy="830997"/>
+          </a:xfrm>
+          <a:prstGeom prst="rect">
+            <a:avLst/>
+          </a:prstGeom>
+          <a:noFill/>
+        </p:spPr>
+        <p:txBody>
+          <a:bodyPr wrap="square" lIns="91440" tIns="45720" rIns="91440" bIns="45720">
+            <a:spAutoFit/>
+          </a:bodyPr>
+          <a:lstStyle/>
+          <a:p>
+            <a:r>
+              <a:rPr lang="en-US" sz="2400" dirty="0" err="1" smtClean="0"/>
+              <a:t>Ketik</a:t>
+            </a:r>
+            <a:r>
+              <a:rPr lang="en-US" sz="2400" dirty="0" smtClean="0"/>
+              <a:t> “/</a:t>
+            </a:r>
+            <a:r>
+              <a:rPr lang="en-US" sz="2400" dirty="0" err="1" smtClean="0"/>
+              <a:t>newbot</a:t>
+            </a:r>
+            <a:r>
+              <a:rPr lang="en-US" sz="2400" dirty="0" smtClean="0"/>
+              <a:t>” </a:t>
+            </a:r>
+            <a:r>
+              <a:rPr lang="en-US" sz="2400" dirty="0" err="1" smtClean="0"/>
+              <a:t>lalu</a:t>
+            </a:r>
+            <a:r>
+              <a:rPr lang="en-US" sz="2400" dirty="0" smtClean="0"/>
+              <a:t> send</a:t>
+            </a:r>
+          </a:p>
+          <a:p>
+            <a:r>
+              <a:rPr lang="en-US" sz="2400" dirty="0" smtClean="0"/>
+              <a:t>Dan </a:t>
+            </a:r>
+            <a:r>
+              <a:rPr lang="en-US" sz="2400" dirty="0" err="1" smtClean="0"/>
+              <a:t>ikuti</a:t>
+            </a:r>
+            <a:r>
+              <a:rPr lang="en-US" sz="2400" dirty="0" smtClean="0"/>
+              <a:t> </a:t>
+            </a:r>
+            <a:r>
+              <a:rPr lang="en-US" sz="2400" dirty="0" err="1" smtClean="0"/>
+              <a:t>petunjuk</a:t>
+            </a:r>
+            <a:r>
+              <a:rPr lang="en-US" sz="2400" dirty="0" smtClean="0"/>
+              <a:t> </a:t>
+            </a:r>
+            <a:r>
+              <a:rPr lang="en-US" sz="2400" dirty="0" err="1" smtClean="0"/>
+              <a:t>selanjutnya</a:t>
+            </a:r>
+            <a:endParaRPr lang="en-US" sz="2400" dirty="0" smtClean="0"/>
+          </a:p>
+        </p:txBody>
+      </p:sp>
+      <p:pic>
+        <p:nvPicPr>
+          <p:cNvPr id="25604" name="Picture 4" descr="Telegram BotFather Create a New Bot"/>
+          <p:cNvPicPr>
+            <a:picLocks noChangeAspect="1" noChangeArrowheads="1"/>
+          </p:cNvPicPr>
+          <p:nvPr/>
+        </p:nvPicPr>
+        <p:blipFill>
+          <a:blip r:embed="rId3"/>
+          <a:srcRect/>
+          <a:stretch>
+            <a:fillRect/>
+          </a:stretch>
+        </p:blipFill>
+        <p:spPr bwMode="auto">
+          <a:xfrm>
+            <a:off x="4476750" y="1905000"/>
+            <a:ext cx="3371850" cy="3771901"/>
+          </a:xfrm>
+          <a:prstGeom prst="rect">
+            <a:avLst/>
+          </a:prstGeom>
+          <a:noFill/>
+        </p:spPr>
+      </p:pic>
+      <p:sp>
+        <p:nvSpPr>
+          <p:cNvPr id="11" name="Rectangle 10"/>
+          <p:cNvSpPr/>
+          <p:nvPr/>
+        </p:nvSpPr>
+        <p:spPr>
+          <a:xfrm>
+            <a:off x="152400" y="3987225"/>
+            <a:ext cx="3995132" cy="584775"/>
+          </a:xfrm>
+          <a:prstGeom prst="rect">
+            <a:avLst/>
+          </a:prstGeom>
+          <a:noFill/>
+        </p:spPr>
+        <p:txBody>
+          <a:bodyPr wrap="square" lIns="91440" tIns="45720" rIns="91440" bIns="45720">
+            <a:spAutoFit/>
+          </a:bodyPr>
+          <a:lstStyle/>
+          <a:p>
+            <a:r>
+              <a:rPr lang="en-US" sz="1600" dirty="0" err="1" smtClean="0"/>
+              <a:t>Masukkan</a:t>
+            </a:r>
+            <a:r>
+              <a:rPr lang="en-US" sz="1600" dirty="0" smtClean="0"/>
+              <a:t> </a:t>
+            </a:r>
+            <a:r>
+              <a:rPr lang="en-US" sz="1600" dirty="0" err="1" smtClean="0"/>
+              <a:t>nama</a:t>
+            </a:r>
+            <a:r>
+              <a:rPr lang="en-US" sz="1600" dirty="0" smtClean="0"/>
+              <a:t> </a:t>
+            </a:r>
+            <a:r>
+              <a:rPr lang="en-US" sz="1600" dirty="0" err="1" smtClean="0"/>
+              <a:t>bot</a:t>
+            </a:r>
+            <a:r>
+              <a:rPr lang="en-US" sz="1600" dirty="0" smtClean="0"/>
+              <a:t>, </a:t>
+            </a:r>
+            <a:r>
+              <a:rPr lang="en-US" sz="1600" dirty="0" err="1" smtClean="0"/>
+              <a:t>misalkan</a:t>
+            </a:r>
+            <a:r>
+              <a:rPr lang="en-US" sz="1600" dirty="0" smtClean="0"/>
+              <a:t> “my personal </a:t>
+            </a:r>
+            <a:r>
+              <a:rPr lang="en-US" sz="1600" dirty="0" err="1" smtClean="0"/>
+              <a:t>bot</a:t>
+            </a:r>
+            <a:r>
+              <a:rPr lang="en-US" sz="1600" dirty="0" smtClean="0"/>
+              <a:t>”</a:t>
+            </a:r>
+            <a:r>
+              <a:rPr lang="en-US" sz="1600" dirty="0" smtClean="0"/>
+              <a:t> </a:t>
+            </a:r>
+            <a:r>
+              <a:rPr lang="en-US" sz="1600" dirty="0" err="1" smtClean="0"/>
+              <a:t>dll</a:t>
+            </a:r>
+            <a:endParaRPr lang="en-US" sz="1600" dirty="0" smtClean="0"/>
+          </a:p>
+        </p:txBody>
+      </p:sp>
+      <p:sp>
+        <p:nvSpPr>
+          <p:cNvPr id="12" name="Rectangle 11"/>
+          <p:cNvSpPr/>
+          <p:nvPr/>
+        </p:nvSpPr>
+        <p:spPr>
+          <a:xfrm>
+            <a:off x="152400" y="5054025"/>
+            <a:ext cx="3995132" cy="584775"/>
+          </a:xfrm>
+          <a:prstGeom prst="rect">
+            <a:avLst/>
+          </a:prstGeom>
+          <a:noFill/>
+        </p:spPr>
+        <p:txBody>
+          <a:bodyPr wrap="square" lIns="91440" tIns="45720" rIns="91440" bIns="45720">
+            <a:spAutoFit/>
+          </a:bodyPr>
+          <a:lstStyle/>
+          <a:p>
+            <a:r>
+              <a:rPr lang="en-US" sz="1600" dirty="0" err="1" smtClean="0"/>
+              <a:t>Masukkan</a:t>
+            </a:r>
+            <a:r>
+              <a:rPr lang="en-US" sz="1600" dirty="0" smtClean="0"/>
+              <a:t> user </a:t>
+            </a:r>
+            <a:r>
+              <a:rPr lang="en-US" sz="1600" dirty="0" err="1" smtClean="0"/>
+              <a:t>bot</a:t>
+            </a:r>
+            <a:r>
+              <a:rPr lang="en-US" sz="1600" dirty="0" smtClean="0"/>
+              <a:t>, </a:t>
+            </a:r>
+            <a:r>
+              <a:rPr lang="en-US" sz="1600" dirty="0" err="1" smtClean="0"/>
+              <a:t>misalkan</a:t>
+            </a:r>
+            <a:r>
+              <a:rPr lang="en-US" sz="1600" dirty="0" smtClean="0"/>
+              <a:t> “</a:t>
+            </a:r>
+            <a:r>
+              <a:rPr lang="en-US" sz="1600" dirty="0" err="1" smtClean="0"/>
+              <a:t>myJarvisBot</a:t>
+            </a:r>
+            <a:r>
+              <a:rPr lang="en-US" sz="1600" dirty="0" smtClean="0"/>
+              <a:t>”</a:t>
+            </a:r>
+            <a:r>
+              <a:rPr lang="en-US" sz="1600" dirty="0" smtClean="0"/>
+              <a:t> </a:t>
+            </a:r>
+            <a:r>
+              <a:rPr lang="en-US" sz="1600" dirty="0" err="1" smtClean="0"/>
+              <a:t>dll</a:t>
+            </a:r>
+            <a:endParaRPr lang="en-US" sz="1600" dirty="0" smtClean="0"/>
+          </a:p>
+        </p:txBody>
+      </p:sp>
+      <p:cxnSp>
+        <p:nvCxnSpPr>
+          <p:cNvPr id="14" name="Straight Arrow Connector 13"/>
+          <p:cNvCxnSpPr/>
+          <p:nvPr/>
+        </p:nvCxnSpPr>
+        <p:spPr>
+          <a:xfrm>
+            <a:off x="3886200" y="4343400"/>
+            <a:ext cx="2286000" cy="1588"/>
+          </a:xfrm>
+          <a:prstGeom prst="straightConnector1">
+            <a:avLst/>
+          </a:prstGeom>
+          <a:ln w="19050">
+            <a:tailEnd type="arrow"/>
+          </a:ln>
+        </p:spPr>
+        <p:style>
+          <a:lnRef idx="1">
+            <a:schemeClr val="accent1"/>
+          </a:lnRef>
+          <a:fillRef idx="0">
+            <a:schemeClr val="accent1"/>
+          </a:fillRef>
+          <a:effectRef idx="0">
+            <a:schemeClr val="accent1"/>
+          </a:effectRef>
+          <a:fontRef idx="minor">
+            <a:schemeClr val="tx1"/>
+          </a:fontRef>
+        </p:style>
+      </p:cxnSp>
+      <p:cxnSp>
+        <p:nvCxnSpPr>
+          <p:cNvPr id="15" name="Straight Arrow Connector 14"/>
+          <p:cNvCxnSpPr/>
+          <p:nvPr/>
+        </p:nvCxnSpPr>
+        <p:spPr>
+          <a:xfrm>
+            <a:off x="3581400" y="5484812"/>
+            <a:ext cx="2286000" cy="1588"/>
+          </a:xfrm>
+          <a:prstGeom prst="straightConnector1">
+            <a:avLst/>
+          </a:prstGeom>
+          <a:ln w="19050">
+            <a:tailEnd type="arrow"/>
+          </a:ln>
+        </p:spPr>
+        <p:style>
+          <a:lnRef idx="1">
+            <a:schemeClr val="accent1"/>
+          </a:lnRef>
+          <a:fillRef idx="0">
+            <a:schemeClr val="accent1"/>
+          </a:fillRef>
+          <a:effectRef idx="0">
+            <a:schemeClr val="accent1"/>
+          </a:effectRef>
+          <a:fontRef idx="minor">
+            <a:schemeClr val="tx1"/>
+          </a:fontRef>
+        </p:style>
+      </p:cxnSp>
+    </p:spTree>
+    <p:extLst>
+      <p:ext uri="{BB962C8B-B14F-4D97-AF65-F5344CB8AC3E}">
+        <p14:creationId xmlns:p14="http://schemas.microsoft.com/office/powerpoint/2010/main" xmlns="" val="3275252478"/>
+      </p:ext>
+    </p:extLst>
+  </p:cSld>
+  <p:clrMapOvr>
+    <a:masterClrMapping/>
+  </p:clrMapOvr>
+</p:sld>
+</file>
+
+<file path=ppt/slides/slide12.xml><?xml version="1.0" encoding="utf-8"?>
+<p:sld xmlns:a="http://schemas.openxmlformats.org/drawingml/2006/main" xmlns:r="http://schemas.openxmlformats.org/officeDocument/2006/relationships" xmlns:p="http://schemas.openxmlformats.org/presentationml/2006/main">
+  <p:cSld>
+    <p:spTree>
+      <p:nvGrpSpPr>
+        <p:cNvPr id="1" name=""/>
+        <p:cNvGrpSpPr/>
+        <p:nvPr/>
+      </p:nvGrpSpPr>
+      <p:grpSpPr>
+        <a:xfrm>
+          <a:off x="0" y="0"/>
+          <a:ext cx="0" cy="0"/>
+          <a:chOff x="0" y="0"/>
+          <a:chExt cx="0" cy="0"/>
+        </a:xfrm>
+      </p:grpSpPr>
+      <p:sp>
+        <p:nvSpPr>
+          <p:cNvPr id="1031" name="Rectangle 1030"/>
+          <p:cNvSpPr/>
+          <p:nvPr/>
+        </p:nvSpPr>
+        <p:spPr>
+          <a:xfrm>
+            <a:off x="65131" y="6477000"/>
+            <a:ext cx="3628365" cy="276999"/>
+          </a:xfrm>
+          <a:prstGeom prst="rect">
+            <a:avLst/>
+          </a:prstGeom>
+          <a:noFill/>
+        </p:spPr>
+        <p:txBody>
+          <a:bodyPr wrap="none" lIns="91440" tIns="45720" rIns="91440" bIns="45720">
+            <a:spAutoFit/>
+          </a:bodyPr>
+          <a:lstStyle/>
+          <a:p>
+            <a:pPr algn="ctr"/>
+            <a:r>
+              <a:rPr lang="en-US" sz="1200" cap="none" spc="0" dirty="0" smtClean="0">
+                <a:ln w="12700">
+                  <a:solidFill>
+                    <a:sysClr val="windowText" lastClr="000000"/>
+                  </a:solidFill>
+                  <a:prstDash val="solid"/>
+                </a:ln>
+                <a:solidFill>
+                  <a:sysClr val="windowText" lastClr="000000"/>
+                </a:solidFill>
+                <a:latin typeface="Arial" panose="020B0604020202020204" pitchFamily="34" charset="0"/>
+                <a:cs typeface="Arial" panose="020B0604020202020204" pitchFamily="34" charset="0"/>
+              </a:rPr>
+              <a:t>IOT Sharing Session 2023 </a:t>
+            </a:r>
+            <a:r>
+              <a:rPr lang="en-US" sz="1200" dirty="0" smtClean="0">
+                <a:ln w="12700">
+                  <a:solidFill>
+                    <a:sysClr val="windowText" lastClr="000000"/>
+                  </a:solidFill>
+                  <a:prstDash val="solid"/>
+                </a:ln>
+                <a:solidFill>
+                  <a:sysClr val="windowText" lastClr="000000"/>
+                </a:solidFill>
+                <a:latin typeface="Arial" panose="020B0604020202020204" pitchFamily="34" charset="0"/>
+                <a:cs typeface="Arial" panose="020B0604020202020204" pitchFamily="34" charset="0"/>
+              </a:rPr>
+              <a:t>a</a:t>
+            </a:r>
+            <a:r>
+              <a:rPr lang="en-US" sz="1200" cap="none" spc="0" dirty="0" smtClean="0">
+                <a:ln w="12700">
+                  <a:solidFill>
+                    <a:sysClr val="windowText" lastClr="000000"/>
+                  </a:solidFill>
+                  <a:prstDash val="solid"/>
+                </a:ln>
+                <a:solidFill>
+                  <a:sysClr val="windowText" lastClr="000000"/>
+                </a:solidFill>
+                <a:latin typeface="Arial" panose="020B0604020202020204" pitchFamily="34" charset="0"/>
+                <a:cs typeface="Arial" panose="020B0604020202020204" pitchFamily="34" charset="0"/>
+              </a:rPr>
+              <a:t>l.ghifari22@gmail.com</a:t>
+            </a:r>
+            <a:endParaRPr lang="en-US" sz="1200" cap="none" spc="0" dirty="0">
+              <a:ln w="12700">
+                <a:solidFill>
+                  <a:sysClr val="windowText" lastClr="000000"/>
+                </a:solidFill>
+                <a:prstDash val="solid"/>
+              </a:ln>
+              <a:solidFill>
+                <a:sysClr val="windowText" lastClr="000000"/>
+              </a:solidFill>
+              <a:latin typeface="Arial" panose="020B0604020202020204" pitchFamily="34" charset="0"/>
+              <a:cs typeface="Arial" panose="020B0604020202020204" pitchFamily="34" charset="0"/>
+            </a:endParaRPr>
+          </a:p>
+        </p:txBody>
+      </p:sp>
+      <p:sp>
+        <p:nvSpPr>
+          <p:cNvPr id="40" name="Rectangle 39"/>
+          <p:cNvSpPr/>
+          <p:nvPr/>
+        </p:nvSpPr>
+        <p:spPr>
+          <a:xfrm>
+            <a:off x="381000" y="370582"/>
+            <a:ext cx="5056192" cy="584775"/>
+          </a:xfrm>
+          <a:prstGeom prst="rect">
+            <a:avLst/>
+          </a:prstGeom>
+          <a:noFill/>
+        </p:spPr>
+        <p:txBody>
+          <a:bodyPr wrap="none" lIns="91440" tIns="45720" rIns="91440" bIns="45720">
+            <a:spAutoFit/>
+          </a:bodyPr>
+          <a:lstStyle/>
+          <a:p>
+            <a:r>
+              <a:rPr lang="en-US" sz="3200" dirty="0" err="1" smtClean="0">
+                <a:ln w="12700">
+                  <a:solidFill>
+                    <a:sysClr val="windowText" lastClr="000000"/>
+                  </a:solidFill>
+                  <a:prstDash val="solid"/>
+                </a:ln>
+                <a:solidFill>
+                  <a:sysClr val="windowText" lastClr="000000"/>
+                </a:solidFill>
+                <a:latin typeface="Arial" panose="020B0604020202020204" pitchFamily="34" charset="0"/>
+                <a:cs typeface="Arial" panose="020B0604020202020204" pitchFamily="34" charset="0"/>
+              </a:rPr>
+              <a:t>Membuat</a:t>
+            </a:r>
+            <a:r>
+              <a:rPr lang="en-US" sz="3200" dirty="0" smtClean="0">
+                <a:ln w="12700">
+                  <a:solidFill>
+                    <a:sysClr val="windowText" lastClr="000000"/>
+                  </a:solidFill>
+                  <a:prstDash val="solid"/>
+                </a:ln>
+                <a:solidFill>
+                  <a:sysClr val="windowText" lastClr="000000"/>
+                </a:solidFill>
+                <a:latin typeface="Arial" panose="020B0604020202020204" pitchFamily="34" charset="0"/>
+                <a:cs typeface="Arial" panose="020B0604020202020204" pitchFamily="34" charset="0"/>
+              </a:rPr>
+              <a:t> </a:t>
+            </a:r>
+            <a:r>
+              <a:rPr lang="en-US" sz="3200" dirty="0" err="1" smtClean="0">
+                <a:ln w="12700">
+                  <a:solidFill>
+                    <a:sysClr val="windowText" lastClr="000000"/>
+                  </a:solidFill>
+                  <a:prstDash val="solid"/>
+                </a:ln>
+                <a:solidFill>
+                  <a:sysClr val="windowText" lastClr="000000"/>
+                </a:solidFill>
+                <a:latin typeface="Arial" panose="020B0604020202020204" pitchFamily="34" charset="0"/>
+                <a:cs typeface="Arial" panose="020B0604020202020204" pitchFamily="34" charset="0"/>
+              </a:rPr>
+              <a:t>chatbot</a:t>
+            </a:r>
+            <a:r>
+              <a:rPr lang="en-US" sz="3200" dirty="0" smtClean="0">
+                <a:ln w="12700">
+                  <a:solidFill>
+                    <a:sysClr val="windowText" lastClr="000000"/>
+                  </a:solidFill>
+                  <a:prstDash val="solid"/>
+                </a:ln>
+                <a:solidFill>
+                  <a:sysClr val="windowText" lastClr="000000"/>
+                </a:solidFill>
+                <a:latin typeface="Arial" panose="020B0604020202020204" pitchFamily="34" charset="0"/>
+                <a:cs typeface="Arial" panose="020B0604020202020204" pitchFamily="34" charset="0"/>
+              </a:rPr>
+              <a:t> telegram</a:t>
+            </a:r>
+            <a:endParaRPr lang="en-US" sz="3200" cap="none" spc="0" dirty="0">
+              <a:ln w="12700">
+                <a:solidFill>
+                  <a:srgbClr val="00B050"/>
+                </a:solidFill>
+                <a:prstDash val="solid"/>
+              </a:ln>
+              <a:solidFill>
+                <a:srgbClr val="00B050"/>
+              </a:solidFill>
+              <a:latin typeface="Arial" panose="020B0604020202020204" pitchFamily="34" charset="0"/>
+              <a:cs typeface="Arial" panose="020B0604020202020204" pitchFamily="34" charset="0"/>
+            </a:endParaRPr>
+          </a:p>
+        </p:txBody>
+      </p:sp>
+      <p:pic>
+        <p:nvPicPr>
+          <p:cNvPr id="5" name="Picture 4" descr="Berkas:Telegram logo.svg - Wikipedia bahasa Indonesia, ensiklopedia bebas"/>
+          <p:cNvPicPr>
+            <a:picLocks noChangeAspect="1" noChangeArrowheads="1"/>
+          </p:cNvPicPr>
+          <p:nvPr/>
+        </p:nvPicPr>
+        <p:blipFill>
+          <a:blip r:embed="rId2" cstate="print">
+            <a:extLst>
+              <a:ext uri="{28A0092B-C50C-407E-A947-70E740481C1C}">
+                <a14:useLocalDpi xmlns:a14="http://schemas.microsoft.com/office/drawing/2010/main" xmlns="" val="0"/>
+              </a:ext>
+            </a:extLst>
+          </a:blip>
+          <a:srcRect/>
+          <a:stretch>
+            <a:fillRect/>
+          </a:stretch>
+        </p:blipFill>
+        <p:spPr bwMode="auto">
+          <a:xfrm>
+            <a:off x="8358116" y="5867400"/>
+            <a:ext cx="504967" cy="521252"/>
+          </a:xfrm>
+          <a:prstGeom prst="rect">
+            <a:avLst/>
+          </a:prstGeom>
+          <a:noFill/>
+          <a:extLst>
+            <a:ext uri="{909E8E84-426E-40DD-AFC4-6F175D3DCCD1}">
+              <a14:hiddenFill xmlns:a14="http://schemas.microsoft.com/office/drawing/2010/main" xmlns="">
+                <a:solidFill>
+                  <a:srgbClr val="FFFFFF"/>
+                </a:solidFill>
+              </a14:hiddenFill>
+            </a:ext>
+          </a:extLst>
+        </p:spPr>
+      </p:pic>
+      <p:sp>
+        <p:nvSpPr>
+          <p:cNvPr id="17" name="Rectangle 16"/>
+          <p:cNvSpPr/>
+          <p:nvPr/>
+        </p:nvSpPr>
+        <p:spPr>
+          <a:xfrm>
+            <a:off x="424468" y="1676400"/>
+            <a:ext cx="3995132" cy="1200329"/>
+          </a:xfrm>
+          <a:prstGeom prst="rect">
+            <a:avLst/>
+          </a:prstGeom>
+          <a:noFill/>
+        </p:spPr>
+        <p:txBody>
+          <a:bodyPr wrap="square" lIns="91440" tIns="45720" rIns="91440" bIns="45720">
+            <a:spAutoFit/>
+          </a:bodyPr>
+          <a:lstStyle/>
+          <a:p>
+            <a:r>
+              <a:rPr lang="en-US" sz="2400" dirty="0" err="1" smtClean="0"/>
+              <a:t>Simpan</a:t>
+            </a:r>
+            <a:r>
+              <a:rPr lang="en-US" sz="2400" dirty="0" smtClean="0"/>
+              <a:t> token API </a:t>
+            </a:r>
+            <a:r>
+              <a:rPr lang="en-US" sz="2400" dirty="0" err="1" smtClean="0"/>
+              <a:t>untuk</a:t>
+            </a:r>
+            <a:r>
+              <a:rPr lang="en-US" sz="2400" dirty="0" smtClean="0"/>
+              <a:t> </a:t>
+            </a:r>
+            <a:r>
+              <a:rPr lang="en-US" sz="2400" dirty="0" err="1" smtClean="0"/>
+              <a:t>dimasukkan</a:t>
+            </a:r>
+            <a:r>
+              <a:rPr lang="en-US" sz="2400" dirty="0" smtClean="0"/>
+              <a:t> </a:t>
+            </a:r>
+            <a:r>
+              <a:rPr lang="en-US" sz="2400" dirty="0" err="1" smtClean="0"/>
+              <a:t>kedalam</a:t>
+            </a:r>
+            <a:r>
+              <a:rPr lang="en-US" sz="2400" dirty="0" smtClean="0"/>
+              <a:t> </a:t>
+            </a:r>
+            <a:r>
+              <a:rPr lang="en-US" sz="2400" dirty="0" err="1" smtClean="0"/>
+              <a:t>koding</a:t>
+            </a:r>
+            <a:r>
+              <a:rPr lang="en-US" sz="2400" dirty="0" smtClean="0"/>
+              <a:t> esp8266</a:t>
+            </a:r>
+            <a:endParaRPr lang="en-US" sz="2400" dirty="0" smtClean="0"/>
+          </a:p>
+        </p:txBody>
+      </p:sp>
+      <p:pic>
+        <p:nvPicPr>
+          <p:cNvPr id="26626" name="Picture 2" descr="Telegram BotFather Get Bot Token"/>
+          <p:cNvPicPr>
+            <a:picLocks noChangeAspect="1" noChangeArrowheads="1"/>
+          </p:cNvPicPr>
+          <p:nvPr/>
+        </p:nvPicPr>
+        <p:blipFill>
+          <a:blip r:embed="rId3"/>
+          <a:srcRect/>
+          <a:stretch>
+            <a:fillRect/>
+          </a:stretch>
+        </p:blipFill>
+        <p:spPr bwMode="auto">
+          <a:xfrm>
+            <a:off x="4648200" y="914400"/>
+            <a:ext cx="3390900" cy="5114926"/>
+          </a:xfrm>
+          <a:prstGeom prst="rect">
+            <a:avLst/>
+          </a:prstGeom>
+          <a:noFill/>
+        </p:spPr>
+      </p:pic>
+      <p:sp>
+        <p:nvSpPr>
+          <p:cNvPr id="7" name="Rectangle 6"/>
+          <p:cNvSpPr/>
+          <p:nvPr/>
+        </p:nvSpPr>
+        <p:spPr>
+          <a:xfrm>
+            <a:off x="152400" y="3987225"/>
+            <a:ext cx="3995132" cy="830997"/>
+          </a:xfrm>
+          <a:prstGeom prst="rect">
+            <a:avLst/>
+          </a:prstGeom>
+          <a:noFill/>
+        </p:spPr>
+        <p:txBody>
+          <a:bodyPr wrap="square" lIns="91440" tIns="45720" rIns="91440" bIns="45720">
+            <a:spAutoFit/>
+          </a:bodyPr>
+          <a:lstStyle/>
+          <a:p>
+            <a:r>
+              <a:rPr lang="en-US" sz="1600" dirty="0" smtClean="0"/>
+              <a:t>Token API, </a:t>
+            </a:r>
+            <a:r>
+              <a:rPr lang="en-US" sz="1600" dirty="0" err="1" smtClean="0"/>
+              <a:t>Contoh</a:t>
+            </a:r>
+            <a:r>
+              <a:rPr lang="en-US" sz="1600" dirty="0" smtClean="0"/>
+              <a:t> </a:t>
+            </a:r>
+            <a:r>
+              <a:rPr lang="en-US" sz="1600" dirty="0" smtClean="0"/>
+              <a:t>: 5902438516:AAE_L70IH7Rdty1dXOXaX75zNkDyn26v93o</a:t>
+            </a:r>
+            <a:endParaRPr lang="en-US" sz="1600" dirty="0" smtClean="0"/>
+          </a:p>
+        </p:txBody>
+      </p:sp>
+      <p:cxnSp>
+        <p:nvCxnSpPr>
+          <p:cNvPr id="8" name="Straight Arrow Connector 7"/>
+          <p:cNvCxnSpPr/>
+          <p:nvPr/>
+        </p:nvCxnSpPr>
+        <p:spPr>
+          <a:xfrm>
+            <a:off x="2286000" y="4648200"/>
+            <a:ext cx="2286000" cy="1588"/>
+          </a:xfrm>
+          <a:prstGeom prst="straightConnector1">
+            <a:avLst/>
+          </a:prstGeom>
+          <a:ln w="19050">
+            <a:tailEnd type="arrow"/>
+          </a:ln>
+        </p:spPr>
+        <p:style>
+          <a:lnRef idx="1">
+            <a:schemeClr val="accent1"/>
+          </a:lnRef>
+          <a:fillRef idx="0">
+            <a:schemeClr val="accent1"/>
+          </a:fillRef>
+          <a:effectRef idx="0">
+            <a:schemeClr val="accent1"/>
+          </a:effectRef>
+          <a:fontRef idx="minor">
+            <a:schemeClr val="tx1"/>
+          </a:fontRef>
+        </p:style>
+      </p:cxnSp>
+    </p:spTree>
+    <p:extLst>
+      <p:ext uri="{BB962C8B-B14F-4D97-AF65-F5344CB8AC3E}">
+        <p14:creationId xmlns:p14="http://schemas.microsoft.com/office/powerpoint/2010/main" xmlns="" val="3275252478"/>
+      </p:ext>
+    </p:extLst>
+  </p:cSld>
+  <p:clrMapOvr>
+    <a:masterClrMapping/>
+  </p:clrMapOvr>
+</p:sld>
+</file>
+
+<file path=ppt/slides/slide13.xml><?xml version="1.0" encoding="utf-8"?>
+<p:sld xmlns:a="http://schemas.openxmlformats.org/drawingml/2006/main" xmlns:r="http://schemas.openxmlformats.org/officeDocument/2006/relationships" xmlns:p="http://schemas.openxmlformats.org/presentationml/2006/main">
+  <p:cSld>
+    <p:spTree>
+      <p:nvGrpSpPr>
+        <p:cNvPr id="1" name=""/>
+        <p:cNvGrpSpPr/>
+        <p:nvPr/>
+      </p:nvGrpSpPr>
+      <p:grpSpPr>
+        <a:xfrm>
+          <a:off x="0" y="0"/>
+          <a:ext cx="0" cy="0"/>
+          <a:chOff x="0" y="0"/>
+          <a:chExt cx="0" cy="0"/>
+        </a:xfrm>
+      </p:grpSpPr>
+      <p:sp>
+        <p:nvSpPr>
+          <p:cNvPr id="1031" name="Rectangle 1030"/>
+          <p:cNvSpPr/>
+          <p:nvPr/>
+        </p:nvSpPr>
+        <p:spPr>
+          <a:xfrm>
+            <a:off x="65131" y="6477000"/>
+            <a:ext cx="3628365" cy="276999"/>
+          </a:xfrm>
+          <a:prstGeom prst="rect">
+            <a:avLst/>
+          </a:prstGeom>
+          <a:noFill/>
+        </p:spPr>
+        <p:txBody>
+          <a:bodyPr wrap="none" lIns="91440" tIns="45720" rIns="91440" bIns="45720">
+            <a:spAutoFit/>
+          </a:bodyPr>
+          <a:lstStyle/>
+          <a:p>
+            <a:pPr algn="ctr"/>
+            <a:r>
+              <a:rPr lang="en-US" sz="1200" cap="none" spc="0" dirty="0" smtClean="0">
+                <a:ln w="12700">
+                  <a:solidFill>
+                    <a:sysClr val="windowText" lastClr="000000"/>
+                  </a:solidFill>
+                  <a:prstDash val="solid"/>
+                </a:ln>
+                <a:solidFill>
+                  <a:sysClr val="windowText" lastClr="000000"/>
+                </a:solidFill>
+                <a:latin typeface="Arial" panose="020B0604020202020204" pitchFamily="34" charset="0"/>
+                <a:cs typeface="Arial" panose="020B0604020202020204" pitchFamily="34" charset="0"/>
+              </a:rPr>
+              <a:t>IOT Sharing Session 2023 </a:t>
+            </a:r>
+            <a:r>
+              <a:rPr lang="en-US" sz="1200" dirty="0" smtClean="0">
+                <a:ln w="12700">
+                  <a:solidFill>
+                    <a:sysClr val="windowText" lastClr="000000"/>
+                  </a:solidFill>
+                  <a:prstDash val="solid"/>
+                </a:ln>
+                <a:solidFill>
+                  <a:sysClr val="windowText" lastClr="000000"/>
+                </a:solidFill>
+                <a:latin typeface="Arial" panose="020B0604020202020204" pitchFamily="34" charset="0"/>
+                <a:cs typeface="Arial" panose="020B0604020202020204" pitchFamily="34" charset="0"/>
+              </a:rPr>
+              <a:t>a</a:t>
+            </a:r>
+            <a:r>
+              <a:rPr lang="en-US" sz="1200" cap="none" spc="0" dirty="0" smtClean="0">
+                <a:ln w="12700">
+                  <a:solidFill>
+                    <a:sysClr val="windowText" lastClr="000000"/>
+                  </a:solidFill>
+                  <a:prstDash val="solid"/>
+                </a:ln>
+                <a:solidFill>
+                  <a:sysClr val="windowText" lastClr="000000"/>
+                </a:solidFill>
+                <a:latin typeface="Arial" panose="020B0604020202020204" pitchFamily="34" charset="0"/>
+                <a:cs typeface="Arial" panose="020B0604020202020204" pitchFamily="34" charset="0"/>
+              </a:rPr>
+              <a:t>l.ghifari22@gmail.com</a:t>
+            </a:r>
+            <a:endParaRPr lang="en-US" sz="1200" cap="none" spc="0" dirty="0">
+              <a:ln w="12700">
+                <a:solidFill>
+                  <a:sysClr val="windowText" lastClr="000000"/>
+                </a:solidFill>
+                <a:prstDash val="solid"/>
+              </a:ln>
+              <a:solidFill>
+                <a:sysClr val="windowText" lastClr="000000"/>
+              </a:solidFill>
+              <a:latin typeface="Arial" panose="020B0604020202020204" pitchFamily="34" charset="0"/>
+              <a:cs typeface="Arial" panose="020B0604020202020204" pitchFamily="34" charset="0"/>
+            </a:endParaRPr>
+          </a:p>
+        </p:txBody>
+      </p:sp>
+      <p:sp>
+        <p:nvSpPr>
+          <p:cNvPr id="40" name="Rectangle 39"/>
+          <p:cNvSpPr/>
+          <p:nvPr/>
+        </p:nvSpPr>
+        <p:spPr>
+          <a:xfrm>
+            <a:off x="381000" y="370582"/>
+            <a:ext cx="5808000" cy="1077218"/>
+          </a:xfrm>
+          <a:prstGeom prst="rect">
+            <a:avLst/>
+          </a:prstGeom>
+          <a:noFill/>
+        </p:spPr>
+        <p:txBody>
+          <a:bodyPr wrap="none" lIns="91440" tIns="45720" rIns="91440" bIns="45720">
+            <a:spAutoFit/>
+          </a:bodyPr>
+          <a:lstStyle/>
+          <a:p>
+            <a:r>
+              <a:rPr lang="en-US" sz="3200" cap="none" spc="0" dirty="0" err="1" smtClean="0">
+                <a:ln w="12700">
+                  <a:solidFill>
+                    <a:sysClr val="windowText" lastClr="000000"/>
+                  </a:solidFill>
+                  <a:prstDash val="solid"/>
+                </a:ln>
+                <a:solidFill>
+                  <a:sysClr val="windowText" lastClr="000000"/>
+                </a:solidFill>
+                <a:latin typeface="Arial" panose="020B0604020202020204" pitchFamily="34" charset="0"/>
+                <a:cs typeface="Arial" panose="020B0604020202020204" pitchFamily="34" charset="0"/>
+              </a:rPr>
+              <a:t>Menghubungkan</a:t>
+            </a:r>
+            <a:r>
+              <a:rPr lang="en-US" sz="3200" cap="none" spc="0" dirty="0" smtClean="0">
+                <a:ln w="12700">
+                  <a:solidFill>
+                    <a:sysClr val="windowText" lastClr="000000"/>
+                  </a:solidFill>
+                  <a:prstDash val="solid"/>
+                </a:ln>
+                <a:solidFill>
+                  <a:sysClr val="windowText" lastClr="000000"/>
+                </a:solidFill>
+                <a:latin typeface="Arial" panose="020B0604020202020204" pitchFamily="34" charset="0"/>
+                <a:cs typeface="Arial" panose="020B0604020202020204" pitchFamily="34" charset="0"/>
+              </a:rPr>
+              <a:t> board </a:t>
+            </a:r>
+            <a:r>
+              <a:rPr lang="en-US" sz="3200" cap="none" spc="0" dirty="0" err="1" smtClean="0">
+                <a:ln w="12700">
+                  <a:solidFill>
+                    <a:sysClr val="windowText" lastClr="000000"/>
+                  </a:solidFill>
+                  <a:prstDash val="solid"/>
+                </a:ln>
+                <a:solidFill>
+                  <a:sysClr val="windowText" lastClr="000000"/>
+                </a:solidFill>
+                <a:latin typeface="Arial" panose="020B0604020202020204" pitchFamily="34" charset="0"/>
+                <a:cs typeface="Arial" panose="020B0604020202020204" pitchFamily="34" charset="0"/>
+              </a:rPr>
+              <a:t>wemos</a:t>
+            </a:r>
+            <a:endParaRPr lang="en-US" sz="3200" dirty="0">
+              <a:ln w="12700">
+                <a:solidFill>
+                  <a:sysClr val="windowText" lastClr="000000"/>
+                </a:solidFill>
+                <a:prstDash val="solid"/>
+              </a:ln>
+              <a:solidFill>
+                <a:sysClr val="windowText" lastClr="000000"/>
+              </a:solidFill>
+              <a:latin typeface="Arial" panose="020B0604020202020204" pitchFamily="34" charset="0"/>
+              <a:cs typeface="Arial" panose="020B0604020202020204" pitchFamily="34" charset="0"/>
+            </a:endParaRPr>
+          </a:p>
+          <a:p>
+            <a:r>
+              <a:rPr lang="en-US" sz="3200" dirty="0" err="1" smtClean="0">
+                <a:ln w="12700">
+                  <a:solidFill>
+                    <a:sysClr val="windowText" lastClr="000000"/>
+                  </a:solidFill>
+                  <a:prstDash val="solid"/>
+                </a:ln>
+                <a:solidFill>
+                  <a:sysClr val="windowText" lastClr="000000"/>
+                </a:solidFill>
+                <a:latin typeface="Arial" panose="020B0604020202020204" pitchFamily="34" charset="0"/>
+                <a:cs typeface="Arial" panose="020B0604020202020204" pitchFamily="34" charset="0"/>
+              </a:rPr>
+              <a:t>dengan</a:t>
+            </a:r>
+            <a:r>
+              <a:rPr lang="en-US" sz="3200" dirty="0" smtClean="0">
+                <a:ln w="12700">
+                  <a:solidFill>
+                    <a:sysClr val="windowText" lastClr="000000"/>
+                  </a:solidFill>
+                  <a:prstDash val="solid"/>
+                </a:ln>
+                <a:solidFill>
+                  <a:sysClr val="windowText" lastClr="000000"/>
+                </a:solidFill>
+                <a:latin typeface="Arial" panose="020B0604020202020204" pitchFamily="34" charset="0"/>
+                <a:cs typeface="Arial" panose="020B0604020202020204" pitchFamily="34" charset="0"/>
+              </a:rPr>
+              <a:t> telegram chat app</a:t>
+            </a:r>
+            <a:endParaRPr lang="en-US" sz="3200" cap="none" spc="0" dirty="0">
+              <a:ln w="12700">
+                <a:solidFill>
+                  <a:srgbClr val="00B050"/>
+                </a:solidFill>
+                <a:prstDash val="solid"/>
+              </a:ln>
+              <a:solidFill>
+                <a:srgbClr val="00B050"/>
+              </a:solidFill>
+              <a:latin typeface="Arial" panose="020B0604020202020204" pitchFamily="34" charset="0"/>
+              <a:cs typeface="Arial" panose="020B0604020202020204" pitchFamily="34" charset="0"/>
+            </a:endParaRPr>
+          </a:p>
+        </p:txBody>
+      </p:sp>
+      <p:grpSp>
+        <p:nvGrpSpPr>
+          <p:cNvPr id="6" name="Group 5"/>
+          <p:cNvGrpSpPr/>
+          <p:nvPr/>
+        </p:nvGrpSpPr>
+        <p:grpSpPr>
+          <a:xfrm>
+            <a:off x="5562600" y="2133600"/>
+            <a:ext cx="2462534" cy="609600"/>
+            <a:chOff x="3581400" y="3200400"/>
+            <a:chExt cx="2462534" cy="609600"/>
+          </a:xfrm>
+        </p:grpSpPr>
+        <p:sp>
+          <p:nvSpPr>
+            <p:cNvPr id="7" name="Rectangle 6"/>
+            <p:cNvSpPr/>
+            <p:nvPr/>
+          </p:nvSpPr>
+          <p:spPr>
+            <a:xfrm>
+              <a:off x="3581400" y="3200400"/>
+              <a:ext cx="2438400" cy="609600"/>
+            </a:xfrm>
+            <a:prstGeom prst="rect">
+              <a:avLst/>
+            </a:prstGeom>
+            <a:solidFill>
+              <a:schemeClr val="bg1">
+                <a:lumMod val="85000"/>
+              </a:schemeClr>
+            </a:solidFill>
+            <a:ln>
+              <a:solidFill>
+                <a:srgbClr val="00B0F0"/>
+              </a:solidFill>
+            </a:ln>
+          </p:spPr>
+          <p:style>
+            <a:lnRef idx="2">
+              <a:schemeClr val="accent1">
+                <a:shade val="50000"/>
+              </a:schemeClr>
+            </a:lnRef>
+            <a:fillRef idx="1">
+              <a:schemeClr val="accent1"/>
+            </a:fillRef>
+            <a:effectRef idx="0">
+              <a:schemeClr val="accent1"/>
+            </a:effectRef>
+            <a:fontRef idx="minor">
+              <a:schemeClr val="lt1"/>
+            </a:fontRef>
+          </p:style>
+          <p:txBody>
+            <a:bodyPr rtlCol="0" anchor="ctr"/>
+            <a:lstStyle/>
+            <a:p>
+              <a:pPr algn="ctr"/>
+              <a:endParaRPr lang="en-US"/>
+            </a:p>
+          </p:txBody>
+        </p:sp>
+        <p:sp>
+          <p:nvSpPr>
+            <p:cNvPr id="8" name="Rectangle 7"/>
+            <p:cNvSpPr/>
+            <p:nvPr/>
+          </p:nvSpPr>
+          <p:spPr>
+            <a:xfrm>
+              <a:off x="3581400" y="3200400"/>
+              <a:ext cx="2462534" cy="584775"/>
+            </a:xfrm>
+            <a:prstGeom prst="rect">
+              <a:avLst/>
+            </a:prstGeom>
+            <a:noFill/>
+          </p:spPr>
+          <p:txBody>
+            <a:bodyPr wrap="none" lIns="91440" tIns="45720" rIns="91440" bIns="45720">
+              <a:spAutoFit/>
+            </a:bodyPr>
+            <a:lstStyle/>
+            <a:p>
+              <a:r>
+                <a:rPr lang="en-US" sz="3200" dirty="0" err="1" smtClean="0">
+                  <a:ln w="12700">
+                    <a:solidFill>
+                      <a:sysClr val="windowText" lastClr="000000"/>
+                    </a:solidFill>
+                    <a:prstDash val="solid"/>
+                  </a:ln>
+                  <a:solidFill>
+                    <a:sysClr val="windowText" lastClr="000000"/>
+                  </a:solidFill>
+                  <a:latin typeface="Arial" panose="020B0604020202020204" pitchFamily="34" charset="0"/>
+                  <a:cs typeface="Arial" panose="020B0604020202020204" pitchFamily="34" charset="0"/>
+                </a:rPr>
+                <a:t>ArduinoJson</a:t>
+              </a:r>
+              <a:endParaRPr lang="en-US" sz="3200" cap="none" spc="0" dirty="0">
+                <a:ln w="12700">
+                  <a:solidFill>
+                    <a:srgbClr val="00B050"/>
+                  </a:solidFill>
+                  <a:prstDash val="solid"/>
+                </a:ln>
+                <a:solidFill>
+                  <a:srgbClr val="00B050"/>
+                </a:solidFill>
+                <a:latin typeface="Arial" panose="020B0604020202020204" pitchFamily="34" charset="0"/>
+                <a:cs typeface="Arial" panose="020B0604020202020204" pitchFamily="34" charset="0"/>
+              </a:endParaRPr>
+            </a:p>
+          </p:txBody>
+        </p:sp>
+      </p:grpSp>
+      <p:grpSp>
+        <p:nvGrpSpPr>
+          <p:cNvPr id="9" name="Group 8"/>
+          <p:cNvGrpSpPr/>
+          <p:nvPr/>
+        </p:nvGrpSpPr>
+        <p:grpSpPr>
+          <a:xfrm>
+            <a:off x="4419600" y="3200400"/>
+            <a:ext cx="3806246" cy="609600"/>
+            <a:chOff x="2438400" y="3200400"/>
+            <a:chExt cx="3806246" cy="609600"/>
+          </a:xfrm>
+        </p:grpSpPr>
+        <p:sp>
+          <p:nvSpPr>
+            <p:cNvPr id="10" name="Rectangle 9"/>
+            <p:cNvSpPr/>
+            <p:nvPr/>
+          </p:nvSpPr>
+          <p:spPr>
+            <a:xfrm>
+              <a:off x="2438400" y="3200400"/>
+              <a:ext cx="3581400" cy="609600"/>
+            </a:xfrm>
+            <a:prstGeom prst="rect">
+              <a:avLst/>
+            </a:prstGeom>
+            <a:solidFill>
+              <a:schemeClr val="bg1">
+                <a:lumMod val="85000"/>
+              </a:schemeClr>
+            </a:solidFill>
+            <a:ln>
+              <a:solidFill>
+                <a:srgbClr val="00B0F0"/>
+              </a:solidFill>
+            </a:ln>
+          </p:spPr>
+          <p:style>
+            <a:lnRef idx="2">
+              <a:schemeClr val="accent1">
+                <a:shade val="50000"/>
+              </a:schemeClr>
+            </a:lnRef>
+            <a:fillRef idx="1">
+              <a:schemeClr val="accent1"/>
+            </a:fillRef>
+            <a:effectRef idx="0">
+              <a:schemeClr val="accent1"/>
+            </a:effectRef>
+            <a:fontRef idx="minor">
+              <a:schemeClr val="lt1"/>
+            </a:fontRef>
+          </p:style>
+          <p:txBody>
+            <a:bodyPr rtlCol="0" anchor="ctr"/>
+            <a:lstStyle/>
+            <a:p>
+              <a:pPr algn="ctr"/>
+              <a:endParaRPr lang="en-US"/>
+            </a:p>
+          </p:txBody>
+        </p:sp>
+        <p:sp>
+          <p:nvSpPr>
+            <p:cNvPr id="11" name="Rectangle 10"/>
+            <p:cNvSpPr/>
+            <p:nvPr/>
+          </p:nvSpPr>
+          <p:spPr>
+            <a:xfrm>
+              <a:off x="2438400" y="3200400"/>
+              <a:ext cx="3806246" cy="584775"/>
+            </a:xfrm>
+            <a:prstGeom prst="rect">
+              <a:avLst/>
+            </a:prstGeom>
+            <a:noFill/>
+          </p:spPr>
+          <p:txBody>
+            <a:bodyPr wrap="square" lIns="91440" tIns="45720" rIns="91440" bIns="45720">
+              <a:spAutoFit/>
+            </a:bodyPr>
+            <a:lstStyle/>
+            <a:p>
+              <a:r>
+                <a:rPr lang="en-US" sz="3200" dirty="0" err="1" smtClean="0">
+                  <a:ln w="12700">
+                    <a:solidFill>
+                      <a:sysClr val="windowText" lastClr="000000"/>
+                    </a:solidFill>
+                    <a:prstDash val="solid"/>
+                  </a:ln>
+                  <a:solidFill>
+                    <a:sysClr val="windowText" lastClr="000000"/>
+                  </a:solidFill>
+                  <a:latin typeface="Arial" panose="020B0604020202020204" pitchFamily="34" charset="0"/>
+                  <a:cs typeface="Arial" panose="020B0604020202020204" pitchFamily="34" charset="0"/>
+                </a:rPr>
+                <a:t>UniversalTelegram</a:t>
+              </a:r>
+              <a:endParaRPr lang="en-US" sz="3200" cap="none" spc="0" dirty="0">
+                <a:ln w="12700">
+                  <a:solidFill>
+                    <a:srgbClr val="00B050"/>
+                  </a:solidFill>
+                  <a:prstDash val="solid"/>
+                </a:ln>
+                <a:solidFill>
+                  <a:srgbClr val="00B050"/>
+                </a:solidFill>
+                <a:latin typeface="Arial" panose="020B0604020202020204" pitchFamily="34" charset="0"/>
+                <a:cs typeface="Arial" panose="020B0604020202020204" pitchFamily="34" charset="0"/>
+              </a:endParaRPr>
+            </a:p>
+          </p:txBody>
+        </p:sp>
+      </p:grpSp>
+      <p:cxnSp>
+        <p:nvCxnSpPr>
+          <p:cNvPr id="13" name="Elbow Connector 12"/>
+          <p:cNvCxnSpPr>
+            <a:stCxn id="8" idx="1"/>
+          </p:cNvCxnSpPr>
+          <p:nvPr/>
+        </p:nvCxnSpPr>
+        <p:spPr>
+          <a:xfrm rot="10800000" flipV="1">
+            <a:off x="3200400" y="2425988"/>
+            <a:ext cx="2362200" cy="1155412"/>
+          </a:xfrm>
+          <a:prstGeom prst="bentConnector3">
+            <a:avLst>
+              <a:gd name="adj1" fmla="val 67986"/>
+            </a:avLst>
+          </a:prstGeom>
+          <a:ln w="28575">
+            <a:tailEnd type="arrow"/>
+          </a:ln>
+        </p:spPr>
+        <p:style>
+          <a:lnRef idx="1">
+            <a:schemeClr val="accent1"/>
+          </a:lnRef>
+          <a:fillRef idx="0">
+            <a:schemeClr val="accent1"/>
+          </a:fillRef>
+          <a:effectRef idx="0">
+            <a:schemeClr val="accent1"/>
+          </a:effectRef>
+          <a:fontRef idx="minor">
+            <a:schemeClr val="tx1"/>
+          </a:fontRef>
+        </p:style>
+      </p:cxnSp>
+      <p:cxnSp>
+        <p:nvCxnSpPr>
+          <p:cNvPr id="16" name="Straight Arrow Connector 15"/>
+          <p:cNvCxnSpPr/>
+          <p:nvPr/>
+        </p:nvCxnSpPr>
+        <p:spPr>
+          <a:xfrm rot="10800000">
+            <a:off x="3200400" y="3579811"/>
+            <a:ext cx="1219200" cy="1588"/>
+          </a:xfrm>
+          <a:prstGeom prst="straightConnector1">
+            <a:avLst/>
+          </a:prstGeom>
+          <a:ln w="28575">
+            <a:tailEnd type="arrow"/>
+          </a:ln>
+        </p:spPr>
+        <p:style>
+          <a:lnRef idx="1">
+            <a:schemeClr val="accent1"/>
+          </a:lnRef>
+          <a:fillRef idx="0">
+            <a:schemeClr val="accent1"/>
+          </a:fillRef>
+          <a:effectRef idx="0">
+            <a:schemeClr val="accent1"/>
+          </a:effectRef>
+          <a:fontRef idx="minor">
+            <a:schemeClr val="tx1"/>
+          </a:fontRef>
+        </p:style>
+      </p:cxnSp>
+      <p:grpSp>
+        <p:nvGrpSpPr>
+          <p:cNvPr id="18" name="Group 17"/>
+          <p:cNvGrpSpPr/>
+          <p:nvPr/>
+        </p:nvGrpSpPr>
+        <p:grpSpPr>
+          <a:xfrm>
+            <a:off x="533400" y="1752600"/>
+            <a:ext cx="2667000" cy="3352800"/>
+            <a:chOff x="533400" y="2133600"/>
+            <a:chExt cx="2667000" cy="3352800"/>
+          </a:xfrm>
+        </p:grpSpPr>
+        <p:pic>
+          <p:nvPicPr>
+            <p:cNvPr id="5" name="Picture 4" descr="https://www.makerlab-electronics.com/wp-content/uploads/2017/11/Wemos-D1-Mini-02.jpg"/>
+            <p:cNvPicPr>
+              <a:picLocks noChangeAspect="1" noChangeArrowheads="1"/>
+            </p:cNvPicPr>
+            <p:nvPr/>
+          </p:nvPicPr>
+          <p:blipFill>
+            <a:blip r:embed="rId2" cstate="print"/>
+            <a:srcRect/>
+            <a:stretch>
+              <a:fillRect/>
+            </a:stretch>
+          </p:blipFill>
+          <p:spPr bwMode="auto">
+            <a:xfrm rot="5400000">
+              <a:off x="457200" y="3124200"/>
+              <a:ext cx="2438400" cy="2286000"/>
+            </a:xfrm>
+            <a:prstGeom prst="rect">
+              <a:avLst/>
+            </a:prstGeom>
+            <a:noFill/>
+          </p:spPr>
+        </p:pic>
+        <p:pic>
+          <p:nvPicPr>
+            <p:cNvPr id="1026" name="Picture 2" descr="https://cdn.iconscout.com/icon/free/png-256/arduino-1-226076.png"/>
+            <p:cNvPicPr>
+              <a:picLocks noChangeAspect="1" noChangeArrowheads="1"/>
+            </p:cNvPicPr>
+            <p:nvPr/>
+          </p:nvPicPr>
+          <p:blipFill>
+            <a:blip r:embed="rId3"/>
+            <a:srcRect/>
+            <a:stretch>
+              <a:fillRect/>
+            </a:stretch>
+          </p:blipFill>
+          <p:spPr bwMode="auto">
+            <a:xfrm>
+              <a:off x="1752600" y="2133600"/>
+              <a:ext cx="1447800" cy="1447800"/>
+            </a:xfrm>
+            <a:prstGeom prst="rect">
+              <a:avLst/>
+            </a:prstGeom>
+            <a:noFill/>
+          </p:spPr>
+        </p:pic>
+      </p:grpSp>
+    </p:spTree>
+    <p:extLst>
+      <p:ext uri="{BB962C8B-B14F-4D97-AF65-F5344CB8AC3E}">
+        <p14:creationId xmlns:p14="http://schemas.microsoft.com/office/powerpoint/2010/main" xmlns="" val="1635134170"/>
+      </p:ext>
+    </p:extLst>
+  </p:cSld>
+  <p:clrMapOvr>
+    <a:masterClrMapping/>
+  </p:clrMapOvr>
+</p:sld>
+</file>
+
+<file path=ppt/slides/slide14.xml><?xml version="1.0" encoding="utf-8"?>
+<p:sld xmlns:a="http://schemas.openxmlformats.org/drawingml/2006/main" xmlns:r="http://schemas.openxmlformats.org/officeDocument/2006/relationships" xmlns:p="http://schemas.openxmlformats.org/presentationml/2006/main">
+  <p:cSld>
+    <p:spTree>
+      <p:nvGrpSpPr>
+        <p:cNvPr id="1" name=""/>
+        <p:cNvGrpSpPr/>
+        <p:nvPr/>
+      </p:nvGrpSpPr>
+      <p:grpSpPr>
+        <a:xfrm>
+          <a:off x="0" y="0"/>
+          <a:ext cx="0" cy="0"/>
+          <a:chOff x="0" y="0"/>
+          <a:chExt cx="0" cy="0"/>
+        </a:xfrm>
+      </p:grpSpPr>
+      <p:sp>
+        <p:nvSpPr>
+          <p:cNvPr id="1031" name="Rectangle 1030"/>
+          <p:cNvSpPr/>
+          <p:nvPr/>
+        </p:nvSpPr>
+        <p:spPr>
+          <a:xfrm>
+            <a:off x="65131" y="6477000"/>
+            <a:ext cx="3628365" cy="276999"/>
+          </a:xfrm>
+          <a:prstGeom prst="rect">
+            <a:avLst/>
+          </a:prstGeom>
+          <a:noFill/>
+        </p:spPr>
+        <p:txBody>
+          <a:bodyPr wrap="none" lIns="91440" tIns="45720" rIns="91440" bIns="45720">
+            <a:spAutoFit/>
+          </a:bodyPr>
+          <a:lstStyle/>
+          <a:p>
+            <a:pPr algn="ctr"/>
+            <a:r>
+              <a:rPr lang="en-US" sz="1200" cap="none" spc="0" dirty="0" smtClean="0">
+                <a:ln w="12700">
+                  <a:solidFill>
+                    <a:sysClr val="windowText" lastClr="000000"/>
+                  </a:solidFill>
+                  <a:prstDash val="solid"/>
+                </a:ln>
+                <a:solidFill>
+                  <a:sysClr val="windowText" lastClr="000000"/>
+                </a:solidFill>
+                <a:latin typeface="Arial" panose="020B0604020202020204" pitchFamily="34" charset="0"/>
+                <a:cs typeface="Arial" panose="020B0604020202020204" pitchFamily="34" charset="0"/>
+              </a:rPr>
+              <a:t>IOT Sharing Session 2023 </a:t>
+            </a:r>
+            <a:r>
+              <a:rPr lang="en-US" sz="1200" dirty="0" smtClean="0">
+                <a:ln w="12700">
+                  <a:solidFill>
+                    <a:sysClr val="windowText" lastClr="000000"/>
+                  </a:solidFill>
+                  <a:prstDash val="solid"/>
+                </a:ln>
+                <a:solidFill>
+                  <a:sysClr val="windowText" lastClr="000000"/>
+                </a:solidFill>
+                <a:latin typeface="Arial" panose="020B0604020202020204" pitchFamily="34" charset="0"/>
+                <a:cs typeface="Arial" panose="020B0604020202020204" pitchFamily="34" charset="0"/>
+              </a:rPr>
+              <a:t>a</a:t>
+            </a:r>
+            <a:r>
+              <a:rPr lang="en-US" sz="1200" cap="none" spc="0" dirty="0" smtClean="0">
+                <a:ln w="12700">
+                  <a:solidFill>
+                    <a:sysClr val="windowText" lastClr="000000"/>
+                  </a:solidFill>
+                  <a:prstDash val="solid"/>
+                </a:ln>
+                <a:solidFill>
+                  <a:sysClr val="windowText" lastClr="000000"/>
+                </a:solidFill>
+                <a:latin typeface="Arial" panose="020B0604020202020204" pitchFamily="34" charset="0"/>
+                <a:cs typeface="Arial" panose="020B0604020202020204" pitchFamily="34" charset="0"/>
+              </a:rPr>
+              <a:t>l.ghifari22@gmail.com</a:t>
+            </a:r>
+            <a:endParaRPr lang="en-US" sz="1200" cap="none" spc="0" dirty="0">
+              <a:ln w="12700">
+                <a:solidFill>
+                  <a:sysClr val="windowText" lastClr="000000"/>
+                </a:solidFill>
+                <a:prstDash val="solid"/>
+              </a:ln>
+              <a:solidFill>
+                <a:sysClr val="windowText" lastClr="000000"/>
+              </a:solidFill>
+              <a:latin typeface="Arial" panose="020B0604020202020204" pitchFamily="34" charset="0"/>
+              <a:cs typeface="Arial" panose="020B0604020202020204" pitchFamily="34" charset="0"/>
+            </a:endParaRPr>
+          </a:p>
+        </p:txBody>
+      </p:sp>
+      <p:sp>
+        <p:nvSpPr>
+          <p:cNvPr id="40" name="Rectangle 39"/>
+          <p:cNvSpPr/>
+          <p:nvPr/>
+        </p:nvSpPr>
+        <p:spPr>
+          <a:xfrm>
+            <a:off x="381000" y="370582"/>
+            <a:ext cx="5808000" cy="1077218"/>
+          </a:xfrm>
+          <a:prstGeom prst="rect">
+            <a:avLst/>
+          </a:prstGeom>
+          <a:noFill/>
+        </p:spPr>
+        <p:txBody>
+          <a:bodyPr wrap="none" lIns="91440" tIns="45720" rIns="91440" bIns="45720">
+            <a:spAutoFit/>
+          </a:bodyPr>
+          <a:lstStyle/>
+          <a:p>
+            <a:r>
+              <a:rPr lang="en-US" sz="3200" cap="none" spc="0" dirty="0" err="1" smtClean="0">
+                <a:ln w="12700">
+                  <a:solidFill>
+                    <a:sysClr val="windowText" lastClr="000000"/>
+                  </a:solidFill>
+                  <a:prstDash val="solid"/>
+                </a:ln>
+                <a:solidFill>
+                  <a:sysClr val="windowText" lastClr="000000"/>
+                </a:solidFill>
+                <a:latin typeface="Arial" panose="020B0604020202020204" pitchFamily="34" charset="0"/>
+                <a:cs typeface="Arial" panose="020B0604020202020204" pitchFamily="34" charset="0"/>
+              </a:rPr>
+              <a:t>Menghubungkan</a:t>
+            </a:r>
+            <a:r>
+              <a:rPr lang="en-US" sz="3200" cap="none" spc="0" dirty="0" smtClean="0">
+                <a:ln w="12700">
+                  <a:solidFill>
+                    <a:sysClr val="windowText" lastClr="000000"/>
+                  </a:solidFill>
+                  <a:prstDash val="solid"/>
+                </a:ln>
+                <a:solidFill>
+                  <a:sysClr val="windowText" lastClr="000000"/>
+                </a:solidFill>
+                <a:latin typeface="Arial" panose="020B0604020202020204" pitchFamily="34" charset="0"/>
+                <a:cs typeface="Arial" panose="020B0604020202020204" pitchFamily="34" charset="0"/>
+              </a:rPr>
+              <a:t> board </a:t>
+            </a:r>
+            <a:r>
+              <a:rPr lang="en-US" sz="3200" cap="none" spc="0" dirty="0" err="1" smtClean="0">
+                <a:ln w="12700">
+                  <a:solidFill>
+                    <a:sysClr val="windowText" lastClr="000000"/>
+                  </a:solidFill>
+                  <a:prstDash val="solid"/>
+                </a:ln>
+                <a:solidFill>
+                  <a:sysClr val="windowText" lastClr="000000"/>
+                </a:solidFill>
+                <a:latin typeface="Arial" panose="020B0604020202020204" pitchFamily="34" charset="0"/>
+                <a:cs typeface="Arial" panose="020B0604020202020204" pitchFamily="34" charset="0"/>
+              </a:rPr>
+              <a:t>wemos</a:t>
+            </a:r>
+            <a:endParaRPr lang="en-US" sz="3200" dirty="0">
+              <a:ln w="12700">
+                <a:solidFill>
+                  <a:sysClr val="windowText" lastClr="000000"/>
+                </a:solidFill>
+                <a:prstDash val="solid"/>
+              </a:ln>
+              <a:solidFill>
+                <a:sysClr val="windowText" lastClr="000000"/>
+              </a:solidFill>
+              <a:latin typeface="Arial" panose="020B0604020202020204" pitchFamily="34" charset="0"/>
+              <a:cs typeface="Arial" panose="020B0604020202020204" pitchFamily="34" charset="0"/>
+            </a:endParaRPr>
+          </a:p>
+          <a:p>
+            <a:r>
+              <a:rPr lang="en-US" sz="3200" dirty="0" err="1" smtClean="0">
+                <a:ln w="12700">
+                  <a:solidFill>
+                    <a:sysClr val="windowText" lastClr="000000"/>
+                  </a:solidFill>
+                  <a:prstDash val="solid"/>
+                </a:ln>
+                <a:solidFill>
+                  <a:sysClr val="windowText" lastClr="000000"/>
+                </a:solidFill>
+                <a:latin typeface="Arial" panose="020B0604020202020204" pitchFamily="34" charset="0"/>
+                <a:cs typeface="Arial" panose="020B0604020202020204" pitchFamily="34" charset="0"/>
+              </a:rPr>
+              <a:t>dengan</a:t>
+            </a:r>
+            <a:r>
+              <a:rPr lang="en-US" sz="3200" dirty="0" smtClean="0">
+                <a:ln w="12700">
+                  <a:solidFill>
+                    <a:sysClr val="windowText" lastClr="000000"/>
+                  </a:solidFill>
+                  <a:prstDash val="solid"/>
+                </a:ln>
+                <a:solidFill>
+                  <a:sysClr val="windowText" lastClr="000000"/>
+                </a:solidFill>
+                <a:latin typeface="Arial" panose="020B0604020202020204" pitchFamily="34" charset="0"/>
+                <a:cs typeface="Arial" panose="020B0604020202020204" pitchFamily="34" charset="0"/>
+              </a:rPr>
+              <a:t> telegram chat app</a:t>
+            </a:r>
+            <a:endParaRPr lang="en-US" sz="3200" cap="none" spc="0" dirty="0">
+              <a:ln w="12700">
+                <a:solidFill>
+                  <a:srgbClr val="00B050"/>
+                </a:solidFill>
+                <a:prstDash val="solid"/>
+              </a:ln>
+              <a:solidFill>
+                <a:srgbClr val="00B050"/>
+              </a:solidFill>
+              <a:latin typeface="Arial" panose="020B0604020202020204" pitchFamily="34" charset="0"/>
+              <a:cs typeface="Arial" panose="020B0604020202020204" pitchFamily="34" charset="0"/>
+            </a:endParaRPr>
+          </a:p>
+        </p:txBody>
+      </p:sp>
+      <p:sp>
+        <p:nvSpPr>
+          <p:cNvPr id="14" name="Rectangle 13"/>
+          <p:cNvSpPr/>
+          <p:nvPr/>
+        </p:nvSpPr>
+        <p:spPr>
+          <a:xfrm>
+            <a:off x="424468" y="1676400"/>
+            <a:ext cx="6128732" cy="461665"/>
+          </a:xfrm>
+          <a:prstGeom prst="rect">
+            <a:avLst/>
+          </a:prstGeom>
+          <a:noFill/>
+        </p:spPr>
+        <p:txBody>
+          <a:bodyPr wrap="square" lIns="91440" tIns="45720" rIns="91440" bIns="45720">
+            <a:spAutoFit/>
+          </a:bodyPr>
+          <a:lstStyle/>
+          <a:p>
+            <a:r>
+              <a:rPr lang="en-US" sz="2400" dirty="0" err="1" smtClean="0"/>
+              <a:t>Klik</a:t>
+            </a:r>
+            <a:r>
+              <a:rPr lang="en-US" sz="2400" dirty="0" smtClean="0"/>
+              <a:t> Sketch, Include Library, Manage Library</a:t>
+            </a:r>
+            <a:endParaRPr lang="en-US" sz="2400" dirty="0" smtClean="0"/>
+          </a:p>
+        </p:txBody>
+      </p:sp>
+      <p:pic>
+        <p:nvPicPr>
+          <p:cNvPr id="29698" name="Picture 2" descr="https://i0.wp.com/randomnerdtutorials.com/wp-content/uploads/2020/06/Install-ArduinoJson-Library.png?resize=786%2C443&amp;quality=100&amp;strip=all&amp;ssl=1"/>
+          <p:cNvPicPr>
+            <a:picLocks noChangeAspect="1" noChangeArrowheads="1"/>
+          </p:cNvPicPr>
+          <p:nvPr/>
+        </p:nvPicPr>
+        <p:blipFill>
+          <a:blip r:embed="rId2"/>
+          <a:srcRect/>
+          <a:stretch>
+            <a:fillRect/>
+          </a:stretch>
+        </p:blipFill>
+        <p:spPr bwMode="auto">
+          <a:xfrm>
+            <a:off x="2590800" y="2409825"/>
+            <a:ext cx="5999460" cy="3381375"/>
+          </a:xfrm>
+          <a:prstGeom prst="rect">
+            <a:avLst/>
+          </a:prstGeom>
+          <a:noFill/>
+        </p:spPr>
+      </p:pic>
+      <p:sp>
+        <p:nvSpPr>
+          <p:cNvPr id="15" name="Rectangle 14"/>
+          <p:cNvSpPr/>
+          <p:nvPr/>
+        </p:nvSpPr>
+        <p:spPr>
+          <a:xfrm>
+            <a:off x="272068" y="2920425"/>
+            <a:ext cx="3995132" cy="584775"/>
+          </a:xfrm>
+          <a:prstGeom prst="rect">
+            <a:avLst/>
+          </a:prstGeom>
+          <a:noFill/>
+        </p:spPr>
+        <p:txBody>
+          <a:bodyPr wrap="square" lIns="91440" tIns="45720" rIns="91440" bIns="45720">
+            <a:spAutoFit/>
+          </a:bodyPr>
+          <a:lstStyle/>
+          <a:p>
+            <a:r>
+              <a:rPr lang="en-US" sz="1600" dirty="0" err="1" smtClean="0"/>
+              <a:t>Ketikkan</a:t>
+            </a:r>
+            <a:r>
+              <a:rPr lang="en-US" sz="1600" dirty="0" smtClean="0"/>
+              <a:t> </a:t>
+            </a:r>
+            <a:r>
+              <a:rPr lang="en-US" sz="1600" dirty="0" err="1" smtClean="0"/>
+              <a:t>ArduinoJson</a:t>
+            </a:r>
+            <a:r>
+              <a:rPr lang="en-US" sz="1600" dirty="0" smtClean="0"/>
+              <a:t>, </a:t>
+            </a:r>
+          </a:p>
+          <a:p>
+            <a:r>
+              <a:rPr lang="en-US" sz="1600" dirty="0" smtClean="0"/>
+              <a:t>enter, </a:t>
+            </a:r>
+            <a:r>
+              <a:rPr lang="en-US" sz="1600" dirty="0" err="1" smtClean="0"/>
+              <a:t>pilih</a:t>
+            </a:r>
+            <a:r>
+              <a:rPr lang="en-US" sz="1600" dirty="0" smtClean="0"/>
+              <a:t> </a:t>
+            </a:r>
+            <a:r>
+              <a:rPr lang="en-US" sz="1600" dirty="0" err="1" smtClean="0"/>
+              <a:t>lalu</a:t>
+            </a:r>
+            <a:r>
+              <a:rPr lang="en-US" sz="1600" dirty="0" smtClean="0"/>
+              <a:t> install</a:t>
+            </a:r>
+            <a:endParaRPr lang="en-US" sz="1600" dirty="0" smtClean="0"/>
+          </a:p>
+        </p:txBody>
+      </p:sp>
+      <p:cxnSp>
+        <p:nvCxnSpPr>
+          <p:cNvPr id="17" name="Straight Arrow Connector 16"/>
+          <p:cNvCxnSpPr/>
+          <p:nvPr/>
+        </p:nvCxnSpPr>
+        <p:spPr>
+          <a:xfrm>
+            <a:off x="1371600" y="3581400"/>
+            <a:ext cx="2286000" cy="1588"/>
+          </a:xfrm>
+          <a:prstGeom prst="straightConnector1">
+            <a:avLst/>
+          </a:prstGeom>
+          <a:ln w="19050">
+            <a:tailEnd type="arrow"/>
+          </a:ln>
+        </p:spPr>
+        <p:style>
+          <a:lnRef idx="1">
+            <a:schemeClr val="accent1"/>
+          </a:lnRef>
+          <a:fillRef idx="0">
+            <a:schemeClr val="accent1"/>
+          </a:fillRef>
+          <a:effectRef idx="0">
+            <a:schemeClr val="accent1"/>
+          </a:effectRef>
+          <a:fontRef idx="minor">
+            <a:schemeClr val="tx1"/>
+          </a:fontRef>
+        </p:style>
+      </p:cxnSp>
+    </p:spTree>
+    <p:extLst>
+      <p:ext uri="{BB962C8B-B14F-4D97-AF65-F5344CB8AC3E}">
+        <p14:creationId xmlns:p14="http://schemas.microsoft.com/office/powerpoint/2010/main" xmlns="" val="1635134170"/>
+      </p:ext>
+    </p:extLst>
+  </p:cSld>
+  <p:clrMapOvr>
+    <a:masterClrMapping/>
+  </p:clrMapOvr>
+</p:sld>
+</file>
+
+<file path=ppt/slides/slide15.xml><?xml version="1.0" encoding="utf-8"?>
+<p:sld xmlns:a="http://schemas.openxmlformats.org/drawingml/2006/main" xmlns:r="http://schemas.openxmlformats.org/officeDocument/2006/relationships" xmlns:p="http://schemas.openxmlformats.org/presentationml/2006/main">
+  <p:cSld>
+    <p:spTree>
+      <p:nvGrpSpPr>
+        <p:cNvPr id="1" name=""/>
+        <p:cNvGrpSpPr/>
+        <p:nvPr/>
+      </p:nvGrpSpPr>
+      <p:grpSpPr>
+        <a:xfrm>
+          <a:off x="0" y="0"/>
+          <a:ext cx="0" cy="0"/>
+          <a:chOff x="0" y="0"/>
+          <a:chExt cx="0" cy="0"/>
+        </a:xfrm>
+      </p:grpSpPr>
+      <p:sp>
+        <p:nvSpPr>
+          <p:cNvPr id="1031" name="Rectangle 1030"/>
+          <p:cNvSpPr/>
+          <p:nvPr/>
+        </p:nvSpPr>
+        <p:spPr>
+          <a:xfrm>
+            <a:off x="65131" y="6477000"/>
+            <a:ext cx="3628365" cy="276999"/>
+          </a:xfrm>
+          <a:prstGeom prst="rect">
+            <a:avLst/>
+          </a:prstGeom>
+          <a:noFill/>
+        </p:spPr>
+        <p:txBody>
+          <a:bodyPr wrap="none" lIns="91440" tIns="45720" rIns="91440" bIns="45720">
+            <a:spAutoFit/>
+          </a:bodyPr>
+          <a:lstStyle/>
+          <a:p>
+            <a:pPr algn="ctr"/>
+            <a:r>
+              <a:rPr lang="en-US" sz="1200" cap="none" spc="0" dirty="0" smtClean="0">
+                <a:ln w="12700">
+                  <a:solidFill>
+                    <a:sysClr val="windowText" lastClr="000000"/>
+                  </a:solidFill>
+                  <a:prstDash val="solid"/>
+                </a:ln>
+                <a:solidFill>
+                  <a:sysClr val="windowText" lastClr="000000"/>
+                </a:solidFill>
+                <a:latin typeface="Arial" panose="020B0604020202020204" pitchFamily="34" charset="0"/>
+                <a:cs typeface="Arial" panose="020B0604020202020204" pitchFamily="34" charset="0"/>
+              </a:rPr>
+              <a:t>IOT Sharing Session 2023 </a:t>
+            </a:r>
+            <a:r>
+              <a:rPr lang="en-US" sz="1200" dirty="0" smtClean="0">
+                <a:ln w="12700">
+                  <a:solidFill>
+                    <a:sysClr val="windowText" lastClr="000000"/>
+                  </a:solidFill>
+                  <a:prstDash val="solid"/>
+                </a:ln>
+                <a:solidFill>
+                  <a:sysClr val="windowText" lastClr="000000"/>
+                </a:solidFill>
+                <a:latin typeface="Arial" panose="020B0604020202020204" pitchFamily="34" charset="0"/>
+                <a:cs typeface="Arial" panose="020B0604020202020204" pitchFamily="34" charset="0"/>
+              </a:rPr>
+              <a:t>a</a:t>
+            </a:r>
+            <a:r>
+              <a:rPr lang="en-US" sz="1200" cap="none" spc="0" dirty="0" smtClean="0">
+                <a:ln w="12700">
+                  <a:solidFill>
+                    <a:sysClr val="windowText" lastClr="000000"/>
+                  </a:solidFill>
+                  <a:prstDash val="solid"/>
+                </a:ln>
+                <a:solidFill>
+                  <a:sysClr val="windowText" lastClr="000000"/>
+                </a:solidFill>
+                <a:latin typeface="Arial" panose="020B0604020202020204" pitchFamily="34" charset="0"/>
+                <a:cs typeface="Arial" panose="020B0604020202020204" pitchFamily="34" charset="0"/>
+              </a:rPr>
+              <a:t>l.ghifari22@gmail.com</a:t>
+            </a:r>
+            <a:endParaRPr lang="en-US" sz="1200" cap="none" spc="0" dirty="0">
+              <a:ln w="12700">
+                <a:solidFill>
+                  <a:sysClr val="windowText" lastClr="000000"/>
+                </a:solidFill>
+                <a:prstDash val="solid"/>
+              </a:ln>
+              <a:solidFill>
+                <a:sysClr val="windowText" lastClr="000000"/>
+              </a:solidFill>
+              <a:latin typeface="Arial" panose="020B0604020202020204" pitchFamily="34" charset="0"/>
+              <a:cs typeface="Arial" panose="020B0604020202020204" pitchFamily="34" charset="0"/>
+            </a:endParaRPr>
+          </a:p>
+        </p:txBody>
+      </p:sp>
+      <p:sp>
+        <p:nvSpPr>
+          <p:cNvPr id="40" name="Rectangle 39"/>
+          <p:cNvSpPr/>
+          <p:nvPr/>
+        </p:nvSpPr>
+        <p:spPr>
+          <a:xfrm>
+            <a:off x="381000" y="370582"/>
+            <a:ext cx="5808000" cy="1077218"/>
+          </a:xfrm>
+          <a:prstGeom prst="rect">
+            <a:avLst/>
+          </a:prstGeom>
+          <a:noFill/>
+        </p:spPr>
+        <p:txBody>
+          <a:bodyPr wrap="none" lIns="91440" tIns="45720" rIns="91440" bIns="45720">
+            <a:spAutoFit/>
+          </a:bodyPr>
+          <a:lstStyle/>
+          <a:p>
+            <a:r>
+              <a:rPr lang="en-US" sz="3200" cap="none" spc="0" dirty="0" err="1" smtClean="0">
+                <a:ln w="12700">
+                  <a:solidFill>
+                    <a:sysClr val="windowText" lastClr="000000"/>
+                  </a:solidFill>
+                  <a:prstDash val="solid"/>
+                </a:ln>
+                <a:solidFill>
+                  <a:sysClr val="windowText" lastClr="000000"/>
+                </a:solidFill>
+                <a:latin typeface="Arial" panose="020B0604020202020204" pitchFamily="34" charset="0"/>
+                <a:cs typeface="Arial" panose="020B0604020202020204" pitchFamily="34" charset="0"/>
+              </a:rPr>
+              <a:t>Menghubungkan</a:t>
+            </a:r>
+            <a:r>
+              <a:rPr lang="en-US" sz="3200" cap="none" spc="0" dirty="0" smtClean="0">
+                <a:ln w="12700">
+                  <a:solidFill>
+                    <a:sysClr val="windowText" lastClr="000000"/>
+                  </a:solidFill>
+                  <a:prstDash val="solid"/>
+                </a:ln>
+                <a:solidFill>
+                  <a:sysClr val="windowText" lastClr="000000"/>
+                </a:solidFill>
+                <a:latin typeface="Arial" panose="020B0604020202020204" pitchFamily="34" charset="0"/>
+                <a:cs typeface="Arial" panose="020B0604020202020204" pitchFamily="34" charset="0"/>
+              </a:rPr>
+              <a:t> board </a:t>
+            </a:r>
+            <a:r>
+              <a:rPr lang="en-US" sz="3200" cap="none" spc="0" dirty="0" err="1" smtClean="0">
+                <a:ln w="12700">
+                  <a:solidFill>
+                    <a:sysClr val="windowText" lastClr="000000"/>
+                  </a:solidFill>
+                  <a:prstDash val="solid"/>
+                </a:ln>
+                <a:solidFill>
+                  <a:sysClr val="windowText" lastClr="000000"/>
+                </a:solidFill>
+                <a:latin typeface="Arial" panose="020B0604020202020204" pitchFamily="34" charset="0"/>
+                <a:cs typeface="Arial" panose="020B0604020202020204" pitchFamily="34" charset="0"/>
+              </a:rPr>
+              <a:t>wemos</a:t>
+            </a:r>
+            <a:endParaRPr lang="en-US" sz="3200" dirty="0">
+              <a:ln w="12700">
+                <a:solidFill>
+                  <a:sysClr val="windowText" lastClr="000000"/>
+                </a:solidFill>
+                <a:prstDash val="solid"/>
+              </a:ln>
+              <a:solidFill>
+                <a:sysClr val="windowText" lastClr="000000"/>
+              </a:solidFill>
+              <a:latin typeface="Arial" panose="020B0604020202020204" pitchFamily="34" charset="0"/>
+              <a:cs typeface="Arial" panose="020B0604020202020204" pitchFamily="34" charset="0"/>
+            </a:endParaRPr>
+          </a:p>
+          <a:p>
+            <a:r>
+              <a:rPr lang="en-US" sz="3200" dirty="0" err="1" smtClean="0">
+                <a:ln w="12700">
+                  <a:solidFill>
+                    <a:sysClr val="windowText" lastClr="000000"/>
+                  </a:solidFill>
+                  <a:prstDash val="solid"/>
+                </a:ln>
+                <a:solidFill>
+                  <a:sysClr val="windowText" lastClr="000000"/>
+                </a:solidFill>
+                <a:latin typeface="Arial" panose="020B0604020202020204" pitchFamily="34" charset="0"/>
+                <a:cs typeface="Arial" panose="020B0604020202020204" pitchFamily="34" charset="0"/>
+              </a:rPr>
+              <a:t>dengan</a:t>
+            </a:r>
+            <a:r>
+              <a:rPr lang="en-US" sz="3200" dirty="0" smtClean="0">
+                <a:ln w="12700">
+                  <a:solidFill>
+                    <a:sysClr val="windowText" lastClr="000000"/>
+                  </a:solidFill>
+                  <a:prstDash val="solid"/>
+                </a:ln>
+                <a:solidFill>
+                  <a:sysClr val="windowText" lastClr="000000"/>
+                </a:solidFill>
+                <a:latin typeface="Arial" panose="020B0604020202020204" pitchFamily="34" charset="0"/>
+                <a:cs typeface="Arial" panose="020B0604020202020204" pitchFamily="34" charset="0"/>
+              </a:rPr>
+              <a:t> telegram chat app</a:t>
+            </a:r>
+            <a:endParaRPr lang="en-US" sz="3200" cap="none" spc="0" dirty="0">
+              <a:ln w="12700">
+                <a:solidFill>
+                  <a:srgbClr val="00B050"/>
+                </a:solidFill>
+                <a:prstDash val="solid"/>
+              </a:ln>
+              <a:solidFill>
+                <a:srgbClr val="00B050"/>
+              </a:solidFill>
+              <a:latin typeface="Arial" panose="020B0604020202020204" pitchFamily="34" charset="0"/>
+              <a:cs typeface="Arial" panose="020B0604020202020204" pitchFamily="34" charset="0"/>
+            </a:endParaRPr>
+          </a:p>
+        </p:txBody>
+      </p:sp>
+      <p:sp>
+        <p:nvSpPr>
+          <p:cNvPr id="4" name="Rectangle 3"/>
+          <p:cNvSpPr/>
+          <p:nvPr/>
+        </p:nvSpPr>
+        <p:spPr>
+          <a:xfrm>
+            <a:off x="424468" y="1676400"/>
+            <a:ext cx="6128732" cy="461665"/>
+          </a:xfrm>
+          <a:prstGeom prst="rect">
+            <a:avLst/>
+          </a:prstGeom>
+          <a:noFill/>
+        </p:spPr>
+        <p:txBody>
+          <a:bodyPr wrap="square" lIns="91440" tIns="45720" rIns="91440" bIns="45720">
+            <a:spAutoFit/>
+          </a:bodyPr>
+          <a:lstStyle/>
+          <a:p>
+            <a:r>
+              <a:rPr lang="en-US" sz="2400" dirty="0" smtClean="0"/>
+              <a:t>Universal Telegram </a:t>
+            </a:r>
+            <a:r>
+              <a:rPr lang="en-US" sz="2400" dirty="0" err="1" smtClean="0"/>
+              <a:t>Bot</a:t>
+            </a:r>
+            <a:endParaRPr lang="en-US" sz="2400" dirty="0" smtClean="0"/>
+          </a:p>
+        </p:txBody>
+      </p:sp>
+      <p:sp>
+        <p:nvSpPr>
+          <p:cNvPr id="5" name="Rectangle 4"/>
+          <p:cNvSpPr/>
+          <p:nvPr/>
+        </p:nvSpPr>
+        <p:spPr>
+          <a:xfrm>
+            <a:off x="457200" y="2514600"/>
+            <a:ext cx="2438400" cy="1323439"/>
+          </a:xfrm>
+          <a:prstGeom prst="rect">
+            <a:avLst/>
+          </a:prstGeom>
+          <a:noFill/>
+        </p:spPr>
+        <p:txBody>
+          <a:bodyPr wrap="square" lIns="91440" tIns="45720" rIns="91440" bIns="45720">
+            <a:spAutoFit/>
+          </a:bodyPr>
+          <a:lstStyle/>
+          <a:p>
+            <a:r>
+              <a:rPr lang="en-US" sz="1600" dirty="0" smtClean="0"/>
+              <a:t>[Download zip]</a:t>
+            </a:r>
+          </a:p>
+          <a:p>
+            <a:r>
+              <a:rPr lang="en-US" sz="1600" dirty="0" smtClean="0">
+                <a:ln>
+                  <a:solidFill>
+                    <a:srgbClr val="0070C0"/>
+                  </a:solidFill>
+                </a:ln>
+                <a:solidFill>
+                  <a:srgbClr val="0070C0"/>
+                </a:solidFill>
+              </a:rPr>
+              <a:t>https</a:t>
+            </a:r>
+            <a:r>
+              <a:rPr lang="en-US" sz="1600" dirty="0" smtClean="0">
+                <a:ln>
+                  <a:solidFill>
+                    <a:srgbClr val="0070C0"/>
+                  </a:solidFill>
+                </a:ln>
+                <a:solidFill>
+                  <a:srgbClr val="0070C0"/>
+                </a:solidFill>
+              </a:rPr>
+              <a:t>://github.com/witnessmenow/Universal-Arduino-Telegram-Bot/archive/master.zip</a:t>
+            </a:r>
+          </a:p>
+        </p:txBody>
+      </p:sp>
+      <p:sp>
+        <p:nvSpPr>
+          <p:cNvPr id="6" name="Rectangle 5"/>
+          <p:cNvSpPr/>
+          <p:nvPr/>
+        </p:nvSpPr>
+        <p:spPr>
+          <a:xfrm>
+            <a:off x="3429000" y="4572000"/>
+            <a:ext cx="3995132" cy="584775"/>
+          </a:xfrm>
+          <a:prstGeom prst="rect">
+            <a:avLst/>
+          </a:prstGeom>
+          <a:noFill/>
+        </p:spPr>
+        <p:txBody>
+          <a:bodyPr wrap="square" lIns="91440" tIns="45720" rIns="91440" bIns="45720">
+            <a:spAutoFit/>
+          </a:bodyPr>
+          <a:lstStyle/>
+          <a:p>
+            <a:r>
+              <a:rPr lang="en-US" sz="1600" dirty="0" err="1" smtClean="0"/>
+              <a:t>Klik</a:t>
+            </a:r>
+            <a:r>
+              <a:rPr lang="en-US" sz="1600" dirty="0" smtClean="0"/>
+              <a:t> </a:t>
+            </a:r>
+            <a:r>
+              <a:rPr lang="en-US" sz="1600" dirty="0" smtClean="0"/>
+              <a:t>Sketch, Include Library, </a:t>
+            </a:r>
+            <a:r>
+              <a:rPr lang="en-US" sz="1600" dirty="0" smtClean="0"/>
+              <a:t>Add Zip </a:t>
+            </a:r>
+            <a:r>
+              <a:rPr lang="en-US" sz="1600" dirty="0" smtClean="0"/>
+              <a:t>Library</a:t>
+            </a:r>
+          </a:p>
+          <a:p>
+            <a:endParaRPr lang="en-US" sz="1600" dirty="0" smtClean="0"/>
+          </a:p>
+        </p:txBody>
+      </p:sp>
+      <p:pic>
+        <p:nvPicPr>
+          <p:cNvPr id="30722" name="Picture 2"/>
+          <p:cNvPicPr>
+            <a:picLocks noChangeAspect="1" noChangeArrowheads="1"/>
+          </p:cNvPicPr>
+          <p:nvPr/>
+        </p:nvPicPr>
+        <p:blipFill>
+          <a:blip r:embed="rId2"/>
+          <a:srcRect l="8750" t="5469" r="25000" b="66406"/>
+          <a:stretch>
+            <a:fillRect/>
+          </a:stretch>
+        </p:blipFill>
+        <p:spPr bwMode="auto">
+          <a:xfrm>
+            <a:off x="2819400" y="2438400"/>
+            <a:ext cx="5715000" cy="1940943"/>
+          </a:xfrm>
+          <a:prstGeom prst="rect">
+            <a:avLst/>
+          </a:prstGeom>
+          <a:noFill/>
+          <a:ln w="9525">
+            <a:noFill/>
+            <a:miter lim="800000"/>
+            <a:headEnd/>
+            <a:tailEnd/>
+          </a:ln>
+          <a:effectLst/>
+        </p:spPr>
+      </p:pic>
+    </p:spTree>
+    <p:extLst>
+      <p:ext uri="{BB962C8B-B14F-4D97-AF65-F5344CB8AC3E}">
+        <p14:creationId xmlns:p14="http://schemas.microsoft.com/office/powerpoint/2010/main" xmlns="" val="1635134170"/>
+      </p:ext>
+    </p:extLst>
+  </p:cSld>
+  <p:clrMapOvr>
+    <a:masterClrMapping/>
+  </p:clrMapOvr>
+</p:sld>
+</file>
+
+<file path=ppt/slides/slide16.xml><?xml version="1.0" encoding="utf-8"?>
+<p:sld xmlns:a="http://schemas.openxmlformats.org/drawingml/2006/main" xmlns:r="http://schemas.openxmlformats.org/officeDocument/2006/relationships" xmlns:p="http://schemas.openxmlformats.org/presentationml/2006/main">
+  <p:cSld>
+    <p:spTree>
+      <p:nvGrpSpPr>
+        <p:cNvPr id="1" name=""/>
+        <p:cNvGrpSpPr/>
+        <p:nvPr/>
+      </p:nvGrpSpPr>
+      <p:grpSpPr>
+        <a:xfrm>
+          <a:off x="0" y="0"/>
+          <a:ext cx="0" cy="0"/>
+          <a:chOff x="0" y="0"/>
+          <a:chExt cx="0" cy="0"/>
+        </a:xfrm>
+      </p:grpSpPr>
+      <p:sp>
+        <p:nvSpPr>
+          <p:cNvPr id="1031" name="Rectangle 1030"/>
+          <p:cNvSpPr/>
+          <p:nvPr/>
+        </p:nvSpPr>
+        <p:spPr>
+          <a:xfrm>
+            <a:off x="65131" y="6477000"/>
+            <a:ext cx="3628365" cy="276999"/>
+          </a:xfrm>
+          <a:prstGeom prst="rect">
+            <a:avLst/>
+          </a:prstGeom>
+          <a:noFill/>
+        </p:spPr>
+        <p:txBody>
+          <a:bodyPr wrap="none" lIns="91440" tIns="45720" rIns="91440" bIns="45720">
+            <a:spAutoFit/>
+          </a:bodyPr>
+          <a:lstStyle/>
+          <a:p>
+            <a:pPr algn="ctr"/>
+            <a:r>
+              <a:rPr lang="en-US" sz="1200" cap="none" spc="0" dirty="0" smtClean="0">
+                <a:ln w="12700">
+                  <a:solidFill>
+                    <a:sysClr val="windowText" lastClr="000000"/>
+                  </a:solidFill>
+                  <a:prstDash val="solid"/>
+                </a:ln>
+                <a:solidFill>
+                  <a:sysClr val="windowText" lastClr="000000"/>
+                </a:solidFill>
+                <a:latin typeface="Arial" panose="020B0604020202020204" pitchFamily="34" charset="0"/>
+                <a:cs typeface="Arial" panose="020B0604020202020204" pitchFamily="34" charset="0"/>
+              </a:rPr>
+              <a:t>IOT Sharing Session 2023 </a:t>
+            </a:r>
+            <a:r>
+              <a:rPr lang="en-US" sz="1200" dirty="0" smtClean="0">
+                <a:ln w="12700">
+                  <a:solidFill>
+                    <a:sysClr val="windowText" lastClr="000000"/>
+                  </a:solidFill>
+                  <a:prstDash val="solid"/>
+                </a:ln>
+                <a:solidFill>
+                  <a:sysClr val="windowText" lastClr="000000"/>
+                </a:solidFill>
+                <a:latin typeface="Arial" panose="020B0604020202020204" pitchFamily="34" charset="0"/>
+                <a:cs typeface="Arial" panose="020B0604020202020204" pitchFamily="34" charset="0"/>
+              </a:rPr>
+              <a:t>a</a:t>
+            </a:r>
+            <a:r>
+              <a:rPr lang="en-US" sz="1200" cap="none" spc="0" dirty="0" smtClean="0">
+                <a:ln w="12700">
+                  <a:solidFill>
+                    <a:sysClr val="windowText" lastClr="000000"/>
+                  </a:solidFill>
+                  <a:prstDash val="solid"/>
+                </a:ln>
+                <a:solidFill>
+                  <a:sysClr val="windowText" lastClr="000000"/>
+                </a:solidFill>
+                <a:latin typeface="Arial" panose="020B0604020202020204" pitchFamily="34" charset="0"/>
+                <a:cs typeface="Arial" panose="020B0604020202020204" pitchFamily="34" charset="0"/>
+              </a:rPr>
+              <a:t>l.ghifari22@gmail.com</a:t>
+            </a:r>
+            <a:endParaRPr lang="en-US" sz="1200" cap="none" spc="0" dirty="0">
+              <a:ln w="12700">
+                <a:solidFill>
+                  <a:sysClr val="windowText" lastClr="000000"/>
+                </a:solidFill>
+                <a:prstDash val="solid"/>
+              </a:ln>
+              <a:solidFill>
+                <a:sysClr val="windowText" lastClr="000000"/>
+              </a:solidFill>
+              <a:latin typeface="Arial" panose="020B0604020202020204" pitchFamily="34" charset="0"/>
+              <a:cs typeface="Arial" panose="020B0604020202020204" pitchFamily="34" charset="0"/>
+            </a:endParaRPr>
+          </a:p>
+        </p:txBody>
+      </p:sp>
+      <p:sp>
+        <p:nvSpPr>
+          <p:cNvPr id="40" name="Rectangle 39"/>
+          <p:cNvSpPr/>
+          <p:nvPr/>
+        </p:nvSpPr>
+        <p:spPr>
+          <a:xfrm>
+            <a:off x="381000" y="370582"/>
+            <a:ext cx="5808000" cy="1077218"/>
+          </a:xfrm>
+          <a:prstGeom prst="rect">
+            <a:avLst/>
+          </a:prstGeom>
+          <a:noFill/>
+        </p:spPr>
+        <p:txBody>
+          <a:bodyPr wrap="none" lIns="91440" tIns="45720" rIns="91440" bIns="45720">
+            <a:spAutoFit/>
+          </a:bodyPr>
+          <a:lstStyle/>
+          <a:p>
+            <a:r>
+              <a:rPr lang="en-US" sz="3200" cap="none" spc="0" dirty="0" err="1" smtClean="0">
+                <a:ln w="12700">
+                  <a:solidFill>
+                    <a:sysClr val="windowText" lastClr="000000"/>
+                  </a:solidFill>
+                  <a:prstDash val="solid"/>
+                </a:ln>
+                <a:solidFill>
+                  <a:sysClr val="windowText" lastClr="000000"/>
+                </a:solidFill>
+                <a:latin typeface="Arial" panose="020B0604020202020204" pitchFamily="34" charset="0"/>
+                <a:cs typeface="Arial" panose="020B0604020202020204" pitchFamily="34" charset="0"/>
+              </a:rPr>
+              <a:t>Menghubungkan</a:t>
+            </a:r>
+            <a:r>
+              <a:rPr lang="en-US" sz="3200" cap="none" spc="0" dirty="0" smtClean="0">
+                <a:ln w="12700">
+                  <a:solidFill>
+                    <a:sysClr val="windowText" lastClr="000000"/>
+                  </a:solidFill>
+                  <a:prstDash val="solid"/>
+                </a:ln>
+                <a:solidFill>
+                  <a:sysClr val="windowText" lastClr="000000"/>
+                </a:solidFill>
+                <a:latin typeface="Arial" panose="020B0604020202020204" pitchFamily="34" charset="0"/>
+                <a:cs typeface="Arial" panose="020B0604020202020204" pitchFamily="34" charset="0"/>
+              </a:rPr>
+              <a:t> board </a:t>
+            </a:r>
+            <a:r>
+              <a:rPr lang="en-US" sz="3200" cap="none" spc="0" dirty="0" err="1" smtClean="0">
+                <a:ln w="12700">
+                  <a:solidFill>
+                    <a:sysClr val="windowText" lastClr="000000"/>
+                  </a:solidFill>
+                  <a:prstDash val="solid"/>
+                </a:ln>
+                <a:solidFill>
+                  <a:sysClr val="windowText" lastClr="000000"/>
+                </a:solidFill>
+                <a:latin typeface="Arial" panose="020B0604020202020204" pitchFamily="34" charset="0"/>
+                <a:cs typeface="Arial" panose="020B0604020202020204" pitchFamily="34" charset="0"/>
+              </a:rPr>
+              <a:t>wemos</a:t>
+            </a:r>
+            <a:endParaRPr lang="en-US" sz="3200" dirty="0">
+              <a:ln w="12700">
+                <a:solidFill>
+                  <a:sysClr val="windowText" lastClr="000000"/>
+                </a:solidFill>
+                <a:prstDash val="solid"/>
+              </a:ln>
+              <a:solidFill>
+                <a:sysClr val="windowText" lastClr="000000"/>
+              </a:solidFill>
+              <a:latin typeface="Arial" panose="020B0604020202020204" pitchFamily="34" charset="0"/>
+              <a:cs typeface="Arial" panose="020B0604020202020204" pitchFamily="34" charset="0"/>
+            </a:endParaRPr>
+          </a:p>
+          <a:p>
+            <a:r>
+              <a:rPr lang="en-US" sz="3200" dirty="0" err="1" smtClean="0">
+                <a:ln w="12700">
+                  <a:solidFill>
+                    <a:sysClr val="windowText" lastClr="000000"/>
+                  </a:solidFill>
+                  <a:prstDash val="solid"/>
+                </a:ln>
+                <a:solidFill>
+                  <a:sysClr val="windowText" lastClr="000000"/>
+                </a:solidFill>
+                <a:latin typeface="Arial" panose="020B0604020202020204" pitchFamily="34" charset="0"/>
+                <a:cs typeface="Arial" panose="020B0604020202020204" pitchFamily="34" charset="0"/>
+              </a:rPr>
+              <a:t>dengan</a:t>
+            </a:r>
+            <a:r>
+              <a:rPr lang="en-US" sz="3200" dirty="0" smtClean="0">
+                <a:ln w="12700">
+                  <a:solidFill>
+                    <a:sysClr val="windowText" lastClr="000000"/>
+                  </a:solidFill>
+                  <a:prstDash val="solid"/>
+                </a:ln>
+                <a:solidFill>
+                  <a:sysClr val="windowText" lastClr="000000"/>
+                </a:solidFill>
+                <a:latin typeface="Arial" panose="020B0604020202020204" pitchFamily="34" charset="0"/>
+                <a:cs typeface="Arial" panose="020B0604020202020204" pitchFamily="34" charset="0"/>
+              </a:rPr>
+              <a:t> telegram chat app</a:t>
+            </a:r>
+            <a:endParaRPr lang="en-US" sz="3200" cap="none" spc="0" dirty="0">
+              <a:ln w="12700">
+                <a:solidFill>
+                  <a:srgbClr val="00B050"/>
+                </a:solidFill>
+                <a:prstDash val="solid"/>
+              </a:ln>
+              <a:solidFill>
+                <a:srgbClr val="00B050"/>
+              </a:solidFill>
+              <a:latin typeface="Arial" panose="020B0604020202020204" pitchFamily="34" charset="0"/>
+              <a:cs typeface="Arial" panose="020B0604020202020204" pitchFamily="34" charset="0"/>
+            </a:endParaRPr>
+          </a:p>
+        </p:txBody>
+      </p:sp>
+      <p:sp>
+        <p:nvSpPr>
+          <p:cNvPr id="4" name="Rectangle 3"/>
+          <p:cNvSpPr/>
+          <p:nvPr/>
+        </p:nvSpPr>
+        <p:spPr>
+          <a:xfrm>
+            <a:off x="424468" y="1676400"/>
+            <a:ext cx="6128732" cy="461665"/>
+          </a:xfrm>
+          <a:prstGeom prst="rect">
+            <a:avLst/>
+          </a:prstGeom>
+          <a:noFill/>
+        </p:spPr>
+        <p:txBody>
+          <a:bodyPr wrap="square" lIns="91440" tIns="45720" rIns="91440" bIns="45720">
+            <a:spAutoFit/>
+          </a:bodyPr>
+          <a:lstStyle/>
+          <a:p>
+            <a:r>
+              <a:rPr lang="en-US" sz="2400" dirty="0" err="1" smtClean="0"/>
+              <a:t>Koding</a:t>
+            </a:r>
+            <a:endParaRPr lang="en-US" sz="2400" dirty="0" smtClean="0"/>
+          </a:p>
+        </p:txBody>
+      </p:sp>
+      <p:pic>
+        <p:nvPicPr>
+          <p:cNvPr id="28673" name="Picture 1"/>
+          <p:cNvPicPr>
+            <a:picLocks noChangeAspect="1" noChangeArrowheads="1"/>
+          </p:cNvPicPr>
+          <p:nvPr/>
+        </p:nvPicPr>
+        <p:blipFill>
+          <a:blip r:embed="rId2"/>
+          <a:srcRect t="14844" r="56250" b="34375"/>
+          <a:stretch>
+            <a:fillRect/>
+          </a:stretch>
+        </p:blipFill>
+        <p:spPr bwMode="auto">
+          <a:xfrm>
+            <a:off x="3962400" y="1981200"/>
+            <a:ext cx="4349262" cy="4038600"/>
+          </a:xfrm>
+          <a:prstGeom prst="rect">
+            <a:avLst/>
+          </a:prstGeom>
+          <a:noFill/>
+          <a:ln w="9525">
+            <a:noFill/>
+            <a:miter lim="800000"/>
+            <a:headEnd/>
+            <a:tailEnd/>
+          </a:ln>
+          <a:effectLst/>
+        </p:spPr>
+      </p:pic>
+      <p:sp>
+        <p:nvSpPr>
+          <p:cNvPr id="7" name="Rectangle 6"/>
+          <p:cNvSpPr/>
+          <p:nvPr/>
+        </p:nvSpPr>
+        <p:spPr>
+          <a:xfrm>
+            <a:off x="457200" y="2514600"/>
+            <a:ext cx="2438400" cy="2062103"/>
+          </a:xfrm>
+          <a:prstGeom prst="rect">
+            <a:avLst/>
+          </a:prstGeom>
+          <a:noFill/>
+        </p:spPr>
+        <p:txBody>
+          <a:bodyPr wrap="square" lIns="91440" tIns="45720" rIns="91440" bIns="45720">
+            <a:spAutoFit/>
+          </a:bodyPr>
+          <a:lstStyle/>
+          <a:p>
+            <a:r>
+              <a:rPr lang="en-US" sz="1600" dirty="0" err="1" smtClean="0"/>
+              <a:t>Buka</a:t>
+            </a:r>
+            <a:r>
+              <a:rPr lang="en-US" sz="1600" dirty="0" smtClean="0"/>
+              <a:t> link, copy </a:t>
+            </a:r>
+            <a:r>
+              <a:rPr lang="en-US" sz="1600" dirty="0" err="1" smtClean="0"/>
+              <a:t>koding</a:t>
+            </a:r>
+            <a:r>
+              <a:rPr lang="en-US" sz="1600" dirty="0" smtClean="0"/>
+              <a:t> </a:t>
+            </a:r>
+            <a:r>
+              <a:rPr lang="en-US" sz="1600" dirty="0" err="1" smtClean="0"/>
+              <a:t>lalu</a:t>
+            </a:r>
+            <a:r>
+              <a:rPr lang="en-US" sz="1600" dirty="0" smtClean="0"/>
+              <a:t> paste </a:t>
+            </a:r>
+            <a:r>
+              <a:rPr lang="en-US" sz="1600" dirty="0" err="1" smtClean="0"/>
+              <a:t>di</a:t>
+            </a:r>
+            <a:r>
+              <a:rPr lang="en-US" sz="1600" dirty="0" smtClean="0"/>
+              <a:t> new sketch </a:t>
+            </a:r>
+            <a:r>
+              <a:rPr lang="en-US" sz="1600" dirty="0" err="1" smtClean="0"/>
+              <a:t>arduino</a:t>
+            </a:r>
+            <a:r>
+              <a:rPr lang="en-US" sz="1600" dirty="0" smtClean="0"/>
+              <a:t>.</a:t>
+            </a:r>
+          </a:p>
+          <a:p>
+            <a:endParaRPr lang="en-US" sz="1600" dirty="0" smtClean="0">
+              <a:ln>
+                <a:solidFill>
+                  <a:srgbClr val="0070C0"/>
+                </a:solidFill>
+              </a:ln>
+              <a:solidFill>
+                <a:srgbClr val="0070C0"/>
+              </a:solidFill>
+            </a:endParaRPr>
+          </a:p>
+          <a:p>
+            <a:r>
+              <a:rPr lang="en-US" sz="1600" dirty="0" smtClean="0">
+                <a:ln>
+                  <a:solidFill>
+                    <a:srgbClr val="0070C0"/>
+                  </a:solidFill>
+                </a:ln>
+                <a:solidFill>
+                  <a:srgbClr val="0070C0"/>
+                </a:solidFill>
+              </a:rPr>
+              <a:t>https</a:t>
+            </a:r>
+            <a:r>
+              <a:rPr lang="en-US" sz="1600" dirty="0" smtClean="0">
+                <a:ln>
+                  <a:solidFill>
+                    <a:srgbClr val="0070C0"/>
+                  </a:solidFill>
+                </a:ln>
+                <a:solidFill>
+                  <a:srgbClr val="0070C0"/>
+                </a:solidFill>
+              </a:rPr>
+              <a:t>://github.com/bangjii/IOT-Sharing-Telegram-Chatbot/blob/main/telegram-bot.ino</a:t>
+            </a:r>
+          </a:p>
+        </p:txBody>
+      </p:sp>
+    </p:spTree>
+    <p:extLst>
+      <p:ext uri="{BB962C8B-B14F-4D97-AF65-F5344CB8AC3E}">
+        <p14:creationId xmlns:p14="http://schemas.microsoft.com/office/powerpoint/2010/main" xmlns="" val="1635134170"/>
+      </p:ext>
+    </p:extLst>
+  </p:cSld>
+  <p:clrMapOvr>
+    <a:masterClrMapping/>
+  </p:clrMapOvr>
+</p:sld>
+</file>
+
+<file path=ppt/slides/slide17.xml><?xml version="1.0" encoding="utf-8"?>
+<p:sld xmlns:a="http://schemas.openxmlformats.org/drawingml/2006/main" xmlns:r="http://schemas.openxmlformats.org/officeDocument/2006/relationships" xmlns:p="http://schemas.openxmlformats.org/presentationml/2006/main">
+  <p:cSld>
+    <p:spTree>
+      <p:nvGrpSpPr>
+        <p:cNvPr id="1" name=""/>
+        <p:cNvGrpSpPr/>
+        <p:nvPr/>
+      </p:nvGrpSpPr>
+      <p:grpSpPr>
+        <a:xfrm>
+          <a:off x="0" y="0"/>
+          <a:ext cx="0" cy="0"/>
+          <a:chOff x="0" y="0"/>
+          <a:chExt cx="0" cy="0"/>
+        </a:xfrm>
+      </p:grpSpPr>
+      <p:sp>
+        <p:nvSpPr>
+          <p:cNvPr id="1031" name="Rectangle 1030"/>
+          <p:cNvSpPr/>
+          <p:nvPr/>
+        </p:nvSpPr>
+        <p:spPr>
+          <a:xfrm>
+            <a:off x="65131" y="6477000"/>
+            <a:ext cx="3628365" cy="276999"/>
+          </a:xfrm>
+          <a:prstGeom prst="rect">
+            <a:avLst/>
+          </a:prstGeom>
+          <a:noFill/>
+        </p:spPr>
+        <p:txBody>
+          <a:bodyPr wrap="none" lIns="91440" tIns="45720" rIns="91440" bIns="45720">
+            <a:spAutoFit/>
+          </a:bodyPr>
+          <a:lstStyle/>
+          <a:p>
+            <a:pPr algn="ctr"/>
+            <a:r>
+              <a:rPr lang="en-US" sz="1200" cap="none" spc="0" dirty="0" smtClean="0">
+                <a:ln w="12700">
+                  <a:solidFill>
+                    <a:sysClr val="windowText" lastClr="000000"/>
+                  </a:solidFill>
+                  <a:prstDash val="solid"/>
+                </a:ln>
+                <a:solidFill>
+                  <a:sysClr val="windowText" lastClr="000000"/>
+                </a:solidFill>
+                <a:latin typeface="Arial" panose="020B0604020202020204" pitchFamily="34" charset="0"/>
+                <a:cs typeface="Arial" panose="020B0604020202020204" pitchFamily="34" charset="0"/>
+              </a:rPr>
+              <a:t>IOT Sharing Session 2023 </a:t>
+            </a:r>
+            <a:r>
+              <a:rPr lang="en-US" sz="1200" dirty="0" smtClean="0">
+                <a:ln w="12700">
+                  <a:solidFill>
+                    <a:sysClr val="windowText" lastClr="000000"/>
+                  </a:solidFill>
+                  <a:prstDash val="solid"/>
+                </a:ln>
+                <a:solidFill>
+                  <a:sysClr val="windowText" lastClr="000000"/>
+                </a:solidFill>
+                <a:latin typeface="Arial" panose="020B0604020202020204" pitchFamily="34" charset="0"/>
+                <a:cs typeface="Arial" panose="020B0604020202020204" pitchFamily="34" charset="0"/>
+              </a:rPr>
+              <a:t>a</a:t>
+            </a:r>
+            <a:r>
+              <a:rPr lang="en-US" sz="1200" cap="none" spc="0" dirty="0" smtClean="0">
+                <a:ln w="12700">
+                  <a:solidFill>
+                    <a:sysClr val="windowText" lastClr="000000"/>
+                  </a:solidFill>
+                  <a:prstDash val="solid"/>
+                </a:ln>
+                <a:solidFill>
+                  <a:sysClr val="windowText" lastClr="000000"/>
+                </a:solidFill>
+                <a:latin typeface="Arial" panose="020B0604020202020204" pitchFamily="34" charset="0"/>
+                <a:cs typeface="Arial" panose="020B0604020202020204" pitchFamily="34" charset="0"/>
+              </a:rPr>
+              <a:t>l.ghifari22@gmail.com</a:t>
+            </a:r>
+            <a:endParaRPr lang="en-US" sz="1200" cap="none" spc="0" dirty="0">
+              <a:ln w="12700">
+                <a:solidFill>
+                  <a:sysClr val="windowText" lastClr="000000"/>
+                </a:solidFill>
+                <a:prstDash val="solid"/>
+              </a:ln>
+              <a:solidFill>
+                <a:sysClr val="windowText" lastClr="000000"/>
+              </a:solidFill>
+              <a:latin typeface="Arial" panose="020B0604020202020204" pitchFamily="34" charset="0"/>
+              <a:cs typeface="Arial" panose="020B0604020202020204" pitchFamily="34" charset="0"/>
+            </a:endParaRPr>
+          </a:p>
+        </p:txBody>
+      </p:sp>
+      <p:sp>
+        <p:nvSpPr>
+          <p:cNvPr id="40" name="Rectangle 39"/>
+          <p:cNvSpPr/>
+          <p:nvPr/>
+        </p:nvSpPr>
+        <p:spPr>
+          <a:xfrm>
+            <a:off x="381000" y="370582"/>
+            <a:ext cx="5808000" cy="1077218"/>
+          </a:xfrm>
+          <a:prstGeom prst="rect">
+            <a:avLst/>
+          </a:prstGeom>
+          <a:noFill/>
+        </p:spPr>
+        <p:txBody>
+          <a:bodyPr wrap="none" lIns="91440" tIns="45720" rIns="91440" bIns="45720">
+            <a:spAutoFit/>
+          </a:bodyPr>
+          <a:lstStyle/>
+          <a:p>
+            <a:r>
+              <a:rPr lang="en-US" sz="3200" cap="none" spc="0" dirty="0" err="1" smtClean="0">
+                <a:ln w="12700">
+                  <a:solidFill>
+                    <a:sysClr val="windowText" lastClr="000000"/>
+                  </a:solidFill>
+                  <a:prstDash val="solid"/>
+                </a:ln>
+                <a:solidFill>
+                  <a:sysClr val="windowText" lastClr="000000"/>
+                </a:solidFill>
+                <a:latin typeface="Arial" panose="020B0604020202020204" pitchFamily="34" charset="0"/>
+                <a:cs typeface="Arial" panose="020B0604020202020204" pitchFamily="34" charset="0"/>
+              </a:rPr>
+              <a:t>Menghubungkan</a:t>
+            </a:r>
+            <a:r>
+              <a:rPr lang="en-US" sz="3200" cap="none" spc="0" dirty="0" smtClean="0">
+                <a:ln w="12700">
+                  <a:solidFill>
+                    <a:sysClr val="windowText" lastClr="000000"/>
+                  </a:solidFill>
+                  <a:prstDash val="solid"/>
+                </a:ln>
+                <a:solidFill>
+                  <a:sysClr val="windowText" lastClr="000000"/>
+                </a:solidFill>
+                <a:latin typeface="Arial" panose="020B0604020202020204" pitchFamily="34" charset="0"/>
+                <a:cs typeface="Arial" panose="020B0604020202020204" pitchFamily="34" charset="0"/>
+              </a:rPr>
+              <a:t> board </a:t>
+            </a:r>
+            <a:r>
+              <a:rPr lang="en-US" sz="3200" cap="none" spc="0" dirty="0" err="1" smtClean="0">
+                <a:ln w="12700">
+                  <a:solidFill>
+                    <a:sysClr val="windowText" lastClr="000000"/>
+                  </a:solidFill>
+                  <a:prstDash val="solid"/>
+                </a:ln>
+                <a:solidFill>
+                  <a:sysClr val="windowText" lastClr="000000"/>
+                </a:solidFill>
+                <a:latin typeface="Arial" panose="020B0604020202020204" pitchFamily="34" charset="0"/>
+                <a:cs typeface="Arial" panose="020B0604020202020204" pitchFamily="34" charset="0"/>
+              </a:rPr>
+              <a:t>wemos</a:t>
+            </a:r>
+            <a:endParaRPr lang="en-US" sz="3200" dirty="0">
+              <a:ln w="12700">
+                <a:solidFill>
+                  <a:sysClr val="windowText" lastClr="000000"/>
+                </a:solidFill>
+                <a:prstDash val="solid"/>
+              </a:ln>
+              <a:solidFill>
+                <a:sysClr val="windowText" lastClr="000000"/>
+              </a:solidFill>
+              <a:latin typeface="Arial" panose="020B0604020202020204" pitchFamily="34" charset="0"/>
+              <a:cs typeface="Arial" panose="020B0604020202020204" pitchFamily="34" charset="0"/>
+            </a:endParaRPr>
+          </a:p>
+          <a:p>
+            <a:r>
+              <a:rPr lang="en-US" sz="3200" dirty="0" err="1" smtClean="0">
+                <a:ln w="12700">
+                  <a:solidFill>
+                    <a:sysClr val="windowText" lastClr="000000"/>
+                  </a:solidFill>
+                  <a:prstDash val="solid"/>
+                </a:ln>
+                <a:solidFill>
+                  <a:sysClr val="windowText" lastClr="000000"/>
+                </a:solidFill>
+                <a:latin typeface="Arial" panose="020B0604020202020204" pitchFamily="34" charset="0"/>
+                <a:cs typeface="Arial" panose="020B0604020202020204" pitchFamily="34" charset="0"/>
+              </a:rPr>
+              <a:t>dengan</a:t>
+            </a:r>
+            <a:r>
+              <a:rPr lang="en-US" sz="3200" dirty="0" smtClean="0">
+                <a:ln w="12700">
+                  <a:solidFill>
+                    <a:sysClr val="windowText" lastClr="000000"/>
+                  </a:solidFill>
+                  <a:prstDash val="solid"/>
+                </a:ln>
+                <a:solidFill>
+                  <a:sysClr val="windowText" lastClr="000000"/>
+                </a:solidFill>
+                <a:latin typeface="Arial" panose="020B0604020202020204" pitchFamily="34" charset="0"/>
+                <a:cs typeface="Arial" panose="020B0604020202020204" pitchFamily="34" charset="0"/>
+              </a:rPr>
+              <a:t> telegram chat app</a:t>
+            </a:r>
+            <a:endParaRPr lang="en-US" sz="3200" cap="none" spc="0" dirty="0">
+              <a:ln w="12700">
+                <a:solidFill>
+                  <a:srgbClr val="00B050"/>
+                </a:solidFill>
+                <a:prstDash val="solid"/>
+              </a:ln>
+              <a:solidFill>
+                <a:srgbClr val="00B050"/>
+              </a:solidFill>
+              <a:latin typeface="Arial" panose="020B0604020202020204" pitchFamily="34" charset="0"/>
+              <a:cs typeface="Arial" panose="020B0604020202020204" pitchFamily="34" charset="0"/>
+            </a:endParaRPr>
+          </a:p>
+        </p:txBody>
+      </p:sp>
+      <p:sp>
+        <p:nvSpPr>
+          <p:cNvPr id="4" name="Rectangle 3"/>
+          <p:cNvSpPr/>
+          <p:nvPr/>
+        </p:nvSpPr>
+        <p:spPr>
+          <a:xfrm>
+            <a:off x="424468" y="1676400"/>
+            <a:ext cx="6128732" cy="461665"/>
+          </a:xfrm>
+          <a:prstGeom prst="rect">
+            <a:avLst/>
+          </a:prstGeom>
+          <a:noFill/>
+        </p:spPr>
+        <p:txBody>
+          <a:bodyPr wrap="square" lIns="91440" tIns="45720" rIns="91440" bIns="45720">
+            <a:spAutoFit/>
+          </a:bodyPr>
+          <a:lstStyle/>
+          <a:p>
+            <a:r>
+              <a:rPr lang="en-US" sz="2400" dirty="0" err="1" smtClean="0"/>
+              <a:t>Konfigurasi</a:t>
+            </a:r>
+            <a:endParaRPr lang="en-US" sz="2400" dirty="0" smtClean="0"/>
+          </a:p>
+        </p:txBody>
+      </p:sp>
+      <p:pic>
+        <p:nvPicPr>
+          <p:cNvPr id="28673" name="Picture 1"/>
+          <p:cNvPicPr>
+            <a:picLocks noChangeAspect="1" noChangeArrowheads="1"/>
+          </p:cNvPicPr>
+          <p:nvPr/>
+        </p:nvPicPr>
+        <p:blipFill>
+          <a:blip r:embed="rId2"/>
+          <a:srcRect t="40714" r="56250" b="28626"/>
+          <a:stretch>
+            <a:fillRect/>
+          </a:stretch>
+        </p:blipFill>
+        <p:spPr bwMode="auto">
+          <a:xfrm>
+            <a:off x="4038600" y="1981200"/>
+            <a:ext cx="4349262" cy="2438400"/>
+          </a:xfrm>
+          <a:prstGeom prst="rect">
+            <a:avLst/>
+          </a:prstGeom>
+          <a:noFill/>
+          <a:ln w="9525">
+            <a:noFill/>
+            <a:miter lim="800000"/>
+            <a:headEnd/>
+            <a:tailEnd/>
+          </a:ln>
+          <a:effectLst/>
+        </p:spPr>
+      </p:pic>
+      <p:sp>
+        <p:nvSpPr>
+          <p:cNvPr id="7" name="Rectangle 6"/>
+          <p:cNvSpPr/>
+          <p:nvPr/>
+        </p:nvSpPr>
+        <p:spPr>
+          <a:xfrm>
+            <a:off x="457200" y="2743200"/>
+            <a:ext cx="2438400" cy="2062103"/>
+          </a:xfrm>
+          <a:prstGeom prst="rect">
+            <a:avLst/>
+          </a:prstGeom>
+          <a:noFill/>
+        </p:spPr>
+        <p:txBody>
+          <a:bodyPr wrap="square" lIns="91440" tIns="45720" rIns="91440" bIns="45720">
+            <a:spAutoFit/>
+          </a:bodyPr>
+          <a:lstStyle/>
+          <a:p>
+            <a:r>
+              <a:rPr lang="en-US" sz="1600" dirty="0" err="1" smtClean="0"/>
+              <a:t>Ubah</a:t>
+            </a:r>
+            <a:r>
+              <a:rPr lang="en-US" sz="1600" dirty="0" smtClean="0"/>
+              <a:t> </a:t>
+            </a:r>
+            <a:r>
+              <a:rPr lang="en-US" sz="1600" dirty="0" err="1" smtClean="0"/>
+              <a:t>ssid</a:t>
+            </a:r>
+            <a:r>
+              <a:rPr lang="en-US" sz="1600" dirty="0" smtClean="0"/>
+              <a:t> </a:t>
+            </a:r>
+            <a:r>
+              <a:rPr lang="en-US" sz="1600" dirty="0" err="1" smtClean="0"/>
+              <a:t>dengan</a:t>
+            </a:r>
+            <a:r>
+              <a:rPr lang="en-US" sz="1600" dirty="0" smtClean="0"/>
+              <a:t> </a:t>
+            </a:r>
+            <a:r>
+              <a:rPr lang="en-US" sz="1600" dirty="0" err="1" smtClean="0"/>
+              <a:t>nama</a:t>
+            </a:r>
+            <a:r>
+              <a:rPr lang="en-US" sz="1600" dirty="0" smtClean="0"/>
+              <a:t> </a:t>
+            </a:r>
+            <a:r>
+              <a:rPr lang="en-US" sz="1600" dirty="0" err="1" smtClean="0"/>
+              <a:t>wifi</a:t>
+            </a:r>
+            <a:r>
+              <a:rPr lang="en-US" sz="1600" dirty="0" smtClean="0"/>
+              <a:t>.</a:t>
+            </a:r>
+          </a:p>
+          <a:p>
+            <a:r>
+              <a:rPr lang="en-US" sz="1600" dirty="0" smtClean="0"/>
+              <a:t>Password </a:t>
+            </a:r>
+            <a:r>
+              <a:rPr lang="en-US" sz="1600" dirty="0" err="1" smtClean="0"/>
+              <a:t>dengan</a:t>
+            </a:r>
+            <a:r>
+              <a:rPr lang="en-US" sz="1600" dirty="0" smtClean="0"/>
+              <a:t> password </a:t>
+            </a:r>
+            <a:r>
+              <a:rPr lang="en-US" sz="1600" dirty="0" err="1" smtClean="0"/>
+              <a:t>wifi</a:t>
+            </a:r>
+            <a:r>
+              <a:rPr lang="en-US" sz="1600" dirty="0" smtClean="0"/>
+              <a:t>.</a:t>
+            </a:r>
+          </a:p>
+          <a:p>
+            <a:endParaRPr lang="en-US" sz="1600" dirty="0" smtClean="0"/>
+          </a:p>
+          <a:p>
+            <a:r>
+              <a:rPr lang="en-US" sz="1600" dirty="0" smtClean="0"/>
+              <a:t>Dan </a:t>
+            </a:r>
+            <a:r>
+              <a:rPr lang="en-US" sz="1600" dirty="0" err="1" smtClean="0"/>
+              <a:t>bot</a:t>
+            </a:r>
+            <a:r>
+              <a:rPr lang="en-US" sz="1600" dirty="0" smtClean="0"/>
+              <a:t> token </a:t>
+            </a:r>
+            <a:r>
+              <a:rPr lang="en-US" sz="1600" dirty="0" err="1" smtClean="0"/>
+              <a:t>dengan</a:t>
+            </a:r>
+            <a:r>
+              <a:rPr lang="en-US" sz="1600" dirty="0" smtClean="0"/>
+              <a:t> token API yang </a:t>
+            </a:r>
+            <a:r>
+              <a:rPr lang="en-US" sz="1600" dirty="0" err="1" smtClean="0"/>
+              <a:t>sudah</a:t>
+            </a:r>
+            <a:r>
+              <a:rPr lang="en-US" sz="1600" dirty="0" smtClean="0"/>
+              <a:t> </a:t>
+            </a:r>
+            <a:r>
+              <a:rPr lang="en-US" sz="1600" dirty="0" err="1" smtClean="0"/>
+              <a:t>disimpan</a:t>
+            </a:r>
+            <a:r>
+              <a:rPr lang="en-US" sz="1600" dirty="0" smtClean="0"/>
+              <a:t> </a:t>
+            </a:r>
+            <a:r>
+              <a:rPr lang="en-US" sz="1600" dirty="0" err="1" smtClean="0"/>
+              <a:t>tadi</a:t>
+            </a:r>
+            <a:r>
+              <a:rPr lang="en-US" sz="1600" dirty="0" smtClean="0"/>
+              <a:t>.</a:t>
+            </a:r>
+          </a:p>
+        </p:txBody>
+      </p:sp>
+      <p:cxnSp>
+        <p:nvCxnSpPr>
+          <p:cNvPr id="8" name="Straight Arrow Connector 7"/>
+          <p:cNvCxnSpPr/>
+          <p:nvPr/>
+        </p:nvCxnSpPr>
+        <p:spPr>
+          <a:xfrm>
+            <a:off x="2209800" y="3657600"/>
+            <a:ext cx="2286000" cy="1588"/>
+          </a:xfrm>
+          <a:prstGeom prst="straightConnector1">
+            <a:avLst/>
+          </a:prstGeom>
+          <a:ln w="19050">
+            <a:tailEnd type="arrow"/>
+          </a:ln>
+        </p:spPr>
+        <p:style>
+          <a:lnRef idx="1">
+            <a:schemeClr val="accent1"/>
+          </a:lnRef>
+          <a:fillRef idx="0">
+            <a:schemeClr val="accent1"/>
+          </a:fillRef>
+          <a:effectRef idx="0">
+            <a:schemeClr val="accent1"/>
+          </a:effectRef>
+          <a:fontRef idx="minor">
+            <a:schemeClr val="tx1"/>
+          </a:fontRef>
+        </p:style>
+      </p:cxnSp>
+      <p:cxnSp>
+        <p:nvCxnSpPr>
+          <p:cNvPr id="9" name="Straight Arrow Connector 8"/>
+          <p:cNvCxnSpPr/>
+          <p:nvPr/>
+        </p:nvCxnSpPr>
+        <p:spPr>
+          <a:xfrm>
+            <a:off x="2438400" y="4114800"/>
+            <a:ext cx="2286000" cy="1588"/>
+          </a:xfrm>
+          <a:prstGeom prst="straightConnector1">
+            <a:avLst/>
+          </a:prstGeom>
+          <a:ln w="19050">
+            <a:tailEnd type="arrow"/>
+          </a:ln>
+        </p:spPr>
+        <p:style>
+          <a:lnRef idx="1">
+            <a:schemeClr val="accent1"/>
+          </a:lnRef>
+          <a:fillRef idx="0">
+            <a:schemeClr val="accent1"/>
+          </a:fillRef>
+          <a:effectRef idx="0">
+            <a:schemeClr val="accent1"/>
+          </a:effectRef>
+          <a:fontRef idx="minor">
+            <a:schemeClr val="tx1"/>
+          </a:fontRef>
+        </p:style>
+      </p:cxnSp>
+    </p:spTree>
+    <p:extLst>
+      <p:ext uri="{BB962C8B-B14F-4D97-AF65-F5344CB8AC3E}">
+        <p14:creationId xmlns:p14="http://schemas.microsoft.com/office/powerpoint/2010/main" xmlns="" val="1635134170"/>
+      </p:ext>
+    </p:extLst>
+  </p:cSld>
+  <p:clrMapOvr>
+    <a:masterClrMapping/>
+  </p:clrMapOvr>
+</p:sld>
+</file>
+
+<file path=ppt/slides/slide18.xml><?xml version="1.0" encoding="utf-8"?>
+<p:sld xmlns:a="http://schemas.openxmlformats.org/drawingml/2006/main" xmlns:r="http://schemas.openxmlformats.org/officeDocument/2006/relationships" xmlns:p="http://schemas.openxmlformats.org/presentationml/2006/main">
+  <p:cSld>
+    <p:spTree>
+      <p:nvGrpSpPr>
+        <p:cNvPr id="1" name=""/>
+        <p:cNvGrpSpPr/>
+        <p:nvPr/>
+      </p:nvGrpSpPr>
+      <p:grpSpPr>
+        <a:xfrm>
+          <a:off x="0" y="0"/>
+          <a:ext cx="0" cy="0"/>
+          <a:chOff x="0" y="0"/>
+          <a:chExt cx="0" cy="0"/>
+        </a:xfrm>
+      </p:grpSpPr>
+      <p:pic>
+        <p:nvPicPr>
+          <p:cNvPr id="18" name="Picture 17" descr="https://www.makerlab-electronics.com/wp-content/uploads/2017/11/Wemos-D1-Mini-02.jpg"/>
+          <p:cNvPicPr>
+            <a:picLocks noChangeAspect="1" noChangeArrowheads="1"/>
+          </p:cNvPicPr>
+          <p:nvPr/>
+        </p:nvPicPr>
+        <p:blipFill>
+          <a:blip r:embed="rId2" cstate="print"/>
+          <a:srcRect/>
+          <a:stretch>
+            <a:fillRect/>
+          </a:stretch>
+        </p:blipFill>
+        <p:spPr bwMode="auto">
+          <a:xfrm rot="5400000">
+            <a:off x="2819400" y="2819400"/>
+            <a:ext cx="2438400" cy="2286000"/>
+          </a:xfrm>
+          <a:prstGeom prst="rect">
+            <a:avLst/>
+          </a:prstGeom>
+          <a:noFill/>
+        </p:spPr>
+      </p:pic>
+      <p:sp>
+        <p:nvSpPr>
+          <p:cNvPr id="1031" name="Rectangle 1030"/>
+          <p:cNvSpPr/>
+          <p:nvPr/>
+        </p:nvSpPr>
+        <p:spPr>
+          <a:xfrm>
+            <a:off x="65131" y="6477000"/>
+            <a:ext cx="3628365" cy="276999"/>
+          </a:xfrm>
+          <a:prstGeom prst="rect">
+            <a:avLst/>
+          </a:prstGeom>
+          <a:noFill/>
+        </p:spPr>
+        <p:txBody>
+          <a:bodyPr wrap="none" lIns="91440" tIns="45720" rIns="91440" bIns="45720">
+            <a:spAutoFit/>
+          </a:bodyPr>
+          <a:lstStyle/>
+          <a:p>
+            <a:pPr algn="ctr"/>
+            <a:r>
+              <a:rPr lang="en-US" sz="1200" cap="none" spc="0" dirty="0" smtClean="0">
+                <a:ln w="12700">
+                  <a:solidFill>
+                    <a:sysClr val="windowText" lastClr="000000"/>
+                  </a:solidFill>
+                  <a:prstDash val="solid"/>
+                </a:ln>
+                <a:solidFill>
+                  <a:sysClr val="windowText" lastClr="000000"/>
+                </a:solidFill>
+                <a:latin typeface="Arial" panose="020B0604020202020204" pitchFamily="34" charset="0"/>
+                <a:cs typeface="Arial" panose="020B0604020202020204" pitchFamily="34" charset="0"/>
+              </a:rPr>
+              <a:t>IOT Sharing Session 2023 </a:t>
+            </a:r>
+            <a:r>
+              <a:rPr lang="en-US" sz="1200" dirty="0" smtClean="0">
+                <a:ln w="12700">
+                  <a:solidFill>
+                    <a:sysClr val="windowText" lastClr="000000"/>
+                  </a:solidFill>
+                  <a:prstDash val="solid"/>
+                </a:ln>
+                <a:solidFill>
+                  <a:sysClr val="windowText" lastClr="000000"/>
+                </a:solidFill>
+                <a:latin typeface="Arial" panose="020B0604020202020204" pitchFamily="34" charset="0"/>
+                <a:cs typeface="Arial" panose="020B0604020202020204" pitchFamily="34" charset="0"/>
+              </a:rPr>
+              <a:t>a</a:t>
+            </a:r>
+            <a:r>
+              <a:rPr lang="en-US" sz="1200" cap="none" spc="0" dirty="0" smtClean="0">
+                <a:ln w="12700">
+                  <a:solidFill>
+                    <a:sysClr val="windowText" lastClr="000000"/>
+                  </a:solidFill>
+                  <a:prstDash val="solid"/>
+                </a:ln>
+                <a:solidFill>
+                  <a:sysClr val="windowText" lastClr="000000"/>
+                </a:solidFill>
+                <a:latin typeface="Arial" panose="020B0604020202020204" pitchFamily="34" charset="0"/>
+                <a:cs typeface="Arial" panose="020B0604020202020204" pitchFamily="34" charset="0"/>
+              </a:rPr>
+              <a:t>l.ghifari22@gmail.com</a:t>
+            </a:r>
+            <a:endParaRPr lang="en-US" sz="1200" cap="none" spc="0" dirty="0">
+              <a:ln w="12700">
+                <a:solidFill>
+                  <a:sysClr val="windowText" lastClr="000000"/>
+                </a:solidFill>
+                <a:prstDash val="solid"/>
+              </a:ln>
+              <a:solidFill>
+                <a:sysClr val="windowText" lastClr="000000"/>
+              </a:solidFill>
+              <a:latin typeface="Arial" panose="020B0604020202020204" pitchFamily="34" charset="0"/>
+              <a:cs typeface="Arial" panose="020B0604020202020204" pitchFamily="34" charset="0"/>
+            </a:endParaRPr>
+          </a:p>
+        </p:txBody>
+      </p:sp>
+      <p:sp>
+        <p:nvSpPr>
+          <p:cNvPr id="40" name="Rectangle 39"/>
+          <p:cNvSpPr/>
+          <p:nvPr/>
+        </p:nvSpPr>
+        <p:spPr>
+          <a:xfrm>
+            <a:off x="381000" y="370582"/>
+            <a:ext cx="5808000" cy="1077218"/>
+          </a:xfrm>
+          <a:prstGeom prst="rect">
+            <a:avLst/>
+          </a:prstGeom>
+          <a:noFill/>
+        </p:spPr>
+        <p:txBody>
+          <a:bodyPr wrap="none" lIns="91440" tIns="45720" rIns="91440" bIns="45720">
+            <a:spAutoFit/>
+          </a:bodyPr>
+          <a:lstStyle/>
+          <a:p>
+            <a:r>
+              <a:rPr lang="en-US" sz="3200" cap="none" spc="0" dirty="0" err="1" smtClean="0">
+                <a:ln w="12700">
+                  <a:solidFill>
+                    <a:sysClr val="windowText" lastClr="000000"/>
+                  </a:solidFill>
+                  <a:prstDash val="solid"/>
+                </a:ln>
+                <a:solidFill>
+                  <a:sysClr val="windowText" lastClr="000000"/>
+                </a:solidFill>
+                <a:latin typeface="Arial" panose="020B0604020202020204" pitchFamily="34" charset="0"/>
+                <a:cs typeface="Arial" panose="020B0604020202020204" pitchFamily="34" charset="0"/>
+              </a:rPr>
+              <a:t>Menghubungkan</a:t>
+            </a:r>
+            <a:r>
+              <a:rPr lang="en-US" sz="3200" cap="none" spc="0" dirty="0" smtClean="0">
+                <a:ln w="12700">
+                  <a:solidFill>
+                    <a:sysClr val="windowText" lastClr="000000"/>
+                  </a:solidFill>
+                  <a:prstDash val="solid"/>
+                </a:ln>
+                <a:solidFill>
+                  <a:sysClr val="windowText" lastClr="000000"/>
+                </a:solidFill>
+                <a:latin typeface="Arial" panose="020B0604020202020204" pitchFamily="34" charset="0"/>
+                <a:cs typeface="Arial" panose="020B0604020202020204" pitchFamily="34" charset="0"/>
+              </a:rPr>
+              <a:t> board </a:t>
+            </a:r>
+            <a:r>
+              <a:rPr lang="en-US" sz="3200" cap="none" spc="0" dirty="0" err="1" smtClean="0">
+                <a:ln w="12700">
+                  <a:solidFill>
+                    <a:sysClr val="windowText" lastClr="000000"/>
+                  </a:solidFill>
+                  <a:prstDash val="solid"/>
+                </a:ln>
+                <a:solidFill>
+                  <a:sysClr val="windowText" lastClr="000000"/>
+                </a:solidFill>
+                <a:latin typeface="Arial" panose="020B0604020202020204" pitchFamily="34" charset="0"/>
+                <a:cs typeface="Arial" panose="020B0604020202020204" pitchFamily="34" charset="0"/>
+              </a:rPr>
+              <a:t>wemos</a:t>
+            </a:r>
+            <a:endParaRPr lang="en-US" sz="3200" dirty="0">
+              <a:ln w="12700">
+                <a:solidFill>
+                  <a:sysClr val="windowText" lastClr="000000"/>
+                </a:solidFill>
+                <a:prstDash val="solid"/>
+              </a:ln>
+              <a:solidFill>
+                <a:sysClr val="windowText" lastClr="000000"/>
+              </a:solidFill>
+              <a:latin typeface="Arial" panose="020B0604020202020204" pitchFamily="34" charset="0"/>
+              <a:cs typeface="Arial" panose="020B0604020202020204" pitchFamily="34" charset="0"/>
+            </a:endParaRPr>
+          </a:p>
+          <a:p>
+            <a:r>
+              <a:rPr lang="en-US" sz="3200" dirty="0" err="1" smtClean="0">
+                <a:ln w="12700">
+                  <a:solidFill>
+                    <a:sysClr val="windowText" lastClr="000000"/>
+                  </a:solidFill>
+                  <a:prstDash val="solid"/>
+                </a:ln>
+                <a:solidFill>
+                  <a:sysClr val="windowText" lastClr="000000"/>
+                </a:solidFill>
+                <a:latin typeface="Arial" panose="020B0604020202020204" pitchFamily="34" charset="0"/>
+                <a:cs typeface="Arial" panose="020B0604020202020204" pitchFamily="34" charset="0"/>
+              </a:rPr>
+              <a:t>dengan</a:t>
+            </a:r>
+            <a:r>
+              <a:rPr lang="en-US" sz="3200" dirty="0" smtClean="0">
+                <a:ln w="12700">
+                  <a:solidFill>
+                    <a:sysClr val="windowText" lastClr="000000"/>
+                  </a:solidFill>
+                  <a:prstDash val="solid"/>
+                </a:ln>
+                <a:solidFill>
+                  <a:sysClr val="windowText" lastClr="000000"/>
+                </a:solidFill>
+                <a:latin typeface="Arial" panose="020B0604020202020204" pitchFamily="34" charset="0"/>
+                <a:cs typeface="Arial" panose="020B0604020202020204" pitchFamily="34" charset="0"/>
+              </a:rPr>
+              <a:t> telegram chat app</a:t>
+            </a:r>
+            <a:endParaRPr lang="en-US" sz="3200" cap="none" spc="0" dirty="0">
+              <a:ln w="12700">
+                <a:solidFill>
+                  <a:srgbClr val="00B050"/>
+                </a:solidFill>
+                <a:prstDash val="solid"/>
+              </a:ln>
+              <a:solidFill>
+                <a:srgbClr val="00B050"/>
+              </a:solidFill>
+              <a:latin typeface="Arial" panose="020B0604020202020204" pitchFamily="34" charset="0"/>
+              <a:cs typeface="Arial" panose="020B0604020202020204" pitchFamily="34" charset="0"/>
+            </a:endParaRPr>
+          </a:p>
+        </p:txBody>
+      </p:sp>
+      <p:sp>
+        <p:nvSpPr>
+          <p:cNvPr id="4" name="Rectangle 3"/>
+          <p:cNvSpPr/>
+          <p:nvPr/>
+        </p:nvSpPr>
+        <p:spPr>
+          <a:xfrm>
+            <a:off x="424468" y="1676400"/>
+            <a:ext cx="6128732" cy="461665"/>
+          </a:xfrm>
+          <a:prstGeom prst="rect">
+            <a:avLst/>
+          </a:prstGeom>
+          <a:noFill/>
+        </p:spPr>
+        <p:txBody>
+          <a:bodyPr wrap="square" lIns="91440" tIns="45720" rIns="91440" bIns="45720">
+            <a:spAutoFit/>
+          </a:bodyPr>
+          <a:lstStyle/>
+          <a:p>
+            <a:r>
+              <a:rPr lang="en-US" sz="2400" dirty="0" err="1" smtClean="0"/>
+              <a:t>Konfigurasi</a:t>
+            </a:r>
+            <a:endParaRPr lang="en-US" sz="2400" dirty="0" smtClean="0"/>
+          </a:p>
+        </p:txBody>
+      </p:sp>
+      <p:sp>
+        <p:nvSpPr>
+          <p:cNvPr id="7" name="Rectangle 6"/>
+          <p:cNvSpPr/>
+          <p:nvPr/>
+        </p:nvSpPr>
+        <p:spPr>
+          <a:xfrm>
+            <a:off x="457200" y="2743200"/>
+            <a:ext cx="2438400" cy="2062103"/>
+          </a:xfrm>
+          <a:prstGeom prst="rect">
+            <a:avLst/>
+          </a:prstGeom>
+          <a:noFill/>
+        </p:spPr>
+        <p:txBody>
+          <a:bodyPr wrap="square" lIns="91440" tIns="45720" rIns="91440" bIns="45720">
+            <a:spAutoFit/>
+          </a:bodyPr>
+          <a:lstStyle/>
+          <a:p>
+            <a:r>
+              <a:rPr lang="en-US" sz="1600" dirty="0" err="1" smtClean="0"/>
+              <a:t>Ubah</a:t>
+            </a:r>
+            <a:r>
+              <a:rPr lang="en-US" sz="1600" dirty="0" smtClean="0"/>
+              <a:t> </a:t>
+            </a:r>
+            <a:r>
+              <a:rPr lang="en-US" sz="1600" dirty="0" err="1" smtClean="0"/>
+              <a:t>ssid</a:t>
+            </a:r>
+            <a:r>
+              <a:rPr lang="en-US" sz="1600" dirty="0" smtClean="0"/>
+              <a:t> </a:t>
+            </a:r>
+            <a:r>
+              <a:rPr lang="en-US" sz="1600" dirty="0" err="1" smtClean="0"/>
+              <a:t>dengan</a:t>
+            </a:r>
+            <a:r>
+              <a:rPr lang="en-US" sz="1600" dirty="0" smtClean="0"/>
+              <a:t> </a:t>
+            </a:r>
+            <a:r>
+              <a:rPr lang="en-US" sz="1600" dirty="0" err="1" smtClean="0"/>
+              <a:t>nama</a:t>
+            </a:r>
+            <a:r>
+              <a:rPr lang="en-US" sz="1600" dirty="0" smtClean="0"/>
+              <a:t> </a:t>
+            </a:r>
+            <a:r>
+              <a:rPr lang="en-US" sz="1600" dirty="0" err="1" smtClean="0"/>
+              <a:t>wifi</a:t>
+            </a:r>
+            <a:r>
+              <a:rPr lang="en-US" sz="1600" dirty="0" smtClean="0"/>
+              <a:t>.</a:t>
+            </a:r>
+          </a:p>
+          <a:p>
+            <a:r>
+              <a:rPr lang="en-US" sz="1600" dirty="0" smtClean="0"/>
+              <a:t>Password </a:t>
+            </a:r>
+            <a:r>
+              <a:rPr lang="en-US" sz="1600" dirty="0" err="1" smtClean="0"/>
+              <a:t>dengan</a:t>
+            </a:r>
+            <a:r>
+              <a:rPr lang="en-US" sz="1600" dirty="0" smtClean="0"/>
+              <a:t> password </a:t>
+            </a:r>
+            <a:r>
+              <a:rPr lang="en-US" sz="1600" dirty="0" err="1" smtClean="0"/>
+              <a:t>wifi</a:t>
+            </a:r>
+            <a:r>
+              <a:rPr lang="en-US" sz="1600" dirty="0" smtClean="0"/>
+              <a:t>.</a:t>
+            </a:r>
+          </a:p>
+          <a:p>
+            <a:endParaRPr lang="en-US" sz="1600" dirty="0" smtClean="0"/>
+          </a:p>
+          <a:p>
+            <a:r>
+              <a:rPr lang="en-US" sz="1600" dirty="0" smtClean="0"/>
+              <a:t>Dan </a:t>
+            </a:r>
+            <a:r>
+              <a:rPr lang="en-US" sz="1600" dirty="0" err="1" smtClean="0"/>
+              <a:t>bot</a:t>
+            </a:r>
+            <a:r>
+              <a:rPr lang="en-US" sz="1600" dirty="0" smtClean="0"/>
+              <a:t> token </a:t>
+            </a:r>
+            <a:r>
+              <a:rPr lang="en-US" sz="1600" dirty="0" err="1" smtClean="0"/>
+              <a:t>dengan</a:t>
+            </a:r>
+            <a:r>
+              <a:rPr lang="en-US" sz="1600" dirty="0" smtClean="0"/>
+              <a:t> token API yang </a:t>
+            </a:r>
+            <a:r>
+              <a:rPr lang="en-US" sz="1600" dirty="0" err="1" smtClean="0"/>
+              <a:t>sudah</a:t>
+            </a:r>
+            <a:r>
+              <a:rPr lang="en-US" sz="1600" dirty="0" smtClean="0"/>
+              <a:t> </a:t>
+            </a:r>
+            <a:r>
+              <a:rPr lang="en-US" sz="1600" dirty="0" err="1" smtClean="0"/>
+              <a:t>disimpan</a:t>
+            </a:r>
+            <a:r>
+              <a:rPr lang="en-US" sz="1600" dirty="0" smtClean="0"/>
+              <a:t> </a:t>
+            </a:r>
+            <a:r>
+              <a:rPr lang="en-US" sz="1600" dirty="0" err="1" smtClean="0"/>
+              <a:t>tadi</a:t>
+            </a:r>
+            <a:r>
+              <a:rPr lang="en-US" sz="1600" dirty="0" smtClean="0"/>
+              <a:t>.</a:t>
+            </a:r>
+          </a:p>
+        </p:txBody>
+      </p:sp>
+      <p:sp>
+        <p:nvSpPr>
+          <p:cNvPr id="31746" name="AutoShape 2" descr="Buy DHT11 Digital Relative Humidity and Temperature sensor Module"/>
+          <p:cNvSpPr>
+            <a:spLocks noChangeAspect="1" noChangeArrowheads="1"/>
+          </p:cNvSpPr>
+          <p:nvPr/>
+        </p:nvSpPr>
+        <p:spPr bwMode="auto">
+          <a:xfrm>
+            <a:off x="63500" y="-136525"/>
+            <a:ext cx="304800" cy="304800"/>
+          </a:xfrm>
+          <a:prstGeom prst="rect">
+            <a:avLst/>
+          </a:prstGeom>
+          <a:noFill/>
+        </p:spPr>
+        <p:txBody>
+          <a:bodyPr vert="horz" wrap="square" lIns="91440" tIns="45720" rIns="91440" bIns="45720" numCol="1" anchor="t" anchorCtr="0" compatLnSpc="1">
+            <a:prstTxWarp prst="textNoShape">
+              <a:avLst/>
+            </a:prstTxWarp>
+          </a:bodyPr>
+          <a:lstStyle/>
+          <a:p>
+            <a:endParaRPr lang="en-US"/>
+          </a:p>
+        </p:txBody>
+      </p:sp>
+      <p:sp>
+        <p:nvSpPr>
+          <p:cNvPr id="31750" name="AutoShape 6" descr="HC-SR04 Ultrasonic Sensor Module at Rs 58/piece | New Delhi | ID:  19727491430"/>
+          <p:cNvSpPr>
+            <a:spLocks noChangeAspect="1" noChangeArrowheads="1"/>
+          </p:cNvSpPr>
+          <p:nvPr/>
+        </p:nvSpPr>
+        <p:spPr bwMode="auto">
+          <a:xfrm>
+            <a:off x="155575" y="-144463"/>
+            <a:ext cx="304800" cy="304801"/>
+          </a:xfrm>
+          <a:prstGeom prst="rect">
+            <a:avLst/>
+          </a:prstGeom>
+          <a:noFill/>
+        </p:spPr>
+        <p:txBody>
+          <a:bodyPr vert="horz" wrap="square" lIns="91440" tIns="45720" rIns="91440" bIns="45720" numCol="1" anchor="t" anchorCtr="0" compatLnSpc="1">
+            <a:prstTxWarp prst="textNoShape">
+              <a:avLst/>
+            </a:prstTxWarp>
+          </a:bodyPr>
+          <a:lstStyle/>
+          <a:p>
+            <a:endParaRPr lang="en-US"/>
+          </a:p>
+        </p:txBody>
+      </p:sp>
+      <p:sp>
+        <p:nvSpPr>
+          <p:cNvPr id="31752" name="AutoShape 8" descr="HC-SR04 Ultrasonic Sensor Module at Rs 58/piece | New Delhi | ID:  19727491430"/>
+          <p:cNvSpPr>
+            <a:spLocks noChangeAspect="1" noChangeArrowheads="1"/>
+          </p:cNvSpPr>
+          <p:nvPr/>
+        </p:nvSpPr>
+        <p:spPr bwMode="auto">
+          <a:xfrm>
+            <a:off x="155575" y="-144463"/>
+            <a:ext cx="304800" cy="304801"/>
+          </a:xfrm>
+          <a:prstGeom prst="rect">
+            <a:avLst/>
+          </a:prstGeom>
+          <a:noFill/>
+        </p:spPr>
+        <p:txBody>
+          <a:bodyPr vert="horz" wrap="square" lIns="91440" tIns="45720" rIns="91440" bIns="45720" numCol="1" anchor="t" anchorCtr="0" compatLnSpc="1">
+            <a:prstTxWarp prst="textNoShape">
+              <a:avLst/>
+            </a:prstTxWarp>
+          </a:bodyPr>
+          <a:lstStyle/>
+          <a:p>
+            <a:endParaRPr lang="en-US"/>
+          </a:p>
+        </p:txBody>
+      </p:sp>
+      <p:sp>
+        <p:nvSpPr>
+          <p:cNvPr id="31754" name="AutoShape 10" descr="https://5.imimg.com/data5/BS/PN/MY-66278010/hc-sr04-ultrasonic-sensor-module-250x250.jpg"/>
+          <p:cNvSpPr>
+            <a:spLocks noChangeAspect="1" noChangeArrowheads="1"/>
+          </p:cNvSpPr>
+          <p:nvPr/>
+        </p:nvSpPr>
+        <p:spPr bwMode="auto">
+          <a:xfrm>
+            <a:off x="155575" y="-144463"/>
+            <a:ext cx="304800" cy="304801"/>
+          </a:xfrm>
+          <a:prstGeom prst="rect">
+            <a:avLst/>
+          </a:prstGeom>
+          <a:noFill/>
+        </p:spPr>
+        <p:txBody>
+          <a:bodyPr vert="horz" wrap="square" lIns="91440" tIns="45720" rIns="91440" bIns="45720" numCol="1" anchor="t" anchorCtr="0" compatLnSpc="1">
+            <a:prstTxWarp prst="textNoShape">
+              <a:avLst/>
+            </a:prstTxWarp>
+          </a:bodyPr>
+          <a:lstStyle/>
+          <a:p>
+            <a:endParaRPr lang="en-US"/>
+          </a:p>
+        </p:txBody>
+      </p:sp>
+      <p:sp>
+        <p:nvSpPr>
+          <p:cNvPr id="31756" name="AutoShape 12" descr="Buy Ultrasonic Sensor HC SR04 Range Finder Online in INDIA | Robu.in"/>
+          <p:cNvSpPr>
+            <a:spLocks noChangeAspect="1" noChangeArrowheads="1"/>
+          </p:cNvSpPr>
+          <p:nvPr/>
+        </p:nvSpPr>
+        <p:spPr bwMode="auto">
+          <a:xfrm>
+            <a:off x="63500" y="-136525"/>
+            <a:ext cx="304800" cy="304800"/>
+          </a:xfrm>
+          <a:prstGeom prst="rect">
+            <a:avLst/>
+          </a:prstGeom>
+          <a:noFill/>
+        </p:spPr>
+        <p:txBody>
+          <a:bodyPr vert="horz" wrap="square" lIns="91440" tIns="45720" rIns="91440" bIns="45720" numCol="1" anchor="t" anchorCtr="0" compatLnSpc="1">
+            <a:prstTxWarp prst="textNoShape">
+              <a:avLst/>
+            </a:prstTxWarp>
+          </a:bodyPr>
+          <a:lstStyle/>
+          <a:p>
+            <a:endParaRPr lang="en-US"/>
+          </a:p>
+        </p:txBody>
+      </p:sp>
+      <p:sp>
+        <p:nvSpPr>
+          <p:cNvPr id="31758" name="AutoShape 14" descr="Buy Ultrasonic Sensor HC SR04 Range Finder Online in INDIA | Robu.in"/>
+          <p:cNvSpPr>
+            <a:spLocks noChangeAspect="1" noChangeArrowheads="1"/>
+          </p:cNvSpPr>
+          <p:nvPr/>
+        </p:nvSpPr>
+        <p:spPr bwMode="auto">
+          <a:xfrm>
+            <a:off x="63500" y="-136525"/>
+            <a:ext cx="304800" cy="304800"/>
+          </a:xfrm>
+          <a:prstGeom prst="rect">
+            <a:avLst/>
+          </a:prstGeom>
+          <a:noFill/>
+        </p:spPr>
+        <p:txBody>
+          <a:bodyPr vert="horz" wrap="square" lIns="91440" tIns="45720" rIns="91440" bIns="45720" numCol="1" anchor="t" anchorCtr="0" compatLnSpc="1">
+            <a:prstTxWarp prst="textNoShape">
+              <a:avLst/>
+            </a:prstTxWarp>
+          </a:bodyPr>
+          <a:lstStyle/>
+          <a:p>
+            <a:endParaRPr lang="en-US"/>
+          </a:p>
+        </p:txBody>
+      </p:sp>
+      <p:pic>
+        <p:nvPicPr>
+          <p:cNvPr id="31760" name="Picture 16" descr="SEN-15569 | SparkFun Electronics HC-SR04 Ultrasonic Distance Sensor |  Distrelec Switzerland"/>
+          <p:cNvPicPr>
+            <a:picLocks noChangeAspect="1" noChangeArrowheads="1"/>
+          </p:cNvPicPr>
+          <p:nvPr/>
+        </p:nvPicPr>
+        <p:blipFill>
+          <a:blip r:embed="rId3"/>
+          <a:srcRect l="22745" t="16842" r="23137" b="17193"/>
+          <a:stretch>
+            <a:fillRect/>
+          </a:stretch>
+        </p:blipFill>
+        <p:spPr bwMode="auto">
+          <a:xfrm>
+            <a:off x="5029200" y="1905000"/>
+            <a:ext cx="2125494" cy="1447800"/>
+          </a:xfrm>
+          <a:prstGeom prst="rect">
+            <a:avLst/>
+          </a:prstGeom>
+          <a:noFill/>
+        </p:spPr>
+      </p:pic>
+      <p:sp>
+        <p:nvSpPr>
+          <p:cNvPr id="31762" name="AutoShape 18" descr="Led - Free electronics icons"/>
+          <p:cNvSpPr>
+            <a:spLocks noChangeAspect="1" noChangeArrowheads="1"/>
+          </p:cNvSpPr>
+          <p:nvPr/>
+        </p:nvSpPr>
+        <p:spPr bwMode="auto">
+          <a:xfrm>
+            <a:off x="155575" y="-144463"/>
+            <a:ext cx="304800" cy="304801"/>
+          </a:xfrm>
+          <a:prstGeom prst="rect">
+            <a:avLst/>
+          </a:prstGeom>
+          <a:noFill/>
+        </p:spPr>
+        <p:txBody>
+          <a:bodyPr vert="horz" wrap="square" lIns="91440" tIns="45720" rIns="91440" bIns="45720" numCol="1" anchor="t" anchorCtr="0" compatLnSpc="1">
+            <a:prstTxWarp prst="textNoShape">
+              <a:avLst/>
+            </a:prstTxWarp>
+          </a:bodyPr>
+          <a:lstStyle/>
+          <a:p>
+            <a:endParaRPr lang="en-US"/>
+          </a:p>
+        </p:txBody>
+      </p:sp>
+      <p:sp>
+        <p:nvSpPr>
+          <p:cNvPr id="31764" name="AutoShape 20" descr="Led - Free electronics icons"/>
+          <p:cNvSpPr>
+            <a:spLocks noChangeAspect="1" noChangeArrowheads="1"/>
+          </p:cNvSpPr>
+          <p:nvPr/>
+        </p:nvSpPr>
+        <p:spPr bwMode="auto">
+          <a:xfrm>
+            <a:off x="155575" y="-144463"/>
+            <a:ext cx="304800" cy="304801"/>
+          </a:xfrm>
+          <a:prstGeom prst="rect">
+            <a:avLst/>
+          </a:prstGeom>
+          <a:noFill/>
+        </p:spPr>
+        <p:txBody>
+          <a:bodyPr vert="horz" wrap="square" lIns="91440" tIns="45720" rIns="91440" bIns="45720" numCol="1" anchor="t" anchorCtr="0" compatLnSpc="1">
+            <a:prstTxWarp prst="textNoShape">
+              <a:avLst/>
+            </a:prstTxWarp>
+          </a:bodyPr>
+          <a:lstStyle/>
+          <a:p>
+            <a:endParaRPr lang="en-US"/>
+          </a:p>
+        </p:txBody>
+      </p:sp>
+      <p:pic>
+        <p:nvPicPr>
+          <p:cNvPr id="31766" name="Picture 22" descr="Blue led icon on white background led sign light Vector Image"/>
+          <p:cNvPicPr>
+            <a:picLocks noChangeAspect="1" noChangeArrowheads="1"/>
+          </p:cNvPicPr>
+          <p:nvPr/>
+        </p:nvPicPr>
+        <p:blipFill>
+          <a:blip r:embed="rId4" cstate="print"/>
+          <a:srcRect l="35967" t="8735" r="40833" b="15710"/>
+          <a:stretch>
+            <a:fillRect/>
+          </a:stretch>
+        </p:blipFill>
+        <p:spPr bwMode="auto">
+          <a:xfrm>
+            <a:off x="5562600" y="3962400"/>
+            <a:ext cx="457200" cy="1608083"/>
+          </a:xfrm>
+          <a:prstGeom prst="rect">
+            <a:avLst/>
+          </a:prstGeom>
+          <a:noFill/>
+        </p:spPr>
+      </p:pic>
+      <p:pic>
+        <p:nvPicPr>
+          <p:cNvPr id="31768" name="Picture 24" descr="Red led icon on white background led sign light Vector Image"/>
+          <p:cNvPicPr>
+            <a:picLocks noChangeAspect="1" noChangeArrowheads="1"/>
+          </p:cNvPicPr>
+          <p:nvPr/>
+        </p:nvPicPr>
+        <p:blipFill>
+          <a:blip r:embed="rId5" cstate="print"/>
+          <a:srcRect l="35327" t="8735" r="35544" b="17932"/>
+          <a:stretch>
+            <a:fillRect/>
+          </a:stretch>
+        </p:blipFill>
+        <p:spPr bwMode="auto">
+          <a:xfrm>
+            <a:off x="5050752" y="3962400"/>
+            <a:ext cx="452582" cy="1600200"/>
+          </a:xfrm>
+          <a:prstGeom prst="rect">
+            <a:avLst/>
+          </a:prstGeom>
+          <a:noFill/>
+        </p:spPr>
+      </p:pic>
+      <p:sp>
+        <p:nvSpPr>
+          <p:cNvPr id="31770" name="AutoShape 26" descr="https://cdn-icons-png.flaticon.com/512/5387/5387095.png"/>
+          <p:cNvSpPr>
+            <a:spLocks noChangeAspect="1" noChangeArrowheads="1"/>
+          </p:cNvSpPr>
+          <p:nvPr/>
+        </p:nvSpPr>
+        <p:spPr bwMode="auto">
+          <a:xfrm>
+            <a:off x="155575" y="-144463"/>
+            <a:ext cx="304800" cy="304801"/>
+          </a:xfrm>
+          <a:prstGeom prst="rect">
+            <a:avLst/>
+          </a:prstGeom>
+          <a:noFill/>
+        </p:spPr>
+        <p:txBody>
+          <a:bodyPr vert="horz" wrap="square" lIns="91440" tIns="45720" rIns="91440" bIns="45720" numCol="1" anchor="t" anchorCtr="0" compatLnSpc="1">
+            <a:prstTxWarp prst="textNoShape">
+              <a:avLst/>
+            </a:prstTxWarp>
+          </a:bodyPr>
+          <a:lstStyle/>
+          <a:p>
+            <a:endParaRPr lang="en-US"/>
+          </a:p>
+        </p:txBody>
+      </p:sp>
+      <p:sp>
+        <p:nvSpPr>
+          <p:cNvPr id="31772" name="AutoShape 28" descr="https://cdn-icons-png.flaticon.com/512/5387/5387095.png"/>
+          <p:cNvSpPr>
+            <a:spLocks noChangeAspect="1" noChangeArrowheads="1"/>
+          </p:cNvSpPr>
+          <p:nvPr/>
+        </p:nvSpPr>
+        <p:spPr bwMode="auto">
+          <a:xfrm>
+            <a:off x="155575" y="-144463"/>
+            <a:ext cx="304800" cy="304801"/>
+          </a:xfrm>
+          <a:prstGeom prst="rect">
+            <a:avLst/>
+          </a:prstGeom>
+          <a:noFill/>
+        </p:spPr>
+        <p:txBody>
+          <a:bodyPr vert="horz" wrap="square" lIns="91440" tIns="45720" rIns="91440" bIns="45720" numCol="1" anchor="t" anchorCtr="0" compatLnSpc="1">
+            <a:prstTxWarp prst="textNoShape">
+              <a:avLst/>
+            </a:prstTxWarp>
+          </a:bodyPr>
+          <a:lstStyle/>
+          <a:p>
+            <a:endParaRPr lang="en-US"/>
+          </a:p>
+        </p:txBody>
+      </p:sp>
+      <p:sp>
+        <p:nvSpPr>
+          <p:cNvPr id="31774" name="AutoShape 30" descr="https://cdn-icons-png.flaticon.com/512/5387/5387095.png"/>
+          <p:cNvSpPr>
+            <a:spLocks noChangeAspect="1" noChangeArrowheads="1"/>
+          </p:cNvSpPr>
+          <p:nvPr/>
+        </p:nvSpPr>
+        <p:spPr bwMode="auto">
+          <a:xfrm>
+            <a:off x="155575" y="-144463"/>
+            <a:ext cx="304800" cy="304801"/>
+          </a:xfrm>
+          <a:prstGeom prst="rect">
+            <a:avLst/>
+          </a:prstGeom>
+          <a:noFill/>
+        </p:spPr>
+        <p:txBody>
+          <a:bodyPr vert="horz" wrap="square" lIns="91440" tIns="45720" rIns="91440" bIns="45720" numCol="1" anchor="t" anchorCtr="0" compatLnSpc="1">
+            <a:prstTxWarp prst="textNoShape">
+              <a:avLst/>
+            </a:prstTxWarp>
+          </a:bodyPr>
+          <a:lstStyle/>
+          <a:p>
+            <a:endParaRPr lang="en-US"/>
+          </a:p>
+        </p:txBody>
+      </p:sp>
+      <p:pic>
+        <p:nvPicPr>
+          <p:cNvPr id="27" name="Picture 26" descr="5387095.png"/>
+          <p:cNvPicPr>
+            <a:picLocks noChangeAspect="1"/>
+          </p:cNvPicPr>
+          <p:nvPr/>
+        </p:nvPicPr>
+        <p:blipFill>
+          <a:blip r:embed="rId6" cstate="print"/>
+          <a:stretch>
+            <a:fillRect/>
+          </a:stretch>
+        </p:blipFill>
+        <p:spPr>
+          <a:xfrm>
+            <a:off x="6019800" y="4953000"/>
+            <a:ext cx="1218895" cy="1218895"/>
+          </a:xfrm>
+          <a:prstGeom prst="rect">
+            <a:avLst/>
+          </a:prstGeom>
+        </p:spPr>
+      </p:pic>
+      <p:pic>
+        <p:nvPicPr>
+          <p:cNvPr id="31748" name="Picture 4" descr="Electronic DHT11 relative humidity and temperature sensor - Cablematic"/>
+          <p:cNvPicPr>
+            <a:picLocks noChangeAspect="1" noChangeArrowheads="1"/>
+          </p:cNvPicPr>
+          <p:nvPr/>
+        </p:nvPicPr>
+        <p:blipFill>
+          <a:blip r:embed="rId7" cstate="print"/>
+          <a:srcRect/>
+          <a:stretch>
+            <a:fillRect/>
+          </a:stretch>
+        </p:blipFill>
+        <p:spPr bwMode="auto">
+          <a:xfrm>
+            <a:off x="6477000" y="3124200"/>
+            <a:ext cx="1828800" cy="1828800"/>
+          </a:xfrm>
+          <a:prstGeom prst="rect">
+            <a:avLst/>
+          </a:prstGeom>
+          <a:noFill/>
+        </p:spPr>
+      </p:pic>
+    </p:spTree>
+    <p:extLst>
+      <p:ext uri="{BB962C8B-B14F-4D97-AF65-F5344CB8AC3E}">
+        <p14:creationId xmlns:p14="http://schemas.microsoft.com/office/powerpoint/2010/main" xmlns="" val="1635134170"/>
+      </p:ext>
+    </p:extLst>
+  </p:cSld>
+  <p:clrMapOvr>
+    <a:masterClrMapping/>
+  </p:clrMapOvr>
 </p:sld>
 </file>
 
@@ -4148,7 +8856,7 @@
           <a:blip r:embed="rId2" cstate="print">
             <a:extLst>
               <a:ext uri="{28A0092B-C50C-407E-A947-70E740481C1C}">
-                <a14:useLocalDpi xmlns:a14="http://schemas.microsoft.com/office/drawing/2010/main" val="0"/>
+                <a14:useLocalDpi xmlns:a14="http://schemas.microsoft.com/office/drawing/2010/main" xmlns="" val="0"/>
               </a:ext>
             </a:extLst>
           </a:blip>
@@ -4168,7 +8876,7 @@
           <a:noFill/>
           <a:extLst>
             <a:ext uri="{909E8E84-426E-40DD-AFC4-6F175D3DCCD1}">
-              <a14:hiddenFill xmlns:a14="http://schemas.microsoft.com/office/drawing/2010/main">
+              <a14:hiddenFill xmlns:a14="http://schemas.microsoft.com/office/drawing/2010/main" xmlns="">
                 <a:solidFill>
                   <a:srgbClr val="FFFFFF"/>
                 </a:solidFill>
@@ -4189,7 +8897,7 @@
           <a:blip r:embed="rId3" cstate="print">
             <a:extLst>
               <a:ext uri="{28A0092B-C50C-407E-A947-70E740481C1C}">
-                <a14:useLocalDpi xmlns:a14="http://schemas.microsoft.com/office/drawing/2010/main" val="0"/>
+                <a14:useLocalDpi xmlns:a14="http://schemas.microsoft.com/office/drawing/2010/main" xmlns="" val="0"/>
               </a:ext>
             </a:extLst>
           </a:blip>
@@ -4207,7 +8915,7 @@
           <a:noFill/>
           <a:extLst>
             <a:ext uri="{909E8E84-426E-40DD-AFC4-6F175D3DCCD1}">
-              <a14:hiddenFill xmlns:a14="http://schemas.microsoft.com/office/drawing/2010/main">
+              <a14:hiddenFill xmlns:a14="http://schemas.microsoft.com/office/drawing/2010/main" xmlns="">
                 <a:solidFill>
                   <a:srgbClr val="FFFFFF"/>
                 </a:solidFill>
@@ -4228,7 +8936,7 @@
           <a:blip r:embed="rId4">
             <a:extLst>
               <a:ext uri="{28A0092B-C50C-407E-A947-70E740481C1C}">
-                <a14:useLocalDpi xmlns:a14="http://schemas.microsoft.com/office/drawing/2010/main" val="0"/>
+                <a14:useLocalDpi xmlns:a14="http://schemas.microsoft.com/office/drawing/2010/main" xmlns="" val="0"/>
               </a:ext>
             </a:extLst>
           </a:blip>
@@ -4258,7 +8966,7 @@
           <a:blip r:embed="rId5" cstate="print">
             <a:extLst>
               <a:ext uri="{28A0092B-C50C-407E-A947-70E740481C1C}">
-                <a14:useLocalDpi xmlns:a14="http://schemas.microsoft.com/office/drawing/2010/main" val="0"/>
+                <a14:useLocalDpi xmlns:a14="http://schemas.microsoft.com/office/drawing/2010/main" xmlns="" val="0"/>
               </a:ext>
             </a:extLst>
           </a:blip>
@@ -4278,7 +8986,7 @@
           <a:noFill/>
           <a:extLst>
             <a:ext uri="{909E8E84-426E-40DD-AFC4-6F175D3DCCD1}">
-              <a14:hiddenFill xmlns:a14="http://schemas.microsoft.com/office/drawing/2010/main">
+              <a14:hiddenFill xmlns:a14="http://schemas.microsoft.com/office/drawing/2010/main" xmlns="">
                 <a:solidFill>
                   <a:srgbClr val="FFFFFF"/>
                 </a:solidFill>
@@ -4688,19 +9396,6 @@
               </a:rPr>
               <a:t> D1 mini.</a:t>
             </a:r>
-            <a:endParaRPr lang="en-US" sz="3200" dirty="0" smtClean="0">
-              <a:ln w="12700">
-                <a:solidFill>
-                  <a:sysClr val="windowText" lastClr="000000"/>
-                </a:solidFill>
-                <a:prstDash val="solid"/>
-              </a:ln>
-              <a:solidFill>
-                <a:sysClr val="windowText" lastClr="000000"/>
-              </a:solidFill>
-              <a:latin typeface="Arial" panose="020B0604020202020204" pitchFamily="34" charset="0"/>
-              <a:cs typeface="Arial" panose="020B0604020202020204" pitchFamily="34" charset="0"/>
-            </a:endParaRPr>
           </a:p>
           <a:p>
             <a:pPr marL="457200" indent="-457200">
@@ -4910,7 +9605,7 @@
     </p:spTree>
     <p:extLst>
       <p:ext uri="{BB962C8B-B14F-4D97-AF65-F5344CB8AC3E}">
-        <p14:creationId xmlns:p14="http://schemas.microsoft.com/office/powerpoint/2010/main" val="76294385"/>
+        <p14:creationId xmlns:p14="http://schemas.microsoft.com/office/powerpoint/2010/main" xmlns="" val="76294385"/>
       </p:ext>
     </p:extLst>
   </p:cSld>
@@ -5302,7 +9997,7 @@
     </p:spTree>
     <p:extLst>
       <p:ext uri="{BB962C8B-B14F-4D97-AF65-F5344CB8AC3E}">
-        <p14:creationId xmlns:p14="http://schemas.microsoft.com/office/powerpoint/2010/main" val="1553858973"/>
+        <p14:creationId xmlns:p14="http://schemas.microsoft.com/office/powerpoint/2010/main" xmlns="" val="1553858973"/>
       </p:ext>
     </p:extLst>
   </p:cSld>
@@ -5336,6 +10031,32 @@
           <a:chExt cx="0" cy="0"/>
         </a:xfrm>
       </p:grpSpPr>
+      <p:pic>
+        <p:nvPicPr>
+          <p:cNvPr id="6148" name="Picture 4" descr="https://www.makerlab-electronics.com/wp-content/uploads/2017/11/Wemos-D1-Mini-02.jpg"/>
+          <p:cNvPicPr>
+            <a:picLocks noChangeAspect="1" noChangeArrowheads="1"/>
+          </p:cNvPicPr>
+          <p:nvPr/>
+        </p:nvPicPr>
+        <p:blipFill>
+          <a:blip r:embed="rId2"/>
+          <a:srcRect/>
+          <a:stretch>
+            <a:fillRect/>
+          </a:stretch>
+        </p:blipFill>
+        <p:spPr bwMode="auto">
+          <a:xfrm rot="5400000">
+            <a:off x="56515" y="2458085"/>
+            <a:ext cx="3068320" cy="2876550"/>
+          </a:xfrm>
+          <a:prstGeom prst="rect">
+            <a:avLst/>
+          </a:prstGeom>
+          <a:noFill/>
+        </p:spPr>
+      </p:pic>
       <p:sp>
         <p:nvSpPr>
           <p:cNvPr id="1031" name="Rectangle 1030"/>
@@ -5509,16 +10230,1255 @@
           </a:p>
         </p:txBody>
       </p:sp>
+      <p:grpSp>
+        <p:nvGrpSpPr>
+          <p:cNvPr id="12" name="Group 11"/>
+          <p:cNvGrpSpPr/>
+          <p:nvPr/>
+        </p:nvGrpSpPr>
+        <p:grpSpPr>
+          <a:xfrm>
+            <a:off x="2667000" y="1905000"/>
+            <a:ext cx="2541940" cy="609600"/>
+            <a:chOff x="2590800" y="1371600"/>
+            <a:chExt cx="2541940" cy="609600"/>
+          </a:xfrm>
+        </p:grpSpPr>
+        <p:sp>
+          <p:nvSpPr>
+            <p:cNvPr id="11" name="Rectangle 10"/>
+            <p:cNvSpPr/>
+            <p:nvPr/>
+          </p:nvSpPr>
+          <p:spPr>
+            <a:xfrm>
+              <a:off x="2590800" y="1371600"/>
+              <a:ext cx="2514600" cy="609600"/>
+            </a:xfrm>
+            <a:prstGeom prst="rect">
+              <a:avLst/>
+            </a:prstGeom>
+            <a:solidFill>
+              <a:schemeClr val="bg1">
+                <a:lumMod val="85000"/>
+              </a:schemeClr>
+            </a:solidFill>
+            <a:ln>
+              <a:solidFill>
+                <a:srgbClr val="00B0F0"/>
+              </a:solidFill>
+            </a:ln>
+          </p:spPr>
+          <p:style>
+            <a:lnRef idx="2">
+              <a:schemeClr val="accent1">
+                <a:shade val="50000"/>
+              </a:schemeClr>
+            </a:lnRef>
+            <a:fillRef idx="1">
+              <a:schemeClr val="accent1"/>
+            </a:fillRef>
+            <a:effectRef idx="0">
+              <a:schemeClr val="accent1"/>
+            </a:effectRef>
+            <a:fontRef idx="minor">
+              <a:schemeClr val="lt1"/>
+            </a:fontRef>
+          </p:style>
+          <p:txBody>
+            <a:bodyPr rtlCol="0" anchor="ctr"/>
+            <a:lstStyle/>
+            <a:p>
+              <a:pPr algn="ctr"/>
+              <a:endParaRPr lang="en-US"/>
+            </a:p>
+          </p:txBody>
+        </p:sp>
+        <p:sp>
+          <p:nvSpPr>
+            <p:cNvPr id="25" name="Rectangle 24"/>
+            <p:cNvSpPr/>
+            <p:nvPr/>
+          </p:nvSpPr>
+          <p:spPr>
+            <a:xfrm>
+              <a:off x="2667000" y="1371600"/>
+              <a:ext cx="2465740" cy="584775"/>
+            </a:xfrm>
+            <a:prstGeom prst="rect">
+              <a:avLst/>
+            </a:prstGeom>
+            <a:noFill/>
+          </p:spPr>
+          <p:txBody>
+            <a:bodyPr wrap="none" lIns="91440" tIns="45720" rIns="91440" bIns="45720">
+              <a:spAutoFit/>
+            </a:bodyPr>
+            <a:lstStyle/>
+            <a:p>
+              <a:r>
+                <a:rPr lang="en-US" sz="3200" dirty="0" smtClean="0">
+                  <a:ln w="12700">
+                    <a:solidFill>
+                      <a:sysClr val="windowText" lastClr="000000"/>
+                    </a:solidFill>
+                    <a:prstDash val="solid"/>
+                  </a:ln>
+                  <a:solidFill>
+                    <a:sysClr val="windowText" lastClr="000000"/>
+                  </a:solidFill>
+                  <a:latin typeface="Arial" panose="020B0604020202020204" pitchFamily="34" charset="0"/>
+                  <a:cs typeface="Arial" panose="020B0604020202020204" pitchFamily="34" charset="0"/>
+                </a:rPr>
+                <a:t>ESP8266EX</a:t>
+              </a:r>
+              <a:endParaRPr lang="en-US" sz="3200" cap="none" spc="0" dirty="0">
+                <a:ln w="12700">
+                  <a:solidFill>
+                    <a:srgbClr val="00B050"/>
+                  </a:solidFill>
+                  <a:prstDash val="solid"/>
+                </a:ln>
+                <a:solidFill>
+                  <a:srgbClr val="00B050"/>
+                </a:solidFill>
+                <a:latin typeface="Arial" panose="020B0604020202020204" pitchFamily="34" charset="0"/>
+                <a:cs typeface="Arial" panose="020B0604020202020204" pitchFamily="34" charset="0"/>
+              </a:endParaRPr>
+            </a:p>
+          </p:txBody>
+        </p:sp>
+      </p:grpSp>
+      <p:grpSp>
+        <p:nvGrpSpPr>
+          <p:cNvPr id="13" name="Group 12"/>
+          <p:cNvGrpSpPr/>
+          <p:nvPr/>
+        </p:nvGrpSpPr>
+        <p:grpSpPr>
+          <a:xfrm>
+            <a:off x="2895600" y="3200400"/>
+            <a:ext cx="1960793" cy="609600"/>
+            <a:chOff x="3581400" y="3200400"/>
+            <a:chExt cx="1960793" cy="609600"/>
+          </a:xfrm>
+        </p:grpSpPr>
+        <p:sp>
+          <p:nvSpPr>
+            <p:cNvPr id="10" name="Rectangle 9"/>
+            <p:cNvSpPr/>
+            <p:nvPr/>
+          </p:nvSpPr>
+          <p:spPr>
+            <a:xfrm>
+              <a:off x="3657600" y="3200400"/>
+              <a:ext cx="1828800" cy="609600"/>
+            </a:xfrm>
+            <a:prstGeom prst="rect">
+              <a:avLst/>
+            </a:prstGeom>
+            <a:solidFill>
+              <a:schemeClr val="bg1">
+                <a:lumMod val="85000"/>
+              </a:schemeClr>
+            </a:solidFill>
+            <a:ln>
+              <a:solidFill>
+                <a:srgbClr val="00B0F0"/>
+              </a:solidFill>
+            </a:ln>
+          </p:spPr>
+          <p:style>
+            <a:lnRef idx="2">
+              <a:schemeClr val="accent1">
+                <a:shade val="50000"/>
+              </a:schemeClr>
+            </a:lnRef>
+            <a:fillRef idx="1">
+              <a:schemeClr val="accent1"/>
+            </a:fillRef>
+            <a:effectRef idx="0">
+              <a:schemeClr val="accent1"/>
+            </a:effectRef>
+            <a:fontRef idx="minor">
+              <a:schemeClr val="lt1"/>
+            </a:fontRef>
+          </p:style>
+          <p:txBody>
+            <a:bodyPr rtlCol="0" anchor="ctr"/>
+            <a:lstStyle/>
+            <a:p>
+              <a:pPr algn="ctr"/>
+              <a:endParaRPr lang="en-US"/>
+            </a:p>
+          </p:txBody>
+        </p:sp>
+        <p:sp>
+          <p:nvSpPr>
+            <p:cNvPr id="7" name="Rectangle 6"/>
+            <p:cNvSpPr/>
+            <p:nvPr/>
+          </p:nvSpPr>
+          <p:spPr>
+            <a:xfrm>
+              <a:off x="3581400" y="3200400"/>
+              <a:ext cx="1960793" cy="584775"/>
+            </a:xfrm>
+            <a:prstGeom prst="rect">
+              <a:avLst/>
+            </a:prstGeom>
+            <a:noFill/>
+          </p:spPr>
+          <p:txBody>
+            <a:bodyPr wrap="none" lIns="91440" tIns="45720" rIns="91440" bIns="45720">
+              <a:spAutoFit/>
+            </a:bodyPr>
+            <a:lstStyle/>
+            <a:p>
+              <a:r>
+                <a:rPr lang="en-US" sz="3200" dirty="0" smtClean="0">
+                  <a:ln w="12700">
+                    <a:solidFill>
+                      <a:sysClr val="windowText" lastClr="000000"/>
+                    </a:solidFill>
+                    <a:prstDash val="solid"/>
+                  </a:ln>
+                  <a:solidFill>
+                    <a:sysClr val="windowText" lastClr="000000"/>
+                  </a:solidFill>
+                  <a:latin typeface="Arial" panose="020B0604020202020204" pitchFamily="34" charset="0"/>
+                  <a:cs typeface="Arial" panose="020B0604020202020204" pitchFamily="34" charset="0"/>
+                </a:rPr>
+                <a:t>12 pin I/O</a:t>
+              </a:r>
+              <a:endParaRPr lang="en-US" sz="3200" cap="none" spc="0" dirty="0">
+                <a:ln w="12700">
+                  <a:solidFill>
+                    <a:srgbClr val="00B050"/>
+                  </a:solidFill>
+                  <a:prstDash val="solid"/>
+                </a:ln>
+                <a:solidFill>
+                  <a:srgbClr val="00B050"/>
+                </a:solidFill>
+                <a:latin typeface="Arial" panose="020B0604020202020204" pitchFamily="34" charset="0"/>
+                <a:cs typeface="Arial" panose="020B0604020202020204" pitchFamily="34" charset="0"/>
+              </a:endParaRPr>
+            </a:p>
+          </p:txBody>
+        </p:sp>
+      </p:grpSp>
+      <p:grpSp>
+        <p:nvGrpSpPr>
+          <p:cNvPr id="17" name="Group 16"/>
+          <p:cNvGrpSpPr/>
+          <p:nvPr/>
+        </p:nvGrpSpPr>
+        <p:grpSpPr>
+          <a:xfrm>
+            <a:off x="5715000" y="2895600"/>
+            <a:ext cx="1944378" cy="461665"/>
+            <a:chOff x="5867400" y="2667000"/>
+            <a:chExt cx="1944378" cy="461665"/>
+          </a:xfrm>
+        </p:grpSpPr>
+        <p:sp>
+          <p:nvSpPr>
+            <p:cNvPr id="14" name="Rectangle 13"/>
+            <p:cNvSpPr/>
+            <p:nvPr/>
+          </p:nvSpPr>
+          <p:spPr>
+            <a:xfrm>
+              <a:off x="5943600" y="2667000"/>
+              <a:ext cx="1828800" cy="457200"/>
+            </a:xfrm>
+            <a:prstGeom prst="rect">
+              <a:avLst/>
+            </a:prstGeom>
+            <a:solidFill>
+              <a:schemeClr val="bg1">
+                <a:lumMod val="85000"/>
+              </a:schemeClr>
+            </a:solidFill>
+            <a:ln>
+              <a:solidFill>
+                <a:srgbClr val="00B050"/>
+              </a:solidFill>
+            </a:ln>
+          </p:spPr>
+          <p:style>
+            <a:lnRef idx="2">
+              <a:schemeClr val="accent1">
+                <a:shade val="50000"/>
+              </a:schemeClr>
+            </a:lnRef>
+            <a:fillRef idx="1">
+              <a:schemeClr val="accent1"/>
+            </a:fillRef>
+            <a:effectRef idx="0">
+              <a:schemeClr val="accent1"/>
+            </a:effectRef>
+            <a:fontRef idx="minor">
+              <a:schemeClr val="lt1"/>
+            </a:fontRef>
+          </p:style>
+          <p:txBody>
+            <a:bodyPr rtlCol="0" anchor="ctr"/>
+            <a:lstStyle/>
+            <a:p>
+              <a:pPr algn="ctr"/>
+              <a:endParaRPr lang="en-US"/>
+            </a:p>
+          </p:txBody>
+        </p:sp>
+        <p:sp>
+          <p:nvSpPr>
+            <p:cNvPr id="8" name="Rectangle 7"/>
+            <p:cNvSpPr/>
+            <p:nvPr/>
+          </p:nvSpPr>
+          <p:spPr>
+            <a:xfrm>
+              <a:off x="5867400" y="2667000"/>
+              <a:ext cx="1944378" cy="461665"/>
+            </a:xfrm>
+            <a:prstGeom prst="rect">
+              <a:avLst/>
+            </a:prstGeom>
+            <a:noFill/>
+          </p:spPr>
+          <p:txBody>
+            <a:bodyPr wrap="none" lIns="91440" tIns="45720" rIns="91440" bIns="45720">
+              <a:spAutoFit/>
+            </a:bodyPr>
+            <a:lstStyle/>
+            <a:p>
+              <a:r>
+                <a:rPr lang="en-US" sz="2400" dirty="0" smtClean="0">
+                  <a:ln w="12700">
+                    <a:solidFill>
+                      <a:sysClr val="windowText" lastClr="000000"/>
+                    </a:solidFill>
+                    <a:prstDash val="solid"/>
+                  </a:ln>
+                  <a:solidFill>
+                    <a:sysClr val="windowText" lastClr="000000"/>
+                  </a:solidFill>
+                  <a:latin typeface="Arial" panose="020B0604020202020204" pitchFamily="34" charset="0"/>
+                  <a:cs typeface="Arial" panose="020B0604020202020204" pitchFamily="34" charset="0"/>
+                </a:rPr>
+                <a:t>11 pin Digital</a:t>
+              </a:r>
+              <a:endParaRPr lang="en-US" sz="2400" cap="none" spc="0" dirty="0">
+                <a:ln w="12700">
+                  <a:solidFill>
+                    <a:srgbClr val="00B050"/>
+                  </a:solidFill>
+                  <a:prstDash val="solid"/>
+                </a:ln>
+                <a:solidFill>
+                  <a:srgbClr val="00B050"/>
+                </a:solidFill>
+                <a:latin typeface="Arial" panose="020B0604020202020204" pitchFamily="34" charset="0"/>
+                <a:cs typeface="Arial" panose="020B0604020202020204" pitchFamily="34" charset="0"/>
+              </a:endParaRPr>
+            </a:p>
+          </p:txBody>
+        </p:sp>
+      </p:grpSp>
+      <p:grpSp>
+        <p:nvGrpSpPr>
+          <p:cNvPr id="16" name="Group 15"/>
+          <p:cNvGrpSpPr/>
+          <p:nvPr/>
+        </p:nvGrpSpPr>
+        <p:grpSpPr>
+          <a:xfrm>
+            <a:off x="5791200" y="1905000"/>
+            <a:ext cx="1881284" cy="461665"/>
+            <a:chOff x="6019800" y="3886200"/>
+            <a:chExt cx="1881284" cy="461665"/>
+          </a:xfrm>
+        </p:grpSpPr>
+        <p:sp>
+          <p:nvSpPr>
+            <p:cNvPr id="15" name="Rectangle 14"/>
+            <p:cNvSpPr/>
+            <p:nvPr/>
+          </p:nvSpPr>
+          <p:spPr>
+            <a:xfrm>
+              <a:off x="6019800" y="3886200"/>
+              <a:ext cx="1828800" cy="457200"/>
+            </a:xfrm>
+            <a:prstGeom prst="rect">
+              <a:avLst/>
+            </a:prstGeom>
+            <a:solidFill>
+              <a:schemeClr val="bg1">
+                <a:lumMod val="85000"/>
+              </a:schemeClr>
+            </a:solidFill>
+            <a:ln>
+              <a:solidFill>
+                <a:srgbClr val="00B050"/>
+              </a:solidFill>
+            </a:ln>
+          </p:spPr>
+          <p:style>
+            <a:lnRef idx="2">
+              <a:schemeClr val="accent1">
+                <a:shade val="50000"/>
+              </a:schemeClr>
+            </a:lnRef>
+            <a:fillRef idx="1">
+              <a:schemeClr val="accent1"/>
+            </a:fillRef>
+            <a:effectRef idx="0">
+              <a:schemeClr val="accent1"/>
+            </a:effectRef>
+            <a:fontRef idx="minor">
+              <a:schemeClr val="lt1"/>
+            </a:fontRef>
+          </p:style>
+          <p:txBody>
+            <a:bodyPr rtlCol="0" anchor="ctr"/>
+            <a:lstStyle/>
+            <a:p>
+              <a:pPr algn="ctr"/>
+              <a:endParaRPr lang="en-US"/>
+            </a:p>
+          </p:txBody>
+        </p:sp>
+        <p:sp>
+          <p:nvSpPr>
+            <p:cNvPr id="9" name="Rectangle 8"/>
+            <p:cNvSpPr/>
+            <p:nvPr/>
+          </p:nvSpPr>
+          <p:spPr>
+            <a:xfrm>
+              <a:off x="6019800" y="3886200"/>
+              <a:ext cx="1881284" cy="461665"/>
+            </a:xfrm>
+            <a:prstGeom prst="rect">
+              <a:avLst/>
+            </a:prstGeom>
+            <a:noFill/>
+          </p:spPr>
+          <p:txBody>
+            <a:bodyPr wrap="none" lIns="91440" tIns="45720" rIns="91440" bIns="45720">
+              <a:spAutoFit/>
+            </a:bodyPr>
+            <a:lstStyle/>
+            <a:p>
+              <a:r>
+                <a:rPr lang="en-US" sz="2400" dirty="0" smtClean="0">
+                  <a:ln w="12700">
+                    <a:solidFill>
+                      <a:sysClr val="windowText" lastClr="000000"/>
+                    </a:solidFill>
+                    <a:prstDash val="solid"/>
+                  </a:ln>
+                  <a:solidFill>
+                    <a:sysClr val="windowText" lastClr="000000"/>
+                  </a:solidFill>
+                  <a:latin typeface="Arial" panose="020B0604020202020204" pitchFamily="34" charset="0"/>
+                  <a:cs typeface="Arial" panose="020B0604020202020204" pitchFamily="34" charset="0"/>
+                </a:rPr>
+                <a:t>1 pin Analog</a:t>
+              </a:r>
+              <a:endParaRPr lang="en-US" sz="2400" cap="none" spc="0" dirty="0">
+                <a:ln w="12700">
+                  <a:solidFill>
+                    <a:srgbClr val="00B050"/>
+                  </a:solidFill>
+                  <a:prstDash val="solid"/>
+                </a:ln>
+                <a:solidFill>
+                  <a:srgbClr val="00B050"/>
+                </a:solidFill>
+                <a:latin typeface="Arial" panose="020B0604020202020204" pitchFamily="34" charset="0"/>
+                <a:cs typeface="Arial" panose="020B0604020202020204" pitchFamily="34" charset="0"/>
+              </a:endParaRPr>
+            </a:p>
+          </p:txBody>
+        </p:sp>
+      </p:grpSp>
+      <p:cxnSp>
+        <p:nvCxnSpPr>
+          <p:cNvPr id="19" name="Elbow Connector 18"/>
+          <p:cNvCxnSpPr>
+            <a:endCxn id="11" idx="1"/>
+          </p:cNvCxnSpPr>
+          <p:nvPr/>
+        </p:nvCxnSpPr>
+        <p:spPr>
+          <a:xfrm rot="5400000" flipH="1" flipV="1">
+            <a:off x="1371600" y="2438400"/>
+            <a:ext cx="1524000" cy="1066800"/>
+          </a:xfrm>
+          <a:prstGeom prst="bentConnector2">
+            <a:avLst/>
+          </a:prstGeom>
+          <a:ln w="28575">
+            <a:solidFill>
+              <a:schemeClr val="tx1"/>
+            </a:solidFill>
+            <a:tailEnd type="arrow"/>
+          </a:ln>
+        </p:spPr>
+        <p:style>
+          <a:lnRef idx="1">
+            <a:schemeClr val="accent1"/>
+          </a:lnRef>
+          <a:fillRef idx="0">
+            <a:schemeClr val="accent1"/>
+          </a:fillRef>
+          <a:effectRef idx="0">
+            <a:schemeClr val="accent1"/>
+          </a:effectRef>
+          <a:fontRef idx="minor">
+            <a:schemeClr val="tx1"/>
+          </a:fontRef>
+        </p:style>
+      </p:cxnSp>
       <p:sp>
         <p:nvSpPr>
-          <p:cNvPr id="25" name="Rectangle 24"/>
+          <p:cNvPr id="22" name="Oval 21"/>
           <p:cNvSpPr/>
           <p:nvPr/>
         </p:nvSpPr>
         <p:spPr>
           <a:xfrm>
-            <a:off x="304800" y="2133600"/>
-            <a:ext cx="5907386" cy="584775"/>
+            <a:off x="1524000" y="3657600"/>
+            <a:ext cx="152400" cy="152400"/>
+          </a:xfrm>
+          <a:prstGeom prst="ellipse">
+            <a:avLst/>
+          </a:prstGeom>
+          <a:solidFill>
+            <a:srgbClr val="FF0000"/>
+          </a:solidFill>
+          <a:ln>
+            <a:solidFill>
+              <a:srgbClr val="C00000"/>
+            </a:solidFill>
+          </a:ln>
+        </p:spPr>
+        <p:style>
+          <a:lnRef idx="2">
+            <a:schemeClr val="accent1">
+              <a:shade val="50000"/>
+            </a:schemeClr>
+          </a:lnRef>
+          <a:fillRef idx="1">
+            <a:schemeClr val="accent1"/>
+          </a:fillRef>
+          <a:effectRef idx="0">
+            <a:schemeClr val="accent1"/>
+          </a:effectRef>
+          <a:fontRef idx="minor">
+            <a:schemeClr val="lt1"/>
+          </a:fontRef>
+        </p:style>
+        <p:txBody>
+          <a:bodyPr rtlCol="0" anchor="ctr"/>
+          <a:lstStyle/>
+          <a:p>
+            <a:pPr algn="ctr"/>
+            <a:endParaRPr lang="en-US"/>
+          </a:p>
+        </p:txBody>
+      </p:sp>
+      <p:cxnSp>
+        <p:nvCxnSpPr>
+          <p:cNvPr id="24" name="Elbow Connector 23"/>
+          <p:cNvCxnSpPr>
+            <a:endCxn id="7" idx="1"/>
+          </p:cNvCxnSpPr>
+          <p:nvPr/>
+        </p:nvCxnSpPr>
+        <p:spPr>
+          <a:xfrm flipV="1">
+            <a:off x="2362200" y="3492788"/>
+            <a:ext cx="533400" cy="469612"/>
+          </a:xfrm>
+          <a:prstGeom prst="bentConnector3">
+            <a:avLst>
+              <a:gd name="adj1" fmla="val 50000"/>
+            </a:avLst>
+          </a:prstGeom>
+          <a:ln w="28575">
+            <a:solidFill>
+              <a:schemeClr val="tx1"/>
+            </a:solidFill>
+            <a:tailEnd type="arrow"/>
+          </a:ln>
+        </p:spPr>
+        <p:style>
+          <a:lnRef idx="1">
+            <a:schemeClr val="accent1"/>
+          </a:lnRef>
+          <a:fillRef idx="0">
+            <a:schemeClr val="accent1"/>
+          </a:fillRef>
+          <a:effectRef idx="0">
+            <a:schemeClr val="accent1"/>
+          </a:effectRef>
+          <a:fontRef idx="minor">
+            <a:schemeClr val="tx1"/>
+          </a:fontRef>
+        </p:style>
+      </p:cxnSp>
+      <p:cxnSp>
+        <p:nvCxnSpPr>
+          <p:cNvPr id="32" name="Elbow Connector 31"/>
+          <p:cNvCxnSpPr>
+            <a:stCxn id="7" idx="3"/>
+            <a:endCxn id="15" idx="1"/>
+          </p:cNvCxnSpPr>
+          <p:nvPr/>
+        </p:nvCxnSpPr>
+        <p:spPr>
+          <a:xfrm flipV="1">
+            <a:off x="4856393" y="2133600"/>
+            <a:ext cx="934807" cy="1359188"/>
+          </a:xfrm>
+          <a:prstGeom prst="bentConnector3">
+            <a:avLst>
+              <a:gd name="adj1" fmla="val 50000"/>
+            </a:avLst>
+          </a:prstGeom>
+          <a:ln w="28575">
+            <a:solidFill>
+              <a:schemeClr val="tx1"/>
+            </a:solidFill>
+            <a:tailEnd type="arrow"/>
+          </a:ln>
+        </p:spPr>
+        <p:style>
+          <a:lnRef idx="1">
+            <a:schemeClr val="accent1"/>
+          </a:lnRef>
+          <a:fillRef idx="0">
+            <a:schemeClr val="accent1"/>
+          </a:fillRef>
+          <a:effectRef idx="0">
+            <a:schemeClr val="accent1"/>
+          </a:effectRef>
+          <a:fontRef idx="minor">
+            <a:schemeClr val="tx1"/>
+          </a:fontRef>
+        </p:style>
+      </p:cxnSp>
+      <p:cxnSp>
+        <p:nvCxnSpPr>
+          <p:cNvPr id="34" name="Elbow Connector 33"/>
+          <p:cNvCxnSpPr>
+            <a:stCxn id="7" idx="3"/>
+            <a:endCxn id="8" idx="1"/>
+          </p:cNvCxnSpPr>
+          <p:nvPr/>
+        </p:nvCxnSpPr>
+        <p:spPr>
+          <a:xfrm flipV="1">
+            <a:off x="4856393" y="3126433"/>
+            <a:ext cx="858607" cy="366355"/>
+          </a:xfrm>
+          <a:prstGeom prst="bentConnector3">
+            <a:avLst>
+              <a:gd name="adj1" fmla="val 54303"/>
+            </a:avLst>
+          </a:prstGeom>
+          <a:ln w="28575">
+            <a:solidFill>
+              <a:schemeClr val="tx1"/>
+            </a:solidFill>
+            <a:tailEnd type="arrow"/>
+          </a:ln>
+        </p:spPr>
+        <p:style>
+          <a:lnRef idx="1">
+            <a:schemeClr val="accent1"/>
+          </a:lnRef>
+          <a:fillRef idx="0">
+            <a:schemeClr val="accent1"/>
+          </a:fillRef>
+          <a:effectRef idx="0">
+            <a:schemeClr val="accent1"/>
+          </a:effectRef>
+          <a:fontRef idx="minor">
+            <a:schemeClr val="tx1"/>
+          </a:fontRef>
+        </p:style>
+      </p:cxnSp>
+      <p:grpSp>
+        <p:nvGrpSpPr>
+          <p:cNvPr id="35" name="Group 34"/>
+          <p:cNvGrpSpPr/>
+          <p:nvPr/>
+        </p:nvGrpSpPr>
+        <p:grpSpPr>
+          <a:xfrm>
+            <a:off x="5257800" y="4191000"/>
+            <a:ext cx="1447800" cy="381000"/>
+            <a:chOff x="5943600" y="2667000"/>
+            <a:chExt cx="1828800" cy="457200"/>
+          </a:xfrm>
+        </p:grpSpPr>
+        <p:sp>
+          <p:nvSpPr>
+            <p:cNvPr id="36" name="Rectangle 35"/>
+            <p:cNvSpPr/>
+            <p:nvPr/>
+          </p:nvSpPr>
+          <p:spPr>
+            <a:xfrm>
+              <a:off x="5943600" y="2667000"/>
+              <a:ext cx="1828800" cy="457200"/>
+            </a:xfrm>
+            <a:prstGeom prst="rect">
+              <a:avLst/>
+            </a:prstGeom>
+            <a:solidFill>
+              <a:schemeClr val="bg1">
+                <a:lumMod val="85000"/>
+              </a:schemeClr>
+            </a:solidFill>
+            <a:ln>
+              <a:solidFill>
+                <a:schemeClr val="accent6">
+                  <a:lumMod val="75000"/>
+                </a:schemeClr>
+              </a:solidFill>
+            </a:ln>
+          </p:spPr>
+          <p:style>
+            <a:lnRef idx="2">
+              <a:schemeClr val="accent1">
+                <a:shade val="50000"/>
+              </a:schemeClr>
+            </a:lnRef>
+            <a:fillRef idx="1">
+              <a:schemeClr val="accent1"/>
+            </a:fillRef>
+            <a:effectRef idx="0">
+              <a:schemeClr val="accent1"/>
+            </a:effectRef>
+            <a:fontRef idx="minor">
+              <a:schemeClr val="lt1"/>
+            </a:fontRef>
+          </p:style>
+          <p:txBody>
+            <a:bodyPr rtlCol="0" anchor="ctr"/>
+            <a:lstStyle/>
+            <a:p>
+              <a:pPr algn="ctr"/>
+              <a:endParaRPr lang="en-US"/>
+            </a:p>
+          </p:txBody>
+        </p:sp>
+        <p:sp>
+          <p:nvSpPr>
+            <p:cNvPr id="37" name="Rectangle 36"/>
+            <p:cNvSpPr/>
+            <p:nvPr/>
+          </p:nvSpPr>
+          <p:spPr>
+            <a:xfrm>
+              <a:off x="6136105" y="2667000"/>
+              <a:ext cx="1172116" cy="369332"/>
+            </a:xfrm>
+            <a:prstGeom prst="rect">
+              <a:avLst/>
+            </a:prstGeom>
+            <a:noFill/>
+          </p:spPr>
+          <p:txBody>
+            <a:bodyPr wrap="none" lIns="91440" tIns="45720" rIns="91440" bIns="45720">
+              <a:spAutoFit/>
+            </a:bodyPr>
+            <a:lstStyle/>
+            <a:p>
+              <a:r>
+                <a:rPr lang="en-US" dirty="0" smtClean="0">
+                  <a:ln w="12700">
+                    <a:solidFill>
+                      <a:sysClr val="windowText" lastClr="000000"/>
+                    </a:solidFill>
+                    <a:prstDash val="solid"/>
+                  </a:ln>
+                  <a:solidFill>
+                    <a:sysClr val="windowText" lastClr="000000"/>
+                  </a:solidFill>
+                  <a:latin typeface="Arial" panose="020B0604020202020204" pitchFamily="34" charset="0"/>
+                  <a:cs typeface="Arial" panose="020B0604020202020204" pitchFamily="34" charset="0"/>
+                </a:rPr>
+                <a:t>Pin Serial</a:t>
+              </a:r>
+              <a:endParaRPr lang="en-US" cap="none" spc="0" dirty="0">
+                <a:ln w="12700">
+                  <a:solidFill>
+                    <a:srgbClr val="00B050"/>
+                  </a:solidFill>
+                  <a:prstDash val="solid"/>
+                </a:ln>
+                <a:solidFill>
+                  <a:srgbClr val="00B050"/>
+                </a:solidFill>
+                <a:latin typeface="Arial" panose="020B0604020202020204" pitchFamily="34" charset="0"/>
+                <a:cs typeface="Arial" panose="020B0604020202020204" pitchFamily="34" charset="0"/>
+              </a:endParaRPr>
+            </a:p>
+          </p:txBody>
+        </p:sp>
+      </p:grpSp>
+      <p:grpSp>
+        <p:nvGrpSpPr>
+          <p:cNvPr id="38" name="Group 37"/>
+          <p:cNvGrpSpPr/>
+          <p:nvPr/>
+        </p:nvGrpSpPr>
+        <p:grpSpPr>
+          <a:xfrm>
+            <a:off x="7543800" y="4572000"/>
+            <a:ext cx="1447800" cy="381000"/>
+            <a:chOff x="5943600" y="2667000"/>
+            <a:chExt cx="1828800" cy="457200"/>
+          </a:xfrm>
+        </p:grpSpPr>
+        <p:sp>
+          <p:nvSpPr>
+            <p:cNvPr id="39" name="Rectangle 38"/>
+            <p:cNvSpPr/>
+            <p:nvPr/>
+          </p:nvSpPr>
+          <p:spPr>
+            <a:xfrm>
+              <a:off x="5943600" y="2667000"/>
+              <a:ext cx="1828800" cy="457200"/>
+            </a:xfrm>
+            <a:prstGeom prst="rect">
+              <a:avLst/>
+            </a:prstGeom>
+            <a:solidFill>
+              <a:schemeClr val="bg1">
+                <a:lumMod val="85000"/>
+              </a:schemeClr>
+            </a:solidFill>
+            <a:ln>
+              <a:solidFill>
+                <a:schemeClr val="accent6">
+                  <a:lumMod val="75000"/>
+                </a:schemeClr>
+              </a:solidFill>
+            </a:ln>
+          </p:spPr>
+          <p:style>
+            <a:lnRef idx="2">
+              <a:schemeClr val="accent1">
+                <a:shade val="50000"/>
+              </a:schemeClr>
+            </a:lnRef>
+            <a:fillRef idx="1">
+              <a:schemeClr val="accent1"/>
+            </a:fillRef>
+            <a:effectRef idx="0">
+              <a:schemeClr val="accent1"/>
+            </a:effectRef>
+            <a:fontRef idx="minor">
+              <a:schemeClr val="lt1"/>
+            </a:fontRef>
+          </p:style>
+          <p:txBody>
+            <a:bodyPr rtlCol="0" anchor="ctr"/>
+            <a:lstStyle/>
+            <a:p>
+              <a:pPr algn="ctr"/>
+              <a:endParaRPr lang="en-US"/>
+            </a:p>
+          </p:txBody>
+        </p:sp>
+        <p:sp>
+          <p:nvSpPr>
+            <p:cNvPr id="41" name="Rectangle 40"/>
+            <p:cNvSpPr/>
+            <p:nvPr/>
+          </p:nvSpPr>
+          <p:spPr>
+            <a:xfrm>
+              <a:off x="6278454" y="2667000"/>
+              <a:ext cx="1205188" cy="443198"/>
+            </a:xfrm>
+            <a:prstGeom prst="rect">
+              <a:avLst/>
+            </a:prstGeom>
+            <a:noFill/>
+          </p:spPr>
+          <p:txBody>
+            <a:bodyPr wrap="none" lIns="91440" tIns="45720" rIns="91440" bIns="45720">
+              <a:spAutoFit/>
+            </a:bodyPr>
+            <a:lstStyle/>
+            <a:p>
+              <a:r>
+                <a:rPr lang="en-US" dirty="0" smtClean="0">
+                  <a:ln w="12700">
+                    <a:solidFill>
+                      <a:sysClr val="windowText" lastClr="000000"/>
+                    </a:solidFill>
+                    <a:prstDash val="solid"/>
+                  </a:ln>
+                  <a:solidFill>
+                    <a:sysClr val="windowText" lastClr="000000"/>
+                  </a:solidFill>
+                  <a:latin typeface="Arial" panose="020B0604020202020204" pitchFamily="34" charset="0"/>
+                  <a:cs typeface="Arial" panose="020B0604020202020204" pitchFamily="34" charset="0"/>
+                </a:rPr>
+                <a:t>Pin SPI</a:t>
+              </a:r>
+              <a:endParaRPr lang="en-US" cap="none" spc="0" dirty="0">
+                <a:ln w="12700">
+                  <a:solidFill>
+                    <a:srgbClr val="00B050"/>
+                  </a:solidFill>
+                  <a:prstDash val="solid"/>
+                </a:ln>
+                <a:solidFill>
+                  <a:srgbClr val="00B050"/>
+                </a:solidFill>
+                <a:latin typeface="Arial" panose="020B0604020202020204" pitchFamily="34" charset="0"/>
+                <a:cs typeface="Arial" panose="020B0604020202020204" pitchFamily="34" charset="0"/>
+              </a:endParaRPr>
+            </a:p>
+          </p:txBody>
+        </p:sp>
+      </p:grpSp>
+      <p:grpSp>
+        <p:nvGrpSpPr>
+          <p:cNvPr id="42" name="Group 41"/>
+          <p:cNvGrpSpPr/>
+          <p:nvPr/>
+        </p:nvGrpSpPr>
+        <p:grpSpPr>
+          <a:xfrm>
+            <a:off x="6019800" y="5105400"/>
+            <a:ext cx="1447800" cy="381000"/>
+            <a:chOff x="5943600" y="2667000"/>
+            <a:chExt cx="1828800" cy="457200"/>
+          </a:xfrm>
+        </p:grpSpPr>
+        <p:sp>
+          <p:nvSpPr>
+            <p:cNvPr id="43" name="Rectangle 42"/>
+            <p:cNvSpPr/>
+            <p:nvPr/>
+          </p:nvSpPr>
+          <p:spPr>
+            <a:xfrm>
+              <a:off x="5943600" y="2667000"/>
+              <a:ext cx="1828800" cy="457200"/>
+            </a:xfrm>
+            <a:prstGeom prst="rect">
+              <a:avLst/>
+            </a:prstGeom>
+            <a:solidFill>
+              <a:schemeClr val="bg1">
+                <a:lumMod val="85000"/>
+              </a:schemeClr>
+            </a:solidFill>
+            <a:ln>
+              <a:solidFill>
+                <a:schemeClr val="accent6">
+                  <a:lumMod val="75000"/>
+                </a:schemeClr>
+              </a:solidFill>
+            </a:ln>
+          </p:spPr>
+          <p:style>
+            <a:lnRef idx="2">
+              <a:schemeClr val="accent1">
+                <a:shade val="50000"/>
+              </a:schemeClr>
+            </a:lnRef>
+            <a:fillRef idx="1">
+              <a:schemeClr val="accent1"/>
+            </a:fillRef>
+            <a:effectRef idx="0">
+              <a:schemeClr val="accent1"/>
+            </a:effectRef>
+            <a:fontRef idx="minor">
+              <a:schemeClr val="lt1"/>
+            </a:fontRef>
+          </p:style>
+          <p:txBody>
+            <a:bodyPr rtlCol="0" anchor="ctr"/>
+            <a:lstStyle/>
+            <a:p>
+              <a:pPr algn="ctr"/>
+              <a:endParaRPr lang="en-US"/>
+            </a:p>
+          </p:txBody>
+        </p:sp>
+        <p:sp>
+          <p:nvSpPr>
+            <p:cNvPr id="44" name="Rectangle 43"/>
+            <p:cNvSpPr/>
+            <p:nvPr/>
+          </p:nvSpPr>
+          <p:spPr>
+            <a:xfrm>
+              <a:off x="6278454" y="2667000"/>
+              <a:ext cx="1188989" cy="443198"/>
+            </a:xfrm>
+            <a:prstGeom prst="rect">
+              <a:avLst/>
+            </a:prstGeom>
+            <a:noFill/>
+          </p:spPr>
+          <p:txBody>
+            <a:bodyPr wrap="none" lIns="91440" tIns="45720" rIns="91440" bIns="45720">
+              <a:spAutoFit/>
+            </a:bodyPr>
+            <a:lstStyle/>
+            <a:p>
+              <a:r>
+                <a:rPr lang="en-US" dirty="0" smtClean="0">
+                  <a:ln w="12700">
+                    <a:solidFill>
+                      <a:sysClr val="windowText" lastClr="000000"/>
+                    </a:solidFill>
+                    <a:prstDash val="solid"/>
+                  </a:ln>
+                  <a:solidFill>
+                    <a:sysClr val="windowText" lastClr="000000"/>
+                  </a:solidFill>
+                  <a:latin typeface="Arial" panose="020B0604020202020204" pitchFamily="34" charset="0"/>
+                  <a:cs typeface="Arial" panose="020B0604020202020204" pitchFamily="34" charset="0"/>
+                </a:rPr>
+                <a:t>Pin I2C</a:t>
+              </a:r>
+              <a:endParaRPr lang="en-US" cap="none" spc="0" dirty="0">
+                <a:ln w="12700">
+                  <a:solidFill>
+                    <a:srgbClr val="00B050"/>
+                  </a:solidFill>
+                  <a:prstDash val="solid"/>
+                </a:ln>
+                <a:solidFill>
+                  <a:srgbClr val="00B050"/>
+                </a:solidFill>
+                <a:latin typeface="Arial" panose="020B0604020202020204" pitchFamily="34" charset="0"/>
+                <a:cs typeface="Arial" panose="020B0604020202020204" pitchFamily="34" charset="0"/>
+              </a:endParaRPr>
+            </a:p>
+          </p:txBody>
+        </p:sp>
+      </p:grpSp>
+      <p:cxnSp>
+        <p:nvCxnSpPr>
+          <p:cNvPr id="46" name="Elbow Connector 45"/>
+          <p:cNvCxnSpPr>
+            <a:stCxn id="8" idx="2"/>
+            <a:endCxn id="37" idx="0"/>
+          </p:cNvCxnSpPr>
+          <p:nvPr/>
+        </p:nvCxnSpPr>
+        <p:spPr>
+          <a:xfrm rot="5400000">
+            <a:off x="5863809" y="3367619"/>
+            <a:ext cx="833735" cy="813026"/>
+          </a:xfrm>
+          <a:prstGeom prst="bentConnector3">
+            <a:avLst>
+              <a:gd name="adj1" fmla="val 50000"/>
+            </a:avLst>
+          </a:prstGeom>
+          <a:ln w="28575">
+            <a:solidFill>
+              <a:schemeClr val="tx1"/>
+            </a:solidFill>
+            <a:tailEnd type="arrow"/>
+          </a:ln>
+        </p:spPr>
+        <p:style>
+          <a:lnRef idx="1">
+            <a:schemeClr val="accent1"/>
+          </a:lnRef>
+          <a:fillRef idx="0">
+            <a:schemeClr val="accent1"/>
+          </a:fillRef>
+          <a:effectRef idx="0">
+            <a:schemeClr val="accent1"/>
+          </a:effectRef>
+          <a:fontRef idx="minor">
+            <a:schemeClr val="tx1"/>
+          </a:fontRef>
+        </p:style>
+      </p:cxnSp>
+      <p:cxnSp>
+        <p:nvCxnSpPr>
+          <p:cNvPr id="48" name="Elbow Connector 47"/>
+          <p:cNvCxnSpPr>
+            <a:stCxn id="8" idx="2"/>
+            <a:endCxn id="41" idx="0"/>
+          </p:cNvCxnSpPr>
+          <p:nvPr/>
+        </p:nvCxnSpPr>
+        <p:spPr>
+          <a:xfrm rot="16200000" flipH="1">
+            <a:off x="6879201" y="3165253"/>
+            <a:ext cx="1214735" cy="1598758"/>
+          </a:xfrm>
+          <a:prstGeom prst="bentConnector3">
+            <a:avLst>
+              <a:gd name="adj1" fmla="val 50000"/>
+            </a:avLst>
+          </a:prstGeom>
+          <a:ln w="28575">
+            <a:solidFill>
+              <a:schemeClr val="tx1"/>
+            </a:solidFill>
+            <a:tailEnd type="arrow"/>
+          </a:ln>
+        </p:spPr>
+        <p:style>
+          <a:lnRef idx="1">
+            <a:schemeClr val="accent1"/>
+          </a:lnRef>
+          <a:fillRef idx="0">
+            <a:schemeClr val="accent1"/>
+          </a:fillRef>
+          <a:effectRef idx="0">
+            <a:schemeClr val="accent1"/>
+          </a:effectRef>
+          <a:fontRef idx="minor">
+            <a:schemeClr val="tx1"/>
+          </a:fontRef>
+        </p:style>
+      </p:cxnSp>
+      <p:cxnSp>
+        <p:nvCxnSpPr>
+          <p:cNvPr id="50" name="Elbow Connector 49"/>
+          <p:cNvCxnSpPr>
+            <a:stCxn id="8" idx="2"/>
+          </p:cNvCxnSpPr>
+          <p:nvPr/>
+        </p:nvCxnSpPr>
+        <p:spPr>
+          <a:xfrm rot="16200000" flipH="1">
+            <a:off x="6050927" y="3993526"/>
+            <a:ext cx="1748137" cy="475613"/>
+          </a:xfrm>
+          <a:prstGeom prst="bentConnector3">
+            <a:avLst>
+              <a:gd name="adj1" fmla="val 34678"/>
+            </a:avLst>
+          </a:prstGeom>
+          <a:ln w="28575">
+            <a:solidFill>
+              <a:schemeClr val="tx1"/>
+            </a:solidFill>
+            <a:tailEnd type="arrow"/>
+          </a:ln>
+        </p:spPr>
+        <p:style>
+          <a:lnRef idx="1">
+            <a:schemeClr val="accent1"/>
+          </a:lnRef>
+          <a:fillRef idx="0">
+            <a:schemeClr val="accent1"/>
+          </a:fillRef>
+          <a:effectRef idx="0">
+            <a:schemeClr val="accent1"/>
+          </a:effectRef>
+          <a:fontRef idx="minor">
+            <a:schemeClr val="tx1"/>
+          </a:fontRef>
+        </p:style>
+      </p:cxnSp>
+      <p:cxnSp>
+        <p:nvCxnSpPr>
+          <p:cNvPr id="59" name="Straight Connector 58"/>
+          <p:cNvCxnSpPr/>
+          <p:nvPr/>
+        </p:nvCxnSpPr>
+        <p:spPr>
+          <a:xfrm rot="5400000">
+            <a:off x="-571500" y="3924300"/>
+            <a:ext cx="2209800" cy="1588"/>
+          </a:xfrm>
+          <a:prstGeom prst="line">
+            <a:avLst/>
+          </a:prstGeom>
+          <a:ln w="19050">
+            <a:solidFill>
+              <a:srgbClr val="C00000"/>
+            </a:solidFill>
+          </a:ln>
+        </p:spPr>
+        <p:style>
+          <a:lnRef idx="1">
+            <a:schemeClr val="accent1"/>
+          </a:lnRef>
+          <a:fillRef idx="0">
+            <a:schemeClr val="accent1"/>
+          </a:fillRef>
+          <a:effectRef idx="0">
+            <a:schemeClr val="accent1"/>
+          </a:effectRef>
+          <a:fontRef idx="minor">
+            <a:schemeClr val="tx1"/>
+          </a:fontRef>
+        </p:style>
+      </p:cxnSp>
+      <p:cxnSp>
+        <p:nvCxnSpPr>
+          <p:cNvPr id="61" name="Straight Connector 60"/>
+          <p:cNvCxnSpPr/>
+          <p:nvPr/>
+        </p:nvCxnSpPr>
+        <p:spPr>
+          <a:xfrm>
+            <a:off x="762000" y="5334000"/>
+            <a:ext cx="1676400" cy="1588"/>
+          </a:xfrm>
+          <a:prstGeom prst="line">
+            <a:avLst/>
+          </a:prstGeom>
+          <a:ln w="19050">
+            <a:solidFill>
+              <a:srgbClr val="C00000"/>
+            </a:solidFill>
+          </a:ln>
+        </p:spPr>
+        <p:style>
+          <a:lnRef idx="1">
+            <a:schemeClr val="accent1"/>
+          </a:lnRef>
+          <a:fillRef idx="0">
+            <a:schemeClr val="accent1"/>
+          </a:fillRef>
+          <a:effectRef idx="0">
+            <a:schemeClr val="accent1"/>
+          </a:effectRef>
+          <a:fontRef idx="minor">
+            <a:schemeClr val="tx1"/>
+          </a:fontRef>
+        </p:style>
+      </p:cxnSp>
+      <p:sp>
+        <p:nvSpPr>
+          <p:cNvPr id="62" name="Rectangle 61"/>
+          <p:cNvSpPr/>
+          <p:nvPr/>
+        </p:nvSpPr>
+        <p:spPr>
+          <a:xfrm>
+            <a:off x="1143000" y="5331023"/>
+            <a:ext cx="830677" cy="307777"/>
           </a:xfrm>
           <a:prstGeom prst="rect">
             <a:avLst/>
@@ -5532,102 +11492,22 @@
           <a:lstStyle/>
           <a:p>
             <a:r>
-              <a:rPr lang="en-US" sz="3200" dirty="0" err="1" smtClean="0">
-                <a:ln w="12700">
-                  <a:solidFill>
-                    <a:sysClr val="windowText" lastClr="000000"/>
-                  </a:solidFill>
-                  <a:prstDash val="solid"/>
-                </a:ln>
-                <a:solidFill>
-                  <a:sysClr val="windowText" lastClr="000000"/>
-                </a:solidFill>
-                <a:latin typeface="Arial" panose="020B0604020202020204" pitchFamily="34" charset="0"/>
-                <a:cs typeface="Arial" panose="020B0604020202020204" pitchFamily="34" charset="0"/>
-              </a:rPr>
-              <a:t>Pengantar</a:t>
-            </a:r>
-            <a:r>
-              <a:rPr lang="en-US" sz="3200" dirty="0" smtClean="0">
-                <a:ln w="12700">
-                  <a:solidFill>
-                    <a:sysClr val="windowText" lastClr="000000"/>
-                  </a:solidFill>
-                  <a:prstDash val="solid"/>
-                </a:ln>
-                <a:solidFill>
-                  <a:sysClr val="windowText" lastClr="000000"/>
-                </a:solidFill>
-                <a:latin typeface="Arial" panose="020B0604020202020204" pitchFamily="34" charset="0"/>
-                <a:cs typeface="Arial" panose="020B0604020202020204" pitchFamily="34" charset="0"/>
-              </a:rPr>
-              <a:t> </a:t>
-            </a:r>
-            <a:r>
-              <a:rPr lang="en-US" sz="3200" dirty="0" err="1" smtClean="0">
-                <a:ln w="12700">
-                  <a:solidFill>
-                    <a:sysClr val="windowText" lastClr="000000"/>
-                  </a:solidFill>
-                  <a:prstDash val="solid"/>
-                </a:ln>
-                <a:solidFill>
-                  <a:sysClr val="windowText" lastClr="000000"/>
-                </a:solidFill>
-                <a:latin typeface="Arial" panose="020B0604020202020204" pitchFamily="34" charset="0"/>
-                <a:cs typeface="Arial" panose="020B0604020202020204" pitchFamily="34" charset="0"/>
-              </a:rPr>
-              <a:t>singkat</a:t>
-            </a:r>
-            <a:r>
-              <a:rPr lang="en-US" sz="3200" dirty="0" smtClean="0">
-                <a:ln w="12700">
-                  <a:solidFill>
-                    <a:sysClr val="windowText" lastClr="000000"/>
-                  </a:solidFill>
-                  <a:prstDash val="solid"/>
-                </a:ln>
-                <a:solidFill>
-                  <a:sysClr val="windowText" lastClr="000000"/>
-                </a:solidFill>
-                <a:latin typeface="Arial" panose="020B0604020202020204" pitchFamily="34" charset="0"/>
-                <a:cs typeface="Arial" panose="020B0604020202020204" pitchFamily="34" charset="0"/>
-              </a:rPr>
-              <a:t> </a:t>
-            </a:r>
-            <a:r>
-              <a:rPr lang="en-US" sz="3200" dirty="0" err="1" smtClean="0">
-                <a:ln w="12700">
-                  <a:solidFill>
-                    <a:sysClr val="windowText" lastClr="000000"/>
-                  </a:solidFill>
-                  <a:prstDash val="solid"/>
-                </a:ln>
-                <a:solidFill>
-                  <a:sysClr val="windowText" lastClr="000000"/>
-                </a:solidFill>
-                <a:latin typeface="Arial" panose="020B0604020202020204" pitchFamily="34" charset="0"/>
-                <a:cs typeface="Arial" panose="020B0604020202020204" pitchFamily="34" charset="0"/>
-              </a:rPr>
-              <a:t>tentang</a:t>
-            </a:r>
-            <a:r>
-              <a:rPr lang="en-US" sz="3200" dirty="0" smtClean="0">
-                <a:ln w="12700">
-                  <a:solidFill>
-                    <a:sysClr val="windowText" lastClr="000000"/>
-                  </a:solidFill>
-                  <a:prstDash val="solid"/>
-                </a:ln>
-                <a:solidFill>
-                  <a:sysClr val="windowText" lastClr="000000"/>
-                </a:solidFill>
-                <a:latin typeface="Arial" panose="020B0604020202020204" pitchFamily="34" charset="0"/>
-                <a:cs typeface="Arial" panose="020B0604020202020204" pitchFamily="34" charset="0"/>
-              </a:rPr>
-              <a:t> IOT</a:t>
-            </a:r>
-            <a:endParaRPr lang="en-US" sz="3200" cap="none" spc="0" dirty="0">
+              <a:rPr lang="en-US" sz="1400" dirty="0" smtClean="0">
+                <a:ln w="12700">
+                  <a:solidFill>
+                    <a:sysClr val="windowText" lastClr="000000"/>
+                  </a:solidFill>
+                  <a:prstDash val="solid"/>
+                </a:ln>
+                <a:solidFill>
+                  <a:sysClr val="windowText" lastClr="000000"/>
+                </a:solidFill>
+                <a:latin typeface="Arial" panose="020B0604020202020204" pitchFamily="34" charset="0"/>
+                <a:cs typeface="Arial" panose="020B0604020202020204" pitchFamily="34" charset="0"/>
+              </a:rPr>
+              <a:t>25.1mm</a:t>
+            </a:r>
+            <a:endParaRPr lang="en-US" sz="1400" cap="none" spc="0" dirty="0">
               <a:ln w="12700">
                 <a:solidFill>
                   <a:srgbClr val="00B050"/>
@@ -5643,10 +11523,178 @@
           </a:p>
         </p:txBody>
       </p:sp>
+      <p:sp>
+        <p:nvSpPr>
+          <p:cNvPr id="63" name="Rectangle 62"/>
+          <p:cNvSpPr/>
+          <p:nvPr/>
+        </p:nvSpPr>
+        <p:spPr>
+          <a:xfrm rot="16200000">
+            <a:off x="-35827" y="3657600"/>
+            <a:ext cx="830677" cy="307777"/>
+          </a:xfrm>
+          <a:prstGeom prst="rect">
+            <a:avLst/>
+          </a:prstGeom>
+          <a:noFill/>
+        </p:spPr>
+        <p:txBody>
+          <a:bodyPr wrap="none" lIns="91440" tIns="45720" rIns="91440" bIns="45720">
+            <a:spAutoFit/>
+          </a:bodyPr>
+          <a:lstStyle/>
+          <a:p>
+            <a:r>
+              <a:rPr lang="en-US" sz="1400" dirty="0" smtClean="0">
+                <a:ln w="12700">
+                  <a:solidFill>
+                    <a:sysClr val="windowText" lastClr="000000"/>
+                  </a:solidFill>
+                  <a:prstDash val="solid"/>
+                </a:ln>
+                <a:solidFill>
+                  <a:sysClr val="windowText" lastClr="000000"/>
+                </a:solidFill>
+                <a:latin typeface="Arial" panose="020B0604020202020204" pitchFamily="34" charset="0"/>
+                <a:cs typeface="Arial" panose="020B0604020202020204" pitchFamily="34" charset="0"/>
+              </a:rPr>
+              <a:t>34.3mm</a:t>
+            </a:r>
+            <a:endParaRPr lang="en-US" sz="1400" cap="none" spc="0" dirty="0">
+              <a:ln w="12700">
+                <a:solidFill>
+                  <a:srgbClr val="00B050"/>
+                </a:solidFill>
+                <a:prstDash val="solid"/>
+              </a:ln>
+              <a:solidFill>
+                <a:srgbClr val="00B050"/>
+              </a:solidFill>
+              <a:latin typeface="Arial" panose="020B0604020202020204" pitchFamily="34" charset="0"/>
+              <a:cs typeface="Arial" panose="020B0604020202020204" pitchFamily="34" charset="0"/>
+            </a:endParaRPr>
+          </a:p>
+        </p:txBody>
+      </p:sp>
+      <p:sp>
+        <p:nvSpPr>
+          <p:cNvPr id="22530" name="AutoShape 2" descr="https://img.freepik.com/free-icon/wifi_318-1573.jpg?w=360"/>
+          <p:cNvSpPr>
+            <a:spLocks noChangeAspect="1" noChangeArrowheads="1"/>
+          </p:cNvSpPr>
+          <p:nvPr/>
+        </p:nvSpPr>
+        <p:spPr bwMode="auto">
+          <a:xfrm>
+            <a:off x="155575" y="-144463"/>
+            <a:ext cx="304800" cy="304801"/>
+          </a:xfrm>
+          <a:prstGeom prst="rect">
+            <a:avLst/>
+          </a:prstGeom>
+          <a:noFill/>
+        </p:spPr>
+        <p:txBody>
+          <a:bodyPr vert="horz" wrap="square" lIns="91440" tIns="45720" rIns="91440" bIns="45720" numCol="1" anchor="t" anchorCtr="0" compatLnSpc="1">
+            <a:prstTxWarp prst="textNoShape">
+              <a:avLst/>
+            </a:prstTxWarp>
+          </a:bodyPr>
+          <a:lstStyle/>
+          <a:p>
+            <a:endParaRPr lang="en-US"/>
+          </a:p>
+        </p:txBody>
+      </p:sp>
+      <p:sp>
+        <p:nvSpPr>
+          <p:cNvPr id="22532" name="AutoShape 4" descr="https://img.freepik.com/free-icon/wifi_318-1573.jpg?w=360"/>
+          <p:cNvSpPr>
+            <a:spLocks noChangeAspect="1" noChangeArrowheads="1"/>
+          </p:cNvSpPr>
+          <p:nvPr/>
+        </p:nvSpPr>
+        <p:spPr bwMode="auto">
+          <a:xfrm>
+            <a:off x="155575" y="-144463"/>
+            <a:ext cx="304800" cy="304801"/>
+          </a:xfrm>
+          <a:prstGeom prst="rect">
+            <a:avLst/>
+          </a:prstGeom>
+          <a:noFill/>
+        </p:spPr>
+        <p:txBody>
+          <a:bodyPr vert="horz" wrap="square" lIns="91440" tIns="45720" rIns="91440" bIns="45720" numCol="1" anchor="t" anchorCtr="0" compatLnSpc="1">
+            <a:prstTxWarp prst="textNoShape">
+              <a:avLst/>
+            </a:prstTxWarp>
+          </a:bodyPr>
+          <a:lstStyle/>
+          <a:p>
+            <a:endParaRPr lang="en-US"/>
+          </a:p>
+        </p:txBody>
+      </p:sp>
+      <p:sp>
+        <p:nvSpPr>
+          <p:cNvPr id="22534" name="AutoShape 6" descr="https://img.freepik.com/free-icon/wifi_318-1573.jpg?w=360"/>
+          <p:cNvSpPr>
+            <a:spLocks noChangeAspect="1" noChangeArrowheads="1"/>
+          </p:cNvSpPr>
+          <p:nvPr/>
+        </p:nvSpPr>
+        <p:spPr bwMode="auto">
+          <a:xfrm>
+            <a:off x="155575" y="-144463"/>
+            <a:ext cx="304800" cy="304801"/>
+          </a:xfrm>
+          <a:prstGeom prst="rect">
+            <a:avLst/>
+          </a:prstGeom>
+          <a:noFill/>
+        </p:spPr>
+        <p:txBody>
+          <a:bodyPr vert="horz" wrap="square" lIns="91440" tIns="45720" rIns="91440" bIns="45720" numCol="1" anchor="t" anchorCtr="0" compatLnSpc="1">
+            <a:prstTxWarp prst="textNoShape">
+              <a:avLst/>
+            </a:prstTxWarp>
+          </a:bodyPr>
+          <a:lstStyle/>
+          <a:p>
+            <a:endParaRPr lang="en-US"/>
+          </a:p>
+        </p:txBody>
+      </p:sp>
+      <p:pic>
+        <p:nvPicPr>
+          <p:cNvPr id="65" name="Picture 64" descr="image-removebg-preview(11).png"/>
+          <p:cNvPicPr>
+            <a:picLocks noChangeAspect="1"/>
+          </p:cNvPicPr>
+          <p:nvPr/>
+        </p:nvPicPr>
+        <p:blipFill>
+          <a:blip r:embed="rId3"/>
+          <a:stretch>
+            <a:fillRect/>
+          </a:stretch>
+        </p:blipFill>
+        <p:spPr>
+          <a:xfrm>
+            <a:off x="152400" y="1524000"/>
+            <a:ext cx="1409700" cy="1409700"/>
+          </a:xfrm>
+          <a:prstGeom prst="rect">
+            <a:avLst/>
+          </a:prstGeom>
+        </p:spPr>
+      </p:pic>
     </p:spTree>
     <p:extLst>
       <p:ext uri="{BB962C8B-B14F-4D97-AF65-F5344CB8AC3E}">
-        <p14:creationId xmlns:p14="http://schemas.microsoft.com/office/powerpoint/2010/main" val="4025136450"/>
+        <p14:creationId xmlns:p14="http://schemas.microsoft.com/office/powerpoint/2010/main" xmlns="" val="4025136450"/>
       </p:ext>
     </p:extLst>
   </p:cSld>
@@ -5680,390 +11728,6 @@
           <a:chExt cx="0" cy="0"/>
         </a:xfrm>
       </p:grpSpPr>
-      <p:pic>
-        <p:nvPicPr>
-          <p:cNvPr id="6" name="Picture 4" descr="Berkas:Telegram logo.svg - Wikipedia bahasa Indonesia, ensiklopedia bebas"/>
-          <p:cNvPicPr>
-            <a:picLocks noChangeAspect="1" noChangeArrowheads="1"/>
-          </p:cNvPicPr>
-          <p:nvPr/>
-        </p:nvPicPr>
-        <p:blipFill>
-          <a:blip r:embed="rId2" cstate="print">
-            <a:duotone>
-              <a:schemeClr val="bg2">
-                <a:shade val="45000"/>
-                <a:satMod val="135000"/>
-              </a:schemeClr>
-              <a:prstClr val="white"/>
-            </a:duotone>
-            <a:extLst>
-              <a:ext uri="{28A0092B-C50C-407E-A947-70E740481C1C}">
-                <a14:useLocalDpi xmlns:a14="http://schemas.microsoft.com/office/drawing/2010/main" val="0"/>
-              </a:ext>
-            </a:extLst>
-          </a:blip>
-          <a:srcRect/>
-          <a:stretch>
-            <a:fillRect/>
-          </a:stretch>
-        </p:blipFill>
-        <p:spPr bwMode="auto">
-          <a:xfrm>
-            <a:off x="7539877" y="2383332"/>
-            <a:ext cx="496262" cy="512267"/>
-          </a:xfrm>
-          <a:prstGeom prst="rect">
-            <a:avLst/>
-          </a:prstGeom>
-          <a:noFill/>
-          <a:extLst>
-            <a:ext uri="{909E8E84-426E-40DD-AFC4-6F175D3DCCD1}">
-              <a14:hiddenFill xmlns:a14="http://schemas.microsoft.com/office/drawing/2010/main">
-                <a:solidFill>
-                  <a:srgbClr val="FFFFFF"/>
-                </a:solidFill>
-              </a14:hiddenFill>
-            </a:ext>
-          </a:extLst>
-        </p:spPr>
-      </p:pic>
-      <p:pic>
-        <p:nvPicPr>
-          <p:cNvPr id="7" name="Picture 4" descr="Berkas:Telegram logo.svg - Wikipedia bahasa Indonesia, ensiklopedia bebas"/>
-          <p:cNvPicPr>
-            <a:picLocks noChangeAspect="1" noChangeArrowheads="1"/>
-          </p:cNvPicPr>
-          <p:nvPr/>
-        </p:nvPicPr>
-        <p:blipFill>
-          <a:blip r:embed="rId3" cstate="print">
-            <a:duotone>
-              <a:schemeClr val="bg2">
-                <a:shade val="45000"/>
-                <a:satMod val="135000"/>
-              </a:schemeClr>
-              <a:prstClr val="white"/>
-            </a:duotone>
-            <a:extLst>
-              <a:ext uri="{28A0092B-C50C-407E-A947-70E740481C1C}">
-                <a14:useLocalDpi xmlns:a14="http://schemas.microsoft.com/office/drawing/2010/main" val="0"/>
-              </a:ext>
-            </a:extLst>
-          </a:blip>
-          <a:srcRect/>
-          <a:stretch>
-            <a:fillRect/>
-          </a:stretch>
-        </p:blipFill>
-        <p:spPr bwMode="auto">
-          <a:xfrm>
-            <a:off x="7098939" y="3886200"/>
-            <a:ext cx="295278" cy="304800"/>
-          </a:xfrm>
-          <a:prstGeom prst="rect">
-            <a:avLst/>
-          </a:prstGeom>
-          <a:noFill/>
-          <a:extLst>
-            <a:ext uri="{909E8E84-426E-40DD-AFC4-6F175D3DCCD1}">
-              <a14:hiddenFill xmlns:a14="http://schemas.microsoft.com/office/drawing/2010/main">
-                <a:solidFill>
-                  <a:srgbClr val="FFFFFF"/>
-                </a:solidFill>
-              </a14:hiddenFill>
-            </a:ext>
-          </a:extLst>
-        </p:spPr>
-      </p:pic>
-      <p:pic>
-        <p:nvPicPr>
-          <p:cNvPr id="8" name="Picture 4" descr="Berkas:Telegram logo.svg - Wikipedia bahasa Indonesia, ensiklopedia bebas"/>
-          <p:cNvPicPr>
-            <a:picLocks noChangeAspect="1" noChangeArrowheads="1"/>
-          </p:cNvPicPr>
-          <p:nvPr/>
-        </p:nvPicPr>
-        <p:blipFill>
-          <a:blip r:embed="rId4" cstate="print">
-            <a:duotone>
-              <a:schemeClr val="bg2">
-                <a:shade val="45000"/>
-                <a:satMod val="135000"/>
-              </a:schemeClr>
-              <a:prstClr val="white"/>
-            </a:duotone>
-            <a:extLst>
-              <a:ext uri="{28A0092B-C50C-407E-A947-70E740481C1C}">
-                <a14:useLocalDpi xmlns:a14="http://schemas.microsoft.com/office/drawing/2010/main" val="0"/>
-              </a:ext>
-            </a:extLst>
-          </a:blip>
-          <a:srcRect/>
-          <a:stretch>
-            <a:fillRect/>
-          </a:stretch>
-        </p:blipFill>
-        <p:spPr bwMode="auto">
-          <a:xfrm>
-            <a:off x="8100837" y="1728205"/>
-            <a:ext cx="614188" cy="633995"/>
-          </a:xfrm>
-          <a:prstGeom prst="rect">
-            <a:avLst/>
-          </a:prstGeom>
-          <a:noFill/>
-          <a:extLst>
-            <a:ext uri="{909E8E84-426E-40DD-AFC4-6F175D3DCCD1}">
-              <a14:hiddenFill xmlns:a14="http://schemas.microsoft.com/office/drawing/2010/main">
-                <a:solidFill>
-                  <a:srgbClr val="FFFFFF"/>
-                </a:solidFill>
-              </a14:hiddenFill>
-            </a:ext>
-          </a:extLst>
-        </p:spPr>
-      </p:pic>
-      <p:pic>
-        <p:nvPicPr>
-          <p:cNvPr id="9" name="Picture 4" descr="Berkas:Telegram logo.svg - Wikipedia bahasa Indonesia, ensiklopedia bebas"/>
-          <p:cNvPicPr>
-            <a:picLocks noChangeAspect="1" noChangeArrowheads="1"/>
-          </p:cNvPicPr>
-          <p:nvPr/>
-        </p:nvPicPr>
-        <p:blipFill>
-          <a:blip r:embed="rId5" cstate="print">
-            <a:duotone>
-              <a:schemeClr val="bg2">
-                <a:shade val="45000"/>
-                <a:satMod val="135000"/>
-              </a:schemeClr>
-              <a:prstClr val="white"/>
-            </a:duotone>
-            <a:extLst>
-              <a:ext uri="{28A0092B-C50C-407E-A947-70E740481C1C}">
-                <a14:useLocalDpi xmlns:a14="http://schemas.microsoft.com/office/drawing/2010/main" val="0"/>
-              </a:ext>
-            </a:extLst>
-          </a:blip>
-          <a:srcRect/>
-          <a:stretch>
-            <a:fillRect/>
-          </a:stretch>
-        </p:blipFill>
-        <p:spPr bwMode="auto">
-          <a:xfrm>
-            <a:off x="6934199" y="3316528"/>
-            <a:ext cx="369097" cy="381000"/>
-          </a:xfrm>
-          <a:prstGeom prst="rect">
-            <a:avLst/>
-          </a:prstGeom>
-          <a:noFill/>
-          <a:extLst>
-            <a:ext uri="{909E8E84-426E-40DD-AFC4-6F175D3DCCD1}">
-              <a14:hiddenFill xmlns:a14="http://schemas.microsoft.com/office/drawing/2010/main">
-                <a:solidFill>
-                  <a:srgbClr val="FFFFFF"/>
-                </a:solidFill>
-              </a14:hiddenFill>
-            </a:ext>
-          </a:extLst>
-        </p:spPr>
-      </p:pic>
-      <p:pic>
-        <p:nvPicPr>
-          <p:cNvPr id="10" name="Picture 4" descr="Berkas:Telegram logo.svg - Wikipedia bahasa Indonesia, ensiklopedia bebas"/>
-          <p:cNvPicPr>
-            <a:picLocks noChangeAspect="1" noChangeArrowheads="1"/>
-          </p:cNvPicPr>
-          <p:nvPr/>
-        </p:nvPicPr>
-        <p:blipFill>
-          <a:blip r:embed="rId3" cstate="print">
-            <a:duotone>
-              <a:schemeClr val="bg2">
-                <a:shade val="45000"/>
-                <a:satMod val="135000"/>
-              </a:schemeClr>
-              <a:prstClr val="white"/>
-            </a:duotone>
-            <a:extLst>
-              <a:ext uri="{28A0092B-C50C-407E-A947-70E740481C1C}">
-                <a14:useLocalDpi xmlns:a14="http://schemas.microsoft.com/office/drawing/2010/main" val="0"/>
-              </a:ext>
-            </a:extLst>
-          </a:blip>
-          <a:srcRect/>
-          <a:stretch>
-            <a:fillRect/>
-          </a:stretch>
-        </p:blipFill>
-        <p:spPr bwMode="auto">
-          <a:xfrm>
-            <a:off x="6598332" y="4578927"/>
-            <a:ext cx="295278" cy="304800"/>
-          </a:xfrm>
-          <a:prstGeom prst="rect">
-            <a:avLst/>
-          </a:prstGeom>
-          <a:noFill/>
-          <a:extLst>
-            <a:ext uri="{909E8E84-426E-40DD-AFC4-6F175D3DCCD1}">
-              <a14:hiddenFill xmlns:a14="http://schemas.microsoft.com/office/drawing/2010/main">
-                <a:solidFill>
-                  <a:srgbClr val="FFFFFF"/>
-                </a:solidFill>
-              </a14:hiddenFill>
-            </a:ext>
-          </a:extLst>
-        </p:spPr>
-      </p:pic>
-      <p:pic>
-        <p:nvPicPr>
-          <p:cNvPr id="11" name="Picture 4" descr="Berkas:Telegram logo.svg - Wikipedia bahasa Indonesia, ensiklopedia bebas"/>
-          <p:cNvPicPr>
-            <a:picLocks noChangeAspect="1" noChangeArrowheads="1"/>
-          </p:cNvPicPr>
-          <p:nvPr/>
-        </p:nvPicPr>
-        <p:blipFill>
-          <a:blip r:embed="rId3" cstate="print">
-            <a:duotone>
-              <a:schemeClr val="bg2">
-                <a:shade val="45000"/>
-                <a:satMod val="135000"/>
-              </a:schemeClr>
-              <a:prstClr val="white"/>
-            </a:duotone>
-            <a:extLst>
-              <a:ext uri="{28A0092B-C50C-407E-A947-70E740481C1C}">
-                <a14:useLocalDpi xmlns:a14="http://schemas.microsoft.com/office/drawing/2010/main" val="0"/>
-              </a:ext>
-            </a:extLst>
-          </a:blip>
-          <a:srcRect/>
-          <a:stretch>
-            <a:fillRect/>
-          </a:stretch>
-        </p:blipFill>
-        <p:spPr bwMode="auto">
-          <a:xfrm>
-            <a:off x="7111500" y="4623954"/>
-            <a:ext cx="295278" cy="304800"/>
-          </a:xfrm>
-          <a:prstGeom prst="rect">
-            <a:avLst/>
-          </a:prstGeom>
-          <a:noFill/>
-          <a:extLst>
-            <a:ext uri="{909E8E84-426E-40DD-AFC4-6F175D3DCCD1}">
-              <a14:hiddenFill xmlns:a14="http://schemas.microsoft.com/office/drawing/2010/main">
-                <a:solidFill>
-                  <a:srgbClr val="FFFFFF"/>
-                </a:solidFill>
-              </a14:hiddenFill>
-            </a:ext>
-          </a:extLst>
-        </p:spPr>
-      </p:pic>
-      <p:pic>
-        <p:nvPicPr>
-          <p:cNvPr id="12" name="Picture 4" descr="Berkas:Telegram logo.svg - Wikipedia bahasa Indonesia, ensiklopedia bebas"/>
-          <p:cNvPicPr>
-            <a:picLocks noChangeAspect="1" noChangeArrowheads="1"/>
-          </p:cNvPicPr>
-          <p:nvPr/>
-        </p:nvPicPr>
-        <p:blipFill>
-          <a:blip r:embed="rId3" cstate="print">
-            <a:duotone>
-              <a:schemeClr val="bg2">
-                <a:shade val="45000"/>
-                <a:satMod val="135000"/>
-              </a:schemeClr>
-              <a:prstClr val="white"/>
-            </a:duotone>
-            <a:extLst>
-              <a:ext uri="{28A0092B-C50C-407E-A947-70E740481C1C}">
-                <a14:useLocalDpi xmlns:a14="http://schemas.microsoft.com/office/drawing/2010/main" val="0"/>
-              </a:ext>
-            </a:extLst>
-          </a:blip>
-          <a:srcRect/>
-          <a:stretch>
-            <a:fillRect/>
-          </a:stretch>
-        </p:blipFill>
-        <p:spPr bwMode="auto">
-          <a:xfrm>
-            <a:off x="6450693" y="5264725"/>
-            <a:ext cx="295278" cy="304800"/>
-          </a:xfrm>
-          <a:prstGeom prst="rect">
-            <a:avLst/>
-          </a:prstGeom>
-          <a:noFill/>
-          <a:extLst>
-            <a:ext uri="{909E8E84-426E-40DD-AFC4-6F175D3DCCD1}">
-              <a14:hiddenFill xmlns:a14="http://schemas.microsoft.com/office/drawing/2010/main">
-                <a:solidFill>
-                  <a:srgbClr val="FFFFFF"/>
-                </a:solidFill>
-              </a14:hiddenFill>
-            </a:ext>
-          </a:extLst>
-        </p:spPr>
-      </p:pic>
-      <p:pic>
-        <p:nvPicPr>
-          <p:cNvPr id="5" name="Picture 4" descr="Berkas:Telegram logo.svg - Wikipedia bahasa Indonesia, ensiklopedia bebas"/>
-          <p:cNvPicPr>
-            <a:picLocks noChangeAspect="1" noChangeArrowheads="1"/>
-          </p:cNvPicPr>
-          <p:nvPr/>
-        </p:nvPicPr>
-        <p:blipFill>
-          <a:blip r:embed="rId6" cstate="print">
-            <a:duotone>
-              <a:schemeClr val="bg2">
-                <a:shade val="45000"/>
-                <a:satMod val="135000"/>
-              </a:schemeClr>
-              <a:prstClr val="white"/>
-            </a:duotone>
-            <a:extLst>
-              <a:ext uri="{28A0092B-C50C-407E-A947-70E740481C1C}">
-                <a14:useLocalDpi xmlns:a14="http://schemas.microsoft.com/office/drawing/2010/main" val="0"/>
-              </a:ext>
-            </a:extLst>
-          </a:blip>
-          <a:srcRect/>
-          <a:stretch>
-            <a:fillRect/>
-          </a:stretch>
-        </p:blipFill>
-        <p:spPr bwMode="auto">
-          <a:xfrm>
-            <a:off x="7668172" y="3287183"/>
-            <a:ext cx="432664" cy="446617"/>
-          </a:xfrm>
-          <a:prstGeom prst="rect">
-            <a:avLst/>
-          </a:prstGeom>
-          <a:noFill/>
-          <a:extLst>
-            <a:ext uri="{909E8E84-426E-40DD-AFC4-6F175D3DCCD1}">
-              <a14:hiddenFill xmlns:a14="http://schemas.microsoft.com/office/drawing/2010/main">
-                <a:solidFill>
-                  <a:srgbClr val="FFFFFF"/>
-                </a:solidFill>
-              </a14:hiddenFill>
-            </a:ext>
-          </a:extLst>
-        </p:spPr>
-      </p:pic>
       <p:sp>
         <p:nvSpPr>
           <p:cNvPr id="1031" name="Rectangle 1030"/>
@@ -6160,7 +11824,7 @@
         <p:spPr>
           <a:xfrm>
             <a:off x="381000" y="370582"/>
-            <a:ext cx="5056192" cy="584775"/>
+            <a:ext cx="4193777" cy="584775"/>
           </a:xfrm>
           <a:prstGeom prst="rect">
             <a:avLst/>
@@ -6174,6 +11838,22 @@
           <a:lstStyle/>
           <a:p>
             <a:r>
+              <a:rPr lang="en-US" sz="3200" dirty="0" smtClean="0">
+                <a:ln w="12700">
+                  <a:solidFill>
+                    <a:sysClr val="windowText" lastClr="000000"/>
+                  </a:solidFill>
+                  <a:prstDash val="solid"/>
+                </a:ln>
+                <a:solidFill>
+                  <a:sysClr val="windowText" lastClr="000000"/>
+                </a:solidFill>
+                <a:latin typeface="Arial" panose="020B0604020202020204" pitchFamily="34" charset="0"/>
+                <a:cs typeface="Arial" panose="020B0604020202020204" pitchFamily="34" charset="0"/>
+              </a:rPr>
+              <a:t>Board </a:t>
+            </a:r>
+            <a:r>
               <a:rPr lang="en-US" sz="3200" dirty="0" err="1" smtClean="0">
                 <a:ln w="12700">
                   <a:solidFill>
@@ -6187,7 +11867,7 @@
                 <a:latin typeface="Arial" panose="020B0604020202020204" pitchFamily="34" charset="0"/>
                 <a:cs typeface="Arial" panose="020B0604020202020204" pitchFamily="34" charset="0"/>
               </a:rPr>
-              <a:t>Membuat</a:t>
+              <a:t>wemos</a:t>
             </a:r>
             <a:r>
               <a:rPr lang="en-US" sz="3200" dirty="0" smtClean="0">
@@ -6203,39 +11883,7 @@
                 <a:latin typeface="Arial" panose="020B0604020202020204" pitchFamily="34" charset="0"/>
                 <a:cs typeface="Arial" panose="020B0604020202020204" pitchFamily="34" charset="0"/>
               </a:rPr>
-              <a:t> </a:t>
-            </a:r>
-            <a:r>
-              <a:rPr lang="en-US" sz="3200" dirty="0" err="1" smtClean="0">
-                <a:ln w="12700">
-                  <a:solidFill>
-                    <a:sysClr val="windowText" lastClr="000000"/>
-                  </a:solidFill>
-                  <a:prstDash val="solid"/>
-                </a:ln>
-                <a:solidFill>
-                  <a:sysClr val="windowText" lastClr="000000"/>
-                </a:solidFill>
-                <a:latin typeface="Arial" panose="020B0604020202020204" pitchFamily="34" charset="0"/>
-                <a:cs typeface="Arial" panose="020B0604020202020204" pitchFamily="34" charset="0"/>
-              </a:rPr>
-              <a:t>chatbot</a:t>
-            </a:r>
-            <a:r>
-              <a:rPr lang="en-US" sz="3200" dirty="0" smtClean="0">
-                <a:ln w="12700">
-                  <a:solidFill>
-                    <a:sysClr val="windowText" lastClr="000000"/>
-                  </a:solidFill>
-                  <a:prstDash val="solid"/>
-                </a:ln>
-                <a:solidFill>
-                  <a:sysClr val="windowText" lastClr="000000"/>
-                </a:solidFill>
-                <a:latin typeface="Arial" panose="020B0604020202020204" pitchFamily="34" charset="0"/>
-                <a:cs typeface="Arial" panose="020B0604020202020204" pitchFamily="34" charset="0"/>
-              </a:rPr>
-              <a:t> telegram</a:t>
+              <a:t> D1 mini</a:t>
             </a:r>
             <a:endParaRPr lang="en-US" sz="3200" cap="none" spc="0" dirty="0">
               <a:ln w="12700">
@@ -6253,6 +11901,32 @@
           </a:p>
         </p:txBody>
       </p:sp>
+      <p:pic>
+        <p:nvPicPr>
+          <p:cNvPr id="6146" name="Picture 2" descr="https://1.bp.blogspot.com/-Ox1yTyRVn-s/Xfh4WE6MBZI/AAAAAAAABO8/GjMULX59RAwtsdoPSGG1ioALHiJ-ldDXQCEwYBhgL/s1600/pin-out-wemos.png"/>
+          <p:cNvPicPr>
+            <a:picLocks noChangeAspect="1" noChangeArrowheads="1"/>
+          </p:cNvPicPr>
+          <p:nvPr/>
+        </p:nvPicPr>
+        <p:blipFill>
+          <a:blip r:embed="rId2"/>
+          <a:srcRect/>
+          <a:stretch>
+            <a:fillRect/>
+          </a:stretch>
+        </p:blipFill>
+        <p:spPr bwMode="auto">
+          <a:xfrm>
+            <a:off x="1258860" y="1600200"/>
+            <a:ext cx="6589740" cy="4343400"/>
+          </a:xfrm>
+          <a:prstGeom prst="rect">
+            <a:avLst/>
+          </a:prstGeom>
+          <a:noFill/>
+        </p:spPr>
+      </p:pic>
       <p:sp>
         <p:nvSpPr>
           <p:cNvPr id="25" name="Rectangle 24"/>
@@ -6261,8 +11935,8 @@
         </p:nvSpPr>
         <p:spPr>
           <a:xfrm>
-            <a:off x="576868" y="1828800"/>
-            <a:ext cx="8033732" cy="3046988"/>
+            <a:off x="381000" y="1828800"/>
+            <a:ext cx="1279517" cy="461665"/>
           </a:xfrm>
           <a:prstGeom prst="rect">
             <a:avLst/>
@@ -6270,331 +11944,60 @@
           <a:noFill/>
         </p:spPr>
         <p:txBody>
-          <a:bodyPr wrap="square" lIns="91440" tIns="45720" rIns="91440" bIns="45720">
+          <a:bodyPr wrap="none" lIns="91440" tIns="45720" rIns="91440" bIns="45720">
             <a:spAutoFit/>
           </a:bodyPr>
           <a:lstStyle/>
           <a:p>
-            <a:pPr algn="just"/>
-            <a:r>
-              <a:rPr lang="en-US" sz="2400" b="1" dirty="0" smtClean="0"/>
-              <a:t>Telegram</a:t>
-            </a:r>
-            <a:r>
-              <a:rPr lang="en-US" sz="2400" dirty="0" smtClean="0"/>
-              <a:t> </a:t>
-            </a:r>
-            <a:r>
-              <a:rPr lang="en-US" sz="2400" dirty="0" err="1" smtClean="0"/>
-              <a:t>adalah</a:t>
-            </a:r>
-            <a:r>
-              <a:rPr lang="en-US" sz="2400" dirty="0" smtClean="0"/>
-              <a:t> </a:t>
-            </a:r>
-            <a:r>
-              <a:rPr lang="en-US" sz="2400" dirty="0" err="1" smtClean="0"/>
-              <a:t>sebuah</a:t>
-            </a:r>
-            <a:r>
-              <a:rPr lang="en-US" sz="2400" dirty="0" smtClean="0"/>
-              <a:t> </a:t>
-            </a:r>
-            <a:r>
-              <a:rPr lang="en-US" sz="2400" dirty="0" err="1" smtClean="0"/>
-              <a:t>aplikasi</a:t>
-            </a:r>
-            <a:r>
-              <a:rPr lang="en-US" sz="2400" dirty="0" smtClean="0"/>
-              <a:t> </a:t>
-            </a:r>
-            <a:r>
-              <a:rPr lang="en-US" sz="2400" dirty="0" err="1" smtClean="0"/>
-              <a:t>layanan</a:t>
-            </a:r>
-            <a:r>
-              <a:rPr lang="en-US" sz="2400" dirty="0" smtClean="0"/>
-              <a:t> instant chatting multiplatform </a:t>
-            </a:r>
-            <a:r>
-              <a:rPr lang="en-US" sz="2400" dirty="0" err="1" smtClean="0"/>
-              <a:t>berbasis</a:t>
-            </a:r>
-            <a:r>
-              <a:rPr lang="en-US" sz="2400" dirty="0" smtClean="0"/>
-              <a:t> cloud yang </a:t>
-            </a:r>
-            <a:r>
-              <a:rPr lang="en-US" sz="2400" dirty="0" err="1" smtClean="0"/>
-              <a:t>bersifat</a:t>
-            </a:r>
-            <a:r>
-              <a:rPr lang="en-US" sz="2400" dirty="0" smtClean="0"/>
-              <a:t> gratis. </a:t>
-            </a:r>
-            <a:r>
-              <a:rPr lang="en-US" sz="2400" dirty="0" err="1" smtClean="0"/>
-              <a:t>Aplikasi</a:t>
-            </a:r>
-            <a:r>
-              <a:rPr lang="en-US" sz="2400" dirty="0" smtClean="0"/>
-              <a:t> Telegram </a:t>
-            </a:r>
-            <a:r>
-              <a:rPr lang="en-US" sz="2400" dirty="0" err="1" smtClean="0"/>
-              <a:t>tersedia</a:t>
-            </a:r>
-            <a:r>
-              <a:rPr lang="en-US" sz="2400" dirty="0" smtClean="0"/>
-              <a:t> </a:t>
-            </a:r>
-            <a:r>
-              <a:rPr lang="en-US" sz="2400" dirty="0" err="1" smtClean="0"/>
-              <a:t>untuk</a:t>
-            </a:r>
-            <a:r>
-              <a:rPr lang="en-US" sz="2400" dirty="0" smtClean="0"/>
-              <a:t> </a:t>
-            </a:r>
-            <a:r>
-              <a:rPr lang="en-US" sz="2400" dirty="0" err="1" smtClean="0"/>
-              <a:t>perangkat</a:t>
-            </a:r>
-            <a:r>
-              <a:rPr lang="en-US" sz="2400" dirty="0" smtClean="0"/>
-              <a:t> Smartphone (Android, </a:t>
-            </a:r>
-            <a:r>
-              <a:rPr lang="en-US" sz="2400" dirty="0" err="1" smtClean="0"/>
-              <a:t>iOS</a:t>
-            </a:r>
-            <a:r>
-              <a:rPr lang="en-US" sz="2400" dirty="0" smtClean="0"/>
-              <a:t>, Windows Phone, Ubuntu Touch) </a:t>
-            </a:r>
-            <a:r>
-              <a:rPr lang="en-US" sz="2400" dirty="0" err="1" smtClean="0"/>
-              <a:t>dan</a:t>
-            </a:r>
-            <a:r>
-              <a:rPr lang="en-US" sz="2400" dirty="0" smtClean="0"/>
-              <a:t> </a:t>
-            </a:r>
-            <a:r>
-              <a:rPr lang="en-US" sz="2400" dirty="0" err="1" smtClean="0"/>
-              <a:t>sistem</a:t>
-            </a:r>
-            <a:r>
-              <a:rPr lang="en-US" sz="2400" dirty="0" smtClean="0"/>
-              <a:t> </a:t>
-            </a:r>
-            <a:r>
-              <a:rPr lang="en-US" sz="2400" dirty="0" err="1" smtClean="0"/>
-              <a:t>perangkat</a:t>
-            </a:r>
-            <a:r>
-              <a:rPr lang="en-US" sz="2400" dirty="0" smtClean="0"/>
-              <a:t> </a:t>
-            </a:r>
-            <a:r>
-              <a:rPr lang="en-US" sz="2400" dirty="0" err="1" smtClean="0"/>
-              <a:t>komputer</a:t>
-            </a:r>
-            <a:r>
-              <a:rPr lang="en-US" sz="2400" dirty="0" smtClean="0"/>
-              <a:t> (Windows, OS X, Linux). Para </a:t>
-            </a:r>
-            <a:r>
-              <a:rPr lang="en-US" sz="2400" dirty="0" err="1" smtClean="0"/>
-              <a:t>pengguna</a:t>
-            </a:r>
-            <a:r>
-              <a:rPr lang="en-US" sz="2400" dirty="0" smtClean="0"/>
-              <a:t> </a:t>
-            </a:r>
-            <a:r>
-              <a:rPr lang="en-US" sz="2400" dirty="0" err="1" smtClean="0"/>
-              <a:t>dapat</a:t>
-            </a:r>
-            <a:r>
-              <a:rPr lang="en-US" sz="2400" dirty="0" smtClean="0"/>
-              <a:t> </a:t>
-            </a:r>
-            <a:r>
-              <a:rPr lang="en-US" sz="2400" dirty="0" err="1" smtClean="0"/>
-              <a:t>mengirim</a:t>
-            </a:r>
-            <a:r>
-              <a:rPr lang="en-US" sz="2400" dirty="0" smtClean="0"/>
-              <a:t> </a:t>
-            </a:r>
-            <a:r>
-              <a:rPr lang="en-US" sz="2400" dirty="0" err="1" smtClean="0"/>
-              <a:t>pesan</a:t>
-            </a:r>
-            <a:r>
-              <a:rPr lang="en-US" sz="2400" dirty="0" smtClean="0"/>
-              <a:t> </a:t>
-            </a:r>
-            <a:r>
-              <a:rPr lang="en-US" sz="2400" dirty="0" err="1" smtClean="0"/>
-              <a:t>dan</a:t>
-            </a:r>
-            <a:r>
-              <a:rPr lang="en-US" sz="2400" dirty="0" smtClean="0"/>
-              <a:t> </a:t>
-            </a:r>
-            <a:r>
-              <a:rPr lang="en-US" sz="2400" dirty="0" err="1" smtClean="0"/>
-              <a:t>bertukar</a:t>
-            </a:r>
-            <a:r>
-              <a:rPr lang="en-US" sz="2400" dirty="0" smtClean="0"/>
-              <a:t> </a:t>
-            </a:r>
-            <a:r>
-              <a:rPr lang="en-US" sz="2400" dirty="0" err="1" smtClean="0"/>
-              <a:t>foto</a:t>
-            </a:r>
-            <a:r>
-              <a:rPr lang="en-US" sz="2400" dirty="0" smtClean="0"/>
-              <a:t>, video, </a:t>
-            </a:r>
-            <a:r>
-              <a:rPr lang="en-US" sz="2400" dirty="0" err="1" smtClean="0"/>
-              <a:t>stiker</a:t>
-            </a:r>
-            <a:r>
-              <a:rPr lang="en-US" sz="2400" dirty="0" smtClean="0"/>
-              <a:t>, audio, </a:t>
-            </a:r>
-            <a:r>
-              <a:rPr lang="en-US" sz="2400" dirty="0" err="1" smtClean="0"/>
-              <a:t>dan</a:t>
-            </a:r>
-            <a:r>
-              <a:rPr lang="en-US" sz="2400" dirty="0" smtClean="0"/>
-              <a:t> </a:t>
-            </a:r>
-            <a:r>
-              <a:rPr lang="en-US" sz="2400" dirty="0" err="1" smtClean="0"/>
-              <a:t>tipe</a:t>
-            </a:r>
-            <a:r>
-              <a:rPr lang="en-US" sz="2400" dirty="0" smtClean="0"/>
-              <a:t> </a:t>
-            </a:r>
-            <a:r>
-              <a:rPr lang="en-US" sz="2400" dirty="0" err="1" smtClean="0"/>
-              <a:t>berkas</a:t>
-            </a:r>
-            <a:r>
-              <a:rPr lang="en-US" sz="2400" dirty="0" smtClean="0"/>
-              <a:t> </a:t>
-            </a:r>
-            <a:r>
-              <a:rPr lang="en-US" sz="2400" dirty="0" err="1" smtClean="0"/>
-              <a:t>lainnya</a:t>
-            </a:r>
-            <a:r>
-              <a:rPr lang="en-US" sz="2400" dirty="0" smtClean="0"/>
-              <a:t>. Telegram </a:t>
-            </a:r>
-            <a:r>
-              <a:rPr lang="en-US" sz="2400" dirty="0" err="1" smtClean="0"/>
-              <a:t>juga</a:t>
-            </a:r>
-            <a:r>
-              <a:rPr lang="en-US" sz="2400" dirty="0" smtClean="0"/>
-              <a:t> </a:t>
-            </a:r>
-            <a:r>
-              <a:rPr lang="en-US" sz="2400" dirty="0" err="1" smtClean="0"/>
-              <a:t>menyediakan</a:t>
-            </a:r>
-            <a:r>
-              <a:rPr lang="en-US" sz="2400" dirty="0" smtClean="0"/>
-              <a:t> </a:t>
-            </a:r>
-            <a:r>
-              <a:rPr lang="en-US" sz="2400" dirty="0" err="1" smtClean="0"/>
-              <a:t>pengiriman</a:t>
-            </a:r>
-            <a:r>
-              <a:rPr lang="en-US" sz="2400" dirty="0" smtClean="0"/>
-              <a:t> </a:t>
-            </a:r>
-            <a:r>
-              <a:rPr lang="en-US" sz="2400" dirty="0" err="1" smtClean="0"/>
-              <a:t>pesan</a:t>
-            </a:r>
-            <a:r>
-              <a:rPr lang="en-US" sz="2400" dirty="0" smtClean="0"/>
-              <a:t> end to end </a:t>
-            </a:r>
-            <a:r>
-              <a:rPr lang="en-US" sz="2400" dirty="0" err="1" smtClean="0"/>
-              <a:t>ter-enkripsi</a:t>
-            </a:r>
-            <a:r>
-              <a:rPr lang="en-US" sz="2400" dirty="0" smtClean="0"/>
-              <a:t>.</a:t>
-            </a:r>
-            <a:endParaRPr lang="en-US" sz="2400" dirty="0"/>
+            <a:r>
+              <a:rPr lang="en-US" sz="2400" dirty="0" err="1" smtClean="0">
+                <a:ln w="12700">
+                  <a:solidFill>
+                    <a:sysClr val="windowText" lastClr="000000"/>
+                  </a:solidFill>
+                  <a:prstDash val="solid"/>
+                </a:ln>
+                <a:solidFill>
+                  <a:sysClr val="windowText" lastClr="000000"/>
+                </a:solidFill>
+                <a:latin typeface="Arial" panose="020B0604020202020204" pitchFamily="34" charset="0"/>
+                <a:cs typeface="Arial" panose="020B0604020202020204" pitchFamily="34" charset="0"/>
+              </a:rPr>
+              <a:t>PinOUT</a:t>
+            </a:r>
+            <a:endParaRPr lang="en-US" sz="2400" cap="none" spc="0" dirty="0">
+              <a:ln w="12700">
+                <a:solidFill>
+                  <a:srgbClr val="00B050"/>
+                </a:solidFill>
+                <a:prstDash val="solid"/>
+              </a:ln>
+              <a:solidFill>
+                <a:srgbClr val="00B050"/>
+              </a:solidFill>
+              <a:latin typeface="Arial" panose="020B0604020202020204" pitchFamily="34" charset="0"/>
+              <a:cs typeface="Arial" panose="020B0604020202020204" pitchFamily="34" charset="0"/>
+            </a:endParaRPr>
           </a:p>
         </p:txBody>
       </p:sp>
-      <p:pic>
-        <p:nvPicPr>
-          <p:cNvPr id="29" name="Picture 4" descr="Berkas:Telegram logo.svg - Wikipedia bahasa Indonesia, ensiklopedia bebas"/>
-          <p:cNvPicPr>
-            <a:picLocks noChangeAspect="1" noChangeArrowheads="1"/>
-          </p:cNvPicPr>
-          <p:nvPr/>
-        </p:nvPicPr>
-        <p:blipFill>
-          <a:blip r:embed="rId7" cstate="print">
-            <a:extLst>
-              <a:ext uri="{28A0092B-C50C-407E-A947-70E740481C1C}">
-                <a14:useLocalDpi xmlns:a14="http://schemas.microsoft.com/office/drawing/2010/main" val="0"/>
-              </a:ext>
-            </a:extLst>
-          </a:blip>
-          <a:srcRect/>
-          <a:stretch>
-            <a:fillRect/>
-          </a:stretch>
-        </p:blipFill>
-        <p:spPr bwMode="auto">
-          <a:xfrm>
-            <a:off x="8358116" y="5867400"/>
-            <a:ext cx="504967" cy="521252"/>
-          </a:xfrm>
-          <a:prstGeom prst="rect">
-            <a:avLst/>
-          </a:prstGeom>
-          <a:noFill/>
-          <a:extLst>
-            <a:ext uri="{909E8E84-426E-40DD-AFC4-6F175D3DCCD1}">
-              <a14:hiddenFill xmlns:a14="http://schemas.microsoft.com/office/drawing/2010/main">
-                <a:solidFill>
-                  <a:srgbClr val="FFFFFF"/>
-                </a:solidFill>
-              </a14:hiddenFill>
-            </a:ext>
-          </a:extLst>
-        </p:spPr>
-      </p:pic>
     </p:spTree>
     <p:extLst>
       <p:ext uri="{BB962C8B-B14F-4D97-AF65-F5344CB8AC3E}">
-        <p14:creationId xmlns:p14="http://schemas.microsoft.com/office/powerpoint/2010/main" val="3129011260"/>
+        <p14:creationId xmlns:p14="http://schemas.microsoft.com/office/powerpoint/2010/main" xmlns="" val="4025136450"/>
       </p:ext>
     </p:extLst>
   </p:cSld>
   <p:clrMapOvr>
     <a:masterClrMapping/>
   </p:clrMapOvr>
+  <p:timing>
+    <p:tnLst>
+      <p:par>
+        <p:cTn id="1" dur="indefinite" restart="never" nodeType="tmRoot"/>
+      </p:par>
+    </p:tnLst>
+  </p:timing>
 </p:sld>
 </file>
 
@@ -6615,6 +12018,696 @@
           <a:chExt cx="0" cy="0"/>
         </a:xfrm>
       </p:grpSpPr>
+      <p:grpSp>
+        <p:nvGrpSpPr>
+          <p:cNvPr id="14" name="Group 13"/>
+          <p:cNvGrpSpPr/>
+          <p:nvPr/>
+        </p:nvGrpSpPr>
+        <p:grpSpPr>
+          <a:xfrm>
+            <a:off x="6450693" y="1728205"/>
+            <a:ext cx="2264332" cy="3841320"/>
+            <a:chOff x="6450693" y="1728205"/>
+            <a:chExt cx="2264332" cy="3841320"/>
+          </a:xfrm>
+        </p:grpSpPr>
+        <p:pic>
+          <p:nvPicPr>
+            <p:cNvPr id="6" name="Picture 4" descr="Berkas:Telegram logo.svg - Wikipedia bahasa Indonesia, ensiklopedia bebas"/>
+            <p:cNvPicPr>
+              <a:picLocks noChangeAspect="1" noChangeArrowheads="1"/>
+            </p:cNvPicPr>
+            <p:nvPr/>
+          </p:nvPicPr>
+          <p:blipFill>
+            <a:blip r:embed="rId2" cstate="print">
+              <a:duotone>
+                <a:schemeClr val="bg2">
+                  <a:shade val="45000"/>
+                  <a:satMod val="135000"/>
+                </a:schemeClr>
+                <a:prstClr val="white"/>
+              </a:duotone>
+              <a:extLst>
+                <a:ext uri="{28A0092B-C50C-407E-A947-70E740481C1C}">
+                  <a14:useLocalDpi xmlns:a14="http://schemas.microsoft.com/office/drawing/2010/main" xmlns="" val="0"/>
+                </a:ext>
+              </a:extLst>
+            </a:blip>
+            <a:srcRect/>
+            <a:stretch>
+              <a:fillRect/>
+            </a:stretch>
+          </p:blipFill>
+          <p:spPr bwMode="auto">
+            <a:xfrm>
+              <a:off x="7539877" y="2383332"/>
+              <a:ext cx="496262" cy="512267"/>
+            </a:xfrm>
+            <a:prstGeom prst="rect">
+              <a:avLst/>
+            </a:prstGeom>
+            <a:noFill/>
+            <a:extLst>
+              <a:ext uri="{909E8E84-426E-40DD-AFC4-6F175D3DCCD1}">
+                <a14:hiddenFill xmlns:a14="http://schemas.microsoft.com/office/drawing/2010/main" xmlns="">
+                  <a:solidFill>
+                    <a:srgbClr val="FFFFFF"/>
+                  </a:solidFill>
+                </a14:hiddenFill>
+              </a:ext>
+            </a:extLst>
+          </p:spPr>
+        </p:pic>
+        <p:pic>
+          <p:nvPicPr>
+            <p:cNvPr id="7" name="Picture 4" descr="Berkas:Telegram logo.svg - Wikipedia bahasa Indonesia, ensiklopedia bebas"/>
+            <p:cNvPicPr>
+              <a:picLocks noChangeAspect="1" noChangeArrowheads="1"/>
+            </p:cNvPicPr>
+            <p:nvPr/>
+          </p:nvPicPr>
+          <p:blipFill>
+            <a:blip r:embed="rId3" cstate="print">
+              <a:duotone>
+                <a:schemeClr val="bg2">
+                  <a:shade val="45000"/>
+                  <a:satMod val="135000"/>
+                </a:schemeClr>
+                <a:prstClr val="white"/>
+              </a:duotone>
+              <a:extLst>
+                <a:ext uri="{28A0092B-C50C-407E-A947-70E740481C1C}">
+                  <a14:useLocalDpi xmlns:a14="http://schemas.microsoft.com/office/drawing/2010/main" xmlns="" val="0"/>
+                </a:ext>
+              </a:extLst>
+            </a:blip>
+            <a:srcRect/>
+            <a:stretch>
+              <a:fillRect/>
+            </a:stretch>
+          </p:blipFill>
+          <p:spPr bwMode="auto">
+            <a:xfrm>
+              <a:off x="7098939" y="3886200"/>
+              <a:ext cx="295278" cy="304800"/>
+            </a:xfrm>
+            <a:prstGeom prst="rect">
+              <a:avLst/>
+            </a:prstGeom>
+            <a:noFill/>
+            <a:extLst>
+              <a:ext uri="{909E8E84-426E-40DD-AFC4-6F175D3DCCD1}">
+                <a14:hiddenFill xmlns:a14="http://schemas.microsoft.com/office/drawing/2010/main" xmlns="">
+                  <a:solidFill>
+                    <a:srgbClr val="FFFFFF"/>
+                  </a:solidFill>
+                </a14:hiddenFill>
+              </a:ext>
+            </a:extLst>
+          </p:spPr>
+        </p:pic>
+        <p:pic>
+          <p:nvPicPr>
+            <p:cNvPr id="8" name="Picture 4" descr="Berkas:Telegram logo.svg - Wikipedia bahasa Indonesia, ensiklopedia bebas"/>
+            <p:cNvPicPr>
+              <a:picLocks noChangeAspect="1" noChangeArrowheads="1"/>
+            </p:cNvPicPr>
+            <p:nvPr/>
+          </p:nvPicPr>
+          <p:blipFill>
+            <a:blip r:embed="rId4" cstate="print">
+              <a:duotone>
+                <a:schemeClr val="bg2">
+                  <a:shade val="45000"/>
+                  <a:satMod val="135000"/>
+                </a:schemeClr>
+                <a:prstClr val="white"/>
+              </a:duotone>
+              <a:extLst>
+                <a:ext uri="{28A0092B-C50C-407E-A947-70E740481C1C}">
+                  <a14:useLocalDpi xmlns:a14="http://schemas.microsoft.com/office/drawing/2010/main" xmlns="" val="0"/>
+                </a:ext>
+              </a:extLst>
+            </a:blip>
+            <a:srcRect/>
+            <a:stretch>
+              <a:fillRect/>
+            </a:stretch>
+          </p:blipFill>
+          <p:spPr bwMode="auto">
+            <a:xfrm>
+              <a:off x="8100837" y="1728205"/>
+              <a:ext cx="614188" cy="633995"/>
+            </a:xfrm>
+            <a:prstGeom prst="rect">
+              <a:avLst/>
+            </a:prstGeom>
+            <a:noFill/>
+            <a:extLst>
+              <a:ext uri="{909E8E84-426E-40DD-AFC4-6F175D3DCCD1}">
+                <a14:hiddenFill xmlns:a14="http://schemas.microsoft.com/office/drawing/2010/main" xmlns="">
+                  <a:solidFill>
+                    <a:srgbClr val="FFFFFF"/>
+                  </a:solidFill>
+                </a14:hiddenFill>
+              </a:ext>
+            </a:extLst>
+          </p:spPr>
+        </p:pic>
+        <p:pic>
+          <p:nvPicPr>
+            <p:cNvPr id="9" name="Picture 4" descr="Berkas:Telegram logo.svg - Wikipedia bahasa Indonesia, ensiklopedia bebas"/>
+            <p:cNvPicPr>
+              <a:picLocks noChangeAspect="1" noChangeArrowheads="1"/>
+            </p:cNvPicPr>
+            <p:nvPr/>
+          </p:nvPicPr>
+          <p:blipFill>
+            <a:blip r:embed="rId5" cstate="print">
+              <a:duotone>
+                <a:schemeClr val="bg2">
+                  <a:shade val="45000"/>
+                  <a:satMod val="135000"/>
+                </a:schemeClr>
+                <a:prstClr val="white"/>
+              </a:duotone>
+              <a:extLst>
+                <a:ext uri="{28A0092B-C50C-407E-A947-70E740481C1C}">
+                  <a14:useLocalDpi xmlns:a14="http://schemas.microsoft.com/office/drawing/2010/main" xmlns="" val="0"/>
+                </a:ext>
+              </a:extLst>
+            </a:blip>
+            <a:srcRect/>
+            <a:stretch>
+              <a:fillRect/>
+            </a:stretch>
+          </p:blipFill>
+          <p:spPr bwMode="auto">
+            <a:xfrm>
+              <a:off x="6934199" y="3316528"/>
+              <a:ext cx="369097" cy="381000"/>
+            </a:xfrm>
+            <a:prstGeom prst="rect">
+              <a:avLst/>
+            </a:prstGeom>
+            <a:noFill/>
+            <a:extLst>
+              <a:ext uri="{909E8E84-426E-40DD-AFC4-6F175D3DCCD1}">
+                <a14:hiddenFill xmlns:a14="http://schemas.microsoft.com/office/drawing/2010/main" xmlns="">
+                  <a:solidFill>
+                    <a:srgbClr val="FFFFFF"/>
+                  </a:solidFill>
+                </a14:hiddenFill>
+              </a:ext>
+            </a:extLst>
+          </p:spPr>
+        </p:pic>
+        <p:pic>
+          <p:nvPicPr>
+            <p:cNvPr id="10" name="Picture 4" descr="Berkas:Telegram logo.svg - Wikipedia bahasa Indonesia, ensiklopedia bebas"/>
+            <p:cNvPicPr>
+              <a:picLocks noChangeAspect="1" noChangeArrowheads="1"/>
+            </p:cNvPicPr>
+            <p:nvPr/>
+          </p:nvPicPr>
+          <p:blipFill>
+            <a:blip r:embed="rId3" cstate="print">
+              <a:duotone>
+                <a:schemeClr val="bg2">
+                  <a:shade val="45000"/>
+                  <a:satMod val="135000"/>
+                </a:schemeClr>
+                <a:prstClr val="white"/>
+              </a:duotone>
+              <a:extLst>
+                <a:ext uri="{28A0092B-C50C-407E-A947-70E740481C1C}">
+                  <a14:useLocalDpi xmlns:a14="http://schemas.microsoft.com/office/drawing/2010/main" xmlns="" val="0"/>
+                </a:ext>
+              </a:extLst>
+            </a:blip>
+            <a:srcRect/>
+            <a:stretch>
+              <a:fillRect/>
+            </a:stretch>
+          </p:blipFill>
+          <p:spPr bwMode="auto">
+            <a:xfrm>
+              <a:off x="6598332" y="4578927"/>
+              <a:ext cx="295278" cy="304800"/>
+            </a:xfrm>
+            <a:prstGeom prst="rect">
+              <a:avLst/>
+            </a:prstGeom>
+            <a:noFill/>
+            <a:extLst>
+              <a:ext uri="{909E8E84-426E-40DD-AFC4-6F175D3DCCD1}">
+                <a14:hiddenFill xmlns:a14="http://schemas.microsoft.com/office/drawing/2010/main" xmlns="">
+                  <a:solidFill>
+                    <a:srgbClr val="FFFFFF"/>
+                  </a:solidFill>
+                </a14:hiddenFill>
+              </a:ext>
+            </a:extLst>
+          </p:spPr>
+        </p:pic>
+        <p:pic>
+          <p:nvPicPr>
+            <p:cNvPr id="11" name="Picture 4" descr="Berkas:Telegram logo.svg - Wikipedia bahasa Indonesia, ensiklopedia bebas"/>
+            <p:cNvPicPr>
+              <a:picLocks noChangeAspect="1" noChangeArrowheads="1"/>
+            </p:cNvPicPr>
+            <p:nvPr/>
+          </p:nvPicPr>
+          <p:blipFill>
+            <a:blip r:embed="rId3" cstate="print">
+              <a:duotone>
+                <a:schemeClr val="bg2">
+                  <a:shade val="45000"/>
+                  <a:satMod val="135000"/>
+                </a:schemeClr>
+                <a:prstClr val="white"/>
+              </a:duotone>
+              <a:extLst>
+                <a:ext uri="{28A0092B-C50C-407E-A947-70E740481C1C}">
+                  <a14:useLocalDpi xmlns:a14="http://schemas.microsoft.com/office/drawing/2010/main" xmlns="" val="0"/>
+                </a:ext>
+              </a:extLst>
+            </a:blip>
+            <a:srcRect/>
+            <a:stretch>
+              <a:fillRect/>
+            </a:stretch>
+          </p:blipFill>
+          <p:spPr bwMode="auto">
+            <a:xfrm>
+              <a:off x="7111500" y="4623954"/>
+              <a:ext cx="295278" cy="304800"/>
+            </a:xfrm>
+            <a:prstGeom prst="rect">
+              <a:avLst/>
+            </a:prstGeom>
+            <a:noFill/>
+            <a:extLst>
+              <a:ext uri="{909E8E84-426E-40DD-AFC4-6F175D3DCCD1}">
+                <a14:hiddenFill xmlns:a14="http://schemas.microsoft.com/office/drawing/2010/main" xmlns="">
+                  <a:solidFill>
+                    <a:srgbClr val="FFFFFF"/>
+                  </a:solidFill>
+                </a14:hiddenFill>
+              </a:ext>
+            </a:extLst>
+          </p:spPr>
+        </p:pic>
+        <p:pic>
+          <p:nvPicPr>
+            <p:cNvPr id="12" name="Picture 4" descr="Berkas:Telegram logo.svg - Wikipedia bahasa Indonesia, ensiklopedia bebas"/>
+            <p:cNvPicPr>
+              <a:picLocks noChangeAspect="1" noChangeArrowheads="1"/>
+            </p:cNvPicPr>
+            <p:nvPr/>
+          </p:nvPicPr>
+          <p:blipFill>
+            <a:blip r:embed="rId3" cstate="print">
+              <a:duotone>
+                <a:schemeClr val="bg2">
+                  <a:shade val="45000"/>
+                  <a:satMod val="135000"/>
+                </a:schemeClr>
+                <a:prstClr val="white"/>
+              </a:duotone>
+              <a:extLst>
+                <a:ext uri="{28A0092B-C50C-407E-A947-70E740481C1C}">
+                  <a14:useLocalDpi xmlns:a14="http://schemas.microsoft.com/office/drawing/2010/main" xmlns="" val="0"/>
+                </a:ext>
+              </a:extLst>
+            </a:blip>
+            <a:srcRect/>
+            <a:stretch>
+              <a:fillRect/>
+            </a:stretch>
+          </p:blipFill>
+          <p:spPr bwMode="auto">
+            <a:xfrm>
+              <a:off x="6450693" y="5264725"/>
+              <a:ext cx="295278" cy="304800"/>
+            </a:xfrm>
+            <a:prstGeom prst="rect">
+              <a:avLst/>
+            </a:prstGeom>
+            <a:noFill/>
+            <a:extLst>
+              <a:ext uri="{909E8E84-426E-40DD-AFC4-6F175D3DCCD1}">
+                <a14:hiddenFill xmlns:a14="http://schemas.microsoft.com/office/drawing/2010/main" xmlns="">
+                  <a:solidFill>
+                    <a:srgbClr val="FFFFFF"/>
+                  </a:solidFill>
+                </a14:hiddenFill>
+              </a:ext>
+            </a:extLst>
+          </p:spPr>
+        </p:pic>
+        <p:pic>
+          <p:nvPicPr>
+            <p:cNvPr id="5" name="Picture 4" descr="Berkas:Telegram logo.svg - Wikipedia bahasa Indonesia, ensiklopedia bebas"/>
+            <p:cNvPicPr>
+              <a:picLocks noChangeAspect="1" noChangeArrowheads="1"/>
+            </p:cNvPicPr>
+            <p:nvPr/>
+          </p:nvPicPr>
+          <p:blipFill>
+            <a:blip r:embed="rId6" cstate="print">
+              <a:duotone>
+                <a:schemeClr val="bg2">
+                  <a:shade val="45000"/>
+                  <a:satMod val="135000"/>
+                </a:schemeClr>
+                <a:prstClr val="white"/>
+              </a:duotone>
+              <a:extLst>
+                <a:ext uri="{28A0092B-C50C-407E-A947-70E740481C1C}">
+                  <a14:useLocalDpi xmlns:a14="http://schemas.microsoft.com/office/drawing/2010/main" xmlns="" val="0"/>
+                </a:ext>
+              </a:extLst>
+            </a:blip>
+            <a:srcRect/>
+            <a:stretch>
+              <a:fillRect/>
+            </a:stretch>
+          </p:blipFill>
+          <p:spPr bwMode="auto">
+            <a:xfrm>
+              <a:off x="7668172" y="3287183"/>
+              <a:ext cx="432664" cy="446617"/>
+            </a:xfrm>
+            <a:prstGeom prst="rect">
+              <a:avLst/>
+            </a:prstGeom>
+            <a:noFill/>
+            <a:extLst>
+              <a:ext uri="{909E8E84-426E-40DD-AFC4-6F175D3DCCD1}">
+                <a14:hiddenFill xmlns:a14="http://schemas.microsoft.com/office/drawing/2010/main" xmlns="">
+                  <a:solidFill>
+                    <a:srgbClr val="FFFFFF"/>
+                  </a:solidFill>
+                </a14:hiddenFill>
+              </a:ext>
+            </a:extLst>
+          </p:spPr>
+        </p:pic>
+      </p:grpSp>
+      <p:sp>
+        <p:nvSpPr>
+          <p:cNvPr id="25" name="Rectangle 24"/>
+          <p:cNvSpPr/>
+          <p:nvPr/>
+        </p:nvSpPr>
+        <p:spPr>
+          <a:xfrm>
+            <a:off x="576868" y="1828800"/>
+            <a:ext cx="8033732" cy="3046988"/>
+          </a:xfrm>
+          <a:prstGeom prst="rect">
+            <a:avLst/>
+          </a:prstGeom>
+          <a:noFill/>
+        </p:spPr>
+        <p:txBody>
+          <a:bodyPr wrap="square" lIns="91440" tIns="45720" rIns="91440" bIns="45720">
+            <a:spAutoFit/>
+          </a:bodyPr>
+          <a:lstStyle/>
+          <a:p>
+            <a:pPr algn="just"/>
+            <a:r>
+              <a:rPr lang="en-US" sz="2400" b="1" dirty="0" smtClean="0"/>
+              <a:t>Telegram</a:t>
+            </a:r>
+            <a:r>
+              <a:rPr lang="en-US" sz="2400" dirty="0" smtClean="0"/>
+              <a:t> </a:t>
+            </a:r>
+            <a:r>
+              <a:rPr lang="en-US" sz="2400" dirty="0" err="1" smtClean="0"/>
+              <a:t>adalah</a:t>
+            </a:r>
+            <a:r>
+              <a:rPr lang="en-US" sz="2400" dirty="0" smtClean="0"/>
+              <a:t> </a:t>
+            </a:r>
+            <a:r>
+              <a:rPr lang="en-US" sz="2400" dirty="0" err="1" smtClean="0"/>
+              <a:t>sebuah</a:t>
+            </a:r>
+            <a:r>
+              <a:rPr lang="en-US" sz="2400" dirty="0" smtClean="0"/>
+              <a:t> </a:t>
+            </a:r>
+            <a:r>
+              <a:rPr lang="en-US" sz="2400" dirty="0" err="1" smtClean="0"/>
+              <a:t>aplikasi</a:t>
+            </a:r>
+            <a:r>
+              <a:rPr lang="en-US" sz="2400" dirty="0" smtClean="0"/>
+              <a:t> </a:t>
+            </a:r>
+            <a:r>
+              <a:rPr lang="en-US" sz="2400" dirty="0" err="1" smtClean="0"/>
+              <a:t>layanan</a:t>
+            </a:r>
+            <a:r>
+              <a:rPr lang="en-US" sz="2400" dirty="0" smtClean="0"/>
+              <a:t> instant chatting multiplatform </a:t>
+            </a:r>
+            <a:r>
+              <a:rPr lang="en-US" sz="2400" dirty="0" err="1" smtClean="0"/>
+              <a:t>berbasis</a:t>
+            </a:r>
+            <a:r>
+              <a:rPr lang="en-US" sz="2400" dirty="0" smtClean="0"/>
+              <a:t> cloud yang </a:t>
+            </a:r>
+            <a:r>
+              <a:rPr lang="en-US" sz="2400" dirty="0" err="1" smtClean="0"/>
+              <a:t>bersifat</a:t>
+            </a:r>
+            <a:r>
+              <a:rPr lang="en-US" sz="2400" dirty="0" smtClean="0"/>
+              <a:t> gratis. </a:t>
+            </a:r>
+            <a:r>
+              <a:rPr lang="en-US" sz="2400" dirty="0" err="1" smtClean="0"/>
+              <a:t>Aplikasi</a:t>
+            </a:r>
+            <a:r>
+              <a:rPr lang="en-US" sz="2400" dirty="0" smtClean="0"/>
+              <a:t> Telegram </a:t>
+            </a:r>
+            <a:r>
+              <a:rPr lang="en-US" sz="2400" dirty="0" err="1" smtClean="0"/>
+              <a:t>tersedia</a:t>
+            </a:r>
+            <a:r>
+              <a:rPr lang="en-US" sz="2400" dirty="0" smtClean="0"/>
+              <a:t> </a:t>
+            </a:r>
+            <a:r>
+              <a:rPr lang="en-US" sz="2400" dirty="0" err="1" smtClean="0"/>
+              <a:t>untuk</a:t>
+            </a:r>
+            <a:r>
+              <a:rPr lang="en-US" sz="2400" dirty="0" smtClean="0"/>
+              <a:t> </a:t>
+            </a:r>
+            <a:r>
+              <a:rPr lang="en-US" sz="2400" dirty="0" err="1" smtClean="0"/>
+              <a:t>perangkat</a:t>
+            </a:r>
+            <a:r>
+              <a:rPr lang="en-US" sz="2400" dirty="0" smtClean="0"/>
+              <a:t> Smartphone (Android, </a:t>
+            </a:r>
+            <a:r>
+              <a:rPr lang="en-US" sz="2400" dirty="0" err="1" smtClean="0"/>
+              <a:t>iOS</a:t>
+            </a:r>
+            <a:r>
+              <a:rPr lang="en-US" sz="2400" dirty="0" smtClean="0"/>
+              <a:t>, Windows Phone, Ubuntu Touch) </a:t>
+            </a:r>
+            <a:r>
+              <a:rPr lang="en-US" sz="2400" dirty="0" err="1" smtClean="0"/>
+              <a:t>dan</a:t>
+            </a:r>
+            <a:r>
+              <a:rPr lang="en-US" sz="2400" dirty="0" smtClean="0"/>
+              <a:t> </a:t>
+            </a:r>
+            <a:r>
+              <a:rPr lang="en-US" sz="2400" dirty="0" err="1" smtClean="0"/>
+              <a:t>sistem</a:t>
+            </a:r>
+            <a:r>
+              <a:rPr lang="en-US" sz="2400" dirty="0" smtClean="0"/>
+              <a:t> </a:t>
+            </a:r>
+            <a:r>
+              <a:rPr lang="en-US" sz="2400" dirty="0" err="1" smtClean="0"/>
+              <a:t>perangkat</a:t>
+            </a:r>
+            <a:r>
+              <a:rPr lang="en-US" sz="2400" dirty="0" smtClean="0"/>
+              <a:t> </a:t>
+            </a:r>
+            <a:r>
+              <a:rPr lang="en-US" sz="2400" dirty="0" err="1" smtClean="0"/>
+              <a:t>komputer</a:t>
+            </a:r>
+            <a:r>
+              <a:rPr lang="en-US" sz="2400" dirty="0" smtClean="0"/>
+              <a:t> (Windows, OS X, Linux). Para </a:t>
+            </a:r>
+            <a:r>
+              <a:rPr lang="en-US" sz="2400" dirty="0" err="1" smtClean="0"/>
+              <a:t>pengguna</a:t>
+            </a:r>
+            <a:r>
+              <a:rPr lang="en-US" sz="2400" dirty="0" smtClean="0"/>
+              <a:t> </a:t>
+            </a:r>
+            <a:r>
+              <a:rPr lang="en-US" sz="2400" dirty="0" err="1" smtClean="0"/>
+              <a:t>dapat</a:t>
+            </a:r>
+            <a:r>
+              <a:rPr lang="en-US" sz="2400" dirty="0" smtClean="0"/>
+              <a:t> </a:t>
+            </a:r>
+            <a:r>
+              <a:rPr lang="en-US" sz="2400" dirty="0" err="1" smtClean="0"/>
+              <a:t>mengirim</a:t>
+            </a:r>
+            <a:r>
+              <a:rPr lang="en-US" sz="2400" dirty="0" smtClean="0"/>
+              <a:t> </a:t>
+            </a:r>
+            <a:r>
+              <a:rPr lang="en-US" sz="2400" dirty="0" err="1" smtClean="0"/>
+              <a:t>pesan</a:t>
+            </a:r>
+            <a:r>
+              <a:rPr lang="en-US" sz="2400" dirty="0" smtClean="0"/>
+              <a:t> </a:t>
+            </a:r>
+            <a:r>
+              <a:rPr lang="en-US" sz="2400" dirty="0" err="1" smtClean="0"/>
+              <a:t>dan</a:t>
+            </a:r>
+            <a:r>
+              <a:rPr lang="en-US" sz="2400" dirty="0" smtClean="0"/>
+              <a:t> </a:t>
+            </a:r>
+            <a:r>
+              <a:rPr lang="en-US" sz="2400" dirty="0" err="1" smtClean="0"/>
+              <a:t>bertukar</a:t>
+            </a:r>
+            <a:r>
+              <a:rPr lang="en-US" sz="2400" dirty="0" smtClean="0"/>
+              <a:t> </a:t>
+            </a:r>
+            <a:r>
+              <a:rPr lang="en-US" sz="2400" dirty="0" err="1" smtClean="0"/>
+              <a:t>foto</a:t>
+            </a:r>
+            <a:r>
+              <a:rPr lang="en-US" sz="2400" dirty="0" smtClean="0"/>
+              <a:t>, video, </a:t>
+            </a:r>
+            <a:r>
+              <a:rPr lang="en-US" sz="2400" dirty="0" err="1" smtClean="0"/>
+              <a:t>stiker</a:t>
+            </a:r>
+            <a:r>
+              <a:rPr lang="en-US" sz="2400" dirty="0" smtClean="0"/>
+              <a:t>, audio, </a:t>
+            </a:r>
+            <a:r>
+              <a:rPr lang="en-US" sz="2400" dirty="0" err="1" smtClean="0"/>
+              <a:t>dan</a:t>
+            </a:r>
+            <a:r>
+              <a:rPr lang="en-US" sz="2400" dirty="0" smtClean="0"/>
+              <a:t> </a:t>
+            </a:r>
+            <a:r>
+              <a:rPr lang="en-US" sz="2400" dirty="0" err="1" smtClean="0"/>
+              <a:t>tipe</a:t>
+            </a:r>
+            <a:r>
+              <a:rPr lang="en-US" sz="2400" dirty="0" smtClean="0"/>
+              <a:t> </a:t>
+            </a:r>
+            <a:r>
+              <a:rPr lang="en-US" sz="2400" dirty="0" err="1" smtClean="0"/>
+              <a:t>berkas</a:t>
+            </a:r>
+            <a:r>
+              <a:rPr lang="en-US" sz="2400" dirty="0" smtClean="0"/>
+              <a:t> </a:t>
+            </a:r>
+            <a:r>
+              <a:rPr lang="en-US" sz="2400" dirty="0" err="1" smtClean="0"/>
+              <a:t>lainnya</a:t>
+            </a:r>
+            <a:r>
+              <a:rPr lang="en-US" sz="2400" dirty="0" smtClean="0"/>
+              <a:t>. Telegram </a:t>
+            </a:r>
+            <a:r>
+              <a:rPr lang="en-US" sz="2400" dirty="0" err="1" smtClean="0"/>
+              <a:t>juga</a:t>
+            </a:r>
+            <a:r>
+              <a:rPr lang="en-US" sz="2400" dirty="0" smtClean="0"/>
+              <a:t> </a:t>
+            </a:r>
+            <a:r>
+              <a:rPr lang="en-US" sz="2400" dirty="0" err="1" smtClean="0"/>
+              <a:t>menyediakan</a:t>
+            </a:r>
+            <a:r>
+              <a:rPr lang="en-US" sz="2400" dirty="0" smtClean="0"/>
+              <a:t> </a:t>
+            </a:r>
+            <a:r>
+              <a:rPr lang="en-US" sz="2400" dirty="0" err="1" smtClean="0"/>
+              <a:t>pengiriman</a:t>
+            </a:r>
+            <a:r>
+              <a:rPr lang="en-US" sz="2400" dirty="0" smtClean="0"/>
+              <a:t> </a:t>
+            </a:r>
+            <a:r>
+              <a:rPr lang="en-US" sz="2400" dirty="0" err="1" smtClean="0"/>
+              <a:t>pesan</a:t>
+            </a:r>
+            <a:r>
+              <a:rPr lang="en-US" sz="2400" dirty="0" smtClean="0"/>
+              <a:t> end to end </a:t>
+            </a:r>
+            <a:r>
+              <a:rPr lang="en-US" sz="2400" dirty="0" err="1" smtClean="0"/>
+              <a:t>ter-enkripsi</a:t>
+            </a:r>
+            <a:r>
+              <a:rPr lang="en-US" sz="2400" dirty="0" smtClean="0"/>
+              <a:t>.</a:t>
+            </a:r>
+            <a:endParaRPr lang="en-US" sz="2400" dirty="0"/>
+          </a:p>
+        </p:txBody>
+      </p:sp>
       <p:sp>
         <p:nvSpPr>
           <p:cNvPr id="1031" name="Rectangle 1030"/>
@@ -6804,58 +12897,19 @@
           </a:p>
         </p:txBody>
       </p:sp>
-      <p:sp>
-        <p:nvSpPr>
-          <p:cNvPr id="25" name="Rectangle 24"/>
-          <p:cNvSpPr/>
-          <p:nvPr/>
-        </p:nvSpPr>
-        <p:spPr>
-          <a:xfrm>
-            <a:off x="576868" y="2438400"/>
-            <a:ext cx="8033732" cy="1569660"/>
-          </a:xfrm>
-          <a:prstGeom prst="rect">
-            <a:avLst/>
-          </a:prstGeom>
-          <a:noFill/>
-        </p:spPr>
-        <p:txBody>
-          <a:bodyPr wrap="square" lIns="91440" tIns="45720" rIns="91440" bIns="45720">
-            <a:spAutoFit/>
-          </a:bodyPr>
-          <a:lstStyle/>
-          <a:p>
-            <a:pPr algn="just"/>
-            <a:r>
-              <a:rPr lang="en-US" sz="2400" dirty="0" smtClean="0"/>
-              <a:t>“</a:t>
-            </a:r>
-            <a:r>
-              <a:rPr lang="id-ID" sz="2400" dirty="0" smtClean="0"/>
-              <a:t>Chatbot atau chatterbot adalah aplikasi perangkat lunak yang digunakan untuk melakukan percakapan obrolan online melalui teks atau text-to-speech, sebagai pengganti kontak langsung dengan agen manusia langsung.</a:t>
-            </a:r>
-            <a:r>
-              <a:rPr lang="en-US" sz="2400" dirty="0" smtClean="0"/>
-              <a:t>”</a:t>
-            </a:r>
-            <a:endParaRPr lang="en-US" sz="2400" dirty="0" smtClean="0"/>
-          </a:p>
-        </p:txBody>
-      </p:sp>
       <p:pic>
         <p:nvPicPr>
-          <p:cNvPr id="5" name="Picture 4" descr="Berkas:Telegram logo.svg - Wikipedia bahasa Indonesia, ensiklopedia bebas"/>
+          <p:cNvPr id="29" name="Picture 4" descr="Berkas:Telegram logo.svg - Wikipedia bahasa Indonesia, ensiklopedia bebas"/>
           <p:cNvPicPr>
             <a:picLocks noChangeAspect="1" noChangeArrowheads="1"/>
           </p:cNvPicPr>
           <p:nvPr/>
         </p:nvPicPr>
         <p:blipFill>
-          <a:blip r:embed="rId2" cstate="print">
+          <a:blip r:embed="rId7" cstate="print">
             <a:extLst>
               <a:ext uri="{28A0092B-C50C-407E-A947-70E740481C1C}">
-                <a14:useLocalDpi xmlns:a14="http://schemas.microsoft.com/office/drawing/2010/main" val="0"/>
+                <a14:useLocalDpi xmlns:a14="http://schemas.microsoft.com/office/drawing/2010/main" xmlns="" val="0"/>
               </a:ext>
             </a:extLst>
           </a:blip>
@@ -6875,7 +12929,7 @@
           <a:noFill/>
           <a:extLst>
             <a:ext uri="{909E8E84-426E-40DD-AFC4-6F175D3DCCD1}">
-              <a14:hiddenFill xmlns:a14="http://schemas.microsoft.com/office/drawing/2010/main">
+              <a14:hiddenFill xmlns:a14="http://schemas.microsoft.com/office/drawing/2010/main" xmlns="">
                 <a:solidFill>
                   <a:srgbClr val="FFFFFF"/>
                 </a:solidFill>
@@ -6887,7 +12941,7 @@
     </p:spTree>
     <p:extLst>
       <p:ext uri="{BB962C8B-B14F-4D97-AF65-F5344CB8AC3E}">
-        <p14:creationId xmlns:p14="http://schemas.microsoft.com/office/powerpoint/2010/main" val="3758197371"/>
+        <p14:creationId xmlns:p14="http://schemas.microsoft.com/office/powerpoint/2010/main" xmlns="" val="3129011260"/>
       </p:ext>
     </p:extLst>
   </p:cSld>
@@ -6914,6 +12968,38 @@
           <a:chExt cx="0" cy="0"/>
         </a:xfrm>
       </p:grpSpPr>
+      <p:pic>
+        <p:nvPicPr>
+          <p:cNvPr id="6" name="Picture 5" descr="bot-tele-removebg-preview.png"/>
+          <p:cNvPicPr>
+            <a:picLocks noChangeAspect="1"/>
+          </p:cNvPicPr>
+          <p:nvPr/>
+        </p:nvPicPr>
+        <p:blipFill>
+          <a:blip r:embed="rId2">
+            <a:duotone>
+              <a:schemeClr val="bg2">
+                <a:shade val="45000"/>
+                <a:satMod val="135000"/>
+              </a:schemeClr>
+              <a:prstClr val="white"/>
+            </a:duotone>
+          </a:blip>
+          <a:stretch>
+            <a:fillRect/>
+          </a:stretch>
+        </p:blipFill>
+        <p:spPr>
+          <a:xfrm>
+            <a:off x="6248400" y="2133600"/>
+            <a:ext cx="2162520" cy="2897276"/>
+          </a:xfrm>
+          <a:prstGeom prst="rect">
+            <a:avLst/>
+          </a:prstGeom>
+        </p:spPr>
+      </p:pic>
       <p:sp>
         <p:nvSpPr>
           <p:cNvPr id="1031" name="Rectangle 1030"/>
@@ -7111,8 +13197,8 @@
         </p:nvSpPr>
         <p:spPr>
           <a:xfrm>
-            <a:off x="576868" y="2339876"/>
-            <a:ext cx="8033732" cy="2308324"/>
+            <a:off x="576868" y="2438400"/>
+            <a:ext cx="8033732" cy="1569660"/>
           </a:xfrm>
           <a:prstGeom prst="rect">
             <a:avLst/>
@@ -7132,25 +13218,20 @@
             </a:r>
             <a:r>
               <a:rPr lang="id-ID" sz="2400" dirty="0" smtClean="0"/>
-              <a:t>Chatbot </a:t>
-            </a:r>
-            <a:r>
-              <a:rPr lang="en-US" sz="2400" dirty="0"/>
-              <a:t>d</a:t>
+              <a:t>Chatbot atau chatterbot adalah aplikasi perangkat lunak yang digunakan untuk melakukan percakapan obrolan online melalui teks atau text-to-speech, sebagai pengganti kontak langsung </a:t>
             </a:r>
             <a:r>
               <a:rPr lang="id-ID" sz="2400" dirty="0" smtClean="0"/>
-              <a:t>irancang untuk secara meyakinkan mensimulasikan cara manusia berperilaku sebagai mitra percakapan, sistem chatbot biasanya memerlukan penyetelan dan pengujian berkelanjutan, dan banyak produksi tetap tidak dapat berkomunikasi secara memadai, sementara tidak ada yang dapat lulus uji Turing standar</a:t>
-            </a:r>
-            <a:r>
-              <a:rPr lang="en-US" sz="2400" dirty="0" smtClean="0"/>
-              <a:t>.</a:t>
+              <a:t>dengan </a:t>
+            </a:r>
+            <a:r>
+              <a:rPr lang="id-ID" sz="2400" dirty="0" smtClean="0"/>
+              <a:t>manusia langsung.</a:t>
             </a:r>
             <a:r>
               <a:rPr lang="en-US" sz="2400" dirty="0" smtClean="0"/>
               <a:t>”</a:t>
             </a:r>
-            <a:endParaRPr lang="en-US" sz="2400" dirty="0" smtClean="0"/>
           </a:p>
         </p:txBody>
       </p:sp>
@@ -7163,10 +13244,10 @@
           <p:nvPr/>
         </p:nvPicPr>
         <p:blipFill>
-          <a:blip r:embed="rId2" cstate="print">
+          <a:blip r:embed="rId3" cstate="print">
             <a:extLst>
               <a:ext uri="{28A0092B-C50C-407E-A947-70E740481C1C}">
-                <a14:useLocalDpi xmlns:a14="http://schemas.microsoft.com/office/drawing/2010/main" val="0"/>
+                <a14:useLocalDpi xmlns:a14="http://schemas.microsoft.com/office/drawing/2010/main" xmlns="" val="0"/>
               </a:ext>
             </a:extLst>
           </a:blip>
@@ -7186,7 +13267,7 @@
           <a:noFill/>
           <a:extLst>
             <a:ext uri="{909E8E84-426E-40DD-AFC4-6F175D3DCCD1}">
-              <a14:hiddenFill xmlns:a14="http://schemas.microsoft.com/office/drawing/2010/main">
+              <a14:hiddenFill xmlns:a14="http://schemas.microsoft.com/office/drawing/2010/main" xmlns="">
                 <a:solidFill>
                   <a:srgbClr val="FFFFFF"/>
                 </a:solidFill>
@@ -7198,7 +13279,7 @@
     </p:spTree>
     <p:extLst>
       <p:ext uri="{BB962C8B-B14F-4D97-AF65-F5344CB8AC3E}">
-        <p14:creationId xmlns:p14="http://schemas.microsoft.com/office/powerpoint/2010/main" val="2330852578"/>
+        <p14:creationId xmlns:p14="http://schemas.microsoft.com/office/powerpoint/2010/main" xmlns="" val="3758197371"/>
       </p:ext>
     </p:extLst>
   </p:cSld>
@@ -7225,6 +13306,405 @@
           <a:chExt cx="0" cy="0"/>
         </a:xfrm>
       </p:grpSpPr>
+      <p:grpSp>
+        <p:nvGrpSpPr>
+          <p:cNvPr id="6" name="Group 5"/>
+          <p:cNvGrpSpPr/>
+          <p:nvPr/>
+        </p:nvGrpSpPr>
+        <p:grpSpPr>
+          <a:xfrm>
+            <a:off x="6450693" y="1728205"/>
+            <a:ext cx="2264332" cy="3841320"/>
+            <a:chOff x="6450693" y="1728205"/>
+            <a:chExt cx="2264332" cy="3841320"/>
+          </a:xfrm>
+        </p:grpSpPr>
+        <p:pic>
+          <p:nvPicPr>
+            <p:cNvPr id="7" name="Picture 4" descr="Berkas:Telegram logo.svg - Wikipedia bahasa Indonesia, ensiklopedia bebas"/>
+            <p:cNvPicPr>
+              <a:picLocks noChangeAspect="1" noChangeArrowheads="1"/>
+            </p:cNvPicPr>
+            <p:nvPr/>
+          </p:nvPicPr>
+          <p:blipFill>
+            <a:blip r:embed="rId2" cstate="print">
+              <a:duotone>
+                <a:schemeClr val="bg2">
+                  <a:shade val="45000"/>
+                  <a:satMod val="135000"/>
+                </a:schemeClr>
+                <a:prstClr val="white"/>
+              </a:duotone>
+              <a:extLst>
+                <a:ext uri="{28A0092B-C50C-407E-A947-70E740481C1C}">
+                  <a14:useLocalDpi xmlns:a14="http://schemas.microsoft.com/office/drawing/2010/main" xmlns="" val="0"/>
+                </a:ext>
+              </a:extLst>
+            </a:blip>
+            <a:srcRect/>
+            <a:stretch>
+              <a:fillRect/>
+            </a:stretch>
+          </p:blipFill>
+          <p:spPr bwMode="auto">
+            <a:xfrm>
+              <a:off x="7539877" y="2383332"/>
+              <a:ext cx="496262" cy="512267"/>
+            </a:xfrm>
+            <a:prstGeom prst="rect">
+              <a:avLst/>
+            </a:prstGeom>
+            <a:noFill/>
+            <a:extLst>
+              <a:ext uri="{909E8E84-426E-40DD-AFC4-6F175D3DCCD1}">
+                <a14:hiddenFill xmlns:a14="http://schemas.microsoft.com/office/drawing/2010/main" xmlns="">
+                  <a:solidFill>
+                    <a:srgbClr val="FFFFFF"/>
+                  </a:solidFill>
+                </a14:hiddenFill>
+              </a:ext>
+            </a:extLst>
+          </p:spPr>
+        </p:pic>
+        <p:pic>
+          <p:nvPicPr>
+            <p:cNvPr id="8" name="Picture 4" descr="Berkas:Telegram logo.svg - Wikipedia bahasa Indonesia, ensiklopedia bebas"/>
+            <p:cNvPicPr>
+              <a:picLocks noChangeAspect="1" noChangeArrowheads="1"/>
+            </p:cNvPicPr>
+            <p:nvPr/>
+          </p:nvPicPr>
+          <p:blipFill>
+            <a:blip r:embed="rId3" cstate="print">
+              <a:duotone>
+                <a:schemeClr val="bg2">
+                  <a:shade val="45000"/>
+                  <a:satMod val="135000"/>
+                </a:schemeClr>
+                <a:prstClr val="white"/>
+              </a:duotone>
+              <a:extLst>
+                <a:ext uri="{28A0092B-C50C-407E-A947-70E740481C1C}">
+                  <a14:useLocalDpi xmlns:a14="http://schemas.microsoft.com/office/drawing/2010/main" xmlns="" val="0"/>
+                </a:ext>
+              </a:extLst>
+            </a:blip>
+            <a:srcRect/>
+            <a:stretch>
+              <a:fillRect/>
+            </a:stretch>
+          </p:blipFill>
+          <p:spPr bwMode="auto">
+            <a:xfrm>
+              <a:off x="7098939" y="3886200"/>
+              <a:ext cx="295278" cy="304800"/>
+            </a:xfrm>
+            <a:prstGeom prst="rect">
+              <a:avLst/>
+            </a:prstGeom>
+            <a:noFill/>
+            <a:extLst>
+              <a:ext uri="{909E8E84-426E-40DD-AFC4-6F175D3DCCD1}">
+                <a14:hiddenFill xmlns:a14="http://schemas.microsoft.com/office/drawing/2010/main" xmlns="">
+                  <a:solidFill>
+                    <a:srgbClr val="FFFFFF"/>
+                  </a:solidFill>
+                </a14:hiddenFill>
+              </a:ext>
+            </a:extLst>
+          </p:spPr>
+        </p:pic>
+        <p:pic>
+          <p:nvPicPr>
+            <p:cNvPr id="9" name="Picture 4" descr="Berkas:Telegram logo.svg - Wikipedia bahasa Indonesia, ensiklopedia bebas"/>
+            <p:cNvPicPr>
+              <a:picLocks noChangeAspect="1" noChangeArrowheads="1"/>
+            </p:cNvPicPr>
+            <p:nvPr/>
+          </p:nvPicPr>
+          <p:blipFill>
+            <a:blip r:embed="rId4" cstate="print">
+              <a:duotone>
+                <a:schemeClr val="bg2">
+                  <a:shade val="45000"/>
+                  <a:satMod val="135000"/>
+                </a:schemeClr>
+                <a:prstClr val="white"/>
+              </a:duotone>
+              <a:extLst>
+                <a:ext uri="{28A0092B-C50C-407E-A947-70E740481C1C}">
+                  <a14:useLocalDpi xmlns:a14="http://schemas.microsoft.com/office/drawing/2010/main" xmlns="" val="0"/>
+                </a:ext>
+              </a:extLst>
+            </a:blip>
+            <a:srcRect/>
+            <a:stretch>
+              <a:fillRect/>
+            </a:stretch>
+          </p:blipFill>
+          <p:spPr bwMode="auto">
+            <a:xfrm>
+              <a:off x="8100837" y="1728205"/>
+              <a:ext cx="614188" cy="633995"/>
+            </a:xfrm>
+            <a:prstGeom prst="rect">
+              <a:avLst/>
+            </a:prstGeom>
+            <a:noFill/>
+            <a:extLst>
+              <a:ext uri="{909E8E84-426E-40DD-AFC4-6F175D3DCCD1}">
+                <a14:hiddenFill xmlns:a14="http://schemas.microsoft.com/office/drawing/2010/main" xmlns="">
+                  <a:solidFill>
+                    <a:srgbClr val="FFFFFF"/>
+                  </a:solidFill>
+                </a14:hiddenFill>
+              </a:ext>
+            </a:extLst>
+          </p:spPr>
+        </p:pic>
+        <p:pic>
+          <p:nvPicPr>
+            <p:cNvPr id="10" name="Picture 4" descr="Berkas:Telegram logo.svg - Wikipedia bahasa Indonesia, ensiklopedia bebas"/>
+            <p:cNvPicPr>
+              <a:picLocks noChangeAspect="1" noChangeArrowheads="1"/>
+            </p:cNvPicPr>
+            <p:nvPr/>
+          </p:nvPicPr>
+          <p:blipFill>
+            <a:blip r:embed="rId5" cstate="print">
+              <a:duotone>
+                <a:schemeClr val="bg2">
+                  <a:shade val="45000"/>
+                  <a:satMod val="135000"/>
+                </a:schemeClr>
+                <a:prstClr val="white"/>
+              </a:duotone>
+              <a:extLst>
+                <a:ext uri="{28A0092B-C50C-407E-A947-70E740481C1C}">
+                  <a14:useLocalDpi xmlns:a14="http://schemas.microsoft.com/office/drawing/2010/main" xmlns="" val="0"/>
+                </a:ext>
+              </a:extLst>
+            </a:blip>
+            <a:srcRect/>
+            <a:stretch>
+              <a:fillRect/>
+            </a:stretch>
+          </p:blipFill>
+          <p:spPr bwMode="auto">
+            <a:xfrm>
+              <a:off x="6934199" y="3316528"/>
+              <a:ext cx="369097" cy="381000"/>
+            </a:xfrm>
+            <a:prstGeom prst="rect">
+              <a:avLst/>
+            </a:prstGeom>
+            <a:noFill/>
+            <a:extLst>
+              <a:ext uri="{909E8E84-426E-40DD-AFC4-6F175D3DCCD1}">
+                <a14:hiddenFill xmlns:a14="http://schemas.microsoft.com/office/drawing/2010/main" xmlns="">
+                  <a:solidFill>
+                    <a:srgbClr val="FFFFFF"/>
+                  </a:solidFill>
+                </a14:hiddenFill>
+              </a:ext>
+            </a:extLst>
+          </p:spPr>
+        </p:pic>
+        <p:pic>
+          <p:nvPicPr>
+            <p:cNvPr id="11" name="Picture 4" descr="Berkas:Telegram logo.svg - Wikipedia bahasa Indonesia, ensiklopedia bebas"/>
+            <p:cNvPicPr>
+              <a:picLocks noChangeAspect="1" noChangeArrowheads="1"/>
+            </p:cNvPicPr>
+            <p:nvPr/>
+          </p:nvPicPr>
+          <p:blipFill>
+            <a:blip r:embed="rId3" cstate="print">
+              <a:duotone>
+                <a:schemeClr val="bg2">
+                  <a:shade val="45000"/>
+                  <a:satMod val="135000"/>
+                </a:schemeClr>
+                <a:prstClr val="white"/>
+              </a:duotone>
+              <a:extLst>
+                <a:ext uri="{28A0092B-C50C-407E-A947-70E740481C1C}">
+                  <a14:useLocalDpi xmlns:a14="http://schemas.microsoft.com/office/drawing/2010/main" xmlns="" val="0"/>
+                </a:ext>
+              </a:extLst>
+            </a:blip>
+            <a:srcRect/>
+            <a:stretch>
+              <a:fillRect/>
+            </a:stretch>
+          </p:blipFill>
+          <p:spPr bwMode="auto">
+            <a:xfrm>
+              <a:off x="6598332" y="4578927"/>
+              <a:ext cx="295278" cy="304800"/>
+            </a:xfrm>
+            <a:prstGeom prst="rect">
+              <a:avLst/>
+            </a:prstGeom>
+            <a:noFill/>
+            <a:extLst>
+              <a:ext uri="{909E8E84-426E-40DD-AFC4-6F175D3DCCD1}">
+                <a14:hiddenFill xmlns:a14="http://schemas.microsoft.com/office/drawing/2010/main" xmlns="">
+                  <a:solidFill>
+                    <a:srgbClr val="FFFFFF"/>
+                  </a:solidFill>
+                </a14:hiddenFill>
+              </a:ext>
+            </a:extLst>
+          </p:spPr>
+        </p:pic>
+        <p:pic>
+          <p:nvPicPr>
+            <p:cNvPr id="12" name="Picture 4" descr="Berkas:Telegram logo.svg - Wikipedia bahasa Indonesia, ensiklopedia bebas"/>
+            <p:cNvPicPr>
+              <a:picLocks noChangeAspect="1" noChangeArrowheads="1"/>
+            </p:cNvPicPr>
+            <p:nvPr/>
+          </p:nvPicPr>
+          <p:blipFill>
+            <a:blip r:embed="rId3" cstate="print">
+              <a:duotone>
+                <a:schemeClr val="bg2">
+                  <a:shade val="45000"/>
+                  <a:satMod val="135000"/>
+                </a:schemeClr>
+                <a:prstClr val="white"/>
+              </a:duotone>
+              <a:extLst>
+                <a:ext uri="{28A0092B-C50C-407E-A947-70E740481C1C}">
+                  <a14:useLocalDpi xmlns:a14="http://schemas.microsoft.com/office/drawing/2010/main" xmlns="" val="0"/>
+                </a:ext>
+              </a:extLst>
+            </a:blip>
+            <a:srcRect/>
+            <a:stretch>
+              <a:fillRect/>
+            </a:stretch>
+          </p:blipFill>
+          <p:spPr bwMode="auto">
+            <a:xfrm>
+              <a:off x="7111500" y="4623954"/>
+              <a:ext cx="295278" cy="304800"/>
+            </a:xfrm>
+            <a:prstGeom prst="rect">
+              <a:avLst/>
+            </a:prstGeom>
+            <a:noFill/>
+            <a:extLst>
+              <a:ext uri="{909E8E84-426E-40DD-AFC4-6F175D3DCCD1}">
+                <a14:hiddenFill xmlns:a14="http://schemas.microsoft.com/office/drawing/2010/main" xmlns="">
+                  <a:solidFill>
+                    <a:srgbClr val="FFFFFF"/>
+                  </a:solidFill>
+                </a14:hiddenFill>
+              </a:ext>
+            </a:extLst>
+          </p:spPr>
+        </p:pic>
+        <p:pic>
+          <p:nvPicPr>
+            <p:cNvPr id="13" name="Picture 4" descr="Berkas:Telegram logo.svg - Wikipedia bahasa Indonesia, ensiklopedia bebas"/>
+            <p:cNvPicPr>
+              <a:picLocks noChangeAspect="1" noChangeArrowheads="1"/>
+            </p:cNvPicPr>
+            <p:nvPr/>
+          </p:nvPicPr>
+          <p:blipFill>
+            <a:blip r:embed="rId3" cstate="print">
+              <a:duotone>
+                <a:schemeClr val="bg2">
+                  <a:shade val="45000"/>
+                  <a:satMod val="135000"/>
+                </a:schemeClr>
+                <a:prstClr val="white"/>
+              </a:duotone>
+              <a:extLst>
+                <a:ext uri="{28A0092B-C50C-407E-A947-70E740481C1C}">
+                  <a14:useLocalDpi xmlns:a14="http://schemas.microsoft.com/office/drawing/2010/main" xmlns="" val="0"/>
+                </a:ext>
+              </a:extLst>
+            </a:blip>
+            <a:srcRect/>
+            <a:stretch>
+              <a:fillRect/>
+            </a:stretch>
+          </p:blipFill>
+          <p:spPr bwMode="auto">
+            <a:xfrm>
+              <a:off x="6450693" y="5264725"/>
+              <a:ext cx="295278" cy="304800"/>
+            </a:xfrm>
+            <a:prstGeom prst="rect">
+              <a:avLst/>
+            </a:prstGeom>
+            <a:noFill/>
+            <a:extLst>
+              <a:ext uri="{909E8E84-426E-40DD-AFC4-6F175D3DCCD1}">
+                <a14:hiddenFill xmlns:a14="http://schemas.microsoft.com/office/drawing/2010/main" xmlns="">
+                  <a:solidFill>
+                    <a:srgbClr val="FFFFFF"/>
+                  </a:solidFill>
+                </a14:hiddenFill>
+              </a:ext>
+            </a:extLst>
+          </p:spPr>
+        </p:pic>
+        <p:pic>
+          <p:nvPicPr>
+            <p:cNvPr id="14" name="Picture 13" descr="Berkas:Telegram logo.svg - Wikipedia bahasa Indonesia, ensiklopedia bebas"/>
+            <p:cNvPicPr>
+              <a:picLocks noChangeAspect="1" noChangeArrowheads="1"/>
+            </p:cNvPicPr>
+            <p:nvPr/>
+          </p:nvPicPr>
+          <p:blipFill>
+            <a:blip r:embed="rId6" cstate="print">
+              <a:duotone>
+                <a:schemeClr val="bg2">
+                  <a:shade val="45000"/>
+                  <a:satMod val="135000"/>
+                </a:schemeClr>
+                <a:prstClr val="white"/>
+              </a:duotone>
+              <a:extLst>
+                <a:ext uri="{28A0092B-C50C-407E-A947-70E740481C1C}">
+                  <a14:useLocalDpi xmlns:a14="http://schemas.microsoft.com/office/drawing/2010/main" xmlns="" val="0"/>
+                </a:ext>
+              </a:extLst>
+            </a:blip>
+            <a:srcRect/>
+            <a:stretch>
+              <a:fillRect/>
+            </a:stretch>
+          </p:blipFill>
+          <p:spPr bwMode="auto">
+            <a:xfrm>
+              <a:off x="7668172" y="3287183"/>
+              <a:ext cx="432664" cy="446617"/>
+            </a:xfrm>
+            <a:prstGeom prst="rect">
+              <a:avLst/>
+            </a:prstGeom>
+            <a:noFill/>
+            <a:extLst>
+              <a:ext uri="{909E8E84-426E-40DD-AFC4-6F175D3DCCD1}">
+                <a14:hiddenFill xmlns:a14="http://schemas.microsoft.com/office/drawing/2010/main" xmlns="">
+                  <a:solidFill>
+                    <a:srgbClr val="FFFFFF"/>
+                  </a:solidFill>
+                </a14:hiddenFill>
+              </a:ext>
+            </a:extLst>
+          </p:spPr>
+        </p:pic>
+      </p:grpSp>
       <p:sp>
         <p:nvSpPr>
           <p:cNvPr id="1031" name="Rectangle 1030"/>
@@ -7461,10 +13941,10 @@
           <p:nvPr/>
         </p:nvPicPr>
         <p:blipFill>
-          <a:blip r:embed="rId2" cstate="print">
+          <a:blip r:embed="rId7" cstate="print">
             <a:extLst>
               <a:ext uri="{28A0092B-C50C-407E-A947-70E740481C1C}">
-                <a14:useLocalDpi xmlns:a14="http://schemas.microsoft.com/office/drawing/2010/main" val="0"/>
+                <a14:useLocalDpi xmlns:a14="http://schemas.microsoft.com/office/drawing/2010/main" xmlns="" val="0"/>
               </a:ext>
             </a:extLst>
           </a:blip>
@@ -7484,7 +13964,7 @@
           <a:noFill/>
           <a:extLst>
             <a:ext uri="{909E8E84-426E-40DD-AFC4-6F175D3DCCD1}">
-              <a14:hiddenFill xmlns:a14="http://schemas.microsoft.com/office/drawing/2010/main">
+              <a14:hiddenFill xmlns:a14="http://schemas.microsoft.com/office/drawing/2010/main" xmlns="">
                 <a:solidFill>
                   <a:srgbClr val="FFFFFF"/>
                 </a:solidFill>
@@ -7496,7 +13976,7 @@
     </p:spTree>
     <p:extLst>
       <p:ext uri="{BB962C8B-B14F-4D97-AF65-F5344CB8AC3E}">
-        <p14:creationId xmlns:p14="http://schemas.microsoft.com/office/powerpoint/2010/main" val="3275252478"/>
+        <p14:creationId xmlns:p14="http://schemas.microsoft.com/office/powerpoint/2010/main" xmlns="" val="3275252478"/>
       </p:ext>
     </p:extLst>
   </p:cSld>
@@ -7523,6 +14003,405 @@
           <a:chExt cx="0" cy="0"/>
         </a:xfrm>
       </p:grpSpPr>
+      <p:grpSp>
+        <p:nvGrpSpPr>
+          <p:cNvPr id="2" name="Group 5"/>
+          <p:cNvGrpSpPr/>
+          <p:nvPr/>
+        </p:nvGrpSpPr>
+        <p:grpSpPr>
+          <a:xfrm>
+            <a:off x="6450693" y="1728205"/>
+            <a:ext cx="2264332" cy="3841320"/>
+            <a:chOff x="6450693" y="1728205"/>
+            <a:chExt cx="2264332" cy="3841320"/>
+          </a:xfrm>
+        </p:grpSpPr>
+        <p:pic>
+          <p:nvPicPr>
+            <p:cNvPr id="7" name="Picture 4" descr="Berkas:Telegram logo.svg - Wikipedia bahasa Indonesia, ensiklopedia bebas"/>
+            <p:cNvPicPr>
+              <a:picLocks noChangeAspect="1" noChangeArrowheads="1"/>
+            </p:cNvPicPr>
+            <p:nvPr/>
+          </p:nvPicPr>
+          <p:blipFill>
+            <a:blip r:embed="rId2" cstate="print">
+              <a:duotone>
+                <a:schemeClr val="bg2">
+                  <a:shade val="45000"/>
+                  <a:satMod val="135000"/>
+                </a:schemeClr>
+                <a:prstClr val="white"/>
+              </a:duotone>
+              <a:extLst>
+                <a:ext uri="{28A0092B-C50C-407E-A947-70E740481C1C}">
+                  <a14:useLocalDpi xmlns:a14="http://schemas.microsoft.com/office/drawing/2010/main" xmlns="" val="0"/>
+                </a:ext>
+              </a:extLst>
+            </a:blip>
+            <a:srcRect/>
+            <a:stretch>
+              <a:fillRect/>
+            </a:stretch>
+          </p:blipFill>
+          <p:spPr bwMode="auto">
+            <a:xfrm>
+              <a:off x="7539877" y="2383332"/>
+              <a:ext cx="496262" cy="512267"/>
+            </a:xfrm>
+            <a:prstGeom prst="rect">
+              <a:avLst/>
+            </a:prstGeom>
+            <a:noFill/>
+            <a:extLst>
+              <a:ext uri="{909E8E84-426E-40DD-AFC4-6F175D3DCCD1}">
+                <a14:hiddenFill xmlns:a14="http://schemas.microsoft.com/office/drawing/2010/main" xmlns="">
+                  <a:solidFill>
+                    <a:srgbClr val="FFFFFF"/>
+                  </a:solidFill>
+                </a14:hiddenFill>
+              </a:ext>
+            </a:extLst>
+          </p:spPr>
+        </p:pic>
+        <p:pic>
+          <p:nvPicPr>
+            <p:cNvPr id="8" name="Picture 4" descr="Berkas:Telegram logo.svg - Wikipedia bahasa Indonesia, ensiklopedia bebas"/>
+            <p:cNvPicPr>
+              <a:picLocks noChangeAspect="1" noChangeArrowheads="1"/>
+            </p:cNvPicPr>
+            <p:nvPr/>
+          </p:nvPicPr>
+          <p:blipFill>
+            <a:blip r:embed="rId3" cstate="print">
+              <a:duotone>
+                <a:schemeClr val="bg2">
+                  <a:shade val="45000"/>
+                  <a:satMod val="135000"/>
+                </a:schemeClr>
+                <a:prstClr val="white"/>
+              </a:duotone>
+              <a:extLst>
+                <a:ext uri="{28A0092B-C50C-407E-A947-70E740481C1C}">
+                  <a14:useLocalDpi xmlns:a14="http://schemas.microsoft.com/office/drawing/2010/main" xmlns="" val="0"/>
+                </a:ext>
+              </a:extLst>
+            </a:blip>
+            <a:srcRect/>
+            <a:stretch>
+              <a:fillRect/>
+            </a:stretch>
+          </p:blipFill>
+          <p:spPr bwMode="auto">
+            <a:xfrm>
+              <a:off x="7098939" y="3886200"/>
+              <a:ext cx="295278" cy="304800"/>
+            </a:xfrm>
+            <a:prstGeom prst="rect">
+              <a:avLst/>
+            </a:prstGeom>
+            <a:noFill/>
+            <a:extLst>
+              <a:ext uri="{909E8E84-426E-40DD-AFC4-6F175D3DCCD1}">
+                <a14:hiddenFill xmlns:a14="http://schemas.microsoft.com/office/drawing/2010/main" xmlns="">
+                  <a:solidFill>
+                    <a:srgbClr val="FFFFFF"/>
+                  </a:solidFill>
+                </a14:hiddenFill>
+              </a:ext>
+            </a:extLst>
+          </p:spPr>
+        </p:pic>
+        <p:pic>
+          <p:nvPicPr>
+            <p:cNvPr id="9" name="Picture 4" descr="Berkas:Telegram logo.svg - Wikipedia bahasa Indonesia, ensiklopedia bebas"/>
+            <p:cNvPicPr>
+              <a:picLocks noChangeAspect="1" noChangeArrowheads="1"/>
+            </p:cNvPicPr>
+            <p:nvPr/>
+          </p:nvPicPr>
+          <p:blipFill>
+            <a:blip r:embed="rId4" cstate="print">
+              <a:duotone>
+                <a:schemeClr val="bg2">
+                  <a:shade val="45000"/>
+                  <a:satMod val="135000"/>
+                </a:schemeClr>
+                <a:prstClr val="white"/>
+              </a:duotone>
+              <a:extLst>
+                <a:ext uri="{28A0092B-C50C-407E-A947-70E740481C1C}">
+                  <a14:useLocalDpi xmlns:a14="http://schemas.microsoft.com/office/drawing/2010/main" xmlns="" val="0"/>
+                </a:ext>
+              </a:extLst>
+            </a:blip>
+            <a:srcRect/>
+            <a:stretch>
+              <a:fillRect/>
+            </a:stretch>
+          </p:blipFill>
+          <p:spPr bwMode="auto">
+            <a:xfrm>
+              <a:off x="8100837" y="1728205"/>
+              <a:ext cx="614188" cy="633995"/>
+            </a:xfrm>
+            <a:prstGeom prst="rect">
+              <a:avLst/>
+            </a:prstGeom>
+            <a:noFill/>
+            <a:extLst>
+              <a:ext uri="{909E8E84-426E-40DD-AFC4-6F175D3DCCD1}">
+                <a14:hiddenFill xmlns:a14="http://schemas.microsoft.com/office/drawing/2010/main" xmlns="">
+                  <a:solidFill>
+                    <a:srgbClr val="FFFFFF"/>
+                  </a:solidFill>
+                </a14:hiddenFill>
+              </a:ext>
+            </a:extLst>
+          </p:spPr>
+        </p:pic>
+        <p:pic>
+          <p:nvPicPr>
+            <p:cNvPr id="10" name="Picture 4" descr="Berkas:Telegram logo.svg - Wikipedia bahasa Indonesia, ensiklopedia bebas"/>
+            <p:cNvPicPr>
+              <a:picLocks noChangeAspect="1" noChangeArrowheads="1"/>
+            </p:cNvPicPr>
+            <p:nvPr/>
+          </p:nvPicPr>
+          <p:blipFill>
+            <a:blip r:embed="rId5" cstate="print">
+              <a:duotone>
+                <a:schemeClr val="bg2">
+                  <a:shade val="45000"/>
+                  <a:satMod val="135000"/>
+                </a:schemeClr>
+                <a:prstClr val="white"/>
+              </a:duotone>
+              <a:extLst>
+                <a:ext uri="{28A0092B-C50C-407E-A947-70E740481C1C}">
+                  <a14:useLocalDpi xmlns:a14="http://schemas.microsoft.com/office/drawing/2010/main" xmlns="" val="0"/>
+                </a:ext>
+              </a:extLst>
+            </a:blip>
+            <a:srcRect/>
+            <a:stretch>
+              <a:fillRect/>
+            </a:stretch>
+          </p:blipFill>
+          <p:spPr bwMode="auto">
+            <a:xfrm>
+              <a:off x="6934199" y="3316528"/>
+              <a:ext cx="369097" cy="381000"/>
+            </a:xfrm>
+            <a:prstGeom prst="rect">
+              <a:avLst/>
+            </a:prstGeom>
+            <a:noFill/>
+            <a:extLst>
+              <a:ext uri="{909E8E84-426E-40DD-AFC4-6F175D3DCCD1}">
+                <a14:hiddenFill xmlns:a14="http://schemas.microsoft.com/office/drawing/2010/main" xmlns="">
+                  <a:solidFill>
+                    <a:srgbClr val="FFFFFF"/>
+                  </a:solidFill>
+                </a14:hiddenFill>
+              </a:ext>
+            </a:extLst>
+          </p:spPr>
+        </p:pic>
+        <p:pic>
+          <p:nvPicPr>
+            <p:cNvPr id="11" name="Picture 4" descr="Berkas:Telegram logo.svg - Wikipedia bahasa Indonesia, ensiklopedia bebas"/>
+            <p:cNvPicPr>
+              <a:picLocks noChangeAspect="1" noChangeArrowheads="1"/>
+            </p:cNvPicPr>
+            <p:nvPr/>
+          </p:nvPicPr>
+          <p:blipFill>
+            <a:blip r:embed="rId3" cstate="print">
+              <a:duotone>
+                <a:schemeClr val="bg2">
+                  <a:shade val="45000"/>
+                  <a:satMod val="135000"/>
+                </a:schemeClr>
+                <a:prstClr val="white"/>
+              </a:duotone>
+              <a:extLst>
+                <a:ext uri="{28A0092B-C50C-407E-A947-70E740481C1C}">
+                  <a14:useLocalDpi xmlns:a14="http://schemas.microsoft.com/office/drawing/2010/main" xmlns="" val="0"/>
+                </a:ext>
+              </a:extLst>
+            </a:blip>
+            <a:srcRect/>
+            <a:stretch>
+              <a:fillRect/>
+            </a:stretch>
+          </p:blipFill>
+          <p:spPr bwMode="auto">
+            <a:xfrm>
+              <a:off x="6598332" y="4578927"/>
+              <a:ext cx="295278" cy="304800"/>
+            </a:xfrm>
+            <a:prstGeom prst="rect">
+              <a:avLst/>
+            </a:prstGeom>
+            <a:noFill/>
+            <a:extLst>
+              <a:ext uri="{909E8E84-426E-40DD-AFC4-6F175D3DCCD1}">
+                <a14:hiddenFill xmlns:a14="http://schemas.microsoft.com/office/drawing/2010/main" xmlns="">
+                  <a:solidFill>
+                    <a:srgbClr val="FFFFFF"/>
+                  </a:solidFill>
+                </a14:hiddenFill>
+              </a:ext>
+            </a:extLst>
+          </p:spPr>
+        </p:pic>
+        <p:pic>
+          <p:nvPicPr>
+            <p:cNvPr id="12" name="Picture 4" descr="Berkas:Telegram logo.svg - Wikipedia bahasa Indonesia, ensiklopedia bebas"/>
+            <p:cNvPicPr>
+              <a:picLocks noChangeAspect="1" noChangeArrowheads="1"/>
+            </p:cNvPicPr>
+            <p:nvPr/>
+          </p:nvPicPr>
+          <p:blipFill>
+            <a:blip r:embed="rId3" cstate="print">
+              <a:duotone>
+                <a:schemeClr val="bg2">
+                  <a:shade val="45000"/>
+                  <a:satMod val="135000"/>
+                </a:schemeClr>
+                <a:prstClr val="white"/>
+              </a:duotone>
+              <a:extLst>
+                <a:ext uri="{28A0092B-C50C-407E-A947-70E740481C1C}">
+                  <a14:useLocalDpi xmlns:a14="http://schemas.microsoft.com/office/drawing/2010/main" xmlns="" val="0"/>
+                </a:ext>
+              </a:extLst>
+            </a:blip>
+            <a:srcRect/>
+            <a:stretch>
+              <a:fillRect/>
+            </a:stretch>
+          </p:blipFill>
+          <p:spPr bwMode="auto">
+            <a:xfrm>
+              <a:off x="7111500" y="4623954"/>
+              <a:ext cx="295278" cy="304800"/>
+            </a:xfrm>
+            <a:prstGeom prst="rect">
+              <a:avLst/>
+            </a:prstGeom>
+            <a:noFill/>
+            <a:extLst>
+              <a:ext uri="{909E8E84-426E-40DD-AFC4-6F175D3DCCD1}">
+                <a14:hiddenFill xmlns:a14="http://schemas.microsoft.com/office/drawing/2010/main" xmlns="">
+                  <a:solidFill>
+                    <a:srgbClr val="FFFFFF"/>
+                  </a:solidFill>
+                </a14:hiddenFill>
+              </a:ext>
+            </a:extLst>
+          </p:spPr>
+        </p:pic>
+        <p:pic>
+          <p:nvPicPr>
+            <p:cNvPr id="13" name="Picture 4" descr="Berkas:Telegram logo.svg - Wikipedia bahasa Indonesia, ensiklopedia bebas"/>
+            <p:cNvPicPr>
+              <a:picLocks noChangeAspect="1" noChangeArrowheads="1"/>
+            </p:cNvPicPr>
+            <p:nvPr/>
+          </p:nvPicPr>
+          <p:blipFill>
+            <a:blip r:embed="rId3" cstate="print">
+              <a:duotone>
+                <a:schemeClr val="bg2">
+                  <a:shade val="45000"/>
+                  <a:satMod val="135000"/>
+                </a:schemeClr>
+                <a:prstClr val="white"/>
+              </a:duotone>
+              <a:extLst>
+                <a:ext uri="{28A0092B-C50C-407E-A947-70E740481C1C}">
+                  <a14:useLocalDpi xmlns:a14="http://schemas.microsoft.com/office/drawing/2010/main" xmlns="" val="0"/>
+                </a:ext>
+              </a:extLst>
+            </a:blip>
+            <a:srcRect/>
+            <a:stretch>
+              <a:fillRect/>
+            </a:stretch>
+          </p:blipFill>
+          <p:spPr bwMode="auto">
+            <a:xfrm>
+              <a:off x="6450693" y="5264725"/>
+              <a:ext cx="295278" cy="304800"/>
+            </a:xfrm>
+            <a:prstGeom prst="rect">
+              <a:avLst/>
+            </a:prstGeom>
+            <a:noFill/>
+            <a:extLst>
+              <a:ext uri="{909E8E84-426E-40DD-AFC4-6F175D3DCCD1}">
+                <a14:hiddenFill xmlns:a14="http://schemas.microsoft.com/office/drawing/2010/main" xmlns="">
+                  <a:solidFill>
+                    <a:srgbClr val="FFFFFF"/>
+                  </a:solidFill>
+                </a14:hiddenFill>
+              </a:ext>
+            </a:extLst>
+          </p:spPr>
+        </p:pic>
+        <p:pic>
+          <p:nvPicPr>
+            <p:cNvPr id="14" name="Picture 13" descr="Berkas:Telegram logo.svg - Wikipedia bahasa Indonesia, ensiklopedia bebas"/>
+            <p:cNvPicPr>
+              <a:picLocks noChangeAspect="1" noChangeArrowheads="1"/>
+            </p:cNvPicPr>
+            <p:nvPr/>
+          </p:nvPicPr>
+          <p:blipFill>
+            <a:blip r:embed="rId6" cstate="print">
+              <a:duotone>
+                <a:schemeClr val="bg2">
+                  <a:shade val="45000"/>
+                  <a:satMod val="135000"/>
+                </a:schemeClr>
+                <a:prstClr val="white"/>
+              </a:duotone>
+              <a:extLst>
+                <a:ext uri="{28A0092B-C50C-407E-A947-70E740481C1C}">
+                  <a14:useLocalDpi xmlns:a14="http://schemas.microsoft.com/office/drawing/2010/main" xmlns="" val="0"/>
+                </a:ext>
+              </a:extLst>
+            </a:blip>
+            <a:srcRect/>
+            <a:stretch>
+              <a:fillRect/>
+            </a:stretch>
+          </p:blipFill>
+          <p:spPr bwMode="auto">
+            <a:xfrm>
+              <a:off x="7668172" y="3287183"/>
+              <a:ext cx="432664" cy="446617"/>
+            </a:xfrm>
+            <a:prstGeom prst="rect">
+              <a:avLst/>
+            </a:prstGeom>
+            <a:noFill/>
+            <a:extLst>
+              <a:ext uri="{909E8E84-426E-40DD-AFC4-6F175D3DCCD1}">
+                <a14:hiddenFill xmlns:a14="http://schemas.microsoft.com/office/drawing/2010/main" xmlns="">
+                  <a:solidFill>
+                    <a:srgbClr val="FFFFFF"/>
+                  </a:solidFill>
+                </a14:hiddenFill>
+              </a:ext>
+            </a:extLst>
+          </p:spPr>
+        </p:pic>
+      </p:grpSp>
       <p:sp>
         <p:nvSpPr>
           <p:cNvPr id="1031" name="Rectangle 1030"/>
@@ -7619,7 +14498,7 @@
         <p:spPr>
           <a:xfrm>
             <a:off x="381000" y="370582"/>
-            <a:ext cx="5808000" cy="1077218"/>
+            <a:ext cx="5056192" cy="584775"/>
           </a:xfrm>
           <a:prstGeom prst="rect">
             <a:avLst/>
@@ -7633,69 +14512,6 @@
           <a:lstStyle/>
           <a:p>
             <a:r>
-              <a:rPr lang="en-US" sz="3200" cap="none" spc="0" dirty="0" err="1" smtClean="0">
-                <a:ln w="12700">
-                  <a:solidFill>
-                    <a:sysClr val="windowText" lastClr="000000"/>
-                  </a:solidFill>
-                  <a:prstDash val="solid"/>
-                </a:ln>
-                <a:solidFill>
-                  <a:sysClr val="windowText" lastClr="000000"/>
-                </a:solidFill>
-                <a:latin typeface="Arial" panose="020B0604020202020204" pitchFamily="34" charset="0"/>
-                <a:cs typeface="Arial" panose="020B0604020202020204" pitchFamily="34" charset="0"/>
-              </a:rPr>
-              <a:t>Menghubungkan</a:t>
-            </a:r>
-            <a:r>
-              <a:rPr lang="en-US" sz="3200" cap="none" spc="0" dirty="0" smtClean="0">
-                <a:ln w="12700">
-                  <a:solidFill>
-                    <a:sysClr val="windowText" lastClr="000000"/>
-                  </a:solidFill>
-                  <a:prstDash val="solid"/>
-                </a:ln>
-                <a:solidFill>
-                  <a:sysClr val="windowText" lastClr="000000"/>
-                </a:solidFill>
-                <a:latin typeface="Arial" panose="020B0604020202020204" pitchFamily="34" charset="0"/>
-                <a:cs typeface="Arial" panose="020B0604020202020204" pitchFamily="34" charset="0"/>
-              </a:rPr>
-              <a:t> board </a:t>
-            </a:r>
-            <a:r>
-              <a:rPr lang="en-US" sz="3200" cap="none" spc="0" dirty="0" err="1" smtClean="0">
-                <a:ln w="12700">
-                  <a:solidFill>
-                    <a:sysClr val="windowText" lastClr="000000"/>
-                  </a:solidFill>
-                  <a:prstDash val="solid"/>
-                </a:ln>
-                <a:solidFill>
-                  <a:sysClr val="windowText" lastClr="000000"/>
-                </a:solidFill>
-                <a:latin typeface="Arial" panose="020B0604020202020204" pitchFamily="34" charset="0"/>
-                <a:cs typeface="Arial" panose="020B0604020202020204" pitchFamily="34" charset="0"/>
-              </a:rPr>
-              <a:t>wemos</a:t>
-            </a:r>
-            <a:endParaRPr lang="en-US" sz="3200" dirty="0">
-              <a:ln w="12700">
-                <a:solidFill>
-                  <a:sysClr val="windowText" lastClr="000000"/>
-                </a:solidFill>
-                <a:prstDash val="solid"/>
-              </a:ln>
-              <a:solidFill>
-                <a:sysClr val="windowText" lastClr="000000"/>
-              </a:solidFill>
-              <a:latin typeface="Arial" panose="020B0604020202020204" pitchFamily="34" charset="0"/>
-              <a:cs typeface="Arial" panose="020B0604020202020204" pitchFamily="34" charset="0"/>
-            </a:endParaRPr>
-          </a:p>
-          <a:p>
-            <a:r>
               <a:rPr lang="en-US" sz="3200" dirty="0" err="1" smtClean="0">
                 <a:ln w="12700">
                   <a:solidFill>
@@ -7709,7 +14525,7 @@
                 <a:latin typeface="Arial" panose="020B0604020202020204" pitchFamily="34" charset="0"/>
                 <a:cs typeface="Arial" panose="020B0604020202020204" pitchFamily="34" charset="0"/>
               </a:rPr>
-              <a:t>dengan</a:t>
+              <a:t>Membuat</a:t>
             </a:r>
             <a:r>
               <a:rPr lang="en-US" sz="3200" dirty="0" smtClean="0">
@@ -7725,7 +14541,39 @@
                 <a:latin typeface="Arial" panose="020B0604020202020204" pitchFamily="34" charset="0"/>
                 <a:cs typeface="Arial" panose="020B0604020202020204" pitchFamily="34" charset="0"/>
               </a:rPr>
-              <a:t> telegram chat app</a:t>
+              <a:t> </a:t>
+            </a:r>
+            <a:r>
+              <a:rPr lang="en-US" sz="3200" dirty="0" err="1" smtClean="0">
+                <a:ln w="12700">
+                  <a:solidFill>
+                    <a:sysClr val="windowText" lastClr="000000"/>
+                  </a:solidFill>
+                  <a:prstDash val="solid"/>
+                </a:ln>
+                <a:solidFill>
+                  <a:sysClr val="windowText" lastClr="000000"/>
+                </a:solidFill>
+                <a:latin typeface="Arial" panose="020B0604020202020204" pitchFamily="34" charset="0"/>
+                <a:cs typeface="Arial" panose="020B0604020202020204" pitchFamily="34" charset="0"/>
+              </a:rPr>
+              <a:t>chatbot</a:t>
+            </a:r>
+            <a:r>
+              <a:rPr lang="en-US" sz="3200" dirty="0" smtClean="0">
+                <a:ln w="12700">
+                  <a:solidFill>
+                    <a:sysClr val="windowText" lastClr="000000"/>
+                  </a:solidFill>
+                  <a:prstDash val="solid"/>
+                </a:ln>
+                <a:solidFill>
+                  <a:sysClr val="windowText" lastClr="000000"/>
+                </a:solidFill>
+                <a:latin typeface="Arial" panose="020B0604020202020204" pitchFamily="34" charset="0"/>
+                <a:cs typeface="Arial" panose="020B0604020202020204" pitchFamily="34" charset="0"/>
+              </a:rPr>
+              <a:t> telegram</a:t>
             </a:r>
             <a:endParaRPr lang="en-US" sz="3200" cap="none" spc="0" dirty="0">
               <a:ln w="12700">
@@ -7743,16 +14591,83 @@
           </a:p>
         </p:txBody>
       </p:sp>
+      <p:pic>
+        <p:nvPicPr>
+          <p:cNvPr id="5" name="Picture 4" descr="Berkas:Telegram logo.svg - Wikipedia bahasa Indonesia, ensiklopedia bebas"/>
+          <p:cNvPicPr>
+            <a:picLocks noChangeAspect="1" noChangeArrowheads="1"/>
+          </p:cNvPicPr>
+          <p:nvPr/>
+        </p:nvPicPr>
+        <p:blipFill>
+          <a:blip r:embed="rId7" cstate="print">
+            <a:extLst>
+              <a:ext uri="{28A0092B-C50C-407E-A947-70E740481C1C}">
+                <a14:useLocalDpi xmlns:a14="http://schemas.microsoft.com/office/drawing/2010/main" xmlns="" val="0"/>
+              </a:ext>
+            </a:extLst>
+          </a:blip>
+          <a:srcRect/>
+          <a:stretch>
+            <a:fillRect/>
+          </a:stretch>
+        </p:blipFill>
+        <p:spPr bwMode="auto">
+          <a:xfrm>
+            <a:off x="8358116" y="5867400"/>
+            <a:ext cx="504967" cy="521252"/>
+          </a:xfrm>
+          <a:prstGeom prst="rect">
+            <a:avLst/>
+          </a:prstGeom>
+          <a:noFill/>
+          <a:extLst>
+            <a:ext uri="{909E8E84-426E-40DD-AFC4-6F175D3DCCD1}">
+              <a14:hiddenFill xmlns:a14="http://schemas.microsoft.com/office/drawing/2010/main" xmlns="">
+                <a:solidFill>
+                  <a:srgbClr val="FFFFFF"/>
+                </a:solidFill>
+              </a14:hiddenFill>
+            </a:ext>
+          </a:extLst>
+        </p:spPr>
+      </p:pic>
+      <p:pic>
+        <p:nvPicPr>
+          <p:cNvPr id="23554" name="Picture 2" descr="Install and Download Telegram"/>
+          <p:cNvPicPr>
+            <a:picLocks noChangeAspect="1" noChangeArrowheads="1"/>
+          </p:cNvPicPr>
+          <p:nvPr/>
+        </p:nvPicPr>
+        <p:blipFill>
+          <a:blip r:embed="rId8"/>
+          <a:srcRect/>
+          <a:stretch>
+            <a:fillRect/>
+          </a:stretch>
+        </p:blipFill>
+        <p:spPr bwMode="auto">
+          <a:xfrm>
+            <a:off x="2743200" y="2314574"/>
+            <a:ext cx="3371850" cy="2562226"/>
+          </a:xfrm>
+          <a:prstGeom prst="rect">
+            <a:avLst/>
+          </a:prstGeom>
+          <a:noFill/>
+        </p:spPr>
+      </p:pic>
       <p:sp>
         <p:nvSpPr>
-          <p:cNvPr id="25" name="Rectangle 24"/>
+          <p:cNvPr id="16" name="Rectangle 15"/>
           <p:cNvSpPr/>
           <p:nvPr/>
         </p:nvSpPr>
         <p:spPr>
           <a:xfrm>
-            <a:off x="304800" y="2133600"/>
-            <a:ext cx="5907386" cy="584775"/>
+            <a:off x="424468" y="1676400"/>
+            <a:ext cx="3995132" cy="461665"/>
           </a:xfrm>
           <a:prstGeom prst="rect">
             <a:avLst/>
@@ -7760,127 +14675,32 @@
           <a:noFill/>
         </p:spPr>
         <p:txBody>
-          <a:bodyPr wrap="none" lIns="91440" tIns="45720" rIns="91440" bIns="45720">
+          <a:bodyPr wrap="square" lIns="91440" tIns="45720" rIns="91440" bIns="45720">
             <a:spAutoFit/>
           </a:bodyPr>
           <a:lstStyle/>
           <a:p>
-            <a:r>
-              <a:rPr lang="en-US" sz="3200" dirty="0" err="1" smtClean="0">
-                <a:ln w="12700">
-                  <a:solidFill>
-                    <a:sysClr val="windowText" lastClr="000000"/>
-                  </a:solidFill>
-                  <a:prstDash val="solid"/>
-                </a:ln>
-                <a:solidFill>
-                  <a:sysClr val="windowText" lastClr="000000"/>
-                </a:solidFill>
-                <a:latin typeface="Arial" panose="020B0604020202020204" pitchFamily="34" charset="0"/>
-                <a:cs typeface="Arial" panose="020B0604020202020204" pitchFamily="34" charset="0"/>
-              </a:rPr>
-              <a:t>Pengantar</a:t>
-            </a:r>
-            <a:r>
-              <a:rPr lang="en-US" sz="3200" dirty="0" smtClean="0">
-                <a:ln w="12700">
-                  <a:solidFill>
-                    <a:sysClr val="windowText" lastClr="000000"/>
-                  </a:solidFill>
-                  <a:prstDash val="solid"/>
-                </a:ln>
-                <a:solidFill>
-                  <a:sysClr val="windowText" lastClr="000000"/>
-                </a:solidFill>
-                <a:latin typeface="Arial" panose="020B0604020202020204" pitchFamily="34" charset="0"/>
-                <a:cs typeface="Arial" panose="020B0604020202020204" pitchFamily="34" charset="0"/>
-              </a:rPr>
-              <a:t> </a:t>
-            </a:r>
-            <a:r>
-              <a:rPr lang="en-US" sz="3200" dirty="0" err="1" smtClean="0">
-                <a:ln w="12700">
-                  <a:solidFill>
-                    <a:sysClr val="windowText" lastClr="000000"/>
-                  </a:solidFill>
-                  <a:prstDash val="solid"/>
-                </a:ln>
-                <a:solidFill>
-                  <a:sysClr val="windowText" lastClr="000000"/>
-                </a:solidFill>
-                <a:latin typeface="Arial" panose="020B0604020202020204" pitchFamily="34" charset="0"/>
-                <a:cs typeface="Arial" panose="020B0604020202020204" pitchFamily="34" charset="0"/>
-              </a:rPr>
-              <a:t>singkat</a:t>
-            </a:r>
-            <a:r>
-              <a:rPr lang="en-US" sz="3200" dirty="0" smtClean="0">
-                <a:ln w="12700">
-                  <a:solidFill>
-                    <a:sysClr val="windowText" lastClr="000000"/>
-                  </a:solidFill>
-                  <a:prstDash val="solid"/>
-                </a:ln>
-                <a:solidFill>
-                  <a:sysClr val="windowText" lastClr="000000"/>
-                </a:solidFill>
-                <a:latin typeface="Arial" panose="020B0604020202020204" pitchFamily="34" charset="0"/>
-                <a:cs typeface="Arial" panose="020B0604020202020204" pitchFamily="34" charset="0"/>
-              </a:rPr>
-              <a:t> </a:t>
-            </a:r>
-            <a:r>
-              <a:rPr lang="en-US" sz="3200" dirty="0" err="1" smtClean="0">
-                <a:ln w="12700">
-                  <a:solidFill>
-                    <a:sysClr val="windowText" lastClr="000000"/>
-                  </a:solidFill>
-                  <a:prstDash val="solid"/>
-                </a:ln>
-                <a:solidFill>
-                  <a:sysClr val="windowText" lastClr="000000"/>
-                </a:solidFill>
-                <a:latin typeface="Arial" panose="020B0604020202020204" pitchFamily="34" charset="0"/>
-                <a:cs typeface="Arial" panose="020B0604020202020204" pitchFamily="34" charset="0"/>
-              </a:rPr>
-              <a:t>tentang</a:t>
-            </a:r>
-            <a:r>
-              <a:rPr lang="en-US" sz="3200" dirty="0" smtClean="0">
-                <a:ln w="12700">
-                  <a:solidFill>
-                    <a:sysClr val="windowText" lastClr="000000"/>
-                  </a:solidFill>
-                  <a:prstDash val="solid"/>
-                </a:ln>
-                <a:solidFill>
-                  <a:sysClr val="windowText" lastClr="000000"/>
-                </a:solidFill>
-                <a:latin typeface="Arial" panose="020B0604020202020204" pitchFamily="34" charset="0"/>
-                <a:cs typeface="Arial" panose="020B0604020202020204" pitchFamily="34" charset="0"/>
-              </a:rPr>
-              <a:t> IOT</a:t>
-            </a:r>
-            <a:endParaRPr lang="en-US" sz="3200" cap="none" spc="0" dirty="0">
-              <a:ln w="12700">
-                <a:solidFill>
-                  <a:srgbClr val="00B050"/>
-                </a:solidFill>
-                <a:prstDash val="solid"/>
-              </a:ln>
-              <a:solidFill>
-                <a:srgbClr val="00B050"/>
-              </a:solidFill>
-              <a:latin typeface="Arial" panose="020B0604020202020204" pitchFamily="34" charset="0"/>
-              <a:cs typeface="Arial" panose="020B0604020202020204" pitchFamily="34" charset="0"/>
-            </a:endParaRPr>
+            <a:pPr algn="just"/>
+            <a:r>
+              <a:rPr lang="en-US" sz="2400" dirty="0" smtClean="0"/>
+              <a:t>Install </a:t>
+            </a:r>
+            <a:r>
+              <a:rPr lang="en-US" sz="2400" dirty="0" err="1" smtClean="0"/>
+              <a:t>aplikasi</a:t>
+            </a:r>
+            <a:r>
+              <a:rPr lang="en-US" sz="2400" dirty="0" smtClean="0"/>
+              <a:t> telegram</a:t>
+            </a:r>
+            <a:endParaRPr lang="en-US" sz="2400" dirty="0" smtClean="0"/>
           </a:p>
         </p:txBody>
       </p:sp>
     </p:spTree>
     <p:extLst>
       <p:ext uri="{BB962C8B-B14F-4D97-AF65-F5344CB8AC3E}">
-        <p14:creationId xmlns:p14="http://schemas.microsoft.com/office/powerpoint/2010/main" val="1635134170"/>
+        <p14:creationId xmlns:p14="http://schemas.microsoft.com/office/powerpoint/2010/main" xmlns="" val="3275252478"/>
       </p:ext>
     </p:extLst>
   </p:cSld>
